--- a/Componentes-teoricos/Slide móvil sesión 8 semana 3_ .pptx
+++ b/Componentes-teoricos/Slide móvil sesión 8 semana 3_ .pptx
@@ -2,30 +2,30 @@
 <file path=ppt/presentation.xml><?xml version="1.0" encoding="utf-8"?>
 <p:presentation xmlns:a="http://schemas.openxmlformats.org/drawingml/2006/main" xmlns:r="http://schemas.openxmlformats.org/officeDocument/2006/relationships" xmlns:mc="http://schemas.openxmlformats.org/markup-compatibility/2006" xmlns:mv="urn:schemas-microsoft-com:mac:vml" xmlns:p="http://schemas.openxmlformats.org/presentationml/2006/main" xmlns:c="http://schemas.openxmlformats.org/drawingml/2006/chart" xmlns:dgm="http://schemas.openxmlformats.org/drawingml/2006/diagram" xmlns:o="urn:schemas-microsoft-com:office:office" xmlns:v="urn:schemas-microsoft-com:vml" xmlns:pvml="urn:schemas-microsoft-com:office:powerpoint" xmlns:com="http://schemas.openxmlformats.org/drawingml/2006/compatibility" xmlns:p14="http://schemas.microsoft.com/office/powerpoint/2010/main" xmlns:p15="http://schemas.microsoft.com/office/powerpoint/2012/main" xmlns:ahyp="http://schemas.microsoft.com/office/drawing/2018/hyperlinkcolor" autoCompressPictures="0" strictFirstAndLastChars="0" saveSubsetFonts="1">
   <p:sldMasterIdLst>
-    <p:sldMasterId id="2147483648" r:id="rId5"/>
+    <p:sldMasterId id="2147483648" r:id="rId4"/>
   </p:sldMasterIdLst>
   <p:notesMasterIdLst>
-    <p:notesMasterId r:id="rId6"/>
+    <p:notesMasterId r:id="rId5"/>
   </p:notesMasterIdLst>
   <p:sldIdLst>
-    <p:sldId id="256" r:id="rId7"/>
-    <p:sldId id="257" r:id="rId8"/>
-    <p:sldId id="258" r:id="rId9"/>
-    <p:sldId id="259" r:id="rId10"/>
-    <p:sldId id="260" r:id="rId11"/>
-    <p:sldId id="261" r:id="rId12"/>
-    <p:sldId id="262" r:id="rId13"/>
-    <p:sldId id="263" r:id="rId14"/>
-    <p:sldId id="264" r:id="rId15"/>
-    <p:sldId id="265" r:id="rId16"/>
-    <p:sldId id="266" r:id="rId17"/>
-    <p:sldId id="267" r:id="rId18"/>
-    <p:sldId id="268" r:id="rId19"/>
-    <p:sldId id="269" r:id="rId20"/>
-    <p:sldId id="270" r:id="rId21"/>
-    <p:sldId id="271" r:id="rId22"/>
-    <p:sldId id="272" r:id="rId23"/>
-    <p:sldId id="273" r:id="rId24"/>
+    <p:sldId id="256" r:id="rId6"/>
+    <p:sldId id="257" r:id="rId7"/>
+    <p:sldId id="258" r:id="rId8"/>
+    <p:sldId id="259" r:id="rId9"/>
+    <p:sldId id="260" r:id="rId10"/>
+    <p:sldId id="261" r:id="rId11"/>
+    <p:sldId id="262" r:id="rId12"/>
+    <p:sldId id="263" r:id="rId13"/>
+    <p:sldId id="264" r:id="rId14"/>
+    <p:sldId id="265" r:id="rId15"/>
+    <p:sldId id="266" r:id="rId16"/>
+    <p:sldId id="267" r:id="rId17"/>
+    <p:sldId id="268" r:id="rId18"/>
+    <p:sldId id="269" r:id="rId19"/>
+    <p:sldId id="270" r:id="rId20"/>
+    <p:sldId id="271" r:id="rId21"/>
+    <p:sldId id="272" r:id="rId22"/>
+    <p:sldId id="273" r:id="rId23"/>
   </p:sldIdLst>
   <p:sldSz cy="5143500" cx="9144000"/>
   <p:notesSz cx="6858000" cy="9144000"/>
@@ -274,198 +274,10 @@
       </p15:sldGuideLst>
     </p:ext>
     <p:ext uri="http://customooxmlschemas.google.com/">
-      <go:slidesCustomData xmlns:go="http://customooxmlschemas.google.com/" r:id="rId25" roundtripDataSignature="AMtx7mjhFSxw+DfOiP9/I1G/GaOdKYtzDw=="/>
+      <go:slidesCustomData xmlns:go="http://customooxmlschemas.google.com/" r:id="rId24" roundtripDataSignature="AMtx7mgW5e9pfJS1lPXG0ud4IDMT7ZnMFQ=="/>
     </p:ext>
   </p:extLst>
 </p:presentation>
-</file>
-
-<file path=ppt/commentAuthors.xml><?xml version="1.0" encoding="utf-8"?>
-<p:cmAuthorLst xmlns:a="http://schemas.openxmlformats.org/drawingml/2006/main" xmlns:r="http://schemas.openxmlformats.org/officeDocument/2006/relationships" xmlns:mc="http://schemas.openxmlformats.org/markup-compatibility/2006" xmlns:mv="urn:schemas-microsoft-com:mac:vml" xmlns:p="http://schemas.openxmlformats.org/presentationml/2006/main" xmlns:c="http://schemas.openxmlformats.org/drawingml/2006/chart" xmlns:dgm="http://schemas.openxmlformats.org/drawingml/2006/diagram" xmlns:o="urn:schemas-microsoft-com:office:office" xmlns:v="urn:schemas-microsoft-com:vml" xmlns:pvml="urn:schemas-microsoft-com:office:powerpoint" xmlns:com="http://schemas.openxmlformats.org/drawingml/2006/compatibility" xmlns:p14="http://schemas.microsoft.com/office/powerpoint/2010/main" xmlns:p15="http://schemas.microsoft.com/office/powerpoint/2012/main" xmlns:ahyp="http://schemas.microsoft.com/office/drawing/2018/hyperlinkcolor">
-  <p:cmAuthor clrIdx="0" id="0" initials="" lastIdx="8" name="Franklin Enmanuel Zabaleta Torres"/>
-  <p:cmAuthor clrIdx="1" id="1" initials="" lastIdx="1" name="Augusto Salazar Silva"/>
-</p:cmAuthorLst>
-</file>
-
-<file path=ppt/comments/comment1.xml><?xml version="1.0" encoding="utf-8"?>
-<p:cmLst xmlns:a="http://schemas.openxmlformats.org/drawingml/2006/main" xmlns:r="http://schemas.openxmlformats.org/officeDocument/2006/relationships" xmlns:mc="http://schemas.openxmlformats.org/markup-compatibility/2006" xmlns:mv="urn:schemas-microsoft-com:mac:vml" xmlns:p="http://schemas.openxmlformats.org/presentationml/2006/main" xmlns:c="http://schemas.openxmlformats.org/drawingml/2006/chart" xmlns:dgm="http://schemas.openxmlformats.org/drawingml/2006/diagram" xmlns:o="urn:schemas-microsoft-com:office:office" xmlns:v="urn:schemas-microsoft-com:vml" xmlns:pvml="urn:schemas-microsoft-com:office:powerpoint" xmlns:com="http://schemas.openxmlformats.org/drawingml/2006/compatibility" xmlns:p14="http://schemas.microsoft.com/office/powerpoint/2010/main" xmlns:p15="http://schemas.microsoft.com/office/powerpoint/2012/main" xmlns:ahyp="http://schemas.microsoft.com/office/drawing/2018/hyperlinkcolor">
-  <p:cm authorId="0" idx="1" dt="2021-09-28T23:36:22.937">
-    <p:pos x="1625" y="2235"/>
-    <p:text>@camaranto@uninorte.edu.co
-final name = Rx&lt;String&gt;('Camila');
-_Assigned to Carlos Andres Conrado Amaranto_</p:text>
-    <p:extLst>
-      <p:ext uri="{C676402C-5697-4E1C-873F-D02D1690AC5C}">
-        <p15:threadingInfo timeZoneBias="0"/>
-      </p:ext>
-      <p:ext uri="http://customooxmlschemas.google.com/">
-        <go:slidesCustomData xmlns:go="http://customooxmlschemas.google.com/" commentPostId="AAAAPjXNm4w"/>
-      </p:ext>
-    </p:extLst>
-  </p:cm>
-  <p:cm authorId="0" idx="2" dt="2021-09-28T23:35:02.025">
-    <p:pos x="1625" y="1616"/>
-    <p:text>@camaranto@uninorte.edu.co
-final name = "Camila".obs;
-_Assigned to Carlos Andres Conrado Amaranto_</p:text>
-    <p:extLst>
-      <p:ext uri="{C676402C-5697-4E1C-873F-D02D1690AC5C}">
-        <p15:threadingInfo timeZoneBias="0"/>
-      </p:ext>
-      <p:ext uri="http://customooxmlschemas.google.com/">
-        <go:slidesCustomData xmlns:go="http://customooxmlschemas.google.com/" commentPostId="AAAAPjXNm4s"/>
-      </p:ext>
-    </p:extLst>
-  </p:cm>
-</p:cmLst>
-</file>
-
-<file path=ppt/comments/comment2.xml><?xml version="1.0" encoding="utf-8"?>
-<p:cmLst xmlns:a="http://schemas.openxmlformats.org/drawingml/2006/main" xmlns:r="http://schemas.openxmlformats.org/officeDocument/2006/relationships" xmlns:mc="http://schemas.openxmlformats.org/markup-compatibility/2006" xmlns:mv="urn:schemas-microsoft-com:mac:vml" xmlns:p="http://schemas.openxmlformats.org/presentationml/2006/main" xmlns:c="http://schemas.openxmlformats.org/drawingml/2006/chart" xmlns:dgm="http://schemas.openxmlformats.org/drawingml/2006/diagram" xmlns:o="urn:schemas-microsoft-com:office:office" xmlns:v="urn:schemas-microsoft-com:vml" xmlns:pvml="urn:schemas-microsoft-com:office:powerpoint" xmlns:com="http://schemas.openxmlformats.org/drawingml/2006/compatibility" xmlns:p14="http://schemas.microsoft.com/office/powerpoint/2010/main" xmlns:p15="http://schemas.microsoft.com/office/powerpoint/2012/main" xmlns:ahyp="http://schemas.microsoft.com/office/drawing/2018/hyperlinkcolor">
-  <p:cm authorId="0" idx="3" dt="2021-09-28T23:08:46.954">
-    <p:pos x="2795" y="727"/>
-    <p:text>@camaranto@uninorte.edu.co quitar los import
-_Assigned to Carlos Andres Conrado Amaranto_</p:text>
-    <p:extLst>
-      <p:ext uri="{C676402C-5697-4E1C-873F-D02D1690AC5C}">
-        <p15:threadingInfo timeZoneBias="0"/>
-      </p:ext>
-      <p:ext uri="http://customooxmlschemas.google.com/">
-        <go:slidesCustomData xmlns:go="http://customooxmlschemas.google.com/" commentPostId="AAAAPjXNm4Y"/>
-      </p:ext>
-    </p:extLst>
-  </p:cm>
-</p:cmLst>
-</file>
-
-<file path=ppt/comments/comment3.xml><?xml version="1.0" encoding="utf-8"?>
-<p:cmLst xmlns:a="http://schemas.openxmlformats.org/drawingml/2006/main" xmlns:r="http://schemas.openxmlformats.org/officeDocument/2006/relationships" xmlns:mc="http://schemas.openxmlformats.org/markup-compatibility/2006" xmlns:mv="urn:schemas-microsoft-com:mac:vml" xmlns:p="http://schemas.openxmlformats.org/presentationml/2006/main" xmlns:c="http://schemas.openxmlformats.org/drawingml/2006/chart" xmlns:dgm="http://schemas.openxmlformats.org/drawingml/2006/diagram" xmlns:o="urn:schemas-microsoft-com:office:office" xmlns:v="urn:schemas-microsoft-com:vml" xmlns:pvml="urn:schemas-microsoft-com:office:powerpoint" xmlns:com="http://schemas.openxmlformats.org/drawingml/2006/compatibility" xmlns:p14="http://schemas.microsoft.com/office/powerpoint/2010/main" xmlns:p15="http://schemas.microsoft.com/office/powerpoint/2012/main" xmlns:ahyp="http://schemas.microsoft.com/office/drawing/2018/hyperlinkcolor">
-  <p:cm authorId="1" idx="1" dt="2021-08-23T14:45:41.636">
-    <p:pos x="6000" y="0"/>
-    <p:text>Creo que esto está incompleto.. falta inclusive mostrar dónde se usa el controlador</p:text>
-    <p:extLst>
-      <p:ext uri="{C676402C-5697-4E1C-873F-D02D1690AC5C}">
-        <p15:threadingInfo timeZoneBias="0"/>
-      </p:ext>
-      <p:ext uri="http://customooxmlschemas.google.com/">
-        <go:slidesCustomData xmlns:go="http://customooxmlschemas.google.com/" commentPostId="AAAAN5k-vpk"/>
-      </p:ext>
-    </p:extLst>
-  </p:cm>
-  <p:cm authorId="0" idx="4" dt="2021-09-28T23:15:35.540">
-    <p:pos x="253" y="1688"/>
-    <p:text>Cambiarlo a ConverterController)=</p:text>
-    <p:extLst>
-      <p:ext uri="{C676402C-5697-4E1C-873F-D02D1690AC5C}">
-        <p15:threadingInfo timeZoneBias="0"/>
-      </p:ext>
-      <p:ext uri="http://customooxmlschemas.google.com/">
-        <go:slidesCustomData xmlns:go="http://customooxmlschemas.google.com/" commentPostId="AAAAPjXNm4c"/>
-      </p:ext>
-    </p:extLst>
-  </p:cm>
-</p:cmLst>
-</file>
-
-<file path=ppt/comments/comment4.xml><?xml version="1.0" encoding="utf-8"?>
-<p:cmLst xmlns:a="http://schemas.openxmlformats.org/drawingml/2006/main" xmlns:r="http://schemas.openxmlformats.org/officeDocument/2006/relationships" xmlns:mc="http://schemas.openxmlformats.org/markup-compatibility/2006" xmlns:mv="urn:schemas-microsoft-com:mac:vml" xmlns:p="http://schemas.openxmlformats.org/presentationml/2006/main" xmlns:c="http://schemas.openxmlformats.org/drawingml/2006/chart" xmlns:dgm="http://schemas.openxmlformats.org/drawingml/2006/diagram" xmlns:o="urn:schemas-microsoft-com:office:office" xmlns:v="urn:schemas-microsoft-com:vml" xmlns:pvml="urn:schemas-microsoft-com:office:powerpoint" xmlns:com="http://schemas.openxmlformats.org/drawingml/2006/compatibility" xmlns:p14="http://schemas.microsoft.com/office/powerpoint/2010/main" xmlns:p15="http://schemas.microsoft.com/office/powerpoint/2012/main" xmlns:ahyp="http://schemas.microsoft.com/office/drawing/2018/hyperlinkcolor">
-  <p:cm authorId="0" idx="5" dt="2021-09-28T23:16:57.175">
-    <p:pos x="2767" y="1173"/>
-    <p:text>@camaranto@uninorte.edu.co
-class Dec2Bin extends StatelessWidget {
-@override
-Widget build(BuildContext context) {
-// here we ask the library to find the instance of the controller
-ConverterController controller = Get.find();
-return Container(
-child: ....
-);
-}
-}
-_Assigned to Carlos Andres Conrado Amaranto_</p:text>
-    <p:extLst>
-      <p:ext uri="{C676402C-5697-4E1C-873F-D02D1690AC5C}">
-        <p15:threadingInfo timeZoneBias="0"/>
-      </p:ext>
-      <p:ext uri="http://customooxmlschemas.google.com/">
-        <go:slidesCustomData xmlns:go="http://customooxmlschemas.google.com/" commentPostId="AAAAPjXNm4g"/>
-      </p:ext>
-    </p:extLst>
-  </p:cm>
-</p:cmLst>
-</file>
-
-<file path=ppt/comments/comment5.xml><?xml version="1.0" encoding="utf-8"?>
-<p:cmLst xmlns:a="http://schemas.openxmlformats.org/drawingml/2006/main" xmlns:r="http://schemas.openxmlformats.org/officeDocument/2006/relationships" xmlns:mc="http://schemas.openxmlformats.org/markup-compatibility/2006" xmlns:mv="urn:schemas-microsoft-com:mac:vml" xmlns:p="http://schemas.openxmlformats.org/presentationml/2006/main" xmlns:c="http://schemas.openxmlformats.org/drawingml/2006/chart" xmlns:dgm="http://schemas.openxmlformats.org/drawingml/2006/diagram" xmlns:o="urn:schemas-microsoft-com:office:office" xmlns:v="urn:schemas-microsoft-com:vml" xmlns:pvml="urn:schemas-microsoft-com:office:powerpoint" xmlns:com="http://schemas.openxmlformats.org/drawingml/2006/compatibility" xmlns:p14="http://schemas.microsoft.com/office/powerpoint/2010/main" xmlns:p15="http://schemas.microsoft.com/office/powerpoint/2012/main" xmlns:ahyp="http://schemas.microsoft.com/office/drawing/2018/hyperlinkcolor">
-  <p:cm authorId="0" idx="6" dt="2021-09-28T23:19:55.874">
-    <p:pos x="2767" y="1173"/>
-    <p:text>@camaranto@uninorte.edu.co
-...
-Expanded(
-child: Container(
-padding: const EdgeInsets.symmetric(horizontal: 4.0),
-child: MaterialButton(
-color: Theme.of(context).primaryColor,
-child: Text(
-"1",
-style: TextStyle(
-color: Colors.white,
-),
-),
-// we raise a new event
-onPressed: () =&gt; controller.updateDecimal(1),
-),
-),
-),
-...
-_Assigned to Carlos Andres Conrado Amaranto_</p:text>
-    <p:extLst>
-      <p:ext uri="{C676402C-5697-4E1C-873F-D02D1690AC5C}">
-        <p15:threadingInfo timeZoneBias="0"/>
-      </p:ext>
-      <p:ext uri="http://customooxmlschemas.google.com/">
-        <go:slidesCustomData xmlns:go="http://customooxmlschemas.google.com/" commentPostId="AAAAPjXNm4o"/>
-      </p:ext>
-    </p:extLst>
-  </p:cm>
-  <p:cm authorId="0" idx="7" dt="2021-09-28T23:19:26.827">
-    <p:pos x="421" y="1871"/>
-    <p:text>@camaranto@uninorte.edu.co
-onPressed: () =&gt; controller.updateDecimal(1),
-_Assigned to Carlos Andres Conrado Amaranto_</p:text>
-    <p:extLst>
-      <p:ext uri="{C676402C-5697-4E1C-873F-D02D1690AC5C}">
-        <p15:threadingInfo timeZoneBias="0"/>
-      </p:ext>
-      <p:ext uri="http://customooxmlschemas.google.com/">
-        <go:slidesCustomData xmlns:go="http://customooxmlschemas.google.com/" commentPostId="AAAAPjXNm4k"/>
-      </p:ext>
-    </p:extLst>
-  </p:cm>
-</p:cmLst>
-</file>
-
-<file path=ppt/comments/comment6.xml><?xml version="1.0" encoding="utf-8"?>
-<p:cmLst xmlns:a="http://schemas.openxmlformats.org/drawingml/2006/main" xmlns:r="http://schemas.openxmlformats.org/officeDocument/2006/relationships" xmlns:mc="http://schemas.openxmlformats.org/markup-compatibility/2006" xmlns:mv="urn:schemas-microsoft-com:mac:vml" xmlns:p="http://schemas.openxmlformats.org/presentationml/2006/main" xmlns:c="http://schemas.openxmlformats.org/drawingml/2006/chart" xmlns:dgm="http://schemas.openxmlformats.org/drawingml/2006/diagram" xmlns:o="urn:schemas-microsoft-com:office:office" xmlns:v="urn:schemas-microsoft-com:vml" xmlns:pvml="urn:schemas-microsoft-com:office:powerpoint" xmlns:com="http://schemas.openxmlformats.org/drawingml/2006/compatibility" xmlns:p14="http://schemas.microsoft.com/office/powerpoint/2010/main" xmlns:p15="http://schemas.microsoft.com/office/powerpoint/2012/main" xmlns:ahyp="http://schemas.microsoft.com/office/drawing/2018/hyperlinkcolor">
-  <p:cm authorId="0" idx="8" dt="2021-09-28T23:45:40.750">
-    <p:pos x="2767" y="1173"/>
-    <p:text>@camaranto@uninorte.edu.co
-Obx(() =&gt; Text(
-// here we get the binary value from the state
-'${controller.binary}',
-textAlign: ...
-)),
-_Assigned to Carlos Andres Conrado Amaranto_</p:text>
-    <p:extLst>
-      <p:ext uri="{C676402C-5697-4E1C-873F-D02D1690AC5C}">
-        <p15:threadingInfo timeZoneBias="0"/>
-      </p:ext>
-      <p:ext uri="http://customooxmlschemas.google.com/">
-        <go:slidesCustomData xmlns:go="http://customooxmlschemas.google.com/" commentPostId="AAAAPjXNm40"/>
-      </p:ext>
-    </p:extLst>
-  </p:cm>
-</p:cmLst>
 </file>
 
 <file path=ppt/notesMasters/notesMaster1.xml><?xml version="1.0" encoding="utf-8"?>
@@ -1543,6 +1355,1002 @@
           <a:p>
             <a:pPr indent="0" lvl="0" marL="0" rtl="0" algn="l">
               <a:lnSpc>
+                <a:spcPct val="135714"/>
+              </a:lnSpc>
+              <a:spcBef>
+                <a:spcPts val="0"/>
+              </a:spcBef>
+              <a:spcAft>
+                <a:spcPts val="0"/>
+              </a:spcAft>
+              <a:buClr>
+                <a:schemeClr val="dk1"/>
+              </a:buClr>
+              <a:buSzPts val="1100"/>
+              <a:buFont typeface="Arial"/>
+              <a:buNone/>
+            </a:pPr>
+            <a:r>
+              <a:rPr lang="es" sz="1050">
+                <a:solidFill>
+                  <a:srgbClr val="569CD6"/>
+                </a:solidFill>
+                <a:highlight>
+                  <a:srgbClr val="1E1E1E"/>
+                </a:highlight>
+                <a:latin typeface="Courier New"/>
+                <a:ea typeface="Courier New"/>
+                <a:cs typeface="Courier New"/>
+                <a:sym typeface="Courier New"/>
+              </a:rPr>
+              <a:t>import</a:t>
+            </a:r>
+            <a:r>
+              <a:rPr lang="es" sz="1050">
+                <a:solidFill>
+                  <a:srgbClr val="D4D4D4"/>
+                </a:solidFill>
+                <a:highlight>
+                  <a:srgbClr val="1E1E1E"/>
+                </a:highlight>
+                <a:latin typeface="Courier New"/>
+                <a:ea typeface="Courier New"/>
+                <a:cs typeface="Courier New"/>
+                <a:sym typeface="Courier New"/>
+              </a:rPr>
+              <a:t> </a:t>
+            </a:r>
+            <a:r>
+              <a:rPr lang="es" sz="1050">
+                <a:solidFill>
+                  <a:srgbClr val="CE9178"/>
+                </a:solidFill>
+                <a:highlight>
+                  <a:srgbClr val="1E1E1E"/>
+                </a:highlight>
+                <a:latin typeface="Courier New"/>
+                <a:ea typeface="Courier New"/>
+                <a:cs typeface="Courier New"/>
+                <a:sym typeface="Courier New"/>
+              </a:rPr>
+              <a:t>'package:flutter/material.dart'</a:t>
+            </a:r>
+            <a:r>
+              <a:rPr lang="es" sz="1050">
+                <a:solidFill>
+                  <a:srgbClr val="D4D4D4"/>
+                </a:solidFill>
+                <a:highlight>
+                  <a:srgbClr val="1E1E1E"/>
+                </a:highlight>
+                <a:latin typeface="Courier New"/>
+                <a:ea typeface="Courier New"/>
+                <a:cs typeface="Courier New"/>
+                <a:sym typeface="Courier New"/>
+              </a:rPr>
+              <a:t>;</a:t>
+            </a:r>
+            <a:endParaRPr sz="1050">
+              <a:solidFill>
+                <a:srgbClr val="D4D4D4"/>
+              </a:solidFill>
+              <a:highlight>
+                <a:srgbClr val="1E1E1E"/>
+              </a:highlight>
+              <a:latin typeface="Courier New"/>
+              <a:ea typeface="Courier New"/>
+              <a:cs typeface="Courier New"/>
+              <a:sym typeface="Courier New"/>
+            </a:endParaRPr>
+          </a:p>
+          <a:p>
+            <a:pPr indent="0" lvl="0" marL="0" rtl="0" algn="l">
+              <a:lnSpc>
+                <a:spcPct val="135714"/>
+              </a:lnSpc>
+              <a:spcBef>
+                <a:spcPts val="0"/>
+              </a:spcBef>
+              <a:spcAft>
+                <a:spcPts val="0"/>
+              </a:spcAft>
+              <a:buClr>
+                <a:schemeClr val="dk1"/>
+              </a:buClr>
+              <a:buSzPts val="1100"/>
+              <a:buFont typeface="Arial"/>
+              <a:buNone/>
+            </a:pPr>
+            <a:r>
+              <a:rPr lang="es" sz="1050">
+                <a:solidFill>
+                  <a:srgbClr val="569CD6"/>
+                </a:solidFill>
+                <a:highlight>
+                  <a:srgbClr val="1E1E1E"/>
+                </a:highlight>
+                <a:latin typeface="Courier New"/>
+                <a:ea typeface="Courier New"/>
+                <a:cs typeface="Courier New"/>
+                <a:sym typeface="Courier New"/>
+              </a:rPr>
+              <a:t>import</a:t>
+            </a:r>
+            <a:r>
+              <a:rPr lang="es" sz="1050">
+                <a:solidFill>
+                  <a:srgbClr val="D4D4D4"/>
+                </a:solidFill>
+                <a:highlight>
+                  <a:srgbClr val="1E1E1E"/>
+                </a:highlight>
+                <a:latin typeface="Courier New"/>
+                <a:ea typeface="Courier New"/>
+                <a:cs typeface="Courier New"/>
+                <a:sym typeface="Courier New"/>
+              </a:rPr>
+              <a:t> </a:t>
+            </a:r>
+            <a:r>
+              <a:rPr lang="es" sz="1050">
+                <a:solidFill>
+                  <a:srgbClr val="CE9178"/>
+                </a:solidFill>
+                <a:highlight>
+                  <a:srgbClr val="1E1E1E"/>
+                </a:highlight>
+                <a:latin typeface="Courier New"/>
+                <a:ea typeface="Courier New"/>
+                <a:cs typeface="Courier New"/>
+                <a:sym typeface="Courier New"/>
+              </a:rPr>
+              <a:t>'package:get/get.dart'</a:t>
+            </a:r>
+            <a:r>
+              <a:rPr lang="es" sz="1050">
+                <a:solidFill>
+                  <a:srgbClr val="D4D4D4"/>
+                </a:solidFill>
+                <a:highlight>
+                  <a:srgbClr val="1E1E1E"/>
+                </a:highlight>
+                <a:latin typeface="Courier New"/>
+                <a:ea typeface="Courier New"/>
+                <a:cs typeface="Courier New"/>
+                <a:sym typeface="Courier New"/>
+              </a:rPr>
+              <a:t>;</a:t>
+            </a:r>
+            <a:endParaRPr sz="1050">
+              <a:solidFill>
+                <a:srgbClr val="D4D4D4"/>
+              </a:solidFill>
+              <a:highlight>
+                <a:srgbClr val="1E1E1E"/>
+              </a:highlight>
+              <a:latin typeface="Courier New"/>
+              <a:ea typeface="Courier New"/>
+              <a:cs typeface="Courier New"/>
+              <a:sym typeface="Courier New"/>
+            </a:endParaRPr>
+          </a:p>
+          <a:p>
+            <a:pPr indent="0" lvl="0" marL="0" rtl="0" algn="l">
+              <a:lnSpc>
+                <a:spcPct val="135714"/>
+              </a:lnSpc>
+              <a:spcBef>
+                <a:spcPts val="0"/>
+              </a:spcBef>
+              <a:spcAft>
+                <a:spcPts val="0"/>
+              </a:spcAft>
+              <a:buClr>
+                <a:schemeClr val="dk1"/>
+              </a:buClr>
+              <a:buSzPts val="1100"/>
+              <a:buFont typeface="Arial"/>
+              <a:buNone/>
+            </a:pPr>
+            <a:r>
+              <a:rPr lang="es" sz="1050">
+                <a:solidFill>
+                  <a:srgbClr val="569CD6"/>
+                </a:solidFill>
+                <a:highlight>
+                  <a:srgbClr val="1E1E1E"/>
+                </a:highlight>
+                <a:latin typeface="Courier New"/>
+                <a:ea typeface="Courier New"/>
+                <a:cs typeface="Courier New"/>
+                <a:sym typeface="Courier New"/>
+              </a:rPr>
+              <a:t>import</a:t>
+            </a:r>
+            <a:r>
+              <a:rPr lang="es" sz="1050">
+                <a:solidFill>
+                  <a:srgbClr val="D4D4D4"/>
+                </a:solidFill>
+                <a:highlight>
+                  <a:srgbClr val="1E1E1E"/>
+                </a:highlight>
+                <a:latin typeface="Courier New"/>
+                <a:ea typeface="Courier New"/>
+                <a:cs typeface="Courier New"/>
+                <a:sym typeface="Courier New"/>
+              </a:rPr>
+              <a:t> </a:t>
+            </a:r>
+            <a:r>
+              <a:rPr lang="es" sz="1050">
+                <a:solidFill>
+                  <a:srgbClr val="CE9178"/>
+                </a:solidFill>
+                <a:highlight>
+                  <a:srgbClr val="1E1E1E"/>
+                </a:highlight>
+                <a:latin typeface="Courier New"/>
+                <a:ea typeface="Courier New"/>
+                <a:cs typeface="Courier New"/>
+                <a:sym typeface="Courier New"/>
+              </a:rPr>
+              <a:t>'domain/controllers/converter_controller.dart'</a:t>
+            </a:r>
+            <a:r>
+              <a:rPr lang="es" sz="1050">
+                <a:solidFill>
+                  <a:srgbClr val="D4D4D4"/>
+                </a:solidFill>
+                <a:highlight>
+                  <a:srgbClr val="1E1E1E"/>
+                </a:highlight>
+                <a:latin typeface="Courier New"/>
+                <a:ea typeface="Courier New"/>
+                <a:cs typeface="Courier New"/>
+                <a:sym typeface="Courier New"/>
+              </a:rPr>
+              <a:t>;</a:t>
+            </a:r>
+            <a:endParaRPr sz="1050">
+              <a:solidFill>
+                <a:srgbClr val="D4D4D4"/>
+              </a:solidFill>
+              <a:highlight>
+                <a:srgbClr val="1E1E1E"/>
+              </a:highlight>
+              <a:latin typeface="Courier New"/>
+              <a:ea typeface="Courier New"/>
+              <a:cs typeface="Courier New"/>
+              <a:sym typeface="Courier New"/>
+            </a:endParaRPr>
+          </a:p>
+          <a:p>
+            <a:pPr indent="0" lvl="0" marL="0" rtl="0" algn="l">
+              <a:lnSpc>
+                <a:spcPct val="135714"/>
+              </a:lnSpc>
+              <a:spcBef>
+                <a:spcPts val="0"/>
+              </a:spcBef>
+              <a:spcAft>
+                <a:spcPts val="0"/>
+              </a:spcAft>
+              <a:buClr>
+                <a:schemeClr val="dk1"/>
+              </a:buClr>
+              <a:buSzPts val="1100"/>
+              <a:buFont typeface="Arial"/>
+              <a:buNone/>
+            </a:pPr>
+            <a:r>
+              <a:rPr lang="es" sz="1050">
+                <a:solidFill>
+                  <a:srgbClr val="569CD6"/>
+                </a:solidFill>
+                <a:highlight>
+                  <a:srgbClr val="1E1E1E"/>
+                </a:highlight>
+                <a:latin typeface="Courier New"/>
+                <a:ea typeface="Courier New"/>
+                <a:cs typeface="Courier New"/>
+                <a:sym typeface="Courier New"/>
+              </a:rPr>
+              <a:t>import</a:t>
+            </a:r>
+            <a:r>
+              <a:rPr lang="es" sz="1050">
+                <a:solidFill>
+                  <a:srgbClr val="D4D4D4"/>
+                </a:solidFill>
+                <a:highlight>
+                  <a:srgbClr val="1E1E1E"/>
+                </a:highlight>
+                <a:latin typeface="Courier New"/>
+                <a:ea typeface="Courier New"/>
+                <a:cs typeface="Courier New"/>
+                <a:sym typeface="Courier New"/>
+              </a:rPr>
+              <a:t> </a:t>
+            </a:r>
+            <a:r>
+              <a:rPr lang="es" sz="1050">
+                <a:solidFill>
+                  <a:srgbClr val="CE9178"/>
+                </a:solidFill>
+                <a:highlight>
+                  <a:srgbClr val="1E1E1E"/>
+                </a:highlight>
+                <a:latin typeface="Courier New"/>
+                <a:ea typeface="Courier New"/>
+                <a:cs typeface="Courier New"/>
+                <a:sym typeface="Courier New"/>
+              </a:rPr>
+              <a:t>'presentation/screens/myhome.dart'</a:t>
+            </a:r>
+            <a:r>
+              <a:rPr lang="es" sz="1050">
+                <a:solidFill>
+                  <a:srgbClr val="D4D4D4"/>
+                </a:solidFill>
+                <a:highlight>
+                  <a:srgbClr val="1E1E1E"/>
+                </a:highlight>
+                <a:latin typeface="Courier New"/>
+                <a:ea typeface="Courier New"/>
+                <a:cs typeface="Courier New"/>
+                <a:sym typeface="Courier New"/>
+              </a:rPr>
+              <a:t>;</a:t>
+            </a:r>
+            <a:endParaRPr sz="1050">
+              <a:solidFill>
+                <a:srgbClr val="D4D4D4"/>
+              </a:solidFill>
+              <a:highlight>
+                <a:srgbClr val="1E1E1E"/>
+              </a:highlight>
+              <a:latin typeface="Courier New"/>
+              <a:ea typeface="Courier New"/>
+              <a:cs typeface="Courier New"/>
+              <a:sym typeface="Courier New"/>
+            </a:endParaRPr>
+          </a:p>
+          <a:p>
+            <a:pPr indent="0" lvl="0" marL="0" rtl="0" algn="l">
+              <a:lnSpc>
+                <a:spcPct val="135714"/>
+              </a:lnSpc>
+              <a:spcBef>
+                <a:spcPts val="0"/>
+              </a:spcBef>
+              <a:spcAft>
+                <a:spcPts val="0"/>
+              </a:spcAft>
+              <a:buClr>
+                <a:schemeClr val="dk1"/>
+              </a:buClr>
+              <a:buSzPts val="1100"/>
+              <a:buFont typeface="Arial"/>
+              <a:buNone/>
+            </a:pPr>
+            <a:r>
+              <a:t/>
+            </a:r>
+            <a:endParaRPr sz="1050">
+              <a:solidFill>
+                <a:srgbClr val="D4D4D4"/>
+              </a:solidFill>
+              <a:highlight>
+                <a:srgbClr val="1E1E1E"/>
+              </a:highlight>
+              <a:latin typeface="Courier New"/>
+              <a:ea typeface="Courier New"/>
+              <a:cs typeface="Courier New"/>
+              <a:sym typeface="Courier New"/>
+            </a:endParaRPr>
+          </a:p>
+          <a:p>
+            <a:pPr indent="0" lvl="0" marL="0" rtl="0" algn="l">
+              <a:lnSpc>
+                <a:spcPct val="135714"/>
+              </a:lnSpc>
+              <a:spcBef>
+                <a:spcPts val="0"/>
+              </a:spcBef>
+              <a:spcAft>
+                <a:spcPts val="0"/>
+              </a:spcAft>
+              <a:buClr>
+                <a:schemeClr val="dk1"/>
+              </a:buClr>
+              <a:buSzPts val="1100"/>
+              <a:buFont typeface="Arial"/>
+              <a:buNone/>
+            </a:pPr>
+            <a:r>
+              <a:rPr lang="es" sz="1050">
+                <a:solidFill>
+                  <a:srgbClr val="569CD6"/>
+                </a:solidFill>
+                <a:highlight>
+                  <a:srgbClr val="1E1E1E"/>
+                </a:highlight>
+                <a:latin typeface="Courier New"/>
+                <a:ea typeface="Courier New"/>
+                <a:cs typeface="Courier New"/>
+                <a:sym typeface="Courier New"/>
+              </a:rPr>
+              <a:t>void</a:t>
+            </a:r>
+            <a:r>
+              <a:rPr lang="es" sz="1050">
+                <a:solidFill>
+                  <a:srgbClr val="D4D4D4"/>
+                </a:solidFill>
+                <a:highlight>
+                  <a:srgbClr val="1E1E1E"/>
+                </a:highlight>
+                <a:latin typeface="Courier New"/>
+                <a:ea typeface="Courier New"/>
+                <a:cs typeface="Courier New"/>
+                <a:sym typeface="Courier New"/>
+              </a:rPr>
+              <a:t> </a:t>
+            </a:r>
+            <a:r>
+              <a:rPr lang="es" sz="1050">
+                <a:solidFill>
+                  <a:srgbClr val="DCDCAA"/>
+                </a:solidFill>
+                <a:highlight>
+                  <a:srgbClr val="1E1E1E"/>
+                </a:highlight>
+                <a:latin typeface="Courier New"/>
+                <a:ea typeface="Courier New"/>
+                <a:cs typeface="Courier New"/>
+                <a:sym typeface="Courier New"/>
+              </a:rPr>
+              <a:t>main</a:t>
+            </a:r>
+            <a:r>
+              <a:rPr lang="es" sz="1050">
+                <a:solidFill>
+                  <a:srgbClr val="D4D4D4"/>
+                </a:solidFill>
+                <a:highlight>
+                  <a:srgbClr val="1E1E1E"/>
+                </a:highlight>
+                <a:latin typeface="Courier New"/>
+                <a:ea typeface="Courier New"/>
+                <a:cs typeface="Courier New"/>
+                <a:sym typeface="Courier New"/>
+              </a:rPr>
+              <a:t>() {</a:t>
+            </a:r>
+            <a:endParaRPr sz="1050">
+              <a:solidFill>
+                <a:srgbClr val="D4D4D4"/>
+              </a:solidFill>
+              <a:highlight>
+                <a:srgbClr val="1E1E1E"/>
+              </a:highlight>
+              <a:latin typeface="Courier New"/>
+              <a:ea typeface="Courier New"/>
+              <a:cs typeface="Courier New"/>
+              <a:sym typeface="Courier New"/>
+            </a:endParaRPr>
+          </a:p>
+          <a:p>
+            <a:pPr indent="0" lvl="0" marL="0" rtl="0" algn="l">
+              <a:lnSpc>
+                <a:spcPct val="135714"/>
+              </a:lnSpc>
+              <a:spcBef>
+                <a:spcPts val="0"/>
+              </a:spcBef>
+              <a:spcAft>
+                <a:spcPts val="0"/>
+              </a:spcAft>
+              <a:buClr>
+                <a:schemeClr val="dk1"/>
+              </a:buClr>
+              <a:buSzPts val="1100"/>
+              <a:buFont typeface="Arial"/>
+              <a:buNone/>
+            </a:pPr>
+            <a:r>
+              <a:rPr lang="es" sz="1050">
+                <a:solidFill>
+                  <a:srgbClr val="D4D4D4"/>
+                </a:solidFill>
+                <a:highlight>
+                  <a:srgbClr val="1E1E1E"/>
+                </a:highlight>
+                <a:latin typeface="Courier New"/>
+                <a:ea typeface="Courier New"/>
+                <a:cs typeface="Courier New"/>
+                <a:sym typeface="Courier New"/>
+              </a:rPr>
+              <a:t> </a:t>
+            </a:r>
+            <a:r>
+              <a:rPr lang="es" sz="1050">
+                <a:solidFill>
+                  <a:srgbClr val="4EC9B0"/>
+                </a:solidFill>
+                <a:highlight>
+                  <a:srgbClr val="1E1E1E"/>
+                </a:highlight>
+                <a:latin typeface="Courier New"/>
+                <a:ea typeface="Courier New"/>
+                <a:cs typeface="Courier New"/>
+                <a:sym typeface="Courier New"/>
+              </a:rPr>
+              <a:t>Get</a:t>
+            </a:r>
+            <a:r>
+              <a:rPr lang="es" sz="1050">
+                <a:solidFill>
+                  <a:srgbClr val="D4D4D4"/>
+                </a:solidFill>
+                <a:highlight>
+                  <a:srgbClr val="1E1E1E"/>
+                </a:highlight>
+                <a:latin typeface="Courier New"/>
+                <a:ea typeface="Courier New"/>
+                <a:cs typeface="Courier New"/>
+                <a:sym typeface="Courier New"/>
+              </a:rPr>
+              <a:t>.</a:t>
+            </a:r>
+            <a:r>
+              <a:rPr lang="es" sz="1050">
+                <a:solidFill>
+                  <a:srgbClr val="DCDCAA"/>
+                </a:solidFill>
+                <a:highlight>
+                  <a:srgbClr val="1E1E1E"/>
+                </a:highlight>
+                <a:latin typeface="Courier New"/>
+                <a:ea typeface="Courier New"/>
+                <a:cs typeface="Courier New"/>
+                <a:sym typeface="Courier New"/>
+              </a:rPr>
+              <a:t>lazyPut</a:t>
+            </a:r>
+            <a:r>
+              <a:rPr lang="es" sz="1050">
+                <a:solidFill>
+                  <a:srgbClr val="D4D4D4"/>
+                </a:solidFill>
+                <a:highlight>
+                  <a:srgbClr val="1E1E1E"/>
+                </a:highlight>
+                <a:latin typeface="Courier New"/>
+                <a:ea typeface="Courier New"/>
+                <a:cs typeface="Courier New"/>
+                <a:sym typeface="Courier New"/>
+              </a:rPr>
+              <a:t>&lt;</a:t>
+            </a:r>
+            <a:r>
+              <a:rPr lang="es" sz="1050">
+                <a:solidFill>
+                  <a:srgbClr val="4EC9B0"/>
+                </a:solidFill>
+                <a:highlight>
+                  <a:srgbClr val="1E1E1E"/>
+                </a:highlight>
+                <a:latin typeface="Courier New"/>
+                <a:ea typeface="Courier New"/>
+                <a:cs typeface="Courier New"/>
+                <a:sym typeface="Courier New"/>
+              </a:rPr>
+              <a:t>ConverterController</a:t>
+            </a:r>
+            <a:r>
+              <a:rPr lang="es" sz="1050">
+                <a:solidFill>
+                  <a:srgbClr val="D4D4D4"/>
+                </a:solidFill>
+                <a:highlight>
+                  <a:srgbClr val="1E1E1E"/>
+                </a:highlight>
+                <a:latin typeface="Courier New"/>
+                <a:ea typeface="Courier New"/>
+                <a:cs typeface="Courier New"/>
+                <a:sym typeface="Courier New"/>
+              </a:rPr>
+              <a:t>&gt;(() =&gt; </a:t>
+            </a:r>
+            <a:r>
+              <a:rPr lang="es" sz="1050">
+                <a:solidFill>
+                  <a:srgbClr val="4EC9B0"/>
+                </a:solidFill>
+                <a:highlight>
+                  <a:srgbClr val="1E1E1E"/>
+                </a:highlight>
+                <a:latin typeface="Courier New"/>
+                <a:ea typeface="Courier New"/>
+                <a:cs typeface="Courier New"/>
+                <a:sym typeface="Courier New"/>
+              </a:rPr>
+              <a:t>ConverterController</a:t>
+            </a:r>
+            <a:r>
+              <a:rPr lang="es" sz="1050">
+                <a:solidFill>
+                  <a:srgbClr val="D4D4D4"/>
+                </a:solidFill>
+                <a:highlight>
+                  <a:srgbClr val="1E1E1E"/>
+                </a:highlight>
+                <a:latin typeface="Courier New"/>
+                <a:ea typeface="Courier New"/>
+                <a:cs typeface="Courier New"/>
+                <a:sym typeface="Courier New"/>
+              </a:rPr>
+              <a:t>());</a:t>
+            </a:r>
+            <a:endParaRPr sz="1050">
+              <a:solidFill>
+                <a:srgbClr val="D4D4D4"/>
+              </a:solidFill>
+              <a:highlight>
+                <a:srgbClr val="1E1E1E"/>
+              </a:highlight>
+              <a:latin typeface="Courier New"/>
+              <a:ea typeface="Courier New"/>
+              <a:cs typeface="Courier New"/>
+              <a:sym typeface="Courier New"/>
+            </a:endParaRPr>
+          </a:p>
+          <a:p>
+            <a:pPr indent="0" lvl="0" marL="0" rtl="0" algn="l">
+              <a:lnSpc>
+                <a:spcPct val="135714"/>
+              </a:lnSpc>
+              <a:spcBef>
+                <a:spcPts val="0"/>
+              </a:spcBef>
+              <a:spcAft>
+                <a:spcPts val="0"/>
+              </a:spcAft>
+              <a:buClr>
+                <a:schemeClr val="dk1"/>
+              </a:buClr>
+              <a:buSzPts val="1100"/>
+              <a:buFont typeface="Arial"/>
+              <a:buNone/>
+            </a:pPr>
+            <a:r>
+              <a:rPr lang="es" sz="1050">
+                <a:solidFill>
+                  <a:srgbClr val="D4D4D4"/>
+                </a:solidFill>
+                <a:highlight>
+                  <a:srgbClr val="1E1E1E"/>
+                </a:highlight>
+                <a:latin typeface="Courier New"/>
+                <a:ea typeface="Courier New"/>
+                <a:cs typeface="Courier New"/>
+                <a:sym typeface="Courier New"/>
+              </a:rPr>
+              <a:t> </a:t>
+            </a:r>
+            <a:r>
+              <a:rPr lang="es" sz="1050">
+                <a:solidFill>
+                  <a:srgbClr val="DCDCAA"/>
+                </a:solidFill>
+                <a:highlight>
+                  <a:srgbClr val="1E1E1E"/>
+                </a:highlight>
+                <a:latin typeface="Courier New"/>
+                <a:ea typeface="Courier New"/>
+                <a:cs typeface="Courier New"/>
+                <a:sym typeface="Courier New"/>
+              </a:rPr>
+              <a:t>runApp</a:t>
+            </a:r>
+            <a:r>
+              <a:rPr lang="es" sz="1050">
+                <a:solidFill>
+                  <a:srgbClr val="D4D4D4"/>
+                </a:solidFill>
+                <a:highlight>
+                  <a:srgbClr val="1E1E1E"/>
+                </a:highlight>
+                <a:latin typeface="Courier New"/>
+                <a:ea typeface="Courier New"/>
+                <a:cs typeface="Courier New"/>
+                <a:sym typeface="Courier New"/>
+              </a:rPr>
+              <a:t>(</a:t>
+            </a:r>
+            <a:r>
+              <a:rPr lang="es" sz="1050">
+                <a:solidFill>
+                  <a:srgbClr val="4EC9B0"/>
+                </a:solidFill>
+                <a:highlight>
+                  <a:srgbClr val="1E1E1E"/>
+                </a:highlight>
+                <a:latin typeface="Courier New"/>
+                <a:ea typeface="Courier New"/>
+                <a:cs typeface="Courier New"/>
+                <a:sym typeface="Courier New"/>
+              </a:rPr>
+              <a:t>App</a:t>
+            </a:r>
+            <a:r>
+              <a:rPr lang="es" sz="1050">
+                <a:solidFill>
+                  <a:srgbClr val="D4D4D4"/>
+                </a:solidFill>
+                <a:highlight>
+                  <a:srgbClr val="1E1E1E"/>
+                </a:highlight>
+                <a:latin typeface="Courier New"/>
+                <a:ea typeface="Courier New"/>
+                <a:cs typeface="Courier New"/>
+                <a:sym typeface="Courier New"/>
+              </a:rPr>
+              <a:t>());</a:t>
+            </a:r>
+            <a:endParaRPr sz="1050">
+              <a:solidFill>
+                <a:srgbClr val="D4D4D4"/>
+              </a:solidFill>
+              <a:highlight>
+                <a:srgbClr val="1E1E1E"/>
+              </a:highlight>
+              <a:latin typeface="Courier New"/>
+              <a:ea typeface="Courier New"/>
+              <a:cs typeface="Courier New"/>
+              <a:sym typeface="Courier New"/>
+            </a:endParaRPr>
+          </a:p>
+          <a:p>
+            <a:pPr indent="0" lvl="0" marL="0" rtl="0" algn="l">
+              <a:lnSpc>
+                <a:spcPct val="135714"/>
+              </a:lnSpc>
+              <a:spcBef>
+                <a:spcPts val="0"/>
+              </a:spcBef>
+              <a:spcAft>
+                <a:spcPts val="0"/>
+              </a:spcAft>
+              <a:buClr>
+                <a:schemeClr val="dk1"/>
+              </a:buClr>
+              <a:buSzPts val="1100"/>
+              <a:buFont typeface="Arial"/>
+              <a:buNone/>
+            </a:pPr>
+            <a:r>
+              <a:rPr lang="es" sz="1050">
+                <a:solidFill>
+                  <a:srgbClr val="D4D4D4"/>
+                </a:solidFill>
+                <a:highlight>
+                  <a:srgbClr val="1E1E1E"/>
+                </a:highlight>
+                <a:latin typeface="Courier New"/>
+                <a:ea typeface="Courier New"/>
+                <a:cs typeface="Courier New"/>
+                <a:sym typeface="Courier New"/>
+              </a:rPr>
+              <a:t>}</a:t>
+            </a:r>
+            <a:endParaRPr sz="1050">
+              <a:solidFill>
+                <a:srgbClr val="D4D4D4"/>
+              </a:solidFill>
+              <a:highlight>
+                <a:srgbClr val="1E1E1E"/>
+              </a:highlight>
+              <a:latin typeface="Courier New"/>
+              <a:ea typeface="Courier New"/>
+              <a:cs typeface="Courier New"/>
+              <a:sym typeface="Courier New"/>
+            </a:endParaRPr>
+          </a:p>
+          <a:p>
+            <a:pPr indent="0" lvl="0" marL="0" rtl="0" algn="l">
+              <a:lnSpc>
+                <a:spcPct val="100000"/>
+              </a:lnSpc>
+              <a:spcBef>
+                <a:spcPts val="0"/>
+              </a:spcBef>
+              <a:spcAft>
+                <a:spcPts val="0"/>
+              </a:spcAft>
+              <a:buSzPts val="1100"/>
+              <a:buNone/>
+            </a:pPr>
+            <a:r>
+              <a:t/>
+            </a:r>
+            <a:endParaRPr/>
+          </a:p>
+          <a:p>
+            <a:pPr indent="0" lvl="0" marL="0" rtl="0" algn="l">
+              <a:lnSpc>
+                <a:spcPct val="100000"/>
+              </a:lnSpc>
+              <a:spcBef>
+                <a:spcPts val="0"/>
+              </a:spcBef>
+              <a:spcAft>
+                <a:spcPts val="0"/>
+              </a:spcAft>
+              <a:buSzPts val="1100"/>
+              <a:buNone/>
+            </a:pPr>
+            <a:r>
+              <a:t/>
+            </a:r>
+            <a:endParaRPr/>
+          </a:p>
+          <a:p>
+            <a:pPr indent="0" lvl="0" marL="0" rtl="0" algn="l">
+              <a:lnSpc>
+                <a:spcPct val="135714"/>
+              </a:lnSpc>
+              <a:spcBef>
+                <a:spcPts val="0"/>
+              </a:spcBef>
+              <a:spcAft>
+                <a:spcPts val="0"/>
+              </a:spcAft>
+              <a:buClr>
+                <a:schemeClr val="dk1"/>
+              </a:buClr>
+              <a:buSzPts val="1100"/>
+              <a:buFont typeface="Arial"/>
+              <a:buNone/>
+            </a:pPr>
+            <a:r>
+              <a:rPr lang="es" sz="1050">
+                <a:solidFill>
+                  <a:srgbClr val="4EC9B0"/>
+                </a:solidFill>
+                <a:highlight>
+                  <a:srgbClr val="1E1E1E"/>
+                </a:highlight>
+                <a:latin typeface="Courier New"/>
+                <a:ea typeface="Courier New"/>
+                <a:cs typeface="Courier New"/>
+                <a:sym typeface="Courier New"/>
+              </a:rPr>
+              <a:t>ConverterController</a:t>
+            </a:r>
+            <a:r>
+              <a:rPr lang="es" sz="1050">
+                <a:solidFill>
+                  <a:srgbClr val="D4D4D4"/>
+                </a:solidFill>
+                <a:highlight>
+                  <a:srgbClr val="1E1E1E"/>
+                </a:highlight>
+                <a:latin typeface="Courier New"/>
+                <a:ea typeface="Courier New"/>
+                <a:cs typeface="Courier New"/>
+                <a:sym typeface="Courier New"/>
+              </a:rPr>
+              <a:t> controller = </a:t>
+            </a:r>
+            <a:r>
+              <a:rPr lang="es" sz="1050">
+                <a:solidFill>
+                  <a:srgbClr val="4EC9B0"/>
+                </a:solidFill>
+                <a:highlight>
+                  <a:srgbClr val="1E1E1E"/>
+                </a:highlight>
+                <a:latin typeface="Courier New"/>
+                <a:ea typeface="Courier New"/>
+                <a:cs typeface="Courier New"/>
+                <a:sym typeface="Courier New"/>
+              </a:rPr>
+              <a:t>Get</a:t>
+            </a:r>
+            <a:r>
+              <a:rPr lang="es" sz="1050">
+                <a:solidFill>
+                  <a:srgbClr val="D4D4D4"/>
+                </a:solidFill>
+                <a:highlight>
+                  <a:srgbClr val="1E1E1E"/>
+                </a:highlight>
+                <a:latin typeface="Courier New"/>
+                <a:ea typeface="Courier New"/>
+                <a:cs typeface="Courier New"/>
+                <a:sym typeface="Courier New"/>
+              </a:rPr>
+              <a:t>.</a:t>
+            </a:r>
+            <a:r>
+              <a:rPr lang="es" sz="1050">
+                <a:solidFill>
+                  <a:srgbClr val="DCDCAA"/>
+                </a:solidFill>
+                <a:highlight>
+                  <a:srgbClr val="1E1E1E"/>
+                </a:highlight>
+                <a:latin typeface="Courier New"/>
+                <a:ea typeface="Courier New"/>
+                <a:cs typeface="Courier New"/>
+                <a:sym typeface="Courier New"/>
+              </a:rPr>
+              <a:t>put</a:t>
+            </a:r>
+            <a:r>
+              <a:rPr lang="es" sz="1050">
+                <a:solidFill>
+                  <a:srgbClr val="D4D4D4"/>
+                </a:solidFill>
+                <a:highlight>
+                  <a:srgbClr val="1E1E1E"/>
+                </a:highlight>
+                <a:latin typeface="Courier New"/>
+                <a:ea typeface="Courier New"/>
+                <a:cs typeface="Courier New"/>
+                <a:sym typeface="Courier New"/>
+              </a:rPr>
+              <a:t>(</a:t>
+            </a:r>
+            <a:r>
+              <a:rPr lang="es" sz="1050">
+                <a:solidFill>
+                  <a:srgbClr val="4EC9B0"/>
+                </a:solidFill>
+                <a:highlight>
+                  <a:srgbClr val="1E1E1E"/>
+                </a:highlight>
+                <a:latin typeface="Courier New"/>
+                <a:ea typeface="Courier New"/>
+                <a:cs typeface="Courier New"/>
+                <a:sym typeface="Courier New"/>
+              </a:rPr>
+              <a:t>ConverterController</a:t>
+            </a:r>
+            <a:r>
+              <a:rPr lang="es" sz="1050">
+                <a:solidFill>
+                  <a:srgbClr val="D4D4D4"/>
+                </a:solidFill>
+                <a:highlight>
+                  <a:srgbClr val="1E1E1E"/>
+                </a:highlight>
+                <a:latin typeface="Courier New"/>
+                <a:ea typeface="Courier New"/>
+                <a:cs typeface="Courier New"/>
+                <a:sym typeface="Courier New"/>
+              </a:rPr>
+              <a:t>());</a:t>
+            </a:r>
+            <a:endParaRPr sz="1050">
+              <a:solidFill>
+                <a:srgbClr val="D4D4D4"/>
+              </a:solidFill>
+              <a:highlight>
+                <a:srgbClr val="1E1E1E"/>
+              </a:highlight>
+              <a:latin typeface="Courier New"/>
+              <a:ea typeface="Courier New"/>
+              <a:cs typeface="Courier New"/>
+              <a:sym typeface="Courier New"/>
+            </a:endParaRPr>
+          </a:p>
+          <a:p>
+            <a:pPr indent="0" lvl="0" marL="0" rtl="0" algn="l">
+              <a:lnSpc>
                 <a:spcPct val="100000"/>
               </a:lnSpc>
               <a:spcBef>
@@ -1660,6 +2468,1018 @@
           <a:p>
             <a:pPr indent="0" lvl="0" marL="0" rtl="0" algn="l">
               <a:lnSpc>
+                <a:spcPct val="135714"/>
+              </a:lnSpc>
+              <a:spcBef>
+                <a:spcPts val="0"/>
+              </a:spcBef>
+              <a:spcAft>
+                <a:spcPts val="0"/>
+              </a:spcAft>
+              <a:buClr>
+                <a:schemeClr val="dk1"/>
+              </a:buClr>
+              <a:buSzPts val="1100"/>
+              <a:buFont typeface="Arial"/>
+              <a:buNone/>
+            </a:pPr>
+            <a:r>
+              <a:rPr lang="es" sz="1050">
+                <a:solidFill>
+                  <a:srgbClr val="569CD6"/>
+                </a:solidFill>
+                <a:highlight>
+                  <a:srgbClr val="1E1E1E"/>
+                </a:highlight>
+                <a:latin typeface="Courier New"/>
+                <a:ea typeface="Courier New"/>
+                <a:cs typeface="Courier New"/>
+                <a:sym typeface="Courier New"/>
+              </a:rPr>
+              <a:t>class</a:t>
+            </a:r>
+            <a:r>
+              <a:rPr lang="es" sz="1050">
+                <a:solidFill>
+                  <a:srgbClr val="D4D4D4"/>
+                </a:solidFill>
+                <a:highlight>
+                  <a:srgbClr val="1E1E1E"/>
+                </a:highlight>
+                <a:latin typeface="Courier New"/>
+                <a:ea typeface="Courier New"/>
+                <a:cs typeface="Courier New"/>
+                <a:sym typeface="Courier New"/>
+              </a:rPr>
+              <a:t> </a:t>
+            </a:r>
+            <a:r>
+              <a:rPr lang="es" sz="1050">
+                <a:solidFill>
+                  <a:srgbClr val="4EC9B0"/>
+                </a:solidFill>
+                <a:highlight>
+                  <a:srgbClr val="1E1E1E"/>
+                </a:highlight>
+                <a:latin typeface="Courier New"/>
+                <a:ea typeface="Courier New"/>
+                <a:cs typeface="Courier New"/>
+                <a:sym typeface="Courier New"/>
+              </a:rPr>
+              <a:t>Dec2Bin</a:t>
+            </a:r>
+            <a:r>
+              <a:rPr lang="es" sz="1050">
+                <a:solidFill>
+                  <a:srgbClr val="D4D4D4"/>
+                </a:solidFill>
+                <a:highlight>
+                  <a:srgbClr val="1E1E1E"/>
+                </a:highlight>
+                <a:latin typeface="Courier New"/>
+                <a:ea typeface="Courier New"/>
+                <a:cs typeface="Courier New"/>
+                <a:sym typeface="Courier New"/>
+              </a:rPr>
+              <a:t> </a:t>
+            </a:r>
+            <a:r>
+              <a:rPr lang="es" sz="1050">
+                <a:solidFill>
+                  <a:srgbClr val="569CD6"/>
+                </a:solidFill>
+                <a:highlight>
+                  <a:srgbClr val="1E1E1E"/>
+                </a:highlight>
+                <a:latin typeface="Courier New"/>
+                <a:ea typeface="Courier New"/>
+                <a:cs typeface="Courier New"/>
+                <a:sym typeface="Courier New"/>
+              </a:rPr>
+              <a:t>extends</a:t>
+            </a:r>
+            <a:r>
+              <a:rPr lang="es" sz="1050">
+                <a:solidFill>
+                  <a:srgbClr val="D4D4D4"/>
+                </a:solidFill>
+                <a:highlight>
+                  <a:srgbClr val="1E1E1E"/>
+                </a:highlight>
+                <a:latin typeface="Courier New"/>
+                <a:ea typeface="Courier New"/>
+                <a:cs typeface="Courier New"/>
+                <a:sym typeface="Courier New"/>
+              </a:rPr>
+              <a:t> </a:t>
+            </a:r>
+            <a:r>
+              <a:rPr lang="es" sz="1050">
+                <a:solidFill>
+                  <a:srgbClr val="4EC9B0"/>
+                </a:solidFill>
+                <a:highlight>
+                  <a:srgbClr val="1E1E1E"/>
+                </a:highlight>
+                <a:latin typeface="Courier New"/>
+                <a:ea typeface="Courier New"/>
+                <a:cs typeface="Courier New"/>
+                <a:sym typeface="Courier New"/>
+              </a:rPr>
+              <a:t>StatelessWidget</a:t>
+            </a:r>
+            <a:r>
+              <a:rPr lang="es" sz="1050">
+                <a:solidFill>
+                  <a:srgbClr val="D4D4D4"/>
+                </a:solidFill>
+                <a:highlight>
+                  <a:srgbClr val="1E1E1E"/>
+                </a:highlight>
+                <a:latin typeface="Courier New"/>
+                <a:ea typeface="Courier New"/>
+                <a:cs typeface="Courier New"/>
+                <a:sym typeface="Courier New"/>
+              </a:rPr>
+              <a:t> {</a:t>
+            </a:r>
+            <a:endParaRPr sz="1050">
+              <a:solidFill>
+                <a:srgbClr val="D4D4D4"/>
+              </a:solidFill>
+              <a:highlight>
+                <a:srgbClr val="1E1E1E"/>
+              </a:highlight>
+              <a:latin typeface="Courier New"/>
+              <a:ea typeface="Courier New"/>
+              <a:cs typeface="Courier New"/>
+              <a:sym typeface="Courier New"/>
+            </a:endParaRPr>
+          </a:p>
+          <a:p>
+            <a:pPr indent="0" lvl="0" marL="0" rtl="0" algn="l">
+              <a:lnSpc>
+                <a:spcPct val="135714"/>
+              </a:lnSpc>
+              <a:spcBef>
+                <a:spcPts val="0"/>
+              </a:spcBef>
+              <a:spcAft>
+                <a:spcPts val="0"/>
+              </a:spcAft>
+              <a:buClr>
+                <a:schemeClr val="dk1"/>
+              </a:buClr>
+              <a:buSzPts val="1100"/>
+              <a:buFont typeface="Arial"/>
+              <a:buNone/>
+            </a:pPr>
+            <a:r>
+              <a:rPr lang="es" sz="1050">
+                <a:solidFill>
+                  <a:srgbClr val="D4D4D4"/>
+                </a:solidFill>
+                <a:highlight>
+                  <a:srgbClr val="1E1E1E"/>
+                </a:highlight>
+                <a:latin typeface="Courier New"/>
+                <a:ea typeface="Courier New"/>
+                <a:cs typeface="Courier New"/>
+                <a:sym typeface="Courier New"/>
+              </a:rPr>
+              <a:t> </a:t>
+            </a:r>
+            <a:r>
+              <a:rPr lang="es" sz="1050">
+                <a:solidFill>
+                  <a:srgbClr val="569CD6"/>
+                </a:solidFill>
+                <a:highlight>
+                  <a:srgbClr val="1E1E1E"/>
+                </a:highlight>
+                <a:latin typeface="Courier New"/>
+                <a:ea typeface="Courier New"/>
+                <a:cs typeface="Courier New"/>
+                <a:sym typeface="Courier New"/>
+              </a:rPr>
+              <a:t>@override</a:t>
+            </a:r>
+            <a:endParaRPr sz="1050">
+              <a:solidFill>
+                <a:srgbClr val="569CD6"/>
+              </a:solidFill>
+              <a:highlight>
+                <a:srgbClr val="1E1E1E"/>
+              </a:highlight>
+              <a:latin typeface="Courier New"/>
+              <a:ea typeface="Courier New"/>
+              <a:cs typeface="Courier New"/>
+              <a:sym typeface="Courier New"/>
+            </a:endParaRPr>
+          </a:p>
+          <a:p>
+            <a:pPr indent="0" lvl="0" marL="0" rtl="0" algn="l">
+              <a:lnSpc>
+                <a:spcPct val="135714"/>
+              </a:lnSpc>
+              <a:spcBef>
+                <a:spcPts val="0"/>
+              </a:spcBef>
+              <a:spcAft>
+                <a:spcPts val="0"/>
+              </a:spcAft>
+              <a:buClr>
+                <a:schemeClr val="dk1"/>
+              </a:buClr>
+              <a:buSzPts val="1100"/>
+              <a:buFont typeface="Arial"/>
+              <a:buNone/>
+            </a:pPr>
+            <a:r>
+              <a:rPr lang="es" sz="1050">
+                <a:solidFill>
+                  <a:srgbClr val="D4D4D4"/>
+                </a:solidFill>
+                <a:highlight>
+                  <a:srgbClr val="1E1E1E"/>
+                </a:highlight>
+                <a:latin typeface="Courier New"/>
+                <a:ea typeface="Courier New"/>
+                <a:cs typeface="Courier New"/>
+                <a:sym typeface="Courier New"/>
+              </a:rPr>
+              <a:t> </a:t>
+            </a:r>
+            <a:r>
+              <a:rPr lang="es" sz="1050">
+                <a:solidFill>
+                  <a:srgbClr val="4EC9B0"/>
+                </a:solidFill>
+                <a:highlight>
+                  <a:srgbClr val="1E1E1E"/>
+                </a:highlight>
+                <a:latin typeface="Courier New"/>
+                <a:ea typeface="Courier New"/>
+                <a:cs typeface="Courier New"/>
+                <a:sym typeface="Courier New"/>
+              </a:rPr>
+              <a:t>Widget</a:t>
+            </a:r>
+            <a:r>
+              <a:rPr lang="es" sz="1050">
+                <a:solidFill>
+                  <a:srgbClr val="D4D4D4"/>
+                </a:solidFill>
+                <a:highlight>
+                  <a:srgbClr val="1E1E1E"/>
+                </a:highlight>
+                <a:latin typeface="Courier New"/>
+                <a:ea typeface="Courier New"/>
+                <a:cs typeface="Courier New"/>
+                <a:sym typeface="Courier New"/>
+              </a:rPr>
+              <a:t> </a:t>
+            </a:r>
+            <a:r>
+              <a:rPr lang="es" sz="1050">
+                <a:solidFill>
+                  <a:srgbClr val="DCDCAA"/>
+                </a:solidFill>
+                <a:highlight>
+                  <a:srgbClr val="1E1E1E"/>
+                </a:highlight>
+                <a:latin typeface="Courier New"/>
+                <a:ea typeface="Courier New"/>
+                <a:cs typeface="Courier New"/>
+                <a:sym typeface="Courier New"/>
+              </a:rPr>
+              <a:t>build</a:t>
+            </a:r>
+            <a:r>
+              <a:rPr lang="es" sz="1050">
+                <a:solidFill>
+                  <a:srgbClr val="D4D4D4"/>
+                </a:solidFill>
+                <a:highlight>
+                  <a:srgbClr val="1E1E1E"/>
+                </a:highlight>
+                <a:latin typeface="Courier New"/>
+                <a:ea typeface="Courier New"/>
+                <a:cs typeface="Courier New"/>
+                <a:sym typeface="Courier New"/>
+              </a:rPr>
+              <a:t>(</a:t>
+            </a:r>
+            <a:r>
+              <a:rPr lang="es" sz="1050">
+                <a:solidFill>
+                  <a:srgbClr val="4EC9B0"/>
+                </a:solidFill>
+                <a:highlight>
+                  <a:srgbClr val="1E1E1E"/>
+                </a:highlight>
+                <a:latin typeface="Courier New"/>
+                <a:ea typeface="Courier New"/>
+                <a:cs typeface="Courier New"/>
+                <a:sym typeface="Courier New"/>
+              </a:rPr>
+              <a:t>BuildContext</a:t>
+            </a:r>
+            <a:r>
+              <a:rPr lang="es" sz="1050">
+                <a:solidFill>
+                  <a:srgbClr val="D4D4D4"/>
+                </a:solidFill>
+                <a:highlight>
+                  <a:srgbClr val="1E1E1E"/>
+                </a:highlight>
+                <a:latin typeface="Courier New"/>
+                <a:ea typeface="Courier New"/>
+                <a:cs typeface="Courier New"/>
+                <a:sym typeface="Courier New"/>
+              </a:rPr>
+              <a:t> context) {</a:t>
+            </a:r>
+            <a:endParaRPr sz="1050">
+              <a:solidFill>
+                <a:srgbClr val="D4D4D4"/>
+              </a:solidFill>
+              <a:highlight>
+                <a:srgbClr val="1E1E1E"/>
+              </a:highlight>
+              <a:latin typeface="Courier New"/>
+              <a:ea typeface="Courier New"/>
+              <a:cs typeface="Courier New"/>
+              <a:sym typeface="Courier New"/>
+            </a:endParaRPr>
+          </a:p>
+          <a:p>
+            <a:pPr indent="0" lvl="0" marL="0" rtl="0" algn="l">
+              <a:lnSpc>
+                <a:spcPct val="135714"/>
+              </a:lnSpc>
+              <a:spcBef>
+                <a:spcPts val="0"/>
+              </a:spcBef>
+              <a:spcAft>
+                <a:spcPts val="0"/>
+              </a:spcAft>
+              <a:buClr>
+                <a:schemeClr val="dk1"/>
+              </a:buClr>
+              <a:buSzPts val="1100"/>
+              <a:buFont typeface="Arial"/>
+              <a:buNone/>
+            </a:pPr>
+            <a:r>
+              <a:rPr lang="es" sz="1050">
+                <a:solidFill>
+                  <a:srgbClr val="D4D4D4"/>
+                </a:solidFill>
+                <a:highlight>
+                  <a:srgbClr val="1E1E1E"/>
+                </a:highlight>
+                <a:latin typeface="Courier New"/>
+                <a:ea typeface="Courier New"/>
+                <a:cs typeface="Courier New"/>
+                <a:sym typeface="Courier New"/>
+              </a:rPr>
+              <a:t>   </a:t>
+            </a:r>
+            <a:r>
+              <a:rPr lang="es" sz="1050">
+                <a:solidFill>
+                  <a:srgbClr val="6A9955"/>
+                </a:solidFill>
+                <a:highlight>
+                  <a:srgbClr val="1E1E1E"/>
+                </a:highlight>
+                <a:latin typeface="Courier New"/>
+                <a:ea typeface="Courier New"/>
+                <a:cs typeface="Courier New"/>
+                <a:sym typeface="Courier New"/>
+              </a:rPr>
+              <a:t>// here we ask the library to find the instance of the controller</a:t>
+            </a:r>
+            <a:endParaRPr sz="1050">
+              <a:solidFill>
+                <a:srgbClr val="6A9955"/>
+              </a:solidFill>
+              <a:highlight>
+                <a:srgbClr val="1E1E1E"/>
+              </a:highlight>
+              <a:latin typeface="Courier New"/>
+              <a:ea typeface="Courier New"/>
+              <a:cs typeface="Courier New"/>
+              <a:sym typeface="Courier New"/>
+            </a:endParaRPr>
+          </a:p>
+          <a:p>
+            <a:pPr indent="0" lvl="0" marL="0" rtl="0" algn="l">
+              <a:lnSpc>
+                <a:spcPct val="135714"/>
+              </a:lnSpc>
+              <a:spcBef>
+                <a:spcPts val="0"/>
+              </a:spcBef>
+              <a:spcAft>
+                <a:spcPts val="0"/>
+              </a:spcAft>
+              <a:buClr>
+                <a:schemeClr val="dk1"/>
+              </a:buClr>
+              <a:buSzPts val="1100"/>
+              <a:buFont typeface="Arial"/>
+              <a:buNone/>
+            </a:pPr>
+            <a:r>
+              <a:rPr lang="es" sz="1050">
+                <a:solidFill>
+                  <a:srgbClr val="D4D4D4"/>
+                </a:solidFill>
+                <a:highlight>
+                  <a:srgbClr val="1E1E1E"/>
+                </a:highlight>
+                <a:latin typeface="Courier New"/>
+                <a:ea typeface="Courier New"/>
+                <a:cs typeface="Courier New"/>
+                <a:sym typeface="Courier New"/>
+              </a:rPr>
+              <a:t>   </a:t>
+            </a:r>
+            <a:r>
+              <a:rPr lang="es" sz="1050">
+                <a:solidFill>
+                  <a:srgbClr val="4EC9B0"/>
+                </a:solidFill>
+                <a:highlight>
+                  <a:srgbClr val="1E1E1E"/>
+                </a:highlight>
+                <a:latin typeface="Courier New"/>
+                <a:ea typeface="Courier New"/>
+                <a:cs typeface="Courier New"/>
+                <a:sym typeface="Courier New"/>
+              </a:rPr>
+              <a:t>ConverterController</a:t>
+            </a:r>
+            <a:r>
+              <a:rPr lang="es" sz="1050">
+                <a:solidFill>
+                  <a:srgbClr val="D4D4D4"/>
+                </a:solidFill>
+                <a:highlight>
+                  <a:srgbClr val="1E1E1E"/>
+                </a:highlight>
+                <a:latin typeface="Courier New"/>
+                <a:ea typeface="Courier New"/>
+                <a:cs typeface="Courier New"/>
+                <a:sym typeface="Courier New"/>
+              </a:rPr>
+              <a:t> controller = </a:t>
+            </a:r>
+            <a:r>
+              <a:rPr lang="es" sz="1050">
+                <a:solidFill>
+                  <a:srgbClr val="4EC9B0"/>
+                </a:solidFill>
+                <a:highlight>
+                  <a:srgbClr val="1E1E1E"/>
+                </a:highlight>
+                <a:latin typeface="Courier New"/>
+                <a:ea typeface="Courier New"/>
+                <a:cs typeface="Courier New"/>
+                <a:sym typeface="Courier New"/>
+              </a:rPr>
+              <a:t>Get</a:t>
+            </a:r>
+            <a:r>
+              <a:rPr lang="es" sz="1050">
+                <a:solidFill>
+                  <a:srgbClr val="D4D4D4"/>
+                </a:solidFill>
+                <a:highlight>
+                  <a:srgbClr val="1E1E1E"/>
+                </a:highlight>
+                <a:latin typeface="Courier New"/>
+                <a:ea typeface="Courier New"/>
+                <a:cs typeface="Courier New"/>
+                <a:sym typeface="Courier New"/>
+              </a:rPr>
+              <a:t>.</a:t>
+            </a:r>
+            <a:r>
+              <a:rPr lang="es" sz="1050">
+                <a:solidFill>
+                  <a:srgbClr val="DCDCAA"/>
+                </a:solidFill>
+                <a:highlight>
+                  <a:srgbClr val="1E1E1E"/>
+                </a:highlight>
+                <a:latin typeface="Courier New"/>
+                <a:ea typeface="Courier New"/>
+                <a:cs typeface="Courier New"/>
+                <a:sym typeface="Courier New"/>
+              </a:rPr>
+              <a:t>find</a:t>
+            </a:r>
+            <a:r>
+              <a:rPr lang="es" sz="1050">
+                <a:solidFill>
+                  <a:srgbClr val="D4D4D4"/>
+                </a:solidFill>
+                <a:highlight>
+                  <a:srgbClr val="1E1E1E"/>
+                </a:highlight>
+                <a:latin typeface="Courier New"/>
+                <a:ea typeface="Courier New"/>
+                <a:cs typeface="Courier New"/>
+                <a:sym typeface="Courier New"/>
+              </a:rPr>
+              <a:t>();</a:t>
+            </a:r>
+            <a:endParaRPr sz="1050">
+              <a:solidFill>
+                <a:srgbClr val="D4D4D4"/>
+              </a:solidFill>
+              <a:highlight>
+                <a:srgbClr val="1E1E1E"/>
+              </a:highlight>
+              <a:latin typeface="Courier New"/>
+              <a:ea typeface="Courier New"/>
+              <a:cs typeface="Courier New"/>
+              <a:sym typeface="Courier New"/>
+            </a:endParaRPr>
+          </a:p>
+          <a:p>
+            <a:pPr indent="0" lvl="0" marL="0" rtl="0" algn="l">
+              <a:lnSpc>
+                <a:spcPct val="135714"/>
+              </a:lnSpc>
+              <a:spcBef>
+                <a:spcPts val="0"/>
+              </a:spcBef>
+              <a:spcAft>
+                <a:spcPts val="0"/>
+              </a:spcAft>
+              <a:buClr>
+                <a:schemeClr val="dk1"/>
+              </a:buClr>
+              <a:buSzPts val="1100"/>
+              <a:buFont typeface="Arial"/>
+              <a:buNone/>
+            </a:pPr>
+            <a:r>
+              <a:rPr lang="es" sz="1050">
+                <a:solidFill>
+                  <a:srgbClr val="D4D4D4"/>
+                </a:solidFill>
+                <a:highlight>
+                  <a:srgbClr val="1E1E1E"/>
+                </a:highlight>
+                <a:latin typeface="Courier New"/>
+                <a:ea typeface="Courier New"/>
+                <a:cs typeface="Courier New"/>
+                <a:sym typeface="Courier New"/>
+              </a:rPr>
+              <a:t>   </a:t>
+            </a:r>
+            <a:r>
+              <a:rPr lang="es" sz="1050">
+                <a:solidFill>
+                  <a:srgbClr val="C586C0"/>
+                </a:solidFill>
+                <a:highlight>
+                  <a:srgbClr val="1E1E1E"/>
+                </a:highlight>
+                <a:latin typeface="Courier New"/>
+                <a:ea typeface="Courier New"/>
+                <a:cs typeface="Courier New"/>
+                <a:sym typeface="Courier New"/>
+              </a:rPr>
+              <a:t>return</a:t>
+            </a:r>
+            <a:r>
+              <a:rPr lang="es" sz="1050">
+                <a:solidFill>
+                  <a:srgbClr val="D4D4D4"/>
+                </a:solidFill>
+                <a:highlight>
+                  <a:srgbClr val="1E1E1E"/>
+                </a:highlight>
+                <a:latin typeface="Courier New"/>
+                <a:ea typeface="Courier New"/>
+                <a:cs typeface="Courier New"/>
+                <a:sym typeface="Courier New"/>
+              </a:rPr>
+              <a:t> </a:t>
+            </a:r>
+            <a:r>
+              <a:rPr lang="es" sz="1050">
+                <a:solidFill>
+                  <a:srgbClr val="4EC9B0"/>
+                </a:solidFill>
+                <a:highlight>
+                  <a:srgbClr val="1E1E1E"/>
+                </a:highlight>
+                <a:latin typeface="Courier New"/>
+                <a:ea typeface="Courier New"/>
+                <a:cs typeface="Courier New"/>
+                <a:sym typeface="Courier New"/>
+              </a:rPr>
+              <a:t>Container</a:t>
+            </a:r>
+            <a:r>
+              <a:rPr lang="es" sz="1050">
+                <a:solidFill>
+                  <a:srgbClr val="D4D4D4"/>
+                </a:solidFill>
+                <a:highlight>
+                  <a:srgbClr val="1E1E1E"/>
+                </a:highlight>
+                <a:latin typeface="Courier New"/>
+                <a:ea typeface="Courier New"/>
+                <a:cs typeface="Courier New"/>
+                <a:sym typeface="Courier New"/>
+              </a:rPr>
+              <a:t>(</a:t>
+            </a:r>
+            <a:endParaRPr sz="1050">
+              <a:solidFill>
+                <a:srgbClr val="D4D4D4"/>
+              </a:solidFill>
+              <a:highlight>
+                <a:srgbClr val="1E1E1E"/>
+              </a:highlight>
+              <a:latin typeface="Courier New"/>
+              <a:ea typeface="Courier New"/>
+              <a:cs typeface="Courier New"/>
+              <a:sym typeface="Courier New"/>
+            </a:endParaRPr>
+          </a:p>
+          <a:p>
+            <a:pPr indent="0" lvl="0" marL="0" rtl="0" algn="l">
+              <a:lnSpc>
+                <a:spcPct val="135714"/>
+              </a:lnSpc>
+              <a:spcBef>
+                <a:spcPts val="0"/>
+              </a:spcBef>
+              <a:spcAft>
+                <a:spcPts val="0"/>
+              </a:spcAft>
+              <a:buClr>
+                <a:schemeClr val="dk1"/>
+              </a:buClr>
+              <a:buSzPts val="1100"/>
+              <a:buFont typeface="Arial"/>
+              <a:buNone/>
+            </a:pPr>
+            <a:r>
+              <a:rPr lang="es" sz="1050">
+                <a:solidFill>
+                  <a:srgbClr val="D4D4D4"/>
+                </a:solidFill>
+                <a:highlight>
+                  <a:srgbClr val="1E1E1E"/>
+                </a:highlight>
+                <a:latin typeface="Courier New"/>
+                <a:ea typeface="Courier New"/>
+                <a:cs typeface="Courier New"/>
+                <a:sym typeface="Courier New"/>
+              </a:rPr>
+              <a:t>     child: ....</a:t>
+            </a:r>
+            <a:endParaRPr sz="1050">
+              <a:solidFill>
+                <a:srgbClr val="D4D4D4"/>
+              </a:solidFill>
+              <a:highlight>
+                <a:srgbClr val="1E1E1E"/>
+              </a:highlight>
+              <a:latin typeface="Courier New"/>
+              <a:ea typeface="Courier New"/>
+              <a:cs typeface="Courier New"/>
+              <a:sym typeface="Courier New"/>
+            </a:endParaRPr>
+          </a:p>
+          <a:p>
+            <a:pPr indent="0" lvl="0" marL="0" rtl="0" algn="l">
+              <a:lnSpc>
+                <a:spcPct val="135714"/>
+              </a:lnSpc>
+              <a:spcBef>
+                <a:spcPts val="0"/>
+              </a:spcBef>
+              <a:spcAft>
+                <a:spcPts val="0"/>
+              </a:spcAft>
+              <a:buClr>
+                <a:schemeClr val="dk1"/>
+              </a:buClr>
+              <a:buSzPts val="1100"/>
+              <a:buFont typeface="Arial"/>
+              <a:buNone/>
+            </a:pPr>
+            <a:r>
+              <a:rPr lang="es" sz="1050">
+                <a:solidFill>
+                  <a:srgbClr val="D4D4D4"/>
+                </a:solidFill>
+                <a:highlight>
+                  <a:srgbClr val="1E1E1E"/>
+                </a:highlight>
+                <a:latin typeface="Courier New"/>
+                <a:ea typeface="Courier New"/>
+                <a:cs typeface="Courier New"/>
+                <a:sym typeface="Courier New"/>
+              </a:rPr>
+              <a:t>   );</a:t>
+            </a:r>
+            <a:endParaRPr sz="1050">
+              <a:solidFill>
+                <a:srgbClr val="D4D4D4"/>
+              </a:solidFill>
+              <a:highlight>
+                <a:srgbClr val="1E1E1E"/>
+              </a:highlight>
+              <a:latin typeface="Courier New"/>
+              <a:ea typeface="Courier New"/>
+              <a:cs typeface="Courier New"/>
+              <a:sym typeface="Courier New"/>
+            </a:endParaRPr>
+          </a:p>
+          <a:p>
+            <a:pPr indent="0" lvl="0" marL="0" rtl="0" algn="l">
+              <a:lnSpc>
+                <a:spcPct val="135714"/>
+              </a:lnSpc>
+              <a:spcBef>
+                <a:spcPts val="0"/>
+              </a:spcBef>
+              <a:spcAft>
+                <a:spcPts val="0"/>
+              </a:spcAft>
+              <a:buClr>
+                <a:schemeClr val="dk1"/>
+              </a:buClr>
+              <a:buSzPts val="1100"/>
+              <a:buFont typeface="Arial"/>
+              <a:buNone/>
+            </a:pPr>
+            <a:r>
+              <a:rPr lang="es" sz="1050">
+                <a:solidFill>
+                  <a:srgbClr val="D4D4D4"/>
+                </a:solidFill>
+                <a:highlight>
+                  <a:srgbClr val="1E1E1E"/>
+                </a:highlight>
+                <a:latin typeface="Courier New"/>
+                <a:ea typeface="Courier New"/>
+                <a:cs typeface="Courier New"/>
+                <a:sym typeface="Courier New"/>
+              </a:rPr>
+              <a:t> }</a:t>
+            </a:r>
+            <a:endParaRPr sz="1050">
+              <a:solidFill>
+                <a:srgbClr val="D4D4D4"/>
+              </a:solidFill>
+              <a:highlight>
+                <a:srgbClr val="1E1E1E"/>
+              </a:highlight>
+              <a:latin typeface="Courier New"/>
+              <a:ea typeface="Courier New"/>
+              <a:cs typeface="Courier New"/>
+              <a:sym typeface="Courier New"/>
+            </a:endParaRPr>
+          </a:p>
+          <a:p>
+            <a:pPr indent="0" lvl="0" marL="0" rtl="0" algn="l">
+              <a:lnSpc>
+                <a:spcPct val="135714"/>
+              </a:lnSpc>
+              <a:spcBef>
+                <a:spcPts val="0"/>
+              </a:spcBef>
+              <a:spcAft>
+                <a:spcPts val="0"/>
+              </a:spcAft>
+              <a:buSzPts val="1100"/>
+              <a:buNone/>
+            </a:pPr>
+            <a:r>
+              <a:rPr lang="es" sz="1050">
+                <a:solidFill>
+                  <a:srgbClr val="D4D4D4"/>
+                </a:solidFill>
+                <a:highlight>
+                  <a:srgbClr val="1E1E1E"/>
+                </a:highlight>
+                <a:latin typeface="Courier New"/>
+                <a:ea typeface="Courier New"/>
+                <a:cs typeface="Courier New"/>
+                <a:sym typeface="Courier New"/>
+              </a:rPr>
+              <a:t>}</a:t>
+            </a:r>
+            <a:endParaRPr sz="1050">
+              <a:solidFill>
+                <a:srgbClr val="D4D4D4"/>
+              </a:solidFill>
+              <a:highlight>
+                <a:srgbClr val="1E1E1E"/>
+              </a:highlight>
+              <a:latin typeface="Courier New"/>
+              <a:ea typeface="Courier New"/>
+              <a:cs typeface="Courier New"/>
+              <a:sym typeface="Courier New"/>
+            </a:endParaRPr>
+          </a:p>
+          <a:p>
+            <a:pPr indent="0" lvl="0" marL="0" rtl="0" algn="l">
+              <a:lnSpc>
+                <a:spcPct val="135714"/>
+              </a:lnSpc>
+              <a:spcBef>
+                <a:spcPts val="0"/>
+              </a:spcBef>
+              <a:spcAft>
+                <a:spcPts val="0"/>
+              </a:spcAft>
+              <a:buSzPts val="1100"/>
+              <a:buNone/>
+            </a:pPr>
+            <a:r>
+              <a:t/>
+            </a:r>
+            <a:endParaRPr sz="1050">
+              <a:solidFill>
+                <a:srgbClr val="D4D4D4"/>
+              </a:solidFill>
+              <a:highlight>
+                <a:srgbClr val="1E1E1E"/>
+              </a:highlight>
+              <a:latin typeface="Courier New"/>
+              <a:ea typeface="Courier New"/>
+              <a:cs typeface="Courier New"/>
+              <a:sym typeface="Courier New"/>
+            </a:endParaRPr>
+          </a:p>
+          <a:p>
+            <a:pPr indent="0" lvl="0" marL="0" rtl="0" algn="l">
+              <a:lnSpc>
+                <a:spcPct val="135714"/>
+              </a:lnSpc>
+              <a:spcBef>
+                <a:spcPts val="0"/>
+              </a:spcBef>
+              <a:spcAft>
+                <a:spcPts val="0"/>
+              </a:spcAft>
+              <a:buSzPts val="1100"/>
+              <a:buNone/>
+            </a:pPr>
+            <a:r>
+              <a:rPr lang="es" sz="1050">
+                <a:solidFill>
+                  <a:srgbClr val="4EC9B0"/>
+                </a:solidFill>
+                <a:highlight>
+                  <a:srgbClr val="1E1E1E"/>
+                </a:highlight>
+                <a:latin typeface="Courier New"/>
+                <a:ea typeface="Courier New"/>
+                <a:cs typeface="Courier New"/>
+                <a:sym typeface="Courier New"/>
+              </a:rPr>
+              <a:t>ConverterController</a:t>
+            </a:r>
+            <a:r>
+              <a:rPr lang="es" sz="1050">
+                <a:solidFill>
+                  <a:srgbClr val="D4D4D4"/>
+                </a:solidFill>
+                <a:highlight>
+                  <a:srgbClr val="1E1E1E"/>
+                </a:highlight>
+                <a:latin typeface="Courier New"/>
+                <a:ea typeface="Courier New"/>
+                <a:cs typeface="Courier New"/>
+                <a:sym typeface="Courier New"/>
+              </a:rPr>
+              <a:t> controller = </a:t>
+            </a:r>
+            <a:r>
+              <a:rPr lang="es" sz="1050">
+                <a:solidFill>
+                  <a:srgbClr val="4EC9B0"/>
+                </a:solidFill>
+                <a:highlight>
+                  <a:srgbClr val="1E1E1E"/>
+                </a:highlight>
+                <a:latin typeface="Courier New"/>
+                <a:ea typeface="Courier New"/>
+                <a:cs typeface="Courier New"/>
+                <a:sym typeface="Courier New"/>
+              </a:rPr>
+              <a:t>Get</a:t>
+            </a:r>
+            <a:r>
+              <a:rPr lang="es" sz="1050">
+                <a:solidFill>
+                  <a:srgbClr val="D4D4D4"/>
+                </a:solidFill>
+                <a:highlight>
+                  <a:srgbClr val="1E1E1E"/>
+                </a:highlight>
+                <a:latin typeface="Courier New"/>
+                <a:ea typeface="Courier New"/>
+                <a:cs typeface="Courier New"/>
+                <a:sym typeface="Courier New"/>
+              </a:rPr>
+              <a:t>.</a:t>
+            </a:r>
+            <a:r>
+              <a:rPr lang="es" sz="1050">
+                <a:solidFill>
+                  <a:srgbClr val="DCDCAA"/>
+                </a:solidFill>
+                <a:highlight>
+                  <a:srgbClr val="1E1E1E"/>
+                </a:highlight>
+                <a:latin typeface="Courier New"/>
+                <a:ea typeface="Courier New"/>
+                <a:cs typeface="Courier New"/>
+                <a:sym typeface="Courier New"/>
+              </a:rPr>
+              <a:t>find</a:t>
+            </a:r>
+            <a:r>
+              <a:rPr lang="es" sz="1050">
+                <a:solidFill>
+                  <a:srgbClr val="D4D4D4"/>
+                </a:solidFill>
+                <a:highlight>
+                  <a:srgbClr val="1E1E1E"/>
+                </a:highlight>
+                <a:latin typeface="Courier New"/>
+                <a:ea typeface="Courier New"/>
+                <a:cs typeface="Courier New"/>
+                <a:sym typeface="Courier New"/>
+              </a:rPr>
+              <a:t>();</a:t>
+            </a:r>
+            <a:endParaRPr sz="1050">
+              <a:solidFill>
+                <a:srgbClr val="D4D4D4"/>
+              </a:solidFill>
+              <a:highlight>
+                <a:srgbClr val="1E1E1E"/>
+              </a:highlight>
+              <a:latin typeface="Courier New"/>
+              <a:ea typeface="Courier New"/>
+              <a:cs typeface="Courier New"/>
+              <a:sym typeface="Courier New"/>
+            </a:endParaRPr>
+          </a:p>
+          <a:p>
+            <a:pPr indent="0" lvl="0" marL="0" rtl="0" algn="l">
+              <a:lnSpc>
+                <a:spcPct val="135714"/>
+              </a:lnSpc>
+              <a:spcBef>
+                <a:spcPts val="0"/>
+              </a:spcBef>
+              <a:spcAft>
+                <a:spcPts val="0"/>
+              </a:spcAft>
+              <a:buClr>
+                <a:schemeClr val="dk1"/>
+              </a:buClr>
+              <a:buSzPts val="1100"/>
+              <a:buFont typeface="Arial"/>
+              <a:buNone/>
+            </a:pPr>
+            <a:r>
+              <a:t/>
+            </a:r>
+            <a:endParaRPr sz="1050">
+              <a:solidFill>
+                <a:srgbClr val="D4D4D4"/>
+              </a:solidFill>
+              <a:highlight>
+                <a:srgbClr val="1E1E1E"/>
+              </a:highlight>
+              <a:latin typeface="Courier New"/>
+              <a:ea typeface="Courier New"/>
+              <a:cs typeface="Courier New"/>
+              <a:sym typeface="Courier New"/>
+            </a:endParaRPr>
+          </a:p>
+          <a:p>
+            <a:pPr indent="0" lvl="0" marL="0" rtl="0" algn="l">
+              <a:lnSpc>
                 <a:spcPct val="100000"/>
               </a:lnSpc>
               <a:spcBef>
@@ -1777,6 +3597,1336 @@
           <a:p>
             <a:pPr indent="0" lvl="0" marL="0" rtl="0" algn="l">
               <a:lnSpc>
+                <a:spcPct val="135714"/>
+              </a:lnSpc>
+              <a:spcBef>
+                <a:spcPts val="0"/>
+              </a:spcBef>
+              <a:spcAft>
+                <a:spcPts val="0"/>
+              </a:spcAft>
+              <a:buClr>
+                <a:schemeClr val="dk1"/>
+              </a:buClr>
+              <a:buSzPts val="1100"/>
+              <a:buFont typeface="Arial"/>
+              <a:buNone/>
+            </a:pPr>
+            <a:r>
+              <a:rPr lang="es" sz="1050">
+                <a:solidFill>
+                  <a:srgbClr val="4EC9B0"/>
+                </a:solidFill>
+                <a:highlight>
+                  <a:srgbClr val="1E1E1E"/>
+                </a:highlight>
+                <a:latin typeface="Courier New"/>
+                <a:ea typeface="Courier New"/>
+                <a:cs typeface="Courier New"/>
+                <a:sym typeface="Courier New"/>
+              </a:rPr>
+              <a:t>Expanded</a:t>
+            </a:r>
+            <a:r>
+              <a:rPr lang="es" sz="1050">
+                <a:solidFill>
+                  <a:srgbClr val="D4D4D4"/>
+                </a:solidFill>
+                <a:highlight>
+                  <a:srgbClr val="1E1E1E"/>
+                </a:highlight>
+                <a:latin typeface="Courier New"/>
+                <a:ea typeface="Courier New"/>
+                <a:cs typeface="Courier New"/>
+                <a:sym typeface="Courier New"/>
+              </a:rPr>
+              <a:t>(</a:t>
+            </a:r>
+            <a:endParaRPr sz="1050">
+              <a:solidFill>
+                <a:srgbClr val="D4D4D4"/>
+              </a:solidFill>
+              <a:highlight>
+                <a:srgbClr val="1E1E1E"/>
+              </a:highlight>
+              <a:latin typeface="Courier New"/>
+              <a:ea typeface="Courier New"/>
+              <a:cs typeface="Courier New"/>
+              <a:sym typeface="Courier New"/>
+            </a:endParaRPr>
+          </a:p>
+          <a:p>
+            <a:pPr indent="0" lvl="0" marL="0" rtl="0" algn="l">
+              <a:lnSpc>
+                <a:spcPct val="135714"/>
+              </a:lnSpc>
+              <a:spcBef>
+                <a:spcPts val="0"/>
+              </a:spcBef>
+              <a:spcAft>
+                <a:spcPts val="0"/>
+              </a:spcAft>
+              <a:buClr>
+                <a:schemeClr val="dk1"/>
+              </a:buClr>
+              <a:buSzPts val="1100"/>
+              <a:buFont typeface="Arial"/>
+              <a:buNone/>
+            </a:pPr>
+            <a:r>
+              <a:rPr lang="es" sz="1050">
+                <a:solidFill>
+                  <a:srgbClr val="D4D4D4"/>
+                </a:solidFill>
+                <a:highlight>
+                  <a:srgbClr val="1E1E1E"/>
+                </a:highlight>
+                <a:latin typeface="Courier New"/>
+                <a:ea typeface="Courier New"/>
+                <a:cs typeface="Courier New"/>
+                <a:sym typeface="Courier New"/>
+              </a:rPr>
+              <a:t> child: </a:t>
+            </a:r>
+            <a:r>
+              <a:rPr lang="es" sz="1050">
+                <a:solidFill>
+                  <a:srgbClr val="4EC9B0"/>
+                </a:solidFill>
+                <a:highlight>
+                  <a:srgbClr val="1E1E1E"/>
+                </a:highlight>
+                <a:latin typeface="Courier New"/>
+                <a:ea typeface="Courier New"/>
+                <a:cs typeface="Courier New"/>
+                <a:sym typeface="Courier New"/>
+              </a:rPr>
+              <a:t>Container</a:t>
+            </a:r>
+            <a:r>
+              <a:rPr lang="es" sz="1050">
+                <a:solidFill>
+                  <a:srgbClr val="D4D4D4"/>
+                </a:solidFill>
+                <a:highlight>
+                  <a:srgbClr val="1E1E1E"/>
+                </a:highlight>
+                <a:latin typeface="Courier New"/>
+                <a:ea typeface="Courier New"/>
+                <a:cs typeface="Courier New"/>
+                <a:sym typeface="Courier New"/>
+              </a:rPr>
+              <a:t>(</a:t>
+            </a:r>
+            <a:endParaRPr sz="1050">
+              <a:solidFill>
+                <a:srgbClr val="D4D4D4"/>
+              </a:solidFill>
+              <a:highlight>
+                <a:srgbClr val="1E1E1E"/>
+              </a:highlight>
+              <a:latin typeface="Courier New"/>
+              <a:ea typeface="Courier New"/>
+              <a:cs typeface="Courier New"/>
+              <a:sym typeface="Courier New"/>
+            </a:endParaRPr>
+          </a:p>
+          <a:p>
+            <a:pPr indent="0" lvl="0" marL="0" rtl="0" algn="l">
+              <a:lnSpc>
+                <a:spcPct val="135714"/>
+              </a:lnSpc>
+              <a:spcBef>
+                <a:spcPts val="0"/>
+              </a:spcBef>
+              <a:spcAft>
+                <a:spcPts val="0"/>
+              </a:spcAft>
+              <a:buClr>
+                <a:schemeClr val="dk1"/>
+              </a:buClr>
+              <a:buSzPts val="1100"/>
+              <a:buFont typeface="Arial"/>
+              <a:buNone/>
+            </a:pPr>
+            <a:r>
+              <a:rPr lang="es" sz="1050">
+                <a:solidFill>
+                  <a:srgbClr val="D4D4D4"/>
+                </a:solidFill>
+                <a:highlight>
+                  <a:srgbClr val="1E1E1E"/>
+                </a:highlight>
+                <a:latin typeface="Courier New"/>
+                <a:ea typeface="Courier New"/>
+                <a:cs typeface="Courier New"/>
+                <a:sym typeface="Courier New"/>
+              </a:rPr>
+              <a:t>   padding: </a:t>
+            </a:r>
+            <a:r>
+              <a:rPr lang="es" sz="1050">
+                <a:solidFill>
+                  <a:srgbClr val="569CD6"/>
+                </a:solidFill>
+                <a:highlight>
+                  <a:srgbClr val="1E1E1E"/>
+                </a:highlight>
+                <a:latin typeface="Courier New"/>
+                <a:ea typeface="Courier New"/>
+                <a:cs typeface="Courier New"/>
+                <a:sym typeface="Courier New"/>
+              </a:rPr>
+              <a:t>const</a:t>
+            </a:r>
+            <a:r>
+              <a:rPr lang="es" sz="1050">
+                <a:solidFill>
+                  <a:srgbClr val="D4D4D4"/>
+                </a:solidFill>
+                <a:highlight>
+                  <a:srgbClr val="1E1E1E"/>
+                </a:highlight>
+                <a:latin typeface="Courier New"/>
+                <a:ea typeface="Courier New"/>
+                <a:cs typeface="Courier New"/>
+                <a:sym typeface="Courier New"/>
+              </a:rPr>
+              <a:t> </a:t>
+            </a:r>
+            <a:r>
+              <a:rPr lang="es" sz="1050">
+                <a:solidFill>
+                  <a:srgbClr val="4EC9B0"/>
+                </a:solidFill>
+                <a:highlight>
+                  <a:srgbClr val="1E1E1E"/>
+                </a:highlight>
+                <a:latin typeface="Courier New"/>
+                <a:ea typeface="Courier New"/>
+                <a:cs typeface="Courier New"/>
+                <a:sym typeface="Courier New"/>
+              </a:rPr>
+              <a:t>EdgeInsets</a:t>
+            </a:r>
+            <a:r>
+              <a:rPr lang="es" sz="1050">
+                <a:solidFill>
+                  <a:srgbClr val="D4D4D4"/>
+                </a:solidFill>
+                <a:highlight>
+                  <a:srgbClr val="1E1E1E"/>
+                </a:highlight>
+                <a:latin typeface="Courier New"/>
+                <a:ea typeface="Courier New"/>
+                <a:cs typeface="Courier New"/>
+                <a:sym typeface="Courier New"/>
+              </a:rPr>
+              <a:t>.</a:t>
+            </a:r>
+            <a:r>
+              <a:rPr lang="es" sz="1050">
+                <a:solidFill>
+                  <a:srgbClr val="DCDCAA"/>
+                </a:solidFill>
+                <a:highlight>
+                  <a:srgbClr val="1E1E1E"/>
+                </a:highlight>
+                <a:latin typeface="Courier New"/>
+                <a:ea typeface="Courier New"/>
+                <a:cs typeface="Courier New"/>
+                <a:sym typeface="Courier New"/>
+              </a:rPr>
+              <a:t>symmetric</a:t>
+            </a:r>
+            <a:r>
+              <a:rPr lang="es" sz="1050">
+                <a:solidFill>
+                  <a:srgbClr val="D4D4D4"/>
+                </a:solidFill>
+                <a:highlight>
+                  <a:srgbClr val="1E1E1E"/>
+                </a:highlight>
+                <a:latin typeface="Courier New"/>
+                <a:ea typeface="Courier New"/>
+                <a:cs typeface="Courier New"/>
+                <a:sym typeface="Courier New"/>
+              </a:rPr>
+              <a:t>(horizontal: </a:t>
+            </a:r>
+            <a:r>
+              <a:rPr lang="es" sz="1050">
+                <a:solidFill>
+                  <a:srgbClr val="B5CEA8"/>
+                </a:solidFill>
+                <a:highlight>
+                  <a:srgbClr val="1E1E1E"/>
+                </a:highlight>
+                <a:latin typeface="Courier New"/>
+                <a:ea typeface="Courier New"/>
+                <a:cs typeface="Courier New"/>
+                <a:sym typeface="Courier New"/>
+              </a:rPr>
+              <a:t>4.0</a:t>
+            </a:r>
+            <a:r>
+              <a:rPr lang="es" sz="1050">
+                <a:solidFill>
+                  <a:srgbClr val="D4D4D4"/>
+                </a:solidFill>
+                <a:highlight>
+                  <a:srgbClr val="1E1E1E"/>
+                </a:highlight>
+                <a:latin typeface="Courier New"/>
+                <a:ea typeface="Courier New"/>
+                <a:cs typeface="Courier New"/>
+                <a:sym typeface="Courier New"/>
+              </a:rPr>
+              <a:t>),</a:t>
+            </a:r>
+            <a:endParaRPr sz="1050">
+              <a:solidFill>
+                <a:srgbClr val="D4D4D4"/>
+              </a:solidFill>
+              <a:highlight>
+                <a:srgbClr val="1E1E1E"/>
+              </a:highlight>
+              <a:latin typeface="Courier New"/>
+              <a:ea typeface="Courier New"/>
+              <a:cs typeface="Courier New"/>
+              <a:sym typeface="Courier New"/>
+            </a:endParaRPr>
+          </a:p>
+          <a:p>
+            <a:pPr indent="0" lvl="0" marL="0" rtl="0" algn="l">
+              <a:lnSpc>
+                <a:spcPct val="135714"/>
+              </a:lnSpc>
+              <a:spcBef>
+                <a:spcPts val="0"/>
+              </a:spcBef>
+              <a:spcAft>
+                <a:spcPts val="0"/>
+              </a:spcAft>
+              <a:buClr>
+                <a:schemeClr val="dk1"/>
+              </a:buClr>
+              <a:buSzPts val="1100"/>
+              <a:buFont typeface="Arial"/>
+              <a:buNone/>
+            </a:pPr>
+            <a:r>
+              <a:rPr lang="es" sz="1050">
+                <a:solidFill>
+                  <a:srgbClr val="D4D4D4"/>
+                </a:solidFill>
+                <a:highlight>
+                  <a:srgbClr val="1E1E1E"/>
+                </a:highlight>
+                <a:latin typeface="Courier New"/>
+                <a:ea typeface="Courier New"/>
+                <a:cs typeface="Courier New"/>
+                <a:sym typeface="Courier New"/>
+              </a:rPr>
+              <a:t>   child: </a:t>
+            </a:r>
+            <a:r>
+              <a:rPr lang="es" sz="1050">
+                <a:solidFill>
+                  <a:srgbClr val="4EC9B0"/>
+                </a:solidFill>
+                <a:highlight>
+                  <a:srgbClr val="1E1E1E"/>
+                </a:highlight>
+                <a:latin typeface="Courier New"/>
+                <a:ea typeface="Courier New"/>
+                <a:cs typeface="Courier New"/>
+                <a:sym typeface="Courier New"/>
+              </a:rPr>
+              <a:t>MaterialButton</a:t>
+            </a:r>
+            <a:r>
+              <a:rPr lang="es" sz="1050">
+                <a:solidFill>
+                  <a:srgbClr val="D4D4D4"/>
+                </a:solidFill>
+                <a:highlight>
+                  <a:srgbClr val="1E1E1E"/>
+                </a:highlight>
+                <a:latin typeface="Courier New"/>
+                <a:ea typeface="Courier New"/>
+                <a:cs typeface="Courier New"/>
+                <a:sym typeface="Courier New"/>
+              </a:rPr>
+              <a:t>(</a:t>
+            </a:r>
+            <a:endParaRPr sz="1050">
+              <a:solidFill>
+                <a:srgbClr val="D4D4D4"/>
+              </a:solidFill>
+              <a:highlight>
+                <a:srgbClr val="1E1E1E"/>
+              </a:highlight>
+              <a:latin typeface="Courier New"/>
+              <a:ea typeface="Courier New"/>
+              <a:cs typeface="Courier New"/>
+              <a:sym typeface="Courier New"/>
+            </a:endParaRPr>
+          </a:p>
+          <a:p>
+            <a:pPr indent="0" lvl="0" marL="0" rtl="0" algn="l">
+              <a:lnSpc>
+                <a:spcPct val="135714"/>
+              </a:lnSpc>
+              <a:spcBef>
+                <a:spcPts val="0"/>
+              </a:spcBef>
+              <a:spcAft>
+                <a:spcPts val="0"/>
+              </a:spcAft>
+              <a:buClr>
+                <a:schemeClr val="dk1"/>
+              </a:buClr>
+              <a:buSzPts val="1100"/>
+              <a:buFont typeface="Arial"/>
+              <a:buNone/>
+            </a:pPr>
+            <a:r>
+              <a:rPr lang="es" sz="1050">
+                <a:solidFill>
+                  <a:srgbClr val="D4D4D4"/>
+                </a:solidFill>
+                <a:highlight>
+                  <a:srgbClr val="1E1E1E"/>
+                </a:highlight>
+                <a:latin typeface="Courier New"/>
+                <a:ea typeface="Courier New"/>
+                <a:cs typeface="Courier New"/>
+                <a:sym typeface="Courier New"/>
+              </a:rPr>
+              <a:t>     color: </a:t>
+            </a:r>
+            <a:r>
+              <a:rPr lang="es" sz="1050">
+                <a:solidFill>
+                  <a:srgbClr val="4EC9B0"/>
+                </a:solidFill>
+                <a:highlight>
+                  <a:srgbClr val="1E1E1E"/>
+                </a:highlight>
+                <a:latin typeface="Courier New"/>
+                <a:ea typeface="Courier New"/>
+                <a:cs typeface="Courier New"/>
+                <a:sym typeface="Courier New"/>
+              </a:rPr>
+              <a:t>Theme</a:t>
+            </a:r>
+            <a:r>
+              <a:rPr lang="es" sz="1050">
+                <a:solidFill>
+                  <a:srgbClr val="D4D4D4"/>
+                </a:solidFill>
+                <a:highlight>
+                  <a:srgbClr val="1E1E1E"/>
+                </a:highlight>
+                <a:latin typeface="Courier New"/>
+                <a:ea typeface="Courier New"/>
+                <a:cs typeface="Courier New"/>
+                <a:sym typeface="Courier New"/>
+              </a:rPr>
+              <a:t>.</a:t>
+            </a:r>
+            <a:r>
+              <a:rPr lang="es" sz="1050">
+                <a:solidFill>
+                  <a:srgbClr val="DCDCAA"/>
+                </a:solidFill>
+                <a:highlight>
+                  <a:srgbClr val="1E1E1E"/>
+                </a:highlight>
+                <a:latin typeface="Courier New"/>
+                <a:ea typeface="Courier New"/>
+                <a:cs typeface="Courier New"/>
+                <a:sym typeface="Courier New"/>
+              </a:rPr>
+              <a:t>of</a:t>
+            </a:r>
+            <a:r>
+              <a:rPr lang="es" sz="1050">
+                <a:solidFill>
+                  <a:srgbClr val="D4D4D4"/>
+                </a:solidFill>
+                <a:highlight>
+                  <a:srgbClr val="1E1E1E"/>
+                </a:highlight>
+                <a:latin typeface="Courier New"/>
+                <a:ea typeface="Courier New"/>
+                <a:cs typeface="Courier New"/>
+                <a:sym typeface="Courier New"/>
+              </a:rPr>
+              <a:t>(context).primaryColor,</a:t>
+            </a:r>
+            <a:endParaRPr sz="1050">
+              <a:solidFill>
+                <a:srgbClr val="D4D4D4"/>
+              </a:solidFill>
+              <a:highlight>
+                <a:srgbClr val="1E1E1E"/>
+              </a:highlight>
+              <a:latin typeface="Courier New"/>
+              <a:ea typeface="Courier New"/>
+              <a:cs typeface="Courier New"/>
+              <a:sym typeface="Courier New"/>
+            </a:endParaRPr>
+          </a:p>
+          <a:p>
+            <a:pPr indent="0" lvl="0" marL="0" rtl="0" algn="l">
+              <a:lnSpc>
+                <a:spcPct val="135714"/>
+              </a:lnSpc>
+              <a:spcBef>
+                <a:spcPts val="0"/>
+              </a:spcBef>
+              <a:spcAft>
+                <a:spcPts val="0"/>
+              </a:spcAft>
+              <a:buClr>
+                <a:schemeClr val="dk1"/>
+              </a:buClr>
+              <a:buSzPts val="1100"/>
+              <a:buFont typeface="Arial"/>
+              <a:buNone/>
+            </a:pPr>
+            <a:r>
+              <a:rPr lang="es" sz="1050">
+                <a:solidFill>
+                  <a:srgbClr val="D4D4D4"/>
+                </a:solidFill>
+                <a:highlight>
+                  <a:srgbClr val="1E1E1E"/>
+                </a:highlight>
+                <a:latin typeface="Courier New"/>
+                <a:ea typeface="Courier New"/>
+                <a:cs typeface="Courier New"/>
+                <a:sym typeface="Courier New"/>
+              </a:rPr>
+              <a:t>     child: </a:t>
+            </a:r>
+            <a:r>
+              <a:rPr lang="es" sz="1050">
+                <a:solidFill>
+                  <a:srgbClr val="4EC9B0"/>
+                </a:solidFill>
+                <a:highlight>
+                  <a:srgbClr val="1E1E1E"/>
+                </a:highlight>
+                <a:latin typeface="Courier New"/>
+                <a:ea typeface="Courier New"/>
+                <a:cs typeface="Courier New"/>
+                <a:sym typeface="Courier New"/>
+              </a:rPr>
+              <a:t>Text</a:t>
+            </a:r>
+            <a:r>
+              <a:rPr lang="es" sz="1050">
+                <a:solidFill>
+                  <a:srgbClr val="D4D4D4"/>
+                </a:solidFill>
+                <a:highlight>
+                  <a:srgbClr val="1E1E1E"/>
+                </a:highlight>
+                <a:latin typeface="Courier New"/>
+                <a:ea typeface="Courier New"/>
+                <a:cs typeface="Courier New"/>
+                <a:sym typeface="Courier New"/>
+              </a:rPr>
+              <a:t>(</a:t>
+            </a:r>
+            <a:endParaRPr sz="1050">
+              <a:solidFill>
+                <a:srgbClr val="D4D4D4"/>
+              </a:solidFill>
+              <a:highlight>
+                <a:srgbClr val="1E1E1E"/>
+              </a:highlight>
+              <a:latin typeface="Courier New"/>
+              <a:ea typeface="Courier New"/>
+              <a:cs typeface="Courier New"/>
+              <a:sym typeface="Courier New"/>
+            </a:endParaRPr>
+          </a:p>
+          <a:p>
+            <a:pPr indent="0" lvl="0" marL="0" rtl="0" algn="l">
+              <a:lnSpc>
+                <a:spcPct val="135714"/>
+              </a:lnSpc>
+              <a:spcBef>
+                <a:spcPts val="0"/>
+              </a:spcBef>
+              <a:spcAft>
+                <a:spcPts val="0"/>
+              </a:spcAft>
+              <a:buClr>
+                <a:schemeClr val="dk1"/>
+              </a:buClr>
+              <a:buSzPts val="1100"/>
+              <a:buFont typeface="Arial"/>
+              <a:buNone/>
+            </a:pPr>
+            <a:r>
+              <a:rPr lang="es" sz="1050">
+                <a:solidFill>
+                  <a:srgbClr val="D4D4D4"/>
+                </a:solidFill>
+                <a:highlight>
+                  <a:srgbClr val="1E1E1E"/>
+                </a:highlight>
+                <a:latin typeface="Courier New"/>
+                <a:ea typeface="Courier New"/>
+                <a:cs typeface="Courier New"/>
+                <a:sym typeface="Courier New"/>
+              </a:rPr>
+              <a:t>       </a:t>
+            </a:r>
+            <a:r>
+              <a:rPr lang="es" sz="1050">
+                <a:solidFill>
+                  <a:srgbClr val="CE9178"/>
+                </a:solidFill>
+                <a:highlight>
+                  <a:srgbClr val="1E1E1E"/>
+                </a:highlight>
+                <a:latin typeface="Courier New"/>
+                <a:ea typeface="Courier New"/>
+                <a:cs typeface="Courier New"/>
+                <a:sym typeface="Courier New"/>
+              </a:rPr>
+              <a:t>"1"</a:t>
+            </a:r>
+            <a:r>
+              <a:rPr lang="es" sz="1050">
+                <a:solidFill>
+                  <a:srgbClr val="D4D4D4"/>
+                </a:solidFill>
+                <a:highlight>
+                  <a:srgbClr val="1E1E1E"/>
+                </a:highlight>
+                <a:latin typeface="Courier New"/>
+                <a:ea typeface="Courier New"/>
+                <a:cs typeface="Courier New"/>
+                <a:sym typeface="Courier New"/>
+              </a:rPr>
+              <a:t>,</a:t>
+            </a:r>
+            <a:endParaRPr sz="1050">
+              <a:solidFill>
+                <a:srgbClr val="D4D4D4"/>
+              </a:solidFill>
+              <a:highlight>
+                <a:srgbClr val="1E1E1E"/>
+              </a:highlight>
+              <a:latin typeface="Courier New"/>
+              <a:ea typeface="Courier New"/>
+              <a:cs typeface="Courier New"/>
+              <a:sym typeface="Courier New"/>
+            </a:endParaRPr>
+          </a:p>
+          <a:p>
+            <a:pPr indent="0" lvl="0" marL="0" rtl="0" algn="l">
+              <a:lnSpc>
+                <a:spcPct val="135714"/>
+              </a:lnSpc>
+              <a:spcBef>
+                <a:spcPts val="0"/>
+              </a:spcBef>
+              <a:spcAft>
+                <a:spcPts val="0"/>
+              </a:spcAft>
+              <a:buClr>
+                <a:schemeClr val="dk1"/>
+              </a:buClr>
+              <a:buSzPts val="1100"/>
+              <a:buFont typeface="Arial"/>
+              <a:buNone/>
+            </a:pPr>
+            <a:r>
+              <a:rPr lang="es" sz="1050">
+                <a:solidFill>
+                  <a:srgbClr val="D4D4D4"/>
+                </a:solidFill>
+                <a:highlight>
+                  <a:srgbClr val="1E1E1E"/>
+                </a:highlight>
+                <a:latin typeface="Courier New"/>
+                <a:ea typeface="Courier New"/>
+                <a:cs typeface="Courier New"/>
+                <a:sym typeface="Courier New"/>
+              </a:rPr>
+              <a:t>       style: </a:t>
+            </a:r>
+            <a:r>
+              <a:rPr lang="es" sz="1050">
+                <a:solidFill>
+                  <a:srgbClr val="4EC9B0"/>
+                </a:solidFill>
+                <a:highlight>
+                  <a:srgbClr val="1E1E1E"/>
+                </a:highlight>
+                <a:latin typeface="Courier New"/>
+                <a:ea typeface="Courier New"/>
+                <a:cs typeface="Courier New"/>
+                <a:sym typeface="Courier New"/>
+              </a:rPr>
+              <a:t>TextStyle</a:t>
+            </a:r>
+            <a:r>
+              <a:rPr lang="es" sz="1050">
+                <a:solidFill>
+                  <a:srgbClr val="D4D4D4"/>
+                </a:solidFill>
+                <a:highlight>
+                  <a:srgbClr val="1E1E1E"/>
+                </a:highlight>
+                <a:latin typeface="Courier New"/>
+                <a:ea typeface="Courier New"/>
+                <a:cs typeface="Courier New"/>
+                <a:sym typeface="Courier New"/>
+              </a:rPr>
+              <a:t>(</a:t>
+            </a:r>
+            <a:endParaRPr sz="1050">
+              <a:solidFill>
+                <a:srgbClr val="D4D4D4"/>
+              </a:solidFill>
+              <a:highlight>
+                <a:srgbClr val="1E1E1E"/>
+              </a:highlight>
+              <a:latin typeface="Courier New"/>
+              <a:ea typeface="Courier New"/>
+              <a:cs typeface="Courier New"/>
+              <a:sym typeface="Courier New"/>
+            </a:endParaRPr>
+          </a:p>
+          <a:p>
+            <a:pPr indent="0" lvl="0" marL="0" rtl="0" algn="l">
+              <a:lnSpc>
+                <a:spcPct val="135714"/>
+              </a:lnSpc>
+              <a:spcBef>
+                <a:spcPts val="0"/>
+              </a:spcBef>
+              <a:spcAft>
+                <a:spcPts val="0"/>
+              </a:spcAft>
+              <a:buClr>
+                <a:schemeClr val="dk1"/>
+              </a:buClr>
+              <a:buSzPts val="1100"/>
+              <a:buFont typeface="Arial"/>
+              <a:buNone/>
+            </a:pPr>
+            <a:r>
+              <a:rPr lang="es" sz="1050">
+                <a:solidFill>
+                  <a:srgbClr val="D4D4D4"/>
+                </a:solidFill>
+                <a:highlight>
+                  <a:srgbClr val="1E1E1E"/>
+                </a:highlight>
+                <a:latin typeface="Courier New"/>
+                <a:ea typeface="Courier New"/>
+                <a:cs typeface="Courier New"/>
+                <a:sym typeface="Courier New"/>
+              </a:rPr>
+              <a:t>         color: </a:t>
+            </a:r>
+            <a:r>
+              <a:rPr lang="es" sz="1050">
+                <a:solidFill>
+                  <a:srgbClr val="4EC9B0"/>
+                </a:solidFill>
+                <a:highlight>
+                  <a:srgbClr val="1E1E1E"/>
+                </a:highlight>
+                <a:latin typeface="Courier New"/>
+                <a:ea typeface="Courier New"/>
+                <a:cs typeface="Courier New"/>
+                <a:sym typeface="Courier New"/>
+              </a:rPr>
+              <a:t>Colors</a:t>
+            </a:r>
+            <a:r>
+              <a:rPr lang="es" sz="1050">
+                <a:solidFill>
+                  <a:srgbClr val="D4D4D4"/>
+                </a:solidFill>
+                <a:highlight>
+                  <a:srgbClr val="1E1E1E"/>
+                </a:highlight>
+                <a:latin typeface="Courier New"/>
+                <a:ea typeface="Courier New"/>
+                <a:cs typeface="Courier New"/>
+                <a:sym typeface="Courier New"/>
+              </a:rPr>
+              <a:t>.white,</a:t>
+            </a:r>
+            <a:endParaRPr sz="1050">
+              <a:solidFill>
+                <a:srgbClr val="D4D4D4"/>
+              </a:solidFill>
+              <a:highlight>
+                <a:srgbClr val="1E1E1E"/>
+              </a:highlight>
+              <a:latin typeface="Courier New"/>
+              <a:ea typeface="Courier New"/>
+              <a:cs typeface="Courier New"/>
+              <a:sym typeface="Courier New"/>
+            </a:endParaRPr>
+          </a:p>
+          <a:p>
+            <a:pPr indent="0" lvl="0" marL="0" rtl="0" algn="l">
+              <a:lnSpc>
+                <a:spcPct val="135714"/>
+              </a:lnSpc>
+              <a:spcBef>
+                <a:spcPts val="0"/>
+              </a:spcBef>
+              <a:spcAft>
+                <a:spcPts val="0"/>
+              </a:spcAft>
+              <a:buClr>
+                <a:schemeClr val="dk1"/>
+              </a:buClr>
+              <a:buSzPts val="1100"/>
+              <a:buFont typeface="Arial"/>
+              <a:buNone/>
+            </a:pPr>
+            <a:r>
+              <a:rPr lang="es" sz="1050">
+                <a:solidFill>
+                  <a:srgbClr val="D4D4D4"/>
+                </a:solidFill>
+                <a:highlight>
+                  <a:srgbClr val="1E1E1E"/>
+                </a:highlight>
+                <a:latin typeface="Courier New"/>
+                <a:ea typeface="Courier New"/>
+                <a:cs typeface="Courier New"/>
+                <a:sym typeface="Courier New"/>
+              </a:rPr>
+              <a:t>       ),</a:t>
+            </a:r>
+            <a:endParaRPr sz="1050">
+              <a:solidFill>
+                <a:srgbClr val="D4D4D4"/>
+              </a:solidFill>
+              <a:highlight>
+                <a:srgbClr val="1E1E1E"/>
+              </a:highlight>
+              <a:latin typeface="Courier New"/>
+              <a:ea typeface="Courier New"/>
+              <a:cs typeface="Courier New"/>
+              <a:sym typeface="Courier New"/>
+            </a:endParaRPr>
+          </a:p>
+          <a:p>
+            <a:pPr indent="0" lvl="0" marL="0" rtl="0" algn="l">
+              <a:lnSpc>
+                <a:spcPct val="135714"/>
+              </a:lnSpc>
+              <a:spcBef>
+                <a:spcPts val="0"/>
+              </a:spcBef>
+              <a:spcAft>
+                <a:spcPts val="0"/>
+              </a:spcAft>
+              <a:buClr>
+                <a:schemeClr val="dk1"/>
+              </a:buClr>
+              <a:buSzPts val="1100"/>
+              <a:buFont typeface="Arial"/>
+              <a:buNone/>
+            </a:pPr>
+            <a:r>
+              <a:rPr lang="es" sz="1050">
+                <a:solidFill>
+                  <a:srgbClr val="D4D4D4"/>
+                </a:solidFill>
+                <a:highlight>
+                  <a:srgbClr val="1E1E1E"/>
+                </a:highlight>
+                <a:latin typeface="Courier New"/>
+                <a:ea typeface="Courier New"/>
+                <a:cs typeface="Courier New"/>
+                <a:sym typeface="Courier New"/>
+              </a:rPr>
+              <a:t>     ),</a:t>
+            </a:r>
+            <a:endParaRPr sz="1050">
+              <a:solidFill>
+                <a:srgbClr val="D4D4D4"/>
+              </a:solidFill>
+              <a:highlight>
+                <a:srgbClr val="1E1E1E"/>
+              </a:highlight>
+              <a:latin typeface="Courier New"/>
+              <a:ea typeface="Courier New"/>
+              <a:cs typeface="Courier New"/>
+              <a:sym typeface="Courier New"/>
+            </a:endParaRPr>
+          </a:p>
+          <a:p>
+            <a:pPr indent="0" lvl="0" marL="0" rtl="0" algn="l">
+              <a:lnSpc>
+                <a:spcPct val="135714"/>
+              </a:lnSpc>
+              <a:spcBef>
+                <a:spcPts val="0"/>
+              </a:spcBef>
+              <a:spcAft>
+                <a:spcPts val="0"/>
+              </a:spcAft>
+              <a:buClr>
+                <a:schemeClr val="dk1"/>
+              </a:buClr>
+              <a:buSzPts val="1100"/>
+              <a:buFont typeface="Arial"/>
+              <a:buNone/>
+            </a:pPr>
+            <a:r>
+              <a:rPr lang="es" sz="1050">
+                <a:solidFill>
+                  <a:srgbClr val="D4D4D4"/>
+                </a:solidFill>
+                <a:highlight>
+                  <a:srgbClr val="1E1E1E"/>
+                </a:highlight>
+                <a:latin typeface="Courier New"/>
+                <a:ea typeface="Courier New"/>
+                <a:cs typeface="Courier New"/>
+                <a:sym typeface="Courier New"/>
+              </a:rPr>
+              <a:t>     </a:t>
+            </a:r>
+            <a:r>
+              <a:rPr lang="es" sz="1050">
+                <a:solidFill>
+                  <a:srgbClr val="6A9955"/>
+                </a:solidFill>
+                <a:highlight>
+                  <a:srgbClr val="1E1E1E"/>
+                </a:highlight>
+                <a:latin typeface="Courier New"/>
+                <a:ea typeface="Courier New"/>
+                <a:cs typeface="Courier New"/>
+                <a:sym typeface="Courier New"/>
+              </a:rPr>
+              <a:t>// we raise a new event</a:t>
+            </a:r>
+            <a:endParaRPr sz="1050">
+              <a:solidFill>
+                <a:srgbClr val="6A9955"/>
+              </a:solidFill>
+              <a:highlight>
+                <a:srgbClr val="1E1E1E"/>
+              </a:highlight>
+              <a:latin typeface="Courier New"/>
+              <a:ea typeface="Courier New"/>
+              <a:cs typeface="Courier New"/>
+              <a:sym typeface="Courier New"/>
+            </a:endParaRPr>
+          </a:p>
+          <a:p>
+            <a:pPr indent="0" lvl="0" marL="0" rtl="0" algn="l">
+              <a:lnSpc>
+                <a:spcPct val="135714"/>
+              </a:lnSpc>
+              <a:spcBef>
+                <a:spcPts val="0"/>
+              </a:spcBef>
+              <a:spcAft>
+                <a:spcPts val="0"/>
+              </a:spcAft>
+              <a:buClr>
+                <a:schemeClr val="dk1"/>
+              </a:buClr>
+              <a:buSzPts val="1100"/>
+              <a:buFont typeface="Arial"/>
+              <a:buNone/>
+            </a:pPr>
+            <a:r>
+              <a:rPr lang="es" sz="1050">
+                <a:solidFill>
+                  <a:srgbClr val="D4D4D4"/>
+                </a:solidFill>
+                <a:highlight>
+                  <a:srgbClr val="1E1E1E"/>
+                </a:highlight>
+                <a:latin typeface="Courier New"/>
+                <a:ea typeface="Courier New"/>
+                <a:cs typeface="Courier New"/>
+                <a:sym typeface="Courier New"/>
+              </a:rPr>
+              <a:t>     onPressed: () =&gt; controller.</a:t>
+            </a:r>
+            <a:r>
+              <a:rPr lang="es" sz="1050">
+                <a:solidFill>
+                  <a:srgbClr val="DCDCAA"/>
+                </a:solidFill>
+                <a:highlight>
+                  <a:srgbClr val="1E1E1E"/>
+                </a:highlight>
+                <a:latin typeface="Courier New"/>
+                <a:ea typeface="Courier New"/>
+                <a:cs typeface="Courier New"/>
+                <a:sym typeface="Courier New"/>
+              </a:rPr>
+              <a:t>updateDecimal</a:t>
+            </a:r>
+            <a:r>
+              <a:rPr lang="es" sz="1050">
+                <a:solidFill>
+                  <a:srgbClr val="D4D4D4"/>
+                </a:solidFill>
+                <a:highlight>
+                  <a:srgbClr val="1E1E1E"/>
+                </a:highlight>
+                <a:latin typeface="Courier New"/>
+                <a:ea typeface="Courier New"/>
+                <a:cs typeface="Courier New"/>
+                <a:sym typeface="Courier New"/>
+              </a:rPr>
+              <a:t>(</a:t>
+            </a:r>
+            <a:r>
+              <a:rPr lang="es" sz="1050">
+                <a:solidFill>
+                  <a:srgbClr val="B5CEA8"/>
+                </a:solidFill>
+                <a:highlight>
+                  <a:srgbClr val="1E1E1E"/>
+                </a:highlight>
+                <a:latin typeface="Courier New"/>
+                <a:ea typeface="Courier New"/>
+                <a:cs typeface="Courier New"/>
+                <a:sym typeface="Courier New"/>
+              </a:rPr>
+              <a:t>1</a:t>
+            </a:r>
+            <a:r>
+              <a:rPr lang="es" sz="1050">
+                <a:solidFill>
+                  <a:srgbClr val="D4D4D4"/>
+                </a:solidFill>
+                <a:highlight>
+                  <a:srgbClr val="1E1E1E"/>
+                </a:highlight>
+                <a:latin typeface="Courier New"/>
+                <a:ea typeface="Courier New"/>
+                <a:cs typeface="Courier New"/>
+                <a:sym typeface="Courier New"/>
+              </a:rPr>
+              <a:t>),</a:t>
+            </a:r>
+            <a:endParaRPr sz="1050">
+              <a:solidFill>
+                <a:srgbClr val="D4D4D4"/>
+              </a:solidFill>
+              <a:highlight>
+                <a:srgbClr val="1E1E1E"/>
+              </a:highlight>
+              <a:latin typeface="Courier New"/>
+              <a:ea typeface="Courier New"/>
+              <a:cs typeface="Courier New"/>
+              <a:sym typeface="Courier New"/>
+            </a:endParaRPr>
+          </a:p>
+          <a:p>
+            <a:pPr indent="0" lvl="0" marL="0" rtl="0" algn="l">
+              <a:lnSpc>
+                <a:spcPct val="135714"/>
+              </a:lnSpc>
+              <a:spcBef>
+                <a:spcPts val="0"/>
+              </a:spcBef>
+              <a:spcAft>
+                <a:spcPts val="0"/>
+              </a:spcAft>
+              <a:buClr>
+                <a:schemeClr val="dk1"/>
+              </a:buClr>
+              <a:buSzPts val="1100"/>
+              <a:buFont typeface="Arial"/>
+              <a:buNone/>
+            </a:pPr>
+            <a:r>
+              <a:rPr lang="es" sz="1050">
+                <a:solidFill>
+                  <a:srgbClr val="D4D4D4"/>
+                </a:solidFill>
+                <a:highlight>
+                  <a:srgbClr val="1E1E1E"/>
+                </a:highlight>
+                <a:latin typeface="Courier New"/>
+                <a:ea typeface="Courier New"/>
+                <a:cs typeface="Courier New"/>
+                <a:sym typeface="Courier New"/>
+              </a:rPr>
+              <a:t>   ),</a:t>
+            </a:r>
+            <a:endParaRPr sz="1050">
+              <a:solidFill>
+                <a:srgbClr val="D4D4D4"/>
+              </a:solidFill>
+              <a:highlight>
+                <a:srgbClr val="1E1E1E"/>
+              </a:highlight>
+              <a:latin typeface="Courier New"/>
+              <a:ea typeface="Courier New"/>
+              <a:cs typeface="Courier New"/>
+              <a:sym typeface="Courier New"/>
+            </a:endParaRPr>
+          </a:p>
+          <a:p>
+            <a:pPr indent="0" lvl="0" marL="0" rtl="0" algn="l">
+              <a:lnSpc>
+                <a:spcPct val="135714"/>
+              </a:lnSpc>
+              <a:spcBef>
+                <a:spcPts val="0"/>
+              </a:spcBef>
+              <a:spcAft>
+                <a:spcPts val="0"/>
+              </a:spcAft>
+              <a:buClr>
+                <a:schemeClr val="dk1"/>
+              </a:buClr>
+              <a:buSzPts val="1100"/>
+              <a:buFont typeface="Arial"/>
+              <a:buNone/>
+            </a:pPr>
+            <a:r>
+              <a:rPr lang="es" sz="1050">
+                <a:solidFill>
+                  <a:srgbClr val="D4D4D4"/>
+                </a:solidFill>
+                <a:highlight>
+                  <a:srgbClr val="1E1E1E"/>
+                </a:highlight>
+                <a:latin typeface="Courier New"/>
+                <a:ea typeface="Courier New"/>
+                <a:cs typeface="Courier New"/>
+                <a:sym typeface="Courier New"/>
+              </a:rPr>
+              <a:t> ),</a:t>
+            </a:r>
+            <a:endParaRPr sz="1050">
+              <a:solidFill>
+                <a:srgbClr val="D4D4D4"/>
+              </a:solidFill>
+              <a:highlight>
+                <a:srgbClr val="1E1E1E"/>
+              </a:highlight>
+              <a:latin typeface="Courier New"/>
+              <a:ea typeface="Courier New"/>
+              <a:cs typeface="Courier New"/>
+              <a:sym typeface="Courier New"/>
+            </a:endParaRPr>
+          </a:p>
+          <a:p>
+            <a:pPr indent="0" lvl="0" marL="0" rtl="0" algn="l">
+              <a:lnSpc>
+                <a:spcPct val="135714"/>
+              </a:lnSpc>
+              <a:spcBef>
+                <a:spcPts val="0"/>
+              </a:spcBef>
+              <a:spcAft>
+                <a:spcPts val="0"/>
+              </a:spcAft>
+              <a:buClr>
+                <a:schemeClr val="dk1"/>
+              </a:buClr>
+              <a:buSzPts val="1100"/>
+              <a:buFont typeface="Arial"/>
+              <a:buNone/>
+            </a:pPr>
+            <a:r>
+              <a:rPr lang="es" sz="1050">
+                <a:solidFill>
+                  <a:srgbClr val="D4D4D4"/>
+                </a:solidFill>
+                <a:highlight>
+                  <a:srgbClr val="1E1E1E"/>
+                </a:highlight>
+                <a:latin typeface="Courier New"/>
+                <a:ea typeface="Courier New"/>
+                <a:cs typeface="Courier New"/>
+                <a:sym typeface="Courier New"/>
+              </a:rPr>
+              <a:t>),</a:t>
+            </a:r>
+            <a:endParaRPr sz="1050">
+              <a:solidFill>
+                <a:srgbClr val="D4D4D4"/>
+              </a:solidFill>
+              <a:highlight>
+                <a:srgbClr val="1E1E1E"/>
+              </a:highlight>
+              <a:latin typeface="Courier New"/>
+              <a:ea typeface="Courier New"/>
+              <a:cs typeface="Courier New"/>
+              <a:sym typeface="Courier New"/>
+            </a:endParaRPr>
+          </a:p>
+          <a:p>
+            <a:pPr indent="0" lvl="0" marL="0" rtl="0" algn="l">
+              <a:lnSpc>
+                <a:spcPct val="100000"/>
+              </a:lnSpc>
+              <a:spcBef>
+                <a:spcPts val="0"/>
+              </a:spcBef>
+              <a:spcAft>
+                <a:spcPts val="0"/>
+              </a:spcAft>
+              <a:buSzPts val="1100"/>
+              <a:buNone/>
+            </a:pPr>
+            <a:r>
+              <a:t/>
+            </a:r>
+            <a:endParaRPr/>
+          </a:p>
+          <a:p>
+            <a:pPr indent="0" lvl="0" marL="0" rtl="0" algn="l">
+              <a:lnSpc>
+                <a:spcPct val="100000"/>
+              </a:lnSpc>
+              <a:spcBef>
+                <a:spcPts val="0"/>
+              </a:spcBef>
+              <a:spcAft>
+                <a:spcPts val="0"/>
+              </a:spcAft>
+              <a:buSzPts val="1100"/>
+              <a:buNone/>
+            </a:pPr>
+            <a:r>
+              <a:t/>
+            </a:r>
+            <a:endParaRPr/>
+          </a:p>
+          <a:p>
+            <a:pPr indent="0" lvl="0" marL="0" rtl="0" algn="l">
+              <a:lnSpc>
+                <a:spcPct val="135714"/>
+              </a:lnSpc>
+              <a:spcBef>
+                <a:spcPts val="0"/>
+              </a:spcBef>
+              <a:spcAft>
+                <a:spcPts val="0"/>
+              </a:spcAft>
+              <a:buClr>
+                <a:schemeClr val="dk1"/>
+              </a:buClr>
+              <a:buSzPts val="1100"/>
+              <a:buFont typeface="Arial"/>
+              <a:buNone/>
+            </a:pPr>
+            <a:r>
+              <a:rPr lang="es" sz="1050">
+                <a:solidFill>
+                  <a:srgbClr val="D4D4D4"/>
+                </a:solidFill>
+                <a:highlight>
+                  <a:srgbClr val="1E1E1E"/>
+                </a:highlight>
+                <a:latin typeface="Courier New"/>
+                <a:ea typeface="Courier New"/>
+                <a:cs typeface="Courier New"/>
+                <a:sym typeface="Courier New"/>
+              </a:rPr>
+              <a:t>onPressed: () =&gt; controller.</a:t>
+            </a:r>
+            <a:r>
+              <a:rPr lang="es" sz="1050">
+                <a:solidFill>
+                  <a:srgbClr val="DCDCAA"/>
+                </a:solidFill>
+                <a:highlight>
+                  <a:srgbClr val="1E1E1E"/>
+                </a:highlight>
+                <a:latin typeface="Courier New"/>
+                <a:ea typeface="Courier New"/>
+                <a:cs typeface="Courier New"/>
+                <a:sym typeface="Courier New"/>
+              </a:rPr>
+              <a:t>updateDecimal</a:t>
+            </a:r>
+            <a:r>
+              <a:rPr lang="es" sz="1050">
+                <a:solidFill>
+                  <a:srgbClr val="D4D4D4"/>
+                </a:solidFill>
+                <a:highlight>
+                  <a:srgbClr val="1E1E1E"/>
+                </a:highlight>
+                <a:latin typeface="Courier New"/>
+                <a:ea typeface="Courier New"/>
+                <a:cs typeface="Courier New"/>
+                <a:sym typeface="Courier New"/>
+              </a:rPr>
+              <a:t>(</a:t>
+            </a:r>
+            <a:r>
+              <a:rPr lang="es" sz="1050">
+                <a:solidFill>
+                  <a:srgbClr val="B5CEA8"/>
+                </a:solidFill>
+                <a:highlight>
+                  <a:srgbClr val="1E1E1E"/>
+                </a:highlight>
+                <a:latin typeface="Courier New"/>
+                <a:ea typeface="Courier New"/>
+                <a:cs typeface="Courier New"/>
+                <a:sym typeface="Courier New"/>
+              </a:rPr>
+              <a:t>1</a:t>
+            </a:r>
+            <a:r>
+              <a:rPr lang="es" sz="1050">
+                <a:solidFill>
+                  <a:srgbClr val="D4D4D4"/>
+                </a:solidFill>
+                <a:highlight>
+                  <a:srgbClr val="1E1E1E"/>
+                </a:highlight>
+                <a:latin typeface="Courier New"/>
+                <a:ea typeface="Courier New"/>
+                <a:cs typeface="Courier New"/>
+                <a:sym typeface="Courier New"/>
+              </a:rPr>
+              <a:t>),</a:t>
+            </a:r>
+            <a:endParaRPr sz="1050">
+              <a:solidFill>
+                <a:srgbClr val="D4D4D4"/>
+              </a:solidFill>
+              <a:highlight>
+                <a:srgbClr val="1E1E1E"/>
+              </a:highlight>
+              <a:latin typeface="Courier New"/>
+              <a:ea typeface="Courier New"/>
+              <a:cs typeface="Courier New"/>
+              <a:sym typeface="Courier New"/>
+            </a:endParaRPr>
+          </a:p>
+          <a:p>
+            <a:pPr indent="0" lvl="0" marL="0" rtl="0" algn="l">
+              <a:lnSpc>
                 <a:spcPct val="100000"/>
               </a:lnSpc>
               <a:spcBef>
@@ -1891,6 +5041,356 @@
             <a:noAutofit/>
           </a:bodyPr>
           <a:lstStyle/>
+          <a:p>
+            <a:pPr indent="0" lvl="0" marL="0" rtl="0" algn="l">
+              <a:lnSpc>
+                <a:spcPct val="135714"/>
+              </a:lnSpc>
+              <a:spcBef>
+                <a:spcPts val="0"/>
+              </a:spcBef>
+              <a:spcAft>
+                <a:spcPts val="0"/>
+              </a:spcAft>
+              <a:buClr>
+                <a:schemeClr val="dk1"/>
+              </a:buClr>
+              <a:buSzPts val="1100"/>
+              <a:buFont typeface="Arial"/>
+              <a:buNone/>
+            </a:pPr>
+            <a:r>
+              <a:rPr lang="es" sz="1050">
+                <a:solidFill>
+                  <a:srgbClr val="4EC9B0"/>
+                </a:solidFill>
+                <a:highlight>
+                  <a:srgbClr val="1E1E1E"/>
+                </a:highlight>
+                <a:latin typeface="Courier New"/>
+                <a:ea typeface="Courier New"/>
+                <a:cs typeface="Courier New"/>
+                <a:sym typeface="Courier New"/>
+              </a:rPr>
+              <a:t>Obx</a:t>
+            </a:r>
+            <a:r>
+              <a:rPr lang="es" sz="1050">
+                <a:solidFill>
+                  <a:srgbClr val="D4D4D4"/>
+                </a:solidFill>
+                <a:highlight>
+                  <a:srgbClr val="1E1E1E"/>
+                </a:highlight>
+                <a:latin typeface="Courier New"/>
+                <a:ea typeface="Courier New"/>
+                <a:cs typeface="Courier New"/>
+                <a:sym typeface="Courier New"/>
+              </a:rPr>
+              <a:t>(() =&gt; </a:t>
+            </a:r>
+            <a:r>
+              <a:rPr lang="es" sz="1050">
+                <a:solidFill>
+                  <a:srgbClr val="4EC9B0"/>
+                </a:solidFill>
+                <a:highlight>
+                  <a:srgbClr val="1E1E1E"/>
+                </a:highlight>
+                <a:latin typeface="Courier New"/>
+                <a:ea typeface="Courier New"/>
+                <a:cs typeface="Courier New"/>
+                <a:sym typeface="Courier New"/>
+              </a:rPr>
+              <a:t>Text</a:t>
+            </a:r>
+            <a:r>
+              <a:rPr lang="es" sz="1050">
+                <a:solidFill>
+                  <a:srgbClr val="D4D4D4"/>
+                </a:solidFill>
+                <a:highlight>
+                  <a:srgbClr val="1E1E1E"/>
+                </a:highlight>
+                <a:latin typeface="Courier New"/>
+                <a:ea typeface="Courier New"/>
+                <a:cs typeface="Courier New"/>
+                <a:sym typeface="Courier New"/>
+              </a:rPr>
+              <a:t>(</a:t>
+            </a:r>
+            <a:endParaRPr sz="1050">
+              <a:solidFill>
+                <a:srgbClr val="D4D4D4"/>
+              </a:solidFill>
+              <a:highlight>
+                <a:srgbClr val="1E1E1E"/>
+              </a:highlight>
+              <a:latin typeface="Courier New"/>
+              <a:ea typeface="Courier New"/>
+              <a:cs typeface="Courier New"/>
+              <a:sym typeface="Courier New"/>
+            </a:endParaRPr>
+          </a:p>
+          <a:p>
+            <a:pPr indent="0" lvl="0" marL="0" rtl="0" algn="l">
+              <a:lnSpc>
+                <a:spcPct val="135714"/>
+              </a:lnSpc>
+              <a:spcBef>
+                <a:spcPts val="0"/>
+              </a:spcBef>
+              <a:spcAft>
+                <a:spcPts val="0"/>
+              </a:spcAft>
+              <a:buClr>
+                <a:schemeClr val="dk1"/>
+              </a:buClr>
+              <a:buSzPts val="1100"/>
+              <a:buFont typeface="Arial"/>
+              <a:buNone/>
+            </a:pPr>
+            <a:r>
+              <a:rPr lang="es" sz="1050">
+                <a:solidFill>
+                  <a:srgbClr val="D4D4D4"/>
+                </a:solidFill>
+                <a:highlight>
+                  <a:srgbClr val="1E1E1E"/>
+                </a:highlight>
+                <a:latin typeface="Courier New"/>
+                <a:ea typeface="Courier New"/>
+                <a:cs typeface="Courier New"/>
+                <a:sym typeface="Courier New"/>
+              </a:rPr>
+              <a:t> </a:t>
+            </a:r>
+            <a:r>
+              <a:rPr lang="es" sz="1050">
+                <a:solidFill>
+                  <a:srgbClr val="6A9955"/>
+                </a:solidFill>
+                <a:highlight>
+                  <a:srgbClr val="1E1E1E"/>
+                </a:highlight>
+                <a:latin typeface="Courier New"/>
+                <a:ea typeface="Courier New"/>
+                <a:cs typeface="Courier New"/>
+                <a:sym typeface="Courier New"/>
+              </a:rPr>
+              <a:t>// here we get the binary value from the state</a:t>
+            </a:r>
+            <a:endParaRPr sz="1050">
+              <a:solidFill>
+                <a:srgbClr val="6A9955"/>
+              </a:solidFill>
+              <a:highlight>
+                <a:srgbClr val="1E1E1E"/>
+              </a:highlight>
+              <a:latin typeface="Courier New"/>
+              <a:ea typeface="Courier New"/>
+              <a:cs typeface="Courier New"/>
+              <a:sym typeface="Courier New"/>
+            </a:endParaRPr>
+          </a:p>
+          <a:p>
+            <a:pPr indent="0" lvl="0" marL="0" rtl="0" algn="l">
+              <a:lnSpc>
+                <a:spcPct val="135714"/>
+              </a:lnSpc>
+              <a:spcBef>
+                <a:spcPts val="0"/>
+              </a:spcBef>
+              <a:spcAft>
+                <a:spcPts val="0"/>
+              </a:spcAft>
+              <a:buClr>
+                <a:schemeClr val="dk1"/>
+              </a:buClr>
+              <a:buSzPts val="1100"/>
+              <a:buFont typeface="Arial"/>
+              <a:buNone/>
+            </a:pPr>
+            <a:r>
+              <a:rPr lang="es" sz="1050">
+                <a:solidFill>
+                  <a:srgbClr val="D4D4D4"/>
+                </a:solidFill>
+                <a:highlight>
+                  <a:srgbClr val="1E1E1E"/>
+                </a:highlight>
+                <a:latin typeface="Courier New"/>
+                <a:ea typeface="Courier New"/>
+                <a:cs typeface="Courier New"/>
+                <a:sym typeface="Courier New"/>
+              </a:rPr>
+              <a:t> </a:t>
+            </a:r>
+            <a:r>
+              <a:rPr lang="es" sz="1050">
+                <a:solidFill>
+                  <a:srgbClr val="CE9178"/>
+                </a:solidFill>
+                <a:highlight>
+                  <a:srgbClr val="1E1E1E"/>
+                </a:highlight>
+                <a:latin typeface="Courier New"/>
+                <a:ea typeface="Courier New"/>
+                <a:cs typeface="Courier New"/>
+                <a:sym typeface="Courier New"/>
+              </a:rPr>
+              <a:t>'${</a:t>
+            </a:r>
+            <a:r>
+              <a:rPr lang="es" sz="1050">
+                <a:solidFill>
+                  <a:srgbClr val="9CDCFE"/>
+                </a:solidFill>
+                <a:highlight>
+                  <a:srgbClr val="1E1E1E"/>
+                </a:highlight>
+                <a:latin typeface="Courier New"/>
+                <a:ea typeface="Courier New"/>
+                <a:cs typeface="Courier New"/>
+                <a:sym typeface="Courier New"/>
+              </a:rPr>
+              <a:t>controller.binary</a:t>
+            </a:r>
+            <a:r>
+              <a:rPr lang="es" sz="1050">
+                <a:solidFill>
+                  <a:srgbClr val="CE9178"/>
+                </a:solidFill>
+                <a:highlight>
+                  <a:srgbClr val="1E1E1E"/>
+                </a:highlight>
+                <a:latin typeface="Courier New"/>
+                <a:ea typeface="Courier New"/>
+                <a:cs typeface="Courier New"/>
+                <a:sym typeface="Courier New"/>
+              </a:rPr>
+              <a:t>}'</a:t>
+            </a:r>
+            <a:r>
+              <a:rPr lang="es" sz="1050">
+                <a:solidFill>
+                  <a:srgbClr val="D4D4D4"/>
+                </a:solidFill>
+                <a:highlight>
+                  <a:srgbClr val="1E1E1E"/>
+                </a:highlight>
+                <a:latin typeface="Courier New"/>
+                <a:ea typeface="Courier New"/>
+                <a:cs typeface="Courier New"/>
+                <a:sym typeface="Courier New"/>
+              </a:rPr>
+              <a:t>,</a:t>
+            </a:r>
+            <a:endParaRPr sz="1050">
+              <a:solidFill>
+                <a:srgbClr val="D4D4D4"/>
+              </a:solidFill>
+              <a:highlight>
+                <a:srgbClr val="1E1E1E"/>
+              </a:highlight>
+              <a:latin typeface="Courier New"/>
+              <a:ea typeface="Courier New"/>
+              <a:cs typeface="Courier New"/>
+              <a:sym typeface="Courier New"/>
+            </a:endParaRPr>
+          </a:p>
+          <a:p>
+            <a:pPr indent="0" lvl="0" marL="0" rtl="0" algn="l">
+              <a:lnSpc>
+                <a:spcPct val="135714"/>
+              </a:lnSpc>
+              <a:spcBef>
+                <a:spcPts val="0"/>
+              </a:spcBef>
+              <a:spcAft>
+                <a:spcPts val="0"/>
+              </a:spcAft>
+              <a:buClr>
+                <a:schemeClr val="dk1"/>
+              </a:buClr>
+              <a:buSzPts val="1100"/>
+              <a:buFont typeface="Arial"/>
+              <a:buNone/>
+            </a:pPr>
+            <a:r>
+              <a:rPr lang="es" sz="1050">
+                <a:solidFill>
+                  <a:srgbClr val="D4D4D4"/>
+                </a:solidFill>
+                <a:highlight>
+                  <a:srgbClr val="1E1E1E"/>
+                </a:highlight>
+                <a:latin typeface="Courier New"/>
+                <a:ea typeface="Courier New"/>
+                <a:cs typeface="Courier New"/>
+                <a:sym typeface="Courier New"/>
+              </a:rPr>
+              <a:t> textAlign: ...</a:t>
+            </a:r>
+            <a:endParaRPr sz="1050">
+              <a:solidFill>
+                <a:srgbClr val="D4D4D4"/>
+              </a:solidFill>
+              <a:highlight>
+                <a:srgbClr val="1E1E1E"/>
+              </a:highlight>
+              <a:latin typeface="Courier New"/>
+              <a:ea typeface="Courier New"/>
+              <a:cs typeface="Courier New"/>
+              <a:sym typeface="Courier New"/>
+            </a:endParaRPr>
+          </a:p>
+          <a:p>
+            <a:pPr indent="0" lvl="0" marL="0" rtl="0" algn="l">
+              <a:lnSpc>
+                <a:spcPct val="135714"/>
+              </a:lnSpc>
+              <a:spcBef>
+                <a:spcPts val="0"/>
+              </a:spcBef>
+              <a:spcAft>
+                <a:spcPts val="0"/>
+              </a:spcAft>
+              <a:buClr>
+                <a:schemeClr val="dk1"/>
+              </a:buClr>
+              <a:buSzPts val="1100"/>
+              <a:buFont typeface="Arial"/>
+              <a:buNone/>
+            </a:pPr>
+            <a:r>
+              <a:rPr lang="es" sz="1050">
+                <a:solidFill>
+                  <a:srgbClr val="D4D4D4"/>
+                </a:solidFill>
+                <a:highlight>
+                  <a:srgbClr val="1E1E1E"/>
+                </a:highlight>
+                <a:latin typeface="Courier New"/>
+                <a:ea typeface="Courier New"/>
+                <a:cs typeface="Courier New"/>
+                <a:sym typeface="Courier New"/>
+              </a:rPr>
+              <a:t>)),</a:t>
+            </a:r>
+            <a:endParaRPr sz="1050">
+              <a:solidFill>
+                <a:srgbClr val="D4D4D4"/>
+              </a:solidFill>
+              <a:highlight>
+                <a:srgbClr val="1E1E1E"/>
+              </a:highlight>
+              <a:latin typeface="Courier New"/>
+              <a:ea typeface="Courier New"/>
+              <a:cs typeface="Courier New"/>
+              <a:sym typeface="Courier New"/>
+            </a:endParaRPr>
+          </a:p>
           <a:p>
             <a:pPr indent="0" lvl="0" marL="0" rtl="0" algn="l">
               <a:lnSpc>
@@ -2596,6 +6096,567 @@
           <a:p>
             <a:pPr indent="0" lvl="0" marL="0" rtl="0" algn="l">
               <a:lnSpc>
+                <a:spcPct val="135714"/>
+              </a:lnSpc>
+              <a:spcBef>
+                <a:spcPts val="0"/>
+              </a:spcBef>
+              <a:spcAft>
+                <a:spcPts val="0"/>
+              </a:spcAft>
+              <a:buClr>
+                <a:schemeClr val="dk1"/>
+              </a:buClr>
+              <a:buSzPts val="1100"/>
+              <a:buFont typeface="Arial"/>
+              <a:buNone/>
+            </a:pPr>
+            <a:r>
+              <a:rPr lang="es" sz="1050">
+                <a:solidFill>
+                  <a:srgbClr val="569CD6"/>
+                </a:solidFill>
+                <a:highlight>
+                  <a:srgbClr val="1E1E1E"/>
+                </a:highlight>
+                <a:latin typeface="Courier New"/>
+                <a:ea typeface="Courier New"/>
+                <a:cs typeface="Courier New"/>
+                <a:sym typeface="Courier New"/>
+              </a:rPr>
+              <a:t>class</a:t>
+            </a:r>
+            <a:r>
+              <a:rPr lang="es" sz="1050">
+                <a:solidFill>
+                  <a:srgbClr val="D4D4D4"/>
+                </a:solidFill>
+                <a:highlight>
+                  <a:srgbClr val="1E1E1E"/>
+                </a:highlight>
+                <a:latin typeface="Courier New"/>
+                <a:ea typeface="Courier New"/>
+                <a:cs typeface="Courier New"/>
+                <a:sym typeface="Courier New"/>
+              </a:rPr>
+              <a:t> </a:t>
+            </a:r>
+            <a:r>
+              <a:rPr lang="es" sz="1050">
+                <a:solidFill>
+                  <a:srgbClr val="4EC9B0"/>
+                </a:solidFill>
+                <a:highlight>
+                  <a:srgbClr val="1E1E1E"/>
+                </a:highlight>
+                <a:latin typeface="Courier New"/>
+                <a:ea typeface="Courier New"/>
+                <a:cs typeface="Courier New"/>
+                <a:sym typeface="Courier New"/>
+              </a:rPr>
+              <a:t>MyApp</a:t>
+            </a:r>
+            <a:r>
+              <a:rPr lang="es" sz="1050">
+                <a:solidFill>
+                  <a:srgbClr val="D4D4D4"/>
+                </a:solidFill>
+                <a:highlight>
+                  <a:srgbClr val="1E1E1E"/>
+                </a:highlight>
+                <a:latin typeface="Courier New"/>
+                <a:ea typeface="Courier New"/>
+                <a:cs typeface="Courier New"/>
+                <a:sym typeface="Courier New"/>
+              </a:rPr>
+              <a:t> </a:t>
+            </a:r>
+            <a:r>
+              <a:rPr lang="es" sz="1050">
+                <a:solidFill>
+                  <a:srgbClr val="569CD6"/>
+                </a:solidFill>
+                <a:highlight>
+                  <a:srgbClr val="1E1E1E"/>
+                </a:highlight>
+                <a:latin typeface="Courier New"/>
+                <a:ea typeface="Courier New"/>
+                <a:cs typeface="Courier New"/>
+                <a:sym typeface="Courier New"/>
+              </a:rPr>
+              <a:t>extends</a:t>
+            </a:r>
+            <a:r>
+              <a:rPr lang="es" sz="1050">
+                <a:solidFill>
+                  <a:srgbClr val="D4D4D4"/>
+                </a:solidFill>
+                <a:highlight>
+                  <a:srgbClr val="1E1E1E"/>
+                </a:highlight>
+                <a:latin typeface="Courier New"/>
+                <a:ea typeface="Courier New"/>
+                <a:cs typeface="Courier New"/>
+                <a:sym typeface="Courier New"/>
+              </a:rPr>
+              <a:t> </a:t>
+            </a:r>
+            <a:r>
+              <a:rPr lang="es" sz="1050">
+                <a:solidFill>
+                  <a:srgbClr val="4EC9B0"/>
+                </a:solidFill>
+                <a:highlight>
+                  <a:srgbClr val="1E1E1E"/>
+                </a:highlight>
+                <a:latin typeface="Courier New"/>
+                <a:ea typeface="Courier New"/>
+                <a:cs typeface="Courier New"/>
+                <a:sym typeface="Courier New"/>
+              </a:rPr>
+              <a:t>StatelessWidget</a:t>
+            </a:r>
+            <a:r>
+              <a:rPr lang="es" sz="1050">
+                <a:solidFill>
+                  <a:srgbClr val="D4D4D4"/>
+                </a:solidFill>
+                <a:highlight>
+                  <a:srgbClr val="1E1E1E"/>
+                </a:highlight>
+                <a:latin typeface="Courier New"/>
+                <a:ea typeface="Courier New"/>
+                <a:cs typeface="Courier New"/>
+                <a:sym typeface="Courier New"/>
+              </a:rPr>
+              <a:t> {</a:t>
+            </a:r>
+            <a:endParaRPr sz="1050">
+              <a:solidFill>
+                <a:srgbClr val="D4D4D4"/>
+              </a:solidFill>
+              <a:highlight>
+                <a:srgbClr val="1E1E1E"/>
+              </a:highlight>
+              <a:latin typeface="Courier New"/>
+              <a:ea typeface="Courier New"/>
+              <a:cs typeface="Courier New"/>
+              <a:sym typeface="Courier New"/>
+            </a:endParaRPr>
+          </a:p>
+          <a:p>
+            <a:pPr indent="0" lvl="0" marL="0" rtl="0" algn="l">
+              <a:lnSpc>
+                <a:spcPct val="135714"/>
+              </a:lnSpc>
+              <a:spcBef>
+                <a:spcPts val="0"/>
+              </a:spcBef>
+              <a:spcAft>
+                <a:spcPts val="0"/>
+              </a:spcAft>
+              <a:buClr>
+                <a:schemeClr val="dk1"/>
+              </a:buClr>
+              <a:buSzPts val="1100"/>
+              <a:buFont typeface="Arial"/>
+              <a:buNone/>
+            </a:pPr>
+            <a:r>
+              <a:rPr lang="es" sz="1050">
+                <a:solidFill>
+                  <a:srgbClr val="D4D4D4"/>
+                </a:solidFill>
+                <a:highlight>
+                  <a:srgbClr val="1E1E1E"/>
+                </a:highlight>
+                <a:latin typeface="Courier New"/>
+                <a:ea typeface="Courier New"/>
+                <a:cs typeface="Courier New"/>
+                <a:sym typeface="Courier New"/>
+              </a:rPr>
+              <a:t> </a:t>
+            </a:r>
+            <a:r>
+              <a:rPr lang="es" sz="1050">
+                <a:solidFill>
+                  <a:srgbClr val="569CD6"/>
+                </a:solidFill>
+                <a:highlight>
+                  <a:srgbClr val="1E1E1E"/>
+                </a:highlight>
+                <a:latin typeface="Courier New"/>
+                <a:ea typeface="Courier New"/>
+                <a:cs typeface="Courier New"/>
+                <a:sym typeface="Courier New"/>
+              </a:rPr>
+              <a:t>@override</a:t>
+            </a:r>
+            <a:endParaRPr sz="1050">
+              <a:solidFill>
+                <a:srgbClr val="569CD6"/>
+              </a:solidFill>
+              <a:highlight>
+                <a:srgbClr val="1E1E1E"/>
+              </a:highlight>
+              <a:latin typeface="Courier New"/>
+              <a:ea typeface="Courier New"/>
+              <a:cs typeface="Courier New"/>
+              <a:sym typeface="Courier New"/>
+            </a:endParaRPr>
+          </a:p>
+          <a:p>
+            <a:pPr indent="0" lvl="0" marL="0" rtl="0" algn="l">
+              <a:lnSpc>
+                <a:spcPct val="135714"/>
+              </a:lnSpc>
+              <a:spcBef>
+                <a:spcPts val="0"/>
+              </a:spcBef>
+              <a:spcAft>
+                <a:spcPts val="0"/>
+              </a:spcAft>
+              <a:buClr>
+                <a:schemeClr val="dk1"/>
+              </a:buClr>
+              <a:buSzPts val="1100"/>
+              <a:buFont typeface="Arial"/>
+              <a:buNone/>
+            </a:pPr>
+            <a:r>
+              <a:rPr lang="es" sz="1050">
+                <a:solidFill>
+                  <a:srgbClr val="D4D4D4"/>
+                </a:solidFill>
+                <a:highlight>
+                  <a:srgbClr val="1E1E1E"/>
+                </a:highlight>
+                <a:latin typeface="Courier New"/>
+                <a:ea typeface="Courier New"/>
+                <a:cs typeface="Courier New"/>
+                <a:sym typeface="Courier New"/>
+              </a:rPr>
+              <a:t> </a:t>
+            </a:r>
+            <a:r>
+              <a:rPr lang="es" sz="1050">
+                <a:solidFill>
+                  <a:srgbClr val="4EC9B0"/>
+                </a:solidFill>
+                <a:highlight>
+                  <a:srgbClr val="1E1E1E"/>
+                </a:highlight>
+                <a:latin typeface="Courier New"/>
+                <a:ea typeface="Courier New"/>
+                <a:cs typeface="Courier New"/>
+                <a:sym typeface="Courier New"/>
+              </a:rPr>
+              <a:t>Widget</a:t>
+            </a:r>
+            <a:r>
+              <a:rPr lang="es" sz="1050">
+                <a:solidFill>
+                  <a:srgbClr val="D4D4D4"/>
+                </a:solidFill>
+                <a:highlight>
+                  <a:srgbClr val="1E1E1E"/>
+                </a:highlight>
+                <a:latin typeface="Courier New"/>
+                <a:ea typeface="Courier New"/>
+                <a:cs typeface="Courier New"/>
+                <a:sym typeface="Courier New"/>
+              </a:rPr>
+              <a:t> </a:t>
+            </a:r>
+            <a:r>
+              <a:rPr lang="es" sz="1050">
+                <a:solidFill>
+                  <a:srgbClr val="DCDCAA"/>
+                </a:solidFill>
+                <a:highlight>
+                  <a:srgbClr val="1E1E1E"/>
+                </a:highlight>
+                <a:latin typeface="Courier New"/>
+                <a:ea typeface="Courier New"/>
+                <a:cs typeface="Courier New"/>
+                <a:sym typeface="Courier New"/>
+              </a:rPr>
+              <a:t>build</a:t>
+            </a:r>
+            <a:r>
+              <a:rPr lang="es" sz="1050">
+                <a:solidFill>
+                  <a:srgbClr val="D4D4D4"/>
+                </a:solidFill>
+                <a:highlight>
+                  <a:srgbClr val="1E1E1E"/>
+                </a:highlight>
+                <a:latin typeface="Courier New"/>
+                <a:ea typeface="Courier New"/>
+                <a:cs typeface="Courier New"/>
+                <a:sym typeface="Courier New"/>
+              </a:rPr>
+              <a:t>(</a:t>
+            </a:r>
+            <a:r>
+              <a:rPr lang="es" sz="1050">
+                <a:solidFill>
+                  <a:srgbClr val="4EC9B0"/>
+                </a:solidFill>
+                <a:highlight>
+                  <a:srgbClr val="1E1E1E"/>
+                </a:highlight>
+                <a:latin typeface="Courier New"/>
+                <a:ea typeface="Courier New"/>
+                <a:cs typeface="Courier New"/>
+                <a:sym typeface="Courier New"/>
+              </a:rPr>
+              <a:t>BuildContext</a:t>
+            </a:r>
+            <a:r>
+              <a:rPr lang="es" sz="1050">
+                <a:solidFill>
+                  <a:srgbClr val="D4D4D4"/>
+                </a:solidFill>
+                <a:highlight>
+                  <a:srgbClr val="1E1E1E"/>
+                </a:highlight>
+                <a:latin typeface="Courier New"/>
+                <a:ea typeface="Courier New"/>
+                <a:cs typeface="Courier New"/>
+                <a:sym typeface="Courier New"/>
+              </a:rPr>
+              <a:t> context) {</a:t>
+            </a:r>
+            <a:endParaRPr sz="1050">
+              <a:solidFill>
+                <a:srgbClr val="D4D4D4"/>
+              </a:solidFill>
+              <a:highlight>
+                <a:srgbClr val="1E1E1E"/>
+              </a:highlight>
+              <a:latin typeface="Courier New"/>
+              <a:ea typeface="Courier New"/>
+              <a:cs typeface="Courier New"/>
+              <a:sym typeface="Courier New"/>
+            </a:endParaRPr>
+          </a:p>
+          <a:p>
+            <a:pPr indent="0" lvl="0" marL="0" rtl="0" algn="l">
+              <a:lnSpc>
+                <a:spcPct val="135714"/>
+              </a:lnSpc>
+              <a:spcBef>
+                <a:spcPts val="0"/>
+              </a:spcBef>
+              <a:spcAft>
+                <a:spcPts val="0"/>
+              </a:spcAft>
+              <a:buClr>
+                <a:schemeClr val="dk1"/>
+              </a:buClr>
+              <a:buSzPts val="1100"/>
+              <a:buFont typeface="Arial"/>
+              <a:buNone/>
+            </a:pPr>
+            <a:r>
+              <a:rPr lang="es" sz="1050">
+                <a:solidFill>
+                  <a:srgbClr val="D4D4D4"/>
+                </a:solidFill>
+                <a:highlight>
+                  <a:srgbClr val="1E1E1E"/>
+                </a:highlight>
+                <a:latin typeface="Courier New"/>
+                <a:ea typeface="Courier New"/>
+                <a:cs typeface="Courier New"/>
+                <a:sym typeface="Courier New"/>
+              </a:rPr>
+              <a:t>   </a:t>
+            </a:r>
+            <a:r>
+              <a:rPr lang="es" sz="1050">
+                <a:solidFill>
+                  <a:srgbClr val="C586C0"/>
+                </a:solidFill>
+                <a:highlight>
+                  <a:srgbClr val="1E1E1E"/>
+                </a:highlight>
+                <a:latin typeface="Courier New"/>
+                <a:ea typeface="Courier New"/>
+                <a:cs typeface="Courier New"/>
+                <a:sym typeface="Courier New"/>
+              </a:rPr>
+              <a:t>return</a:t>
+            </a:r>
+            <a:r>
+              <a:rPr lang="es" sz="1050">
+                <a:solidFill>
+                  <a:srgbClr val="D4D4D4"/>
+                </a:solidFill>
+                <a:highlight>
+                  <a:srgbClr val="1E1E1E"/>
+                </a:highlight>
+                <a:latin typeface="Courier New"/>
+                <a:ea typeface="Courier New"/>
+                <a:cs typeface="Courier New"/>
+                <a:sym typeface="Courier New"/>
+              </a:rPr>
+              <a:t> </a:t>
+            </a:r>
+            <a:r>
+              <a:rPr lang="es" sz="1050">
+                <a:solidFill>
+                  <a:srgbClr val="4EC9B0"/>
+                </a:solidFill>
+                <a:highlight>
+                  <a:srgbClr val="1E1E1E"/>
+                </a:highlight>
+                <a:latin typeface="Courier New"/>
+                <a:ea typeface="Courier New"/>
+                <a:cs typeface="Courier New"/>
+                <a:sym typeface="Courier New"/>
+              </a:rPr>
+              <a:t>GetMaterialApp</a:t>
+            </a:r>
+            <a:r>
+              <a:rPr lang="es" sz="1050">
+                <a:solidFill>
+                  <a:srgbClr val="D4D4D4"/>
+                </a:solidFill>
+                <a:highlight>
+                  <a:srgbClr val="1E1E1E"/>
+                </a:highlight>
+                <a:latin typeface="Courier New"/>
+                <a:ea typeface="Courier New"/>
+                <a:cs typeface="Courier New"/>
+                <a:sym typeface="Courier New"/>
+              </a:rPr>
+              <a:t>(); </a:t>
+            </a:r>
+            <a:r>
+              <a:rPr lang="es" sz="1050">
+                <a:solidFill>
+                  <a:srgbClr val="6A9955"/>
+                </a:solidFill>
+                <a:highlight>
+                  <a:srgbClr val="1E1E1E"/>
+                </a:highlight>
+                <a:latin typeface="Courier New"/>
+                <a:ea typeface="Courier New"/>
+                <a:cs typeface="Courier New"/>
+                <a:sym typeface="Courier New"/>
+              </a:rPr>
+              <a:t>// en lugar de MaterialApp</a:t>
+            </a:r>
+            <a:endParaRPr sz="1050">
+              <a:solidFill>
+                <a:srgbClr val="6A9955"/>
+              </a:solidFill>
+              <a:highlight>
+                <a:srgbClr val="1E1E1E"/>
+              </a:highlight>
+              <a:latin typeface="Courier New"/>
+              <a:ea typeface="Courier New"/>
+              <a:cs typeface="Courier New"/>
+              <a:sym typeface="Courier New"/>
+            </a:endParaRPr>
+          </a:p>
+          <a:p>
+            <a:pPr indent="0" lvl="0" marL="0" rtl="0" algn="l">
+              <a:lnSpc>
+                <a:spcPct val="135714"/>
+              </a:lnSpc>
+              <a:spcBef>
+                <a:spcPts val="0"/>
+              </a:spcBef>
+              <a:spcAft>
+                <a:spcPts val="0"/>
+              </a:spcAft>
+              <a:buClr>
+                <a:schemeClr val="dk1"/>
+              </a:buClr>
+              <a:buSzPts val="1100"/>
+              <a:buFont typeface="Arial"/>
+              <a:buNone/>
+            </a:pPr>
+            <a:r>
+              <a:rPr lang="es" sz="1050">
+                <a:solidFill>
+                  <a:srgbClr val="D4D4D4"/>
+                </a:solidFill>
+                <a:highlight>
+                  <a:srgbClr val="1E1E1E"/>
+                </a:highlight>
+                <a:latin typeface="Courier New"/>
+                <a:ea typeface="Courier New"/>
+                <a:cs typeface="Courier New"/>
+                <a:sym typeface="Courier New"/>
+              </a:rPr>
+              <a:t> }</a:t>
+            </a:r>
+            <a:endParaRPr sz="1050">
+              <a:solidFill>
+                <a:srgbClr val="D4D4D4"/>
+              </a:solidFill>
+              <a:highlight>
+                <a:srgbClr val="1E1E1E"/>
+              </a:highlight>
+              <a:latin typeface="Courier New"/>
+              <a:ea typeface="Courier New"/>
+              <a:cs typeface="Courier New"/>
+              <a:sym typeface="Courier New"/>
+            </a:endParaRPr>
+          </a:p>
+          <a:p>
+            <a:pPr indent="0" lvl="0" marL="0" rtl="0" algn="l">
+              <a:lnSpc>
+                <a:spcPct val="135714"/>
+              </a:lnSpc>
+              <a:spcBef>
+                <a:spcPts val="0"/>
+              </a:spcBef>
+              <a:spcAft>
+                <a:spcPts val="0"/>
+              </a:spcAft>
+              <a:buClr>
+                <a:schemeClr val="dk1"/>
+              </a:buClr>
+              <a:buSzPts val="1100"/>
+              <a:buFont typeface="Arial"/>
+              <a:buNone/>
+            </a:pPr>
+            <a:r>
+              <a:rPr lang="es" sz="1050">
+                <a:solidFill>
+                  <a:srgbClr val="D4D4D4"/>
+                </a:solidFill>
+                <a:highlight>
+                  <a:srgbClr val="1E1E1E"/>
+                </a:highlight>
+                <a:latin typeface="Courier New"/>
+                <a:ea typeface="Courier New"/>
+                <a:cs typeface="Courier New"/>
+                <a:sym typeface="Courier New"/>
+              </a:rPr>
+              <a:t>}</a:t>
+            </a:r>
+            <a:endParaRPr sz="1050">
+              <a:solidFill>
+                <a:srgbClr val="D4D4D4"/>
+              </a:solidFill>
+              <a:highlight>
+                <a:srgbClr val="1E1E1E"/>
+              </a:highlight>
+              <a:latin typeface="Courier New"/>
+              <a:ea typeface="Courier New"/>
+              <a:cs typeface="Courier New"/>
+              <a:sym typeface="Courier New"/>
+            </a:endParaRPr>
+          </a:p>
+          <a:p>
+            <a:pPr indent="0" lvl="0" marL="0" rtl="0" algn="l">
+              <a:lnSpc>
                 <a:spcPct val="100000"/>
               </a:lnSpc>
               <a:spcBef>
@@ -2713,6 +6774,267 @@
           <a:p>
             <a:pPr indent="0" lvl="0" marL="0" rtl="0" algn="l">
               <a:lnSpc>
+                <a:spcPct val="135714"/>
+              </a:lnSpc>
+              <a:spcBef>
+                <a:spcPts val="0"/>
+              </a:spcBef>
+              <a:spcAft>
+                <a:spcPts val="0"/>
+              </a:spcAft>
+              <a:buClr>
+                <a:schemeClr val="dk1"/>
+              </a:buClr>
+              <a:buSzPts val="1100"/>
+              <a:buFont typeface="Arial"/>
+              <a:buNone/>
+            </a:pPr>
+            <a:r>
+              <a:rPr lang="es" sz="1050">
+                <a:solidFill>
+                  <a:srgbClr val="569CD6"/>
+                </a:solidFill>
+                <a:highlight>
+                  <a:srgbClr val="1E1E1E"/>
+                </a:highlight>
+                <a:latin typeface="Courier New"/>
+                <a:ea typeface="Courier New"/>
+                <a:cs typeface="Courier New"/>
+                <a:sym typeface="Courier New"/>
+              </a:rPr>
+              <a:t>final</a:t>
+            </a:r>
+            <a:r>
+              <a:rPr lang="es" sz="1050">
+                <a:solidFill>
+                  <a:srgbClr val="D4D4D4"/>
+                </a:solidFill>
+                <a:highlight>
+                  <a:srgbClr val="1E1E1E"/>
+                </a:highlight>
+                <a:latin typeface="Courier New"/>
+                <a:ea typeface="Courier New"/>
+                <a:cs typeface="Courier New"/>
+                <a:sym typeface="Courier New"/>
+              </a:rPr>
+              <a:t> name = </a:t>
+            </a:r>
+            <a:r>
+              <a:rPr lang="es" sz="1050">
+                <a:solidFill>
+                  <a:srgbClr val="CE9178"/>
+                </a:solidFill>
+                <a:highlight>
+                  <a:srgbClr val="1E1E1E"/>
+                </a:highlight>
+                <a:latin typeface="Courier New"/>
+                <a:ea typeface="Courier New"/>
+                <a:cs typeface="Courier New"/>
+                <a:sym typeface="Courier New"/>
+              </a:rPr>
+              <a:t>"Camila"</a:t>
+            </a:r>
+            <a:r>
+              <a:rPr lang="es" sz="1050">
+                <a:solidFill>
+                  <a:srgbClr val="D4D4D4"/>
+                </a:solidFill>
+                <a:highlight>
+                  <a:srgbClr val="1E1E1E"/>
+                </a:highlight>
+                <a:latin typeface="Courier New"/>
+                <a:ea typeface="Courier New"/>
+                <a:cs typeface="Courier New"/>
+                <a:sym typeface="Courier New"/>
+              </a:rPr>
+              <a:t>.obs;</a:t>
+            </a:r>
+            <a:endParaRPr sz="1050">
+              <a:solidFill>
+                <a:srgbClr val="D4D4D4"/>
+              </a:solidFill>
+              <a:highlight>
+                <a:srgbClr val="1E1E1E"/>
+              </a:highlight>
+              <a:latin typeface="Courier New"/>
+              <a:ea typeface="Courier New"/>
+              <a:cs typeface="Courier New"/>
+              <a:sym typeface="Courier New"/>
+            </a:endParaRPr>
+          </a:p>
+          <a:p>
+            <a:pPr indent="0" lvl="0" marL="0" rtl="0" algn="l">
+              <a:lnSpc>
+                <a:spcPct val="100000"/>
+              </a:lnSpc>
+              <a:spcBef>
+                <a:spcPts val="0"/>
+              </a:spcBef>
+              <a:spcAft>
+                <a:spcPts val="0"/>
+              </a:spcAft>
+              <a:buSzPts val="1100"/>
+              <a:buNone/>
+            </a:pPr>
+            <a:r>
+              <a:t/>
+            </a:r>
+            <a:endParaRPr/>
+          </a:p>
+          <a:p>
+            <a:pPr indent="0" lvl="0" marL="0" rtl="0" algn="l">
+              <a:lnSpc>
+                <a:spcPct val="135714"/>
+              </a:lnSpc>
+              <a:spcBef>
+                <a:spcPts val="0"/>
+              </a:spcBef>
+              <a:spcAft>
+                <a:spcPts val="0"/>
+              </a:spcAft>
+              <a:buClr>
+                <a:schemeClr val="dk1"/>
+              </a:buClr>
+              <a:buSzPts val="1100"/>
+              <a:buFont typeface="Arial"/>
+              <a:buNone/>
+            </a:pPr>
+            <a:r>
+              <a:rPr lang="es" sz="1050">
+                <a:solidFill>
+                  <a:srgbClr val="569CD6"/>
+                </a:solidFill>
+                <a:highlight>
+                  <a:srgbClr val="1E1E1E"/>
+                </a:highlight>
+                <a:latin typeface="Courier New"/>
+                <a:ea typeface="Courier New"/>
+                <a:cs typeface="Courier New"/>
+                <a:sym typeface="Courier New"/>
+              </a:rPr>
+              <a:t>final</a:t>
+            </a:r>
+            <a:r>
+              <a:rPr lang="es" sz="1050">
+                <a:solidFill>
+                  <a:srgbClr val="D4D4D4"/>
+                </a:solidFill>
+                <a:highlight>
+                  <a:srgbClr val="1E1E1E"/>
+                </a:highlight>
+                <a:latin typeface="Courier New"/>
+                <a:ea typeface="Courier New"/>
+                <a:cs typeface="Courier New"/>
+                <a:sym typeface="Courier New"/>
+              </a:rPr>
+              <a:t> name = </a:t>
+            </a:r>
+            <a:r>
+              <a:rPr lang="es" sz="1050">
+                <a:solidFill>
+                  <a:srgbClr val="4EC9B0"/>
+                </a:solidFill>
+                <a:highlight>
+                  <a:srgbClr val="1E1E1E"/>
+                </a:highlight>
+                <a:latin typeface="Courier New"/>
+                <a:ea typeface="Courier New"/>
+                <a:cs typeface="Courier New"/>
+                <a:sym typeface="Courier New"/>
+              </a:rPr>
+              <a:t>Rx</a:t>
+            </a:r>
+            <a:r>
+              <a:rPr lang="es" sz="1050">
+                <a:solidFill>
+                  <a:srgbClr val="D4D4D4"/>
+                </a:solidFill>
+                <a:highlight>
+                  <a:srgbClr val="1E1E1E"/>
+                </a:highlight>
+                <a:latin typeface="Courier New"/>
+                <a:ea typeface="Courier New"/>
+                <a:cs typeface="Courier New"/>
+                <a:sym typeface="Courier New"/>
+              </a:rPr>
+              <a:t>&lt;</a:t>
+            </a:r>
+            <a:r>
+              <a:rPr lang="es" sz="1050">
+                <a:solidFill>
+                  <a:srgbClr val="4EC9B0"/>
+                </a:solidFill>
+                <a:highlight>
+                  <a:srgbClr val="1E1E1E"/>
+                </a:highlight>
+                <a:latin typeface="Courier New"/>
+                <a:ea typeface="Courier New"/>
+                <a:cs typeface="Courier New"/>
+                <a:sym typeface="Courier New"/>
+              </a:rPr>
+              <a:t>String</a:t>
+            </a:r>
+            <a:r>
+              <a:rPr lang="es" sz="1050">
+                <a:solidFill>
+                  <a:srgbClr val="D4D4D4"/>
+                </a:solidFill>
+                <a:highlight>
+                  <a:srgbClr val="1E1E1E"/>
+                </a:highlight>
+                <a:latin typeface="Courier New"/>
+                <a:ea typeface="Courier New"/>
+                <a:cs typeface="Courier New"/>
+                <a:sym typeface="Courier New"/>
+              </a:rPr>
+              <a:t>&gt;(</a:t>
+            </a:r>
+            <a:r>
+              <a:rPr lang="es" sz="1050">
+                <a:solidFill>
+                  <a:srgbClr val="CE9178"/>
+                </a:solidFill>
+                <a:highlight>
+                  <a:srgbClr val="1E1E1E"/>
+                </a:highlight>
+                <a:latin typeface="Courier New"/>
+                <a:ea typeface="Courier New"/>
+                <a:cs typeface="Courier New"/>
+                <a:sym typeface="Courier New"/>
+              </a:rPr>
+              <a:t>'Camila'</a:t>
+            </a:r>
+            <a:r>
+              <a:rPr lang="es" sz="1050">
+                <a:solidFill>
+                  <a:srgbClr val="D4D4D4"/>
+                </a:solidFill>
+                <a:highlight>
+                  <a:srgbClr val="1E1E1E"/>
+                </a:highlight>
+                <a:latin typeface="Courier New"/>
+                <a:ea typeface="Courier New"/>
+                <a:cs typeface="Courier New"/>
+                <a:sym typeface="Courier New"/>
+              </a:rPr>
+              <a:t>);</a:t>
+            </a:r>
+            <a:endParaRPr sz="1050">
+              <a:solidFill>
+                <a:srgbClr val="D4D4D4"/>
+              </a:solidFill>
+              <a:highlight>
+                <a:srgbClr val="1E1E1E"/>
+              </a:highlight>
+              <a:latin typeface="Courier New"/>
+              <a:ea typeface="Courier New"/>
+              <a:cs typeface="Courier New"/>
+              <a:sym typeface="Courier New"/>
+            </a:endParaRPr>
+          </a:p>
+          <a:p>
+            <a:pPr indent="0" lvl="0" marL="0" rtl="0" algn="l">
+              <a:lnSpc>
                 <a:spcPct val="100000"/>
               </a:lnSpc>
               <a:spcBef>
@@ -2827,6 +7149,1609 @@
             <a:noAutofit/>
           </a:bodyPr>
           <a:lstStyle/>
+          <a:p>
+            <a:pPr indent="0" lvl="0" marL="0" rtl="0" algn="l">
+              <a:lnSpc>
+                <a:spcPct val="135714"/>
+              </a:lnSpc>
+              <a:spcBef>
+                <a:spcPts val="0"/>
+              </a:spcBef>
+              <a:spcAft>
+                <a:spcPts val="0"/>
+              </a:spcAft>
+              <a:buClr>
+                <a:schemeClr val="dk1"/>
+              </a:buClr>
+              <a:buSzPts val="1100"/>
+              <a:buFont typeface="Arial"/>
+              <a:buNone/>
+            </a:pPr>
+            <a:r>
+              <a:rPr lang="es" sz="1050">
+                <a:solidFill>
+                  <a:srgbClr val="569CD6"/>
+                </a:solidFill>
+                <a:highlight>
+                  <a:srgbClr val="1E1E1E"/>
+                </a:highlight>
+                <a:latin typeface="Courier New"/>
+                <a:ea typeface="Courier New"/>
+                <a:cs typeface="Courier New"/>
+                <a:sym typeface="Courier New"/>
+              </a:rPr>
+              <a:t>class</a:t>
+            </a:r>
+            <a:r>
+              <a:rPr lang="es" sz="1050">
+                <a:solidFill>
+                  <a:srgbClr val="D4D4D4"/>
+                </a:solidFill>
+                <a:highlight>
+                  <a:srgbClr val="1E1E1E"/>
+                </a:highlight>
+                <a:latin typeface="Courier New"/>
+                <a:ea typeface="Courier New"/>
+                <a:cs typeface="Courier New"/>
+                <a:sym typeface="Courier New"/>
+              </a:rPr>
+              <a:t> </a:t>
+            </a:r>
+            <a:r>
+              <a:rPr lang="es" sz="1050">
+                <a:solidFill>
+                  <a:srgbClr val="4EC9B0"/>
+                </a:solidFill>
+                <a:highlight>
+                  <a:srgbClr val="1E1E1E"/>
+                </a:highlight>
+                <a:latin typeface="Courier New"/>
+                <a:ea typeface="Courier New"/>
+                <a:cs typeface="Courier New"/>
+                <a:sym typeface="Courier New"/>
+              </a:rPr>
+              <a:t>ConverterController</a:t>
+            </a:r>
+            <a:r>
+              <a:rPr lang="es" sz="1050">
+                <a:solidFill>
+                  <a:srgbClr val="D4D4D4"/>
+                </a:solidFill>
+                <a:highlight>
+                  <a:srgbClr val="1E1E1E"/>
+                </a:highlight>
+                <a:latin typeface="Courier New"/>
+                <a:ea typeface="Courier New"/>
+                <a:cs typeface="Courier New"/>
+                <a:sym typeface="Courier New"/>
+              </a:rPr>
+              <a:t> </a:t>
+            </a:r>
+            <a:r>
+              <a:rPr lang="es" sz="1050">
+                <a:solidFill>
+                  <a:srgbClr val="569CD6"/>
+                </a:solidFill>
+                <a:highlight>
+                  <a:srgbClr val="1E1E1E"/>
+                </a:highlight>
+                <a:latin typeface="Courier New"/>
+                <a:ea typeface="Courier New"/>
+                <a:cs typeface="Courier New"/>
+                <a:sym typeface="Courier New"/>
+              </a:rPr>
+              <a:t>extends</a:t>
+            </a:r>
+            <a:r>
+              <a:rPr lang="es" sz="1050">
+                <a:solidFill>
+                  <a:srgbClr val="D4D4D4"/>
+                </a:solidFill>
+                <a:highlight>
+                  <a:srgbClr val="1E1E1E"/>
+                </a:highlight>
+                <a:latin typeface="Courier New"/>
+                <a:ea typeface="Courier New"/>
+                <a:cs typeface="Courier New"/>
+                <a:sym typeface="Courier New"/>
+              </a:rPr>
+              <a:t> </a:t>
+            </a:r>
+            <a:r>
+              <a:rPr lang="es" sz="1050">
+                <a:solidFill>
+                  <a:srgbClr val="4EC9B0"/>
+                </a:solidFill>
+                <a:highlight>
+                  <a:srgbClr val="1E1E1E"/>
+                </a:highlight>
+                <a:latin typeface="Courier New"/>
+                <a:ea typeface="Courier New"/>
+                <a:cs typeface="Courier New"/>
+                <a:sym typeface="Courier New"/>
+              </a:rPr>
+              <a:t>GetxController</a:t>
+            </a:r>
+            <a:r>
+              <a:rPr lang="es" sz="1050">
+                <a:solidFill>
+                  <a:srgbClr val="D4D4D4"/>
+                </a:solidFill>
+                <a:highlight>
+                  <a:srgbClr val="1E1E1E"/>
+                </a:highlight>
+                <a:latin typeface="Courier New"/>
+                <a:ea typeface="Courier New"/>
+                <a:cs typeface="Courier New"/>
+                <a:sym typeface="Courier New"/>
+              </a:rPr>
+              <a:t> {</a:t>
+            </a:r>
+            <a:endParaRPr sz="1050">
+              <a:solidFill>
+                <a:srgbClr val="D4D4D4"/>
+              </a:solidFill>
+              <a:highlight>
+                <a:srgbClr val="1E1E1E"/>
+              </a:highlight>
+              <a:latin typeface="Courier New"/>
+              <a:ea typeface="Courier New"/>
+              <a:cs typeface="Courier New"/>
+              <a:sym typeface="Courier New"/>
+            </a:endParaRPr>
+          </a:p>
+          <a:p>
+            <a:pPr indent="0" lvl="0" marL="0" rtl="0" algn="l">
+              <a:lnSpc>
+                <a:spcPct val="135714"/>
+              </a:lnSpc>
+              <a:spcBef>
+                <a:spcPts val="0"/>
+              </a:spcBef>
+              <a:spcAft>
+                <a:spcPts val="0"/>
+              </a:spcAft>
+              <a:buClr>
+                <a:schemeClr val="dk1"/>
+              </a:buClr>
+              <a:buSzPts val="1100"/>
+              <a:buFont typeface="Arial"/>
+              <a:buNone/>
+            </a:pPr>
+            <a:r>
+              <a:rPr lang="es" sz="1050">
+                <a:solidFill>
+                  <a:srgbClr val="D4D4D4"/>
+                </a:solidFill>
+                <a:highlight>
+                  <a:srgbClr val="1E1E1E"/>
+                </a:highlight>
+                <a:latin typeface="Courier New"/>
+                <a:ea typeface="Courier New"/>
+                <a:cs typeface="Courier New"/>
+                <a:sym typeface="Courier New"/>
+              </a:rPr>
+              <a:t> </a:t>
+            </a:r>
+            <a:r>
+              <a:rPr lang="es" sz="1050">
+                <a:solidFill>
+                  <a:srgbClr val="569CD6"/>
+                </a:solidFill>
+                <a:highlight>
+                  <a:srgbClr val="1E1E1E"/>
+                </a:highlight>
+                <a:latin typeface="Courier New"/>
+                <a:ea typeface="Courier New"/>
+                <a:cs typeface="Courier New"/>
+                <a:sym typeface="Courier New"/>
+              </a:rPr>
+              <a:t>var</a:t>
+            </a:r>
+            <a:r>
+              <a:rPr lang="es" sz="1050">
+                <a:solidFill>
+                  <a:srgbClr val="D4D4D4"/>
+                </a:solidFill>
+                <a:highlight>
+                  <a:srgbClr val="1E1E1E"/>
+                </a:highlight>
+                <a:latin typeface="Courier New"/>
+                <a:ea typeface="Courier New"/>
+                <a:cs typeface="Courier New"/>
+                <a:sym typeface="Courier New"/>
+              </a:rPr>
+              <a:t> decimal = </a:t>
+            </a:r>
+            <a:r>
+              <a:rPr lang="es" sz="1050">
+                <a:solidFill>
+                  <a:srgbClr val="CE9178"/>
+                </a:solidFill>
+                <a:highlight>
+                  <a:srgbClr val="1E1E1E"/>
+                </a:highlight>
+                <a:latin typeface="Courier New"/>
+                <a:ea typeface="Courier New"/>
+                <a:cs typeface="Courier New"/>
+                <a:sym typeface="Courier New"/>
+              </a:rPr>
+              <a:t>"0"</a:t>
+            </a:r>
+            <a:r>
+              <a:rPr lang="es" sz="1050">
+                <a:solidFill>
+                  <a:srgbClr val="D4D4D4"/>
+                </a:solidFill>
+                <a:highlight>
+                  <a:srgbClr val="1E1E1E"/>
+                </a:highlight>
+                <a:latin typeface="Courier New"/>
+                <a:ea typeface="Courier New"/>
+                <a:cs typeface="Courier New"/>
+                <a:sym typeface="Courier New"/>
+              </a:rPr>
+              <a:t>.obs;</a:t>
+            </a:r>
+            <a:endParaRPr sz="1050">
+              <a:solidFill>
+                <a:srgbClr val="D4D4D4"/>
+              </a:solidFill>
+              <a:highlight>
+                <a:srgbClr val="1E1E1E"/>
+              </a:highlight>
+              <a:latin typeface="Courier New"/>
+              <a:ea typeface="Courier New"/>
+              <a:cs typeface="Courier New"/>
+              <a:sym typeface="Courier New"/>
+            </a:endParaRPr>
+          </a:p>
+          <a:p>
+            <a:pPr indent="0" lvl="0" marL="0" rtl="0" algn="l">
+              <a:lnSpc>
+                <a:spcPct val="135714"/>
+              </a:lnSpc>
+              <a:spcBef>
+                <a:spcPts val="0"/>
+              </a:spcBef>
+              <a:spcAft>
+                <a:spcPts val="0"/>
+              </a:spcAft>
+              <a:buClr>
+                <a:schemeClr val="dk1"/>
+              </a:buClr>
+              <a:buSzPts val="1100"/>
+              <a:buFont typeface="Arial"/>
+              <a:buNone/>
+            </a:pPr>
+            <a:r>
+              <a:rPr lang="es" sz="1050">
+                <a:solidFill>
+                  <a:srgbClr val="D4D4D4"/>
+                </a:solidFill>
+                <a:highlight>
+                  <a:srgbClr val="1E1E1E"/>
+                </a:highlight>
+                <a:latin typeface="Courier New"/>
+                <a:ea typeface="Courier New"/>
+                <a:cs typeface="Courier New"/>
+                <a:sym typeface="Courier New"/>
+              </a:rPr>
+              <a:t> </a:t>
+            </a:r>
+            <a:r>
+              <a:rPr lang="es" sz="1050">
+                <a:solidFill>
+                  <a:srgbClr val="569CD6"/>
+                </a:solidFill>
+                <a:highlight>
+                  <a:srgbClr val="1E1E1E"/>
+                </a:highlight>
+                <a:latin typeface="Courier New"/>
+                <a:ea typeface="Courier New"/>
+                <a:cs typeface="Courier New"/>
+                <a:sym typeface="Courier New"/>
+              </a:rPr>
+              <a:t>var</a:t>
+            </a:r>
+            <a:r>
+              <a:rPr lang="es" sz="1050">
+                <a:solidFill>
+                  <a:srgbClr val="D4D4D4"/>
+                </a:solidFill>
+                <a:highlight>
+                  <a:srgbClr val="1E1E1E"/>
+                </a:highlight>
+                <a:latin typeface="Courier New"/>
+                <a:ea typeface="Courier New"/>
+                <a:cs typeface="Courier New"/>
+                <a:sym typeface="Courier New"/>
+              </a:rPr>
+              <a:t> binary = </a:t>
+            </a:r>
+            <a:r>
+              <a:rPr lang="es" sz="1050">
+                <a:solidFill>
+                  <a:srgbClr val="CE9178"/>
+                </a:solidFill>
+                <a:highlight>
+                  <a:srgbClr val="1E1E1E"/>
+                </a:highlight>
+                <a:latin typeface="Courier New"/>
+                <a:ea typeface="Courier New"/>
+                <a:cs typeface="Courier New"/>
+                <a:sym typeface="Courier New"/>
+              </a:rPr>
+              <a:t>"0"</a:t>
+            </a:r>
+            <a:r>
+              <a:rPr lang="es" sz="1050">
+                <a:solidFill>
+                  <a:srgbClr val="D4D4D4"/>
+                </a:solidFill>
+                <a:highlight>
+                  <a:srgbClr val="1E1E1E"/>
+                </a:highlight>
+                <a:latin typeface="Courier New"/>
+                <a:ea typeface="Courier New"/>
+                <a:cs typeface="Courier New"/>
+                <a:sym typeface="Courier New"/>
+              </a:rPr>
+              <a:t>.obs;</a:t>
+            </a:r>
+            <a:endParaRPr sz="1050">
+              <a:solidFill>
+                <a:srgbClr val="D4D4D4"/>
+              </a:solidFill>
+              <a:highlight>
+                <a:srgbClr val="1E1E1E"/>
+              </a:highlight>
+              <a:latin typeface="Courier New"/>
+              <a:ea typeface="Courier New"/>
+              <a:cs typeface="Courier New"/>
+              <a:sym typeface="Courier New"/>
+            </a:endParaRPr>
+          </a:p>
+          <a:p>
+            <a:pPr indent="0" lvl="0" marL="0" rtl="0" algn="l">
+              <a:lnSpc>
+                <a:spcPct val="135714"/>
+              </a:lnSpc>
+              <a:spcBef>
+                <a:spcPts val="0"/>
+              </a:spcBef>
+              <a:spcAft>
+                <a:spcPts val="0"/>
+              </a:spcAft>
+              <a:buClr>
+                <a:schemeClr val="dk1"/>
+              </a:buClr>
+              <a:buSzPts val="1100"/>
+              <a:buFont typeface="Arial"/>
+              <a:buNone/>
+            </a:pPr>
+            <a:r>
+              <a:t/>
+            </a:r>
+            <a:endParaRPr sz="1050">
+              <a:solidFill>
+                <a:srgbClr val="D4D4D4"/>
+              </a:solidFill>
+              <a:highlight>
+                <a:srgbClr val="1E1E1E"/>
+              </a:highlight>
+              <a:latin typeface="Courier New"/>
+              <a:ea typeface="Courier New"/>
+              <a:cs typeface="Courier New"/>
+              <a:sym typeface="Courier New"/>
+            </a:endParaRPr>
+          </a:p>
+          <a:p>
+            <a:pPr indent="0" lvl="0" marL="0" rtl="0" algn="l">
+              <a:lnSpc>
+                <a:spcPct val="135714"/>
+              </a:lnSpc>
+              <a:spcBef>
+                <a:spcPts val="0"/>
+              </a:spcBef>
+              <a:spcAft>
+                <a:spcPts val="0"/>
+              </a:spcAft>
+              <a:buClr>
+                <a:schemeClr val="dk1"/>
+              </a:buClr>
+              <a:buSzPts val="1100"/>
+              <a:buFont typeface="Arial"/>
+              <a:buNone/>
+            </a:pPr>
+            <a:r>
+              <a:rPr lang="es" sz="1050">
+                <a:solidFill>
+                  <a:srgbClr val="D4D4D4"/>
+                </a:solidFill>
+                <a:highlight>
+                  <a:srgbClr val="1E1E1E"/>
+                </a:highlight>
+                <a:latin typeface="Courier New"/>
+                <a:ea typeface="Courier New"/>
+                <a:cs typeface="Courier New"/>
+                <a:sym typeface="Courier New"/>
+              </a:rPr>
+              <a:t> </a:t>
+            </a:r>
+            <a:r>
+              <a:rPr lang="es" sz="1050">
+                <a:solidFill>
+                  <a:srgbClr val="569CD6"/>
+                </a:solidFill>
+                <a:highlight>
+                  <a:srgbClr val="1E1E1E"/>
+                </a:highlight>
+                <a:latin typeface="Courier New"/>
+                <a:ea typeface="Courier New"/>
+                <a:cs typeface="Courier New"/>
+                <a:sym typeface="Courier New"/>
+              </a:rPr>
+              <a:t>void</a:t>
+            </a:r>
+            <a:r>
+              <a:rPr lang="es" sz="1050">
+                <a:solidFill>
+                  <a:srgbClr val="D4D4D4"/>
+                </a:solidFill>
+                <a:highlight>
+                  <a:srgbClr val="1E1E1E"/>
+                </a:highlight>
+                <a:latin typeface="Courier New"/>
+                <a:ea typeface="Courier New"/>
+                <a:cs typeface="Courier New"/>
+                <a:sym typeface="Courier New"/>
+              </a:rPr>
+              <a:t> </a:t>
+            </a:r>
+            <a:r>
+              <a:rPr lang="es" sz="1050">
+                <a:solidFill>
+                  <a:srgbClr val="DCDCAA"/>
+                </a:solidFill>
+                <a:highlight>
+                  <a:srgbClr val="1E1E1E"/>
+                </a:highlight>
+                <a:latin typeface="Courier New"/>
+                <a:ea typeface="Courier New"/>
+                <a:cs typeface="Courier New"/>
+                <a:sym typeface="Courier New"/>
+              </a:rPr>
+              <a:t>updateDecimal</a:t>
+            </a:r>
+            <a:r>
+              <a:rPr lang="es" sz="1050">
+                <a:solidFill>
+                  <a:srgbClr val="D4D4D4"/>
+                </a:solidFill>
+                <a:highlight>
+                  <a:srgbClr val="1E1E1E"/>
+                </a:highlight>
+                <a:latin typeface="Courier New"/>
+                <a:ea typeface="Courier New"/>
+                <a:cs typeface="Courier New"/>
+                <a:sym typeface="Courier New"/>
+              </a:rPr>
+              <a:t>(</a:t>
+            </a:r>
+            <a:r>
+              <a:rPr lang="es" sz="1050">
+                <a:solidFill>
+                  <a:srgbClr val="4EC9B0"/>
+                </a:solidFill>
+                <a:highlight>
+                  <a:srgbClr val="1E1E1E"/>
+                </a:highlight>
+                <a:latin typeface="Courier New"/>
+                <a:ea typeface="Courier New"/>
+                <a:cs typeface="Courier New"/>
+                <a:sym typeface="Courier New"/>
+              </a:rPr>
+              <a:t>int</a:t>
+            </a:r>
+            <a:r>
+              <a:rPr lang="es" sz="1050">
+                <a:solidFill>
+                  <a:srgbClr val="D4D4D4"/>
+                </a:solidFill>
+                <a:highlight>
+                  <a:srgbClr val="1E1E1E"/>
+                </a:highlight>
+                <a:latin typeface="Courier New"/>
+                <a:ea typeface="Courier New"/>
+                <a:cs typeface="Courier New"/>
+                <a:sym typeface="Courier New"/>
+              </a:rPr>
+              <a:t> digit) {</a:t>
+            </a:r>
+            <a:endParaRPr sz="1050">
+              <a:solidFill>
+                <a:srgbClr val="D4D4D4"/>
+              </a:solidFill>
+              <a:highlight>
+                <a:srgbClr val="1E1E1E"/>
+              </a:highlight>
+              <a:latin typeface="Courier New"/>
+              <a:ea typeface="Courier New"/>
+              <a:cs typeface="Courier New"/>
+              <a:sym typeface="Courier New"/>
+            </a:endParaRPr>
+          </a:p>
+          <a:p>
+            <a:pPr indent="0" lvl="0" marL="0" rtl="0" algn="l">
+              <a:lnSpc>
+                <a:spcPct val="135714"/>
+              </a:lnSpc>
+              <a:spcBef>
+                <a:spcPts val="0"/>
+              </a:spcBef>
+              <a:spcAft>
+                <a:spcPts val="0"/>
+              </a:spcAft>
+              <a:buClr>
+                <a:schemeClr val="dk1"/>
+              </a:buClr>
+              <a:buSzPts val="1100"/>
+              <a:buFont typeface="Arial"/>
+              <a:buNone/>
+            </a:pPr>
+            <a:r>
+              <a:rPr lang="es" sz="1050">
+                <a:solidFill>
+                  <a:srgbClr val="D4D4D4"/>
+                </a:solidFill>
+                <a:highlight>
+                  <a:srgbClr val="1E1E1E"/>
+                </a:highlight>
+                <a:latin typeface="Courier New"/>
+                <a:ea typeface="Courier New"/>
+                <a:cs typeface="Courier New"/>
+                <a:sym typeface="Courier New"/>
+              </a:rPr>
+              <a:t>   decimal.value = </a:t>
+            </a:r>
+            <a:r>
+              <a:rPr lang="es" sz="1050">
+                <a:solidFill>
+                  <a:srgbClr val="4EC9B0"/>
+                </a:solidFill>
+                <a:highlight>
+                  <a:srgbClr val="1E1E1E"/>
+                </a:highlight>
+                <a:latin typeface="Courier New"/>
+                <a:ea typeface="Courier New"/>
+                <a:cs typeface="Courier New"/>
+                <a:sym typeface="Courier New"/>
+              </a:rPr>
+              <a:t>Converter</a:t>
+            </a:r>
+            <a:r>
+              <a:rPr lang="es" sz="1050">
+                <a:solidFill>
+                  <a:srgbClr val="D4D4D4"/>
+                </a:solidFill>
+                <a:highlight>
+                  <a:srgbClr val="1E1E1E"/>
+                </a:highlight>
+                <a:latin typeface="Courier New"/>
+                <a:ea typeface="Courier New"/>
+                <a:cs typeface="Courier New"/>
+                <a:sym typeface="Courier New"/>
+              </a:rPr>
+              <a:t>.</a:t>
+            </a:r>
+            <a:r>
+              <a:rPr lang="es" sz="1050">
+                <a:solidFill>
+                  <a:srgbClr val="DCDCAA"/>
+                </a:solidFill>
+                <a:highlight>
+                  <a:srgbClr val="1E1E1E"/>
+                </a:highlight>
+                <a:latin typeface="Courier New"/>
+                <a:ea typeface="Courier New"/>
+                <a:cs typeface="Courier New"/>
+                <a:sym typeface="Courier New"/>
+              </a:rPr>
+              <a:t>adjustValue</a:t>
+            </a:r>
+            <a:r>
+              <a:rPr lang="es" sz="1050">
+                <a:solidFill>
+                  <a:srgbClr val="D4D4D4"/>
+                </a:solidFill>
+                <a:highlight>
+                  <a:srgbClr val="1E1E1E"/>
+                </a:highlight>
+                <a:latin typeface="Courier New"/>
+                <a:ea typeface="Courier New"/>
+                <a:cs typeface="Courier New"/>
+                <a:sym typeface="Courier New"/>
+              </a:rPr>
+              <a:t>(decimal.value, digit);</a:t>
+            </a:r>
+            <a:endParaRPr sz="1050">
+              <a:solidFill>
+                <a:srgbClr val="D4D4D4"/>
+              </a:solidFill>
+              <a:highlight>
+                <a:srgbClr val="1E1E1E"/>
+              </a:highlight>
+              <a:latin typeface="Courier New"/>
+              <a:ea typeface="Courier New"/>
+              <a:cs typeface="Courier New"/>
+              <a:sym typeface="Courier New"/>
+            </a:endParaRPr>
+          </a:p>
+          <a:p>
+            <a:pPr indent="0" lvl="0" marL="0" rtl="0" algn="l">
+              <a:lnSpc>
+                <a:spcPct val="135714"/>
+              </a:lnSpc>
+              <a:spcBef>
+                <a:spcPts val="0"/>
+              </a:spcBef>
+              <a:spcAft>
+                <a:spcPts val="0"/>
+              </a:spcAft>
+              <a:buClr>
+                <a:schemeClr val="dk1"/>
+              </a:buClr>
+              <a:buSzPts val="1100"/>
+              <a:buFont typeface="Arial"/>
+              <a:buNone/>
+            </a:pPr>
+            <a:r>
+              <a:rPr lang="es" sz="1050">
+                <a:solidFill>
+                  <a:srgbClr val="D4D4D4"/>
+                </a:solidFill>
+                <a:highlight>
+                  <a:srgbClr val="1E1E1E"/>
+                </a:highlight>
+                <a:latin typeface="Courier New"/>
+                <a:ea typeface="Courier New"/>
+                <a:cs typeface="Courier New"/>
+                <a:sym typeface="Courier New"/>
+              </a:rPr>
+              <a:t>   binary.value = </a:t>
+            </a:r>
+            <a:r>
+              <a:rPr lang="es" sz="1050">
+                <a:solidFill>
+                  <a:srgbClr val="4EC9B0"/>
+                </a:solidFill>
+                <a:highlight>
+                  <a:srgbClr val="1E1E1E"/>
+                </a:highlight>
+                <a:latin typeface="Courier New"/>
+                <a:ea typeface="Courier New"/>
+                <a:cs typeface="Courier New"/>
+                <a:sym typeface="Courier New"/>
+              </a:rPr>
+              <a:t>Converter</a:t>
+            </a:r>
+            <a:r>
+              <a:rPr lang="es" sz="1050">
+                <a:solidFill>
+                  <a:srgbClr val="D4D4D4"/>
+                </a:solidFill>
+                <a:highlight>
+                  <a:srgbClr val="1E1E1E"/>
+                </a:highlight>
+                <a:latin typeface="Courier New"/>
+                <a:ea typeface="Courier New"/>
+                <a:cs typeface="Courier New"/>
+                <a:sym typeface="Courier New"/>
+              </a:rPr>
+              <a:t>.</a:t>
+            </a:r>
+            <a:r>
+              <a:rPr lang="es" sz="1050">
+                <a:solidFill>
+                  <a:srgbClr val="DCDCAA"/>
+                </a:solidFill>
+                <a:highlight>
+                  <a:srgbClr val="1E1E1E"/>
+                </a:highlight>
+                <a:latin typeface="Courier New"/>
+                <a:ea typeface="Courier New"/>
+                <a:cs typeface="Courier New"/>
+                <a:sym typeface="Courier New"/>
+              </a:rPr>
+              <a:t>dec2bin</a:t>
+            </a:r>
+            <a:r>
+              <a:rPr lang="es" sz="1050">
+                <a:solidFill>
+                  <a:srgbClr val="D4D4D4"/>
+                </a:solidFill>
+                <a:highlight>
+                  <a:srgbClr val="1E1E1E"/>
+                </a:highlight>
+                <a:latin typeface="Courier New"/>
+                <a:ea typeface="Courier New"/>
+                <a:cs typeface="Courier New"/>
+                <a:sym typeface="Courier New"/>
+              </a:rPr>
+              <a:t>(decimal.value);</a:t>
+            </a:r>
+            <a:endParaRPr sz="1050">
+              <a:solidFill>
+                <a:srgbClr val="D4D4D4"/>
+              </a:solidFill>
+              <a:highlight>
+                <a:srgbClr val="1E1E1E"/>
+              </a:highlight>
+              <a:latin typeface="Courier New"/>
+              <a:ea typeface="Courier New"/>
+              <a:cs typeface="Courier New"/>
+              <a:sym typeface="Courier New"/>
+            </a:endParaRPr>
+          </a:p>
+          <a:p>
+            <a:pPr indent="0" lvl="0" marL="0" rtl="0" algn="l">
+              <a:lnSpc>
+                <a:spcPct val="135714"/>
+              </a:lnSpc>
+              <a:spcBef>
+                <a:spcPts val="0"/>
+              </a:spcBef>
+              <a:spcAft>
+                <a:spcPts val="0"/>
+              </a:spcAft>
+              <a:buClr>
+                <a:schemeClr val="dk1"/>
+              </a:buClr>
+              <a:buSzPts val="1100"/>
+              <a:buFont typeface="Arial"/>
+              <a:buNone/>
+            </a:pPr>
+            <a:r>
+              <a:rPr lang="es" sz="1050">
+                <a:solidFill>
+                  <a:srgbClr val="D4D4D4"/>
+                </a:solidFill>
+                <a:highlight>
+                  <a:srgbClr val="1E1E1E"/>
+                </a:highlight>
+                <a:latin typeface="Courier New"/>
+                <a:ea typeface="Courier New"/>
+                <a:cs typeface="Courier New"/>
+                <a:sym typeface="Courier New"/>
+              </a:rPr>
+              <a:t> }</a:t>
+            </a:r>
+            <a:endParaRPr sz="1050">
+              <a:solidFill>
+                <a:srgbClr val="D4D4D4"/>
+              </a:solidFill>
+              <a:highlight>
+                <a:srgbClr val="1E1E1E"/>
+              </a:highlight>
+              <a:latin typeface="Courier New"/>
+              <a:ea typeface="Courier New"/>
+              <a:cs typeface="Courier New"/>
+              <a:sym typeface="Courier New"/>
+            </a:endParaRPr>
+          </a:p>
+          <a:p>
+            <a:pPr indent="0" lvl="0" marL="0" rtl="0" algn="l">
+              <a:lnSpc>
+                <a:spcPct val="135714"/>
+              </a:lnSpc>
+              <a:spcBef>
+                <a:spcPts val="0"/>
+              </a:spcBef>
+              <a:spcAft>
+                <a:spcPts val="0"/>
+              </a:spcAft>
+              <a:buClr>
+                <a:schemeClr val="dk1"/>
+              </a:buClr>
+              <a:buSzPts val="1100"/>
+              <a:buFont typeface="Arial"/>
+              <a:buNone/>
+            </a:pPr>
+            <a:r>
+              <a:t/>
+            </a:r>
+            <a:endParaRPr sz="1050">
+              <a:solidFill>
+                <a:srgbClr val="D4D4D4"/>
+              </a:solidFill>
+              <a:highlight>
+                <a:srgbClr val="1E1E1E"/>
+              </a:highlight>
+              <a:latin typeface="Courier New"/>
+              <a:ea typeface="Courier New"/>
+              <a:cs typeface="Courier New"/>
+              <a:sym typeface="Courier New"/>
+            </a:endParaRPr>
+          </a:p>
+          <a:p>
+            <a:pPr indent="0" lvl="0" marL="0" rtl="0" algn="l">
+              <a:lnSpc>
+                <a:spcPct val="135714"/>
+              </a:lnSpc>
+              <a:spcBef>
+                <a:spcPts val="0"/>
+              </a:spcBef>
+              <a:spcAft>
+                <a:spcPts val="0"/>
+              </a:spcAft>
+              <a:buClr>
+                <a:schemeClr val="dk1"/>
+              </a:buClr>
+              <a:buSzPts val="1100"/>
+              <a:buFont typeface="Arial"/>
+              <a:buNone/>
+            </a:pPr>
+            <a:r>
+              <a:rPr lang="es" sz="1050">
+                <a:solidFill>
+                  <a:srgbClr val="D4D4D4"/>
+                </a:solidFill>
+                <a:highlight>
+                  <a:srgbClr val="1E1E1E"/>
+                </a:highlight>
+                <a:latin typeface="Courier New"/>
+                <a:ea typeface="Courier New"/>
+                <a:cs typeface="Courier New"/>
+                <a:sym typeface="Courier New"/>
+              </a:rPr>
+              <a:t> </a:t>
+            </a:r>
+            <a:r>
+              <a:rPr lang="es" sz="1050">
+                <a:solidFill>
+                  <a:srgbClr val="569CD6"/>
+                </a:solidFill>
+                <a:highlight>
+                  <a:srgbClr val="1E1E1E"/>
+                </a:highlight>
+                <a:latin typeface="Courier New"/>
+                <a:ea typeface="Courier New"/>
+                <a:cs typeface="Courier New"/>
+                <a:sym typeface="Courier New"/>
+              </a:rPr>
+              <a:t>void</a:t>
+            </a:r>
+            <a:r>
+              <a:rPr lang="es" sz="1050">
+                <a:solidFill>
+                  <a:srgbClr val="D4D4D4"/>
+                </a:solidFill>
+                <a:highlight>
+                  <a:srgbClr val="1E1E1E"/>
+                </a:highlight>
+                <a:latin typeface="Courier New"/>
+                <a:ea typeface="Courier New"/>
+                <a:cs typeface="Courier New"/>
+                <a:sym typeface="Courier New"/>
+              </a:rPr>
+              <a:t> </a:t>
+            </a:r>
+            <a:r>
+              <a:rPr lang="es" sz="1050">
+                <a:solidFill>
+                  <a:srgbClr val="DCDCAA"/>
+                </a:solidFill>
+                <a:highlight>
+                  <a:srgbClr val="1E1E1E"/>
+                </a:highlight>
+                <a:latin typeface="Courier New"/>
+                <a:ea typeface="Courier New"/>
+                <a:cs typeface="Courier New"/>
+                <a:sym typeface="Courier New"/>
+              </a:rPr>
+              <a:t>updateBinary</a:t>
+            </a:r>
+            <a:r>
+              <a:rPr lang="es" sz="1050">
+                <a:solidFill>
+                  <a:srgbClr val="D4D4D4"/>
+                </a:solidFill>
+                <a:highlight>
+                  <a:srgbClr val="1E1E1E"/>
+                </a:highlight>
+                <a:latin typeface="Courier New"/>
+                <a:ea typeface="Courier New"/>
+                <a:cs typeface="Courier New"/>
+                <a:sym typeface="Courier New"/>
+              </a:rPr>
+              <a:t>(</a:t>
+            </a:r>
+            <a:r>
+              <a:rPr lang="es" sz="1050">
+                <a:solidFill>
+                  <a:srgbClr val="4EC9B0"/>
+                </a:solidFill>
+                <a:highlight>
+                  <a:srgbClr val="1E1E1E"/>
+                </a:highlight>
+                <a:latin typeface="Courier New"/>
+                <a:ea typeface="Courier New"/>
+                <a:cs typeface="Courier New"/>
+                <a:sym typeface="Courier New"/>
+              </a:rPr>
+              <a:t>int</a:t>
+            </a:r>
+            <a:r>
+              <a:rPr lang="es" sz="1050">
+                <a:solidFill>
+                  <a:srgbClr val="D4D4D4"/>
+                </a:solidFill>
+                <a:highlight>
+                  <a:srgbClr val="1E1E1E"/>
+                </a:highlight>
+                <a:latin typeface="Courier New"/>
+                <a:ea typeface="Courier New"/>
+                <a:cs typeface="Courier New"/>
+                <a:sym typeface="Courier New"/>
+              </a:rPr>
+              <a:t> digit) {</a:t>
+            </a:r>
+            <a:endParaRPr sz="1050">
+              <a:solidFill>
+                <a:srgbClr val="D4D4D4"/>
+              </a:solidFill>
+              <a:highlight>
+                <a:srgbClr val="1E1E1E"/>
+              </a:highlight>
+              <a:latin typeface="Courier New"/>
+              <a:ea typeface="Courier New"/>
+              <a:cs typeface="Courier New"/>
+              <a:sym typeface="Courier New"/>
+            </a:endParaRPr>
+          </a:p>
+          <a:p>
+            <a:pPr indent="0" lvl="0" marL="0" rtl="0" algn="l">
+              <a:lnSpc>
+                <a:spcPct val="135714"/>
+              </a:lnSpc>
+              <a:spcBef>
+                <a:spcPts val="0"/>
+              </a:spcBef>
+              <a:spcAft>
+                <a:spcPts val="0"/>
+              </a:spcAft>
+              <a:buClr>
+                <a:schemeClr val="dk1"/>
+              </a:buClr>
+              <a:buSzPts val="1100"/>
+              <a:buFont typeface="Arial"/>
+              <a:buNone/>
+            </a:pPr>
+            <a:r>
+              <a:rPr lang="es" sz="1050">
+                <a:solidFill>
+                  <a:srgbClr val="D4D4D4"/>
+                </a:solidFill>
+                <a:highlight>
+                  <a:srgbClr val="1E1E1E"/>
+                </a:highlight>
+                <a:latin typeface="Courier New"/>
+                <a:ea typeface="Courier New"/>
+                <a:cs typeface="Courier New"/>
+                <a:sym typeface="Courier New"/>
+              </a:rPr>
+              <a:t>   binary.value = </a:t>
+            </a:r>
+            <a:r>
+              <a:rPr lang="es" sz="1050">
+                <a:solidFill>
+                  <a:srgbClr val="4EC9B0"/>
+                </a:solidFill>
+                <a:highlight>
+                  <a:srgbClr val="1E1E1E"/>
+                </a:highlight>
+                <a:latin typeface="Courier New"/>
+                <a:ea typeface="Courier New"/>
+                <a:cs typeface="Courier New"/>
+                <a:sym typeface="Courier New"/>
+              </a:rPr>
+              <a:t>Converter</a:t>
+            </a:r>
+            <a:r>
+              <a:rPr lang="es" sz="1050">
+                <a:solidFill>
+                  <a:srgbClr val="D4D4D4"/>
+                </a:solidFill>
+                <a:highlight>
+                  <a:srgbClr val="1E1E1E"/>
+                </a:highlight>
+                <a:latin typeface="Courier New"/>
+                <a:ea typeface="Courier New"/>
+                <a:cs typeface="Courier New"/>
+                <a:sym typeface="Courier New"/>
+              </a:rPr>
+              <a:t>.</a:t>
+            </a:r>
+            <a:r>
+              <a:rPr lang="es" sz="1050">
+                <a:solidFill>
+                  <a:srgbClr val="DCDCAA"/>
+                </a:solidFill>
+                <a:highlight>
+                  <a:srgbClr val="1E1E1E"/>
+                </a:highlight>
+                <a:latin typeface="Courier New"/>
+                <a:ea typeface="Courier New"/>
+                <a:cs typeface="Courier New"/>
+                <a:sym typeface="Courier New"/>
+              </a:rPr>
+              <a:t>adjustValue</a:t>
+            </a:r>
+            <a:r>
+              <a:rPr lang="es" sz="1050">
+                <a:solidFill>
+                  <a:srgbClr val="D4D4D4"/>
+                </a:solidFill>
+                <a:highlight>
+                  <a:srgbClr val="1E1E1E"/>
+                </a:highlight>
+                <a:latin typeface="Courier New"/>
+                <a:ea typeface="Courier New"/>
+                <a:cs typeface="Courier New"/>
+                <a:sym typeface="Courier New"/>
+              </a:rPr>
+              <a:t>(binary.value, digit);</a:t>
+            </a:r>
+            <a:endParaRPr sz="1050">
+              <a:solidFill>
+                <a:srgbClr val="D4D4D4"/>
+              </a:solidFill>
+              <a:highlight>
+                <a:srgbClr val="1E1E1E"/>
+              </a:highlight>
+              <a:latin typeface="Courier New"/>
+              <a:ea typeface="Courier New"/>
+              <a:cs typeface="Courier New"/>
+              <a:sym typeface="Courier New"/>
+            </a:endParaRPr>
+          </a:p>
+          <a:p>
+            <a:pPr indent="0" lvl="0" marL="0" rtl="0" algn="l">
+              <a:lnSpc>
+                <a:spcPct val="135714"/>
+              </a:lnSpc>
+              <a:spcBef>
+                <a:spcPts val="0"/>
+              </a:spcBef>
+              <a:spcAft>
+                <a:spcPts val="0"/>
+              </a:spcAft>
+              <a:buClr>
+                <a:schemeClr val="dk1"/>
+              </a:buClr>
+              <a:buSzPts val="1100"/>
+              <a:buFont typeface="Arial"/>
+              <a:buNone/>
+            </a:pPr>
+            <a:r>
+              <a:rPr lang="es" sz="1050">
+                <a:solidFill>
+                  <a:srgbClr val="D4D4D4"/>
+                </a:solidFill>
+                <a:highlight>
+                  <a:srgbClr val="1E1E1E"/>
+                </a:highlight>
+                <a:latin typeface="Courier New"/>
+                <a:ea typeface="Courier New"/>
+                <a:cs typeface="Courier New"/>
+                <a:sym typeface="Courier New"/>
+              </a:rPr>
+              <a:t>   decimal.value = </a:t>
+            </a:r>
+            <a:r>
+              <a:rPr lang="es" sz="1050">
+                <a:solidFill>
+                  <a:srgbClr val="4EC9B0"/>
+                </a:solidFill>
+                <a:highlight>
+                  <a:srgbClr val="1E1E1E"/>
+                </a:highlight>
+                <a:latin typeface="Courier New"/>
+                <a:ea typeface="Courier New"/>
+                <a:cs typeface="Courier New"/>
+                <a:sym typeface="Courier New"/>
+              </a:rPr>
+              <a:t>Converter</a:t>
+            </a:r>
+            <a:r>
+              <a:rPr lang="es" sz="1050">
+                <a:solidFill>
+                  <a:srgbClr val="D4D4D4"/>
+                </a:solidFill>
+                <a:highlight>
+                  <a:srgbClr val="1E1E1E"/>
+                </a:highlight>
+                <a:latin typeface="Courier New"/>
+                <a:ea typeface="Courier New"/>
+                <a:cs typeface="Courier New"/>
+                <a:sym typeface="Courier New"/>
+              </a:rPr>
+              <a:t>.</a:t>
+            </a:r>
+            <a:r>
+              <a:rPr lang="es" sz="1050">
+                <a:solidFill>
+                  <a:srgbClr val="DCDCAA"/>
+                </a:solidFill>
+                <a:highlight>
+                  <a:srgbClr val="1E1E1E"/>
+                </a:highlight>
+                <a:latin typeface="Courier New"/>
+                <a:ea typeface="Courier New"/>
+                <a:cs typeface="Courier New"/>
+                <a:sym typeface="Courier New"/>
+              </a:rPr>
+              <a:t>bin2dec</a:t>
+            </a:r>
+            <a:r>
+              <a:rPr lang="es" sz="1050">
+                <a:solidFill>
+                  <a:srgbClr val="D4D4D4"/>
+                </a:solidFill>
+                <a:highlight>
+                  <a:srgbClr val="1E1E1E"/>
+                </a:highlight>
+                <a:latin typeface="Courier New"/>
+                <a:ea typeface="Courier New"/>
+                <a:cs typeface="Courier New"/>
+                <a:sym typeface="Courier New"/>
+              </a:rPr>
+              <a:t>(binary.value);</a:t>
+            </a:r>
+            <a:endParaRPr sz="1050">
+              <a:solidFill>
+                <a:srgbClr val="D4D4D4"/>
+              </a:solidFill>
+              <a:highlight>
+                <a:srgbClr val="1E1E1E"/>
+              </a:highlight>
+              <a:latin typeface="Courier New"/>
+              <a:ea typeface="Courier New"/>
+              <a:cs typeface="Courier New"/>
+              <a:sym typeface="Courier New"/>
+            </a:endParaRPr>
+          </a:p>
+          <a:p>
+            <a:pPr indent="0" lvl="0" marL="0" rtl="0" algn="l">
+              <a:lnSpc>
+                <a:spcPct val="135714"/>
+              </a:lnSpc>
+              <a:spcBef>
+                <a:spcPts val="0"/>
+              </a:spcBef>
+              <a:spcAft>
+                <a:spcPts val="0"/>
+              </a:spcAft>
+              <a:buClr>
+                <a:schemeClr val="dk1"/>
+              </a:buClr>
+              <a:buSzPts val="1100"/>
+              <a:buFont typeface="Arial"/>
+              <a:buNone/>
+            </a:pPr>
+            <a:r>
+              <a:rPr lang="es" sz="1050">
+                <a:solidFill>
+                  <a:srgbClr val="D4D4D4"/>
+                </a:solidFill>
+                <a:highlight>
+                  <a:srgbClr val="1E1E1E"/>
+                </a:highlight>
+                <a:latin typeface="Courier New"/>
+                <a:ea typeface="Courier New"/>
+                <a:cs typeface="Courier New"/>
+                <a:sym typeface="Courier New"/>
+              </a:rPr>
+              <a:t> }</a:t>
+            </a:r>
+            <a:endParaRPr sz="1050">
+              <a:solidFill>
+                <a:srgbClr val="D4D4D4"/>
+              </a:solidFill>
+              <a:highlight>
+                <a:srgbClr val="1E1E1E"/>
+              </a:highlight>
+              <a:latin typeface="Courier New"/>
+              <a:ea typeface="Courier New"/>
+              <a:cs typeface="Courier New"/>
+              <a:sym typeface="Courier New"/>
+            </a:endParaRPr>
+          </a:p>
+          <a:p>
+            <a:pPr indent="0" lvl="0" marL="0" rtl="0" algn="l">
+              <a:lnSpc>
+                <a:spcPct val="135714"/>
+              </a:lnSpc>
+              <a:spcBef>
+                <a:spcPts val="0"/>
+              </a:spcBef>
+              <a:spcAft>
+                <a:spcPts val="0"/>
+              </a:spcAft>
+              <a:buClr>
+                <a:schemeClr val="dk1"/>
+              </a:buClr>
+              <a:buSzPts val="1100"/>
+              <a:buFont typeface="Arial"/>
+              <a:buNone/>
+            </a:pPr>
+            <a:r>
+              <a:t/>
+            </a:r>
+            <a:endParaRPr sz="1050">
+              <a:solidFill>
+                <a:srgbClr val="D4D4D4"/>
+              </a:solidFill>
+              <a:highlight>
+                <a:srgbClr val="1E1E1E"/>
+              </a:highlight>
+              <a:latin typeface="Courier New"/>
+              <a:ea typeface="Courier New"/>
+              <a:cs typeface="Courier New"/>
+              <a:sym typeface="Courier New"/>
+            </a:endParaRPr>
+          </a:p>
+          <a:p>
+            <a:pPr indent="0" lvl="0" marL="0" rtl="0" algn="l">
+              <a:lnSpc>
+                <a:spcPct val="135714"/>
+              </a:lnSpc>
+              <a:spcBef>
+                <a:spcPts val="0"/>
+              </a:spcBef>
+              <a:spcAft>
+                <a:spcPts val="0"/>
+              </a:spcAft>
+              <a:buClr>
+                <a:schemeClr val="dk1"/>
+              </a:buClr>
+              <a:buSzPts val="1100"/>
+              <a:buFont typeface="Arial"/>
+              <a:buNone/>
+            </a:pPr>
+            <a:r>
+              <a:rPr lang="es" sz="1050">
+                <a:solidFill>
+                  <a:srgbClr val="D4D4D4"/>
+                </a:solidFill>
+                <a:highlight>
+                  <a:srgbClr val="1E1E1E"/>
+                </a:highlight>
+                <a:latin typeface="Courier New"/>
+                <a:ea typeface="Courier New"/>
+                <a:cs typeface="Courier New"/>
+                <a:sym typeface="Courier New"/>
+              </a:rPr>
+              <a:t> </a:t>
+            </a:r>
+            <a:r>
+              <a:rPr lang="es" sz="1050">
+                <a:solidFill>
+                  <a:srgbClr val="569CD6"/>
+                </a:solidFill>
+                <a:highlight>
+                  <a:srgbClr val="1E1E1E"/>
+                </a:highlight>
+                <a:latin typeface="Courier New"/>
+                <a:ea typeface="Courier New"/>
+                <a:cs typeface="Courier New"/>
+                <a:sym typeface="Courier New"/>
+              </a:rPr>
+              <a:t>void</a:t>
+            </a:r>
+            <a:r>
+              <a:rPr lang="es" sz="1050">
+                <a:solidFill>
+                  <a:srgbClr val="D4D4D4"/>
+                </a:solidFill>
+                <a:highlight>
+                  <a:srgbClr val="1E1E1E"/>
+                </a:highlight>
+                <a:latin typeface="Courier New"/>
+                <a:ea typeface="Courier New"/>
+                <a:cs typeface="Courier New"/>
+                <a:sym typeface="Courier New"/>
+              </a:rPr>
+              <a:t> </a:t>
+            </a:r>
+            <a:r>
+              <a:rPr lang="es" sz="1050">
+                <a:solidFill>
+                  <a:srgbClr val="DCDCAA"/>
+                </a:solidFill>
+                <a:highlight>
+                  <a:srgbClr val="1E1E1E"/>
+                </a:highlight>
+                <a:latin typeface="Courier New"/>
+                <a:ea typeface="Courier New"/>
+                <a:cs typeface="Courier New"/>
+                <a:sym typeface="Courier New"/>
+              </a:rPr>
+              <a:t>reset</a:t>
+            </a:r>
+            <a:r>
+              <a:rPr lang="es" sz="1050">
+                <a:solidFill>
+                  <a:srgbClr val="D4D4D4"/>
+                </a:solidFill>
+                <a:highlight>
+                  <a:srgbClr val="1E1E1E"/>
+                </a:highlight>
+                <a:latin typeface="Courier New"/>
+                <a:ea typeface="Courier New"/>
+                <a:cs typeface="Courier New"/>
+                <a:sym typeface="Courier New"/>
+              </a:rPr>
+              <a:t>() {</a:t>
+            </a:r>
+            <a:endParaRPr sz="1050">
+              <a:solidFill>
+                <a:srgbClr val="D4D4D4"/>
+              </a:solidFill>
+              <a:highlight>
+                <a:srgbClr val="1E1E1E"/>
+              </a:highlight>
+              <a:latin typeface="Courier New"/>
+              <a:ea typeface="Courier New"/>
+              <a:cs typeface="Courier New"/>
+              <a:sym typeface="Courier New"/>
+            </a:endParaRPr>
+          </a:p>
+          <a:p>
+            <a:pPr indent="0" lvl="0" marL="0" rtl="0" algn="l">
+              <a:lnSpc>
+                <a:spcPct val="135714"/>
+              </a:lnSpc>
+              <a:spcBef>
+                <a:spcPts val="0"/>
+              </a:spcBef>
+              <a:spcAft>
+                <a:spcPts val="0"/>
+              </a:spcAft>
+              <a:buClr>
+                <a:schemeClr val="dk1"/>
+              </a:buClr>
+              <a:buSzPts val="1100"/>
+              <a:buFont typeface="Arial"/>
+              <a:buNone/>
+            </a:pPr>
+            <a:r>
+              <a:rPr lang="es" sz="1050">
+                <a:solidFill>
+                  <a:srgbClr val="D4D4D4"/>
+                </a:solidFill>
+                <a:highlight>
+                  <a:srgbClr val="1E1E1E"/>
+                </a:highlight>
+                <a:latin typeface="Courier New"/>
+                <a:ea typeface="Courier New"/>
+                <a:cs typeface="Courier New"/>
+                <a:sym typeface="Courier New"/>
+              </a:rPr>
+              <a:t>   binary.value = </a:t>
+            </a:r>
+            <a:r>
+              <a:rPr lang="es" sz="1050">
+                <a:solidFill>
+                  <a:srgbClr val="CE9178"/>
+                </a:solidFill>
+                <a:highlight>
+                  <a:srgbClr val="1E1E1E"/>
+                </a:highlight>
+                <a:latin typeface="Courier New"/>
+                <a:ea typeface="Courier New"/>
+                <a:cs typeface="Courier New"/>
+                <a:sym typeface="Courier New"/>
+              </a:rPr>
+              <a:t>"0"</a:t>
+            </a:r>
+            <a:r>
+              <a:rPr lang="es" sz="1050">
+                <a:solidFill>
+                  <a:srgbClr val="D4D4D4"/>
+                </a:solidFill>
+                <a:highlight>
+                  <a:srgbClr val="1E1E1E"/>
+                </a:highlight>
+                <a:latin typeface="Courier New"/>
+                <a:ea typeface="Courier New"/>
+                <a:cs typeface="Courier New"/>
+                <a:sym typeface="Courier New"/>
+              </a:rPr>
+              <a:t>;</a:t>
+            </a:r>
+            <a:endParaRPr sz="1050">
+              <a:solidFill>
+                <a:srgbClr val="D4D4D4"/>
+              </a:solidFill>
+              <a:highlight>
+                <a:srgbClr val="1E1E1E"/>
+              </a:highlight>
+              <a:latin typeface="Courier New"/>
+              <a:ea typeface="Courier New"/>
+              <a:cs typeface="Courier New"/>
+              <a:sym typeface="Courier New"/>
+            </a:endParaRPr>
+          </a:p>
+          <a:p>
+            <a:pPr indent="0" lvl="0" marL="0" rtl="0" algn="l">
+              <a:lnSpc>
+                <a:spcPct val="135714"/>
+              </a:lnSpc>
+              <a:spcBef>
+                <a:spcPts val="0"/>
+              </a:spcBef>
+              <a:spcAft>
+                <a:spcPts val="0"/>
+              </a:spcAft>
+              <a:buClr>
+                <a:schemeClr val="dk1"/>
+              </a:buClr>
+              <a:buSzPts val="1100"/>
+              <a:buFont typeface="Arial"/>
+              <a:buNone/>
+            </a:pPr>
+            <a:r>
+              <a:rPr lang="es" sz="1050">
+                <a:solidFill>
+                  <a:srgbClr val="D4D4D4"/>
+                </a:solidFill>
+                <a:highlight>
+                  <a:srgbClr val="1E1E1E"/>
+                </a:highlight>
+                <a:latin typeface="Courier New"/>
+                <a:ea typeface="Courier New"/>
+                <a:cs typeface="Courier New"/>
+                <a:sym typeface="Courier New"/>
+              </a:rPr>
+              <a:t>   decimal.value = </a:t>
+            </a:r>
+            <a:r>
+              <a:rPr lang="es" sz="1050">
+                <a:solidFill>
+                  <a:srgbClr val="CE9178"/>
+                </a:solidFill>
+                <a:highlight>
+                  <a:srgbClr val="1E1E1E"/>
+                </a:highlight>
+                <a:latin typeface="Courier New"/>
+                <a:ea typeface="Courier New"/>
+                <a:cs typeface="Courier New"/>
+                <a:sym typeface="Courier New"/>
+              </a:rPr>
+              <a:t>"0"</a:t>
+            </a:r>
+            <a:r>
+              <a:rPr lang="es" sz="1050">
+                <a:solidFill>
+                  <a:srgbClr val="D4D4D4"/>
+                </a:solidFill>
+                <a:highlight>
+                  <a:srgbClr val="1E1E1E"/>
+                </a:highlight>
+                <a:latin typeface="Courier New"/>
+                <a:ea typeface="Courier New"/>
+                <a:cs typeface="Courier New"/>
+                <a:sym typeface="Courier New"/>
+              </a:rPr>
+              <a:t>;</a:t>
+            </a:r>
+            <a:endParaRPr sz="1050">
+              <a:solidFill>
+                <a:srgbClr val="D4D4D4"/>
+              </a:solidFill>
+              <a:highlight>
+                <a:srgbClr val="1E1E1E"/>
+              </a:highlight>
+              <a:latin typeface="Courier New"/>
+              <a:ea typeface="Courier New"/>
+              <a:cs typeface="Courier New"/>
+              <a:sym typeface="Courier New"/>
+            </a:endParaRPr>
+          </a:p>
+          <a:p>
+            <a:pPr indent="0" lvl="0" marL="0" rtl="0" algn="l">
+              <a:lnSpc>
+                <a:spcPct val="135714"/>
+              </a:lnSpc>
+              <a:spcBef>
+                <a:spcPts val="0"/>
+              </a:spcBef>
+              <a:spcAft>
+                <a:spcPts val="0"/>
+              </a:spcAft>
+              <a:buClr>
+                <a:schemeClr val="dk1"/>
+              </a:buClr>
+              <a:buSzPts val="1100"/>
+              <a:buFont typeface="Arial"/>
+              <a:buNone/>
+            </a:pPr>
+            <a:r>
+              <a:rPr lang="es" sz="1050">
+                <a:solidFill>
+                  <a:srgbClr val="D4D4D4"/>
+                </a:solidFill>
+                <a:highlight>
+                  <a:srgbClr val="1E1E1E"/>
+                </a:highlight>
+                <a:latin typeface="Courier New"/>
+                <a:ea typeface="Courier New"/>
+                <a:cs typeface="Courier New"/>
+                <a:sym typeface="Courier New"/>
+              </a:rPr>
+              <a:t> }</a:t>
+            </a:r>
+            <a:endParaRPr sz="1050">
+              <a:solidFill>
+                <a:srgbClr val="D4D4D4"/>
+              </a:solidFill>
+              <a:highlight>
+                <a:srgbClr val="1E1E1E"/>
+              </a:highlight>
+              <a:latin typeface="Courier New"/>
+              <a:ea typeface="Courier New"/>
+              <a:cs typeface="Courier New"/>
+              <a:sym typeface="Courier New"/>
+            </a:endParaRPr>
+          </a:p>
+          <a:p>
+            <a:pPr indent="0" lvl="0" marL="0" rtl="0" algn="l">
+              <a:lnSpc>
+                <a:spcPct val="135714"/>
+              </a:lnSpc>
+              <a:spcBef>
+                <a:spcPts val="0"/>
+              </a:spcBef>
+              <a:spcAft>
+                <a:spcPts val="0"/>
+              </a:spcAft>
+              <a:buClr>
+                <a:schemeClr val="dk1"/>
+              </a:buClr>
+              <a:buSzPts val="1100"/>
+              <a:buFont typeface="Arial"/>
+              <a:buNone/>
+            </a:pPr>
+            <a:r>
+              <a:rPr lang="es" sz="1050">
+                <a:solidFill>
+                  <a:srgbClr val="D4D4D4"/>
+                </a:solidFill>
+                <a:highlight>
+                  <a:srgbClr val="1E1E1E"/>
+                </a:highlight>
+                <a:latin typeface="Courier New"/>
+                <a:ea typeface="Courier New"/>
+                <a:cs typeface="Courier New"/>
+                <a:sym typeface="Courier New"/>
+              </a:rPr>
+              <a:t>}</a:t>
+            </a:r>
+            <a:endParaRPr sz="1050">
+              <a:solidFill>
+                <a:srgbClr val="D4D4D4"/>
+              </a:solidFill>
+              <a:highlight>
+                <a:srgbClr val="1E1E1E"/>
+              </a:highlight>
+              <a:latin typeface="Courier New"/>
+              <a:ea typeface="Courier New"/>
+              <a:cs typeface="Courier New"/>
+              <a:sym typeface="Courier New"/>
+            </a:endParaRPr>
+          </a:p>
           <a:p>
             <a:pPr indent="0" lvl="0" marL="0" rtl="0" algn="l">
               <a:lnSpc>
@@ -19382,7 +25307,7 @@
     <p:bg>
       <p:bgPr>
         <a:blipFill>
-          <a:blip r:embed="rId4">
+          <a:blip r:embed="rId3">
             <a:alphaModFix/>
           </a:blip>
           <a:stretch>
@@ -19785,7 +25710,7 @@
           <p:nvPr/>
         </p:nvPicPr>
         <p:blipFill>
-          <a:blip r:embed="rId5">
+          <a:blip r:embed="rId4">
             <a:alphaModFix/>
           </a:blip>
           <a:stretch>
@@ -19794,8 +25719,8 @@
         </p:blipFill>
         <p:spPr>
           <a:xfrm>
-            <a:off x="4521300" y="1893225"/>
-            <a:ext cx="3956100" cy="1714500"/>
+            <a:off x="4516700" y="1868100"/>
+            <a:ext cx="4474899" cy="1869894"/>
           </a:xfrm>
           <a:prstGeom prst="rect">
             <a:avLst/>
@@ -19813,7 +25738,7 @@
           <p:nvPr/>
         </p:nvPicPr>
         <p:blipFill>
-          <a:blip r:embed="rId6">
+          <a:blip r:embed="rId5">
             <a:alphaModFix/>
           </a:blip>
           <a:stretch>
@@ -19822,8 +25747,8 @@
         </p:blipFill>
         <p:spPr>
           <a:xfrm>
-            <a:off x="401900" y="2679987"/>
-            <a:ext cx="3962400" cy="640175"/>
+            <a:off x="104000" y="2672774"/>
+            <a:ext cx="4260299" cy="471052"/>
           </a:xfrm>
           <a:prstGeom prst="rect">
             <a:avLst/>
@@ -19848,7 +25773,7 @@
     <p:bg>
       <p:bgPr>
         <a:blipFill>
-          <a:blip r:embed="rId4">
+          <a:blip r:embed="rId3">
             <a:alphaModFix/>
           </a:blip>
           <a:stretch>
@@ -20225,7 +26150,7 @@
           <p:nvPr/>
         </p:nvPicPr>
         <p:blipFill>
-          <a:blip r:embed="rId5">
+          <a:blip r:embed="rId4">
             <a:alphaModFix/>
           </a:blip>
           <a:stretch>
@@ -20234,8 +26159,8 @@
         </p:blipFill>
         <p:spPr>
           <a:xfrm>
-            <a:off x="4392700" y="1862975"/>
-            <a:ext cx="3956100" cy="1714500"/>
+            <a:off x="4345700" y="1868100"/>
+            <a:ext cx="3745200" cy="2285450"/>
           </a:xfrm>
           <a:prstGeom prst="rect">
             <a:avLst/>
@@ -20253,7 +26178,7 @@
           <p:nvPr/>
         </p:nvPicPr>
         <p:blipFill>
-          <a:blip r:embed="rId6">
+          <a:blip r:embed="rId5">
             <a:alphaModFix/>
           </a:blip>
           <a:stretch>
@@ -20262,8 +26187,8 @@
         </p:blipFill>
         <p:spPr>
           <a:xfrm>
-            <a:off x="668638" y="2971225"/>
-            <a:ext cx="3524674" cy="731100"/>
+            <a:off x="504825" y="2941874"/>
+            <a:ext cx="3491400" cy="535926"/>
           </a:xfrm>
           <a:prstGeom prst="rect">
             <a:avLst/>
@@ -20288,7 +26213,7 @@
     <p:bg>
       <p:bgPr>
         <a:blipFill>
-          <a:blip r:embed="rId4">
+          <a:blip r:embed="rId3">
             <a:alphaModFix/>
           </a:blip>
           <a:stretch>
@@ -20492,7 +26417,7 @@
           <p:nvPr/>
         </p:nvPicPr>
         <p:blipFill>
-          <a:blip r:embed="rId5">
+          <a:blip r:embed="rId4">
             <a:alphaModFix/>
           </a:blip>
           <a:stretch>
@@ -20501,8 +26426,8 @@
         </p:blipFill>
         <p:spPr>
           <a:xfrm>
-            <a:off x="4392700" y="1862975"/>
-            <a:ext cx="3956100" cy="1714500"/>
+            <a:off x="4345702" y="1868100"/>
+            <a:ext cx="4012099" cy="2103375"/>
           </a:xfrm>
           <a:prstGeom prst="rect">
             <a:avLst/>
@@ -20520,7 +26445,7 @@
           <p:nvPr/>
         </p:nvPicPr>
         <p:blipFill>
-          <a:blip r:embed="rId6">
+          <a:blip r:embed="rId5">
             <a:alphaModFix/>
           </a:blip>
           <a:stretch>
@@ -20529,8 +26454,8 @@
         </p:blipFill>
         <p:spPr>
           <a:xfrm>
-            <a:off x="668638" y="2971225"/>
-            <a:ext cx="3524674" cy="731100"/>
+            <a:off x="571500" y="2981890"/>
+            <a:ext cx="3605175" cy="542360"/>
           </a:xfrm>
           <a:prstGeom prst="rect">
             <a:avLst/>
@@ -20555,7 +26480,7 @@
     <p:bg>
       <p:bgPr>
         <a:blipFill>
-          <a:blip r:embed="rId4">
+          <a:blip r:embed="rId3">
             <a:alphaModFix/>
           </a:blip>
           <a:stretch>
@@ -20822,7 +26747,7 @@
           <p:nvPr/>
         </p:nvPicPr>
         <p:blipFill>
-          <a:blip r:embed="rId5">
+          <a:blip r:embed="rId4">
             <a:alphaModFix/>
           </a:blip>
           <a:stretch>
@@ -20831,8 +26756,8 @@
         </p:blipFill>
         <p:spPr>
           <a:xfrm>
-            <a:off x="4392700" y="1862975"/>
-            <a:ext cx="3956100" cy="1714500"/>
+            <a:off x="4613725" y="1947250"/>
+            <a:ext cx="4105874" cy="1385425"/>
           </a:xfrm>
           <a:prstGeom prst="rect">
             <a:avLst/>
@@ -22736,8 +28661,8 @@
         </p:blipFill>
         <p:spPr>
           <a:xfrm>
-            <a:off x="2250200" y="2571738"/>
-            <a:ext cx="3676650" cy="1057275"/>
+            <a:off x="1900325" y="2571746"/>
+            <a:ext cx="4572001" cy="1573975"/>
           </a:xfrm>
           <a:prstGeom prst="rect">
             <a:avLst/>
@@ -22762,7 +28687,7 @@
     <p:bg>
       <p:bgPr>
         <a:blipFill>
-          <a:blip r:embed="rId4">
+          <a:blip r:embed="rId3">
             <a:alphaModFix/>
           </a:blip>
           <a:stretch>
@@ -23218,7 +29143,7 @@
                 <a:solidFill>
                   <a:schemeClr val="hlink"/>
                 </a:solidFill>
-                <a:hlinkClick r:id="rId5"/>
+                <a:hlinkClick r:id="rId4"/>
               </a:rPr>
               <a:t>aquí</a:t>
             </a:r>
@@ -23330,7 +29255,7 @@
           <p:nvPr/>
         </p:nvPicPr>
         <p:blipFill>
-          <a:blip r:embed="rId6">
+          <a:blip r:embed="rId5">
             <a:alphaModFix/>
           </a:blip>
           <a:stretch>
@@ -23339,8 +29264,8 @@
         </p:blipFill>
         <p:spPr>
           <a:xfrm>
-            <a:off x="2580875" y="2566687"/>
-            <a:ext cx="3962400" cy="640175"/>
+            <a:off x="3676950" y="2571750"/>
+            <a:ext cx="2419050" cy="514050"/>
           </a:xfrm>
           <a:prstGeom prst="rect">
             <a:avLst/>
@@ -23367,8 +29292,8 @@
         </p:blipFill>
         <p:spPr>
           <a:xfrm>
-            <a:off x="2580875" y="3548712"/>
-            <a:ext cx="3962400" cy="640175"/>
+            <a:off x="3381313" y="3617075"/>
+            <a:ext cx="3010325" cy="571800"/>
           </a:xfrm>
           <a:prstGeom prst="rect">
             <a:avLst/>
@@ -23393,7 +29318,7 @@
     <p:bg>
       <p:bgPr>
         <a:blipFill>
-          <a:blip r:embed="rId4">
+          <a:blip r:embed="rId3">
             <a:alphaModFix/>
           </a:blip>
           <a:stretch>
@@ -23904,17 +29829,18 @@
           <p:cNvPicPr preferRelativeResize="0"/>
           <p:nvPr/>
         </p:nvPicPr>
-        <p:blipFill rotWithShape="1">
-          <a:blip r:embed="rId5">
+        <p:blipFill>
+          <a:blip r:embed="rId4">
             <a:alphaModFix/>
           </a:blip>
-          <a:srcRect b="0" l="0" r="0" t="0"/>
-          <a:stretch/>
+          <a:stretch>
+            <a:fillRect/>
+          </a:stretch>
         </p:blipFill>
         <p:spPr>
           <a:xfrm>
-            <a:off x="4437699" y="1155000"/>
-            <a:ext cx="4169742" cy="2833500"/>
+            <a:off x="4413700" y="1136875"/>
+            <a:ext cx="4340950" cy="2914250"/>
           </a:xfrm>
           <a:prstGeom prst="rect">
             <a:avLst/>
@@ -24458,17 +30384,18 @@
           <p:cNvPicPr preferRelativeResize="0"/>
           <p:nvPr/>
         </p:nvPicPr>
-        <p:blipFill rotWithShape="1">
+        <p:blipFill>
           <a:blip r:embed="rId4">
             <a:alphaModFix/>
           </a:blip>
-          <a:srcRect b="0" l="0" r="0" t="0"/>
-          <a:stretch/>
+          <a:stretch>
+            <a:fillRect/>
+          </a:stretch>
         </p:blipFill>
         <p:spPr>
           <a:xfrm>
-            <a:off x="4437699" y="1155000"/>
-            <a:ext cx="4169742" cy="2833500"/>
+            <a:off x="4413700" y="1136875"/>
+            <a:ext cx="4340950" cy="2914250"/>
           </a:xfrm>
           <a:prstGeom prst="rect">
             <a:avLst/>

--- a/Componentes-teoricos/Slide móvil sesión 8 semana 3_ .pptx
+++ b/Componentes-teoricos/Slide móvil sesión 8 semana 3_ .pptx
@@ -1373,70 +1373,139 @@
             <a:r>
               <a:rPr lang="es" sz="1050">
                 <a:solidFill>
-                  <a:srgbClr val="569CD6"/>
-                </a:solidFill>
-                <a:highlight>
-                  <a:srgbClr val="1E1E1E"/>
-                </a:highlight>
+                  <a:schemeClr val="dk1"/>
+                </a:solidFill>
                 <a:latin typeface="Courier New"/>
                 <a:ea typeface="Courier New"/>
                 <a:cs typeface="Courier New"/>
                 <a:sym typeface="Courier New"/>
               </a:rPr>
-              <a:t>import</a:t>
-            </a:r>
+              <a:t>import 'package:flutter/material.dart';</a:t>
+            </a:r>
+            <a:endParaRPr sz="1050">
+              <a:solidFill>
+                <a:schemeClr val="dk1"/>
+              </a:solidFill>
+              <a:latin typeface="Courier New"/>
+              <a:ea typeface="Courier New"/>
+              <a:cs typeface="Courier New"/>
+              <a:sym typeface="Courier New"/>
+            </a:endParaRPr>
+          </a:p>
+          <a:p>
+            <a:pPr indent="0" lvl="0" marL="0" rtl="0" algn="l">
+              <a:lnSpc>
+                <a:spcPct val="135714"/>
+              </a:lnSpc>
+              <a:spcBef>
+                <a:spcPts val="0"/>
+              </a:spcBef>
+              <a:spcAft>
+                <a:spcPts val="0"/>
+              </a:spcAft>
+              <a:buClr>
+                <a:schemeClr val="dk1"/>
+              </a:buClr>
+              <a:buSzPts val="1100"/>
+              <a:buFont typeface="Arial"/>
+              <a:buNone/>
+            </a:pPr>
             <a:r>
               <a:rPr lang="es" sz="1050">
                 <a:solidFill>
-                  <a:srgbClr val="D4D4D4"/>
-                </a:solidFill>
-                <a:highlight>
-                  <a:srgbClr val="1E1E1E"/>
-                </a:highlight>
+                  <a:schemeClr val="dk1"/>
+                </a:solidFill>
                 <a:latin typeface="Courier New"/>
                 <a:ea typeface="Courier New"/>
                 <a:cs typeface="Courier New"/>
                 <a:sym typeface="Courier New"/>
               </a:rPr>
-              <a:t> </a:t>
-            </a:r>
+              <a:t>import 'package:get/get.dart';</a:t>
+            </a:r>
+            <a:endParaRPr sz="1050">
+              <a:solidFill>
+                <a:schemeClr val="dk1"/>
+              </a:solidFill>
+              <a:latin typeface="Courier New"/>
+              <a:ea typeface="Courier New"/>
+              <a:cs typeface="Courier New"/>
+              <a:sym typeface="Courier New"/>
+            </a:endParaRPr>
+          </a:p>
+          <a:p>
+            <a:pPr indent="0" lvl="0" marL="0" rtl="0" algn="l">
+              <a:lnSpc>
+                <a:spcPct val="135714"/>
+              </a:lnSpc>
+              <a:spcBef>
+                <a:spcPts val="0"/>
+              </a:spcBef>
+              <a:spcAft>
+                <a:spcPts val="0"/>
+              </a:spcAft>
+              <a:buClr>
+                <a:schemeClr val="dk1"/>
+              </a:buClr>
+              <a:buSzPts val="1100"/>
+              <a:buFont typeface="Arial"/>
+              <a:buNone/>
+            </a:pPr>
             <a:r>
               <a:rPr lang="es" sz="1050">
                 <a:solidFill>
-                  <a:srgbClr val="CE9178"/>
-                </a:solidFill>
-                <a:highlight>
-                  <a:srgbClr val="1E1E1E"/>
-                </a:highlight>
+                  <a:schemeClr val="dk1"/>
+                </a:solidFill>
                 <a:latin typeface="Courier New"/>
                 <a:ea typeface="Courier New"/>
                 <a:cs typeface="Courier New"/>
                 <a:sym typeface="Courier New"/>
               </a:rPr>
-              <a:t>'package:flutter/material.dart'</a:t>
-            </a:r>
+              <a:t>import 'domain/controllers/converter_controller.dart';</a:t>
+            </a:r>
+            <a:endParaRPr sz="1050">
+              <a:solidFill>
+                <a:schemeClr val="dk1"/>
+              </a:solidFill>
+              <a:latin typeface="Courier New"/>
+              <a:ea typeface="Courier New"/>
+              <a:cs typeface="Courier New"/>
+              <a:sym typeface="Courier New"/>
+            </a:endParaRPr>
+          </a:p>
+          <a:p>
+            <a:pPr indent="0" lvl="0" marL="0" rtl="0" algn="l">
+              <a:lnSpc>
+                <a:spcPct val="135714"/>
+              </a:lnSpc>
+              <a:spcBef>
+                <a:spcPts val="0"/>
+              </a:spcBef>
+              <a:spcAft>
+                <a:spcPts val="0"/>
+              </a:spcAft>
+              <a:buClr>
+                <a:schemeClr val="dk1"/>
+              </a:buClr>
+              <a:buSzPts val="1100"/>
+              <a:buFont typeface="Arial"/>
+              <a:buNone/>
+            </a:pPr>
             <a:r>
               <a:rPr lang="es" sz="1050">
                 <a:solidFill>
-                  <a:srgbClr val="D4D4D4"/>
-                </a:solidFill>
-                <a:highlight>
-                  <a:srgbClr val="1E1E1E"/>
-                </a:highlight>
+                  <a:schemeClr val="dk1"/>
+                </a:solidFill>
                 <a:latin typeface="Courier New"/>
                 <a:ea typeface="Courier New"/>
                 <a:cs typeface="Courier New"/>
                 <a:sym typeface="Courier New"/>
               </a:rPr>
-              <a:t>;</a:t>
+              <a:t>import 'presentation/screens/myhome.dart';</a:t>
             </a:r>
             <a:endParaRPr sz="1050">
               <a:solidFill>
-                <a:srgbClr val="D4D4D4"/>
+                <a:schemeClr val="dk1"/>
               </a:solidFill>
-              <a:highlight>
-                <a:srgbClr val="1E1E1E"/>
-              </a:highlight>
               <a:latin typeface="Courier New"/>
               <a:ea typeface="Courier New"/>
               <a:cs typeface="Courier New"/>
@@ -1462,72 +1531,132 @@
               <a:buNone/>
             </a:pPr>
             <a:r>
+              <a:t/>
+            </a:r>
+            <a:endParaRPr sz="1050">
+              <a:solidFill>
+                <a:schemeClr val="dk1"/>
+              </a:solidFill>
+              <a:latin typeface="Courier New"/>
+              <a:ea typeface="Courier New"/>
+              <a:cs typeface="Courier New"/>
+              <a:sym typeface="Courier New"/>
+            </a:endParaRPr>
+          </a:p>
+          <a:p>
+            <a:pPr indent="0" lvl="0" marL="0" rtl="0" algn="l">
+              <a:lnSpc>
+                <a:spcPct val="135714"/>
+              </a:lnSpc>
+              <a:spcBef>
+                <a:spcPts val="0"/>
+              </a:spcBef>
+              <a:spcAft>
+                <a:spcPts val="0"/>
+              </a:spcAft>
+              <a:buClr>
+                <a:schemeClr val="dk1"/>
+              </a:buClr>
+              <a:buSzPts val="1100"/>
+              <a:buFont typeface="Arial"/>
+              <a:buNone/>
+            </a:pPr>
+            <a:r>
               <a:rPr lang="es" sz="1050">
                 <a:solidFill>
-                  <a:srgbClr val="569CD6"/>
-                </a:solidFill>
-                <a:highlight>
-                  <a:srgbClr val="1E1E1E"/>
-                </a:highlight>
+                  <a:schemeClr val="dk1"/>
+                </a:solidFill>
                 <a:latin typeface="Courier New"/>
                 <a:ea typeface="Courier New"/>
                 <a:cs typeface="Courier New"/>
                 <a:sym typeface="Courier New"/>
               </a:rPr>
-              <a:t>import</a:t>
-            </a:r>
+              <a:t>void main() {</a:t>
+            </a:r>
+            <a:endParaRPr sz="1050">
+              <a:solidFill>
+                <a:schemeClr val="dk1"/>
+              </a:solidFill>
+              <a:latin typeface="Courier New"/>
+              <a:ea typeface="Courier New"/>
+              <a:cs typeface="Courier New"/>
+              <a:sym typeface="Courier New"/>
+            </a:endParaRPr>
+          </a:p>
+          <a:p>
+            <a:pPr indent="0" lvl="0" marL="0" rtl="0" algn="l">
+              <a:lnSpc>
+                <a:spcPct val="135714"/>
+              </a:lnSpc>
+              <a:spcBef>
+                <a:spcPts val="0"/>
+              </a:spcBef>
+              <a:spcAft>
+                <a:spcPts val="0"/>
+              </a:spcAft>
+              <a:buClr>
+                <a:schemeClr val="dk1"/>
+              </a:buClr>
+              <a:buSzPts val="1100"/>
+              <a:buFont typeface="Arial"/>
+              <a:buNone/>
+            </a:pPr>
             <a:r>
               <a:rPr lang="es" sz="1050">
                 <a:solidFill>
-                  <a:srgbClr val="D4D4D4"/>
-                </a:solidFill>
-                <a:highlight>
-                  <a:srgbClr val="1E1E1E"/>
-                </a:highlight>
+                  <a:schemeClr val="dk1"/>
+                </a:solidFill>
                 <a:latin typeface="Courier New"/>
                 <a:ea typeface="Courier New"/>
                 <a:cs typeface="Courier New"/>
                 <a:sym typeface="Courier New"/>
               </a:rPr>
-              <a:t> </a:t>
-            </a:r>
+              <a:t> Get.lazyPut&lt;ConverterController&gt;(() =&gt; ConverterController());</a:t>
+            </a:r>
+            <a:endParaRPr sz="1050">
+              <a:solidFill>
+                <a:schemeClr val="dk1"/>
+              </a:solidFill>
+              <a:latin typeface="Courier New"/>
+              <a:ea typeface="Courier New"/>
+              <a:cs typeface="Courier New"/>
+              <a:sym typeface="Courier New"/>
+            </a:endParaRPr>
+          </a:p>
+          <a:p>
+            <a:pPr indent="0" lvl="0" marL="0" rtl="0" algn="l">
+              <a:lnSpc>
+                <a:spcPct val="135714"/>
+              </a:lnSpc>
+              <a:spcBef>
+                <a:spcPts val="0"/>
+              </a:spcBef>
+              <a:spcAft>
+                <a:spcPts val="0"/>
+              </a:spcAft>
+              <a:buClr>
+                <a:schemeClr val="dk1"/>
+              </a:buClr>
+              <a:buSzPts val="1100"/>
+              <a:buFont typeface="Arial"/>
+              <a:buNone/>
+            </a:pPr>
             <a:r>
               <a:rPr lang="es" sz="1050">
                 <a:solidFill>
-                  <a:srgbClr val="CE9178"/>
-                </a:solidFill>
-                <a:highlight>
-                  <a:srgbClr val="1E1E1E"/>
-                </a:highlight>
+                  <a:schemeClr val="dk1"/>
+                </a:solidFill>
                 <a:latin typeface="Courier New"/>
                 <a:ea typeface="Courier New"/>
                 <a:cs typeface="Courier New"/>
                 <a:sym typeface="Courier New"/>
               </a:rPr>
-              <a:t>'package:get/get.dart'</a:t>
-            </a:r>
-            <a:r>
-              <a:rPr lang="es" sz="1050">
-                <a:solidFill>
-                  <a:srgbClr val="D4D4D4"/>
-                </a:solidFill>
-                <a:highlight>
-                  <a:srgbClr val="1E1E1E"/>
-                </a:highlight>
-                <a:latin typeface="Courier New"/>
-                <a:ea typeface="Courier New"/>
-                <a:cs typeface="Courier New"/>
-                <a:sym typeface="Courier New"/>
-              </a:rPr>
-              <a:t>;</a:t>
+              <a:t> runApp(App());</a:t>
             </a:r>
             <a:endParaRPr sz="1050">
               <a:solidFill>
-                <a:srgbClr val="D4D4D4"/>
+                <a:schemeClr val="dk1"/>
               </a:solidFill>
-              <a:highlight>
-                <a:srgbClr val="1E1E1E"/>
-              </a:highlight>
               <a:latin typeface="Courier New"/>
               <a:ea typeface="Courier New"/>
               <a:cs typeface="Courier New"/>
@@ -1555,590 +1684,8 @@
             <a:r>
               <a:rPr lang="es" sz="1050">
                 <a:solidFill>
-                  <a:srgbClr val="569CD6"/>
-                </a:solidFill>
-                <a:highlight>
-                  <a:srgbClr val="1E1E1E"/>
-                </a:highlight>
-                <a:latin typeface="Courier New"/>
-                <a:ea typeface="Courier New"/>
-                <a:cs typeface="Courier New"/>
-                <a:sym typeface="Courier New"/>
-              </a:rPr>
-              <a:t>import</a:t>
-            </a:r>
-            <a:r>
-              <a:rPr lang="es" sz="1050">
-                <a:solidFill>
-                  <a:srgbClr val="D4D4D4"/>
-                </a:solidFill>
-                <a:highlight>
-                  <a:srgbClr val="1E1E1E"/>
-                </a:highlight>
-                <a:latin typeface="Courier New"/>
-                <a:ea typeface="Courier New"/>
-                <a:cs typeface="Courier New"/>
-                <a:sym typeface="Courier New"/>
-              </a:rPr>
-              <a:t> </a:t>
-            </a:r>
-            <a:r>
-              <a:rPr lang="es" sz="1050">
-                <a:solidFill>
-                  <a:srgbClr val="CE9178"/>
-                </a:solidFill>
-                <a:highlight>
-                  <a:srgbClr val="1E1E1E"/>
-                </a:highlight>
-                <a:latin typeface="Courier New"/>
-                <a:ea typeface="Courier New"/>
-                <a:cs typeface="Courier New"/>
-                <a:sym typeface="Courier New"/>
-              </a:rPr>
-              <a:t>'domain/controllers/converter_controller.dart'</a:t>
-            </a:r>
-            <a:r>
-              <a:rPr lang="es" sz="1050">
-                <a:solidFill>
-                  <a:srgbClr val="D4D4D4"/>
-                </a:solidFill>
-                <a:highlight>
-                  <a:srgbClr val="1E1E1E"/>
-                </a:highlight>
-                <a:latin typeface="Courier New"/>
-                <a:ea typeface="Courier New"/>
-                <a:cs typeface="Courier New"/>
-                <a:sym typeface="Courier New"/>
-              </a:rPr>
-              <a:t>;</a:t>
-            </a:r>
-            <a:endParaRPr sz="1050">
-              <a:solidFill>
-                <a:srgbClr val="D4D4D4"/>
-              </a:solidFill>
-              <a:highlight>
-                <a:srgbClr val="1E1E1E"/>
-              </a:highlight>
-              <a:latin typeface="Courier New"/>
-              <a:ea typeface="Courier New"/>
-              <a:cs typeface="Courier New"/>
-              <a:sym typeface="Courier New"/>
-            </a:endParaRPr>
-          </a:p>
-          <a:p>
-            <a:pPr indent="0" lvl="0" marL="0" rtl="0" algn="l">
-              <a:lnSpc>
-                <a:spcPct val="135714"/>
-              </a:lnSpc>
-              <a:spcBef>
-                <a:spcPts val="0"/>
-              </a:spcBef>
-              <a:spcAft>
-                <a:spcPts val="0"/>
-              </a:spcAft>
-              <a:buClr>
-                <a:schemeClr val="dk1"/>
-              </a:buClr>
-              <a:buSzPts val="1100"/>
-              <a:buFont typeface="Arial"/>
-              <a:buNone/>
-            </a:pPr>
-            <a:r>
-              <a:rPr lang="es" sz="1050">
-                <a:solidFill>
-                  <a:srgbClr val="569CD6"/>
-                </a:solidFill>
-                <a:highlight>
-                  <a:srgbClr val="1E1E1E"/>
-                </a:highlight>
-                <a:latin typeface="Courier New"/>
-                <a:ea typeface="Courier New"/>
-                <a:cs typeface="Courier New"/>
-                <a:sym typeface="Courier New"/>
-              </a:rPr>
-              <a:t>import</a:t>
-            </a:r>
-            <a:r>
-              <a:rPr lang="es" sz="1050">
-                <a:solidFill>
-                  <a:srgbClr val="D4D4D4"/>
-                </a:solidFill>
-                <a:highlight>
-                  <a:srgbClr val="1E1E1E"/>
-                </a:highlight>
-                <a:latin typeface="Courier New"/>
-                <a:ea typeface="Courier New"/>
-                <a:cs typeface="Courier New"/>
-                <a:sym typeface="Courier New"/>
-              </a:rPr>
-              <a:t> </a:t>
-            </a:r>
-            <a:r>
-              <a:rPr lang="es" sz="1050">
-                <a:solidFill>
-                  <a:srgbClr val="CE9178"/>
-                </a:solidFill>
-                <a:highlight>
-                  <a:srgbClr val="1E1E1E"/>
-                </a:highlight>
-                <a:latin typeface="Courier New"/>
-                <a:ea typeface="Courier New"/>
-                <a:cs typeface="Courier New"/>
-                <a:sym typeface="Courier New"/>
-              </a:rPr>
-              <a:t>'presentation/screens/myhome.dart'</a:t>
-            </a:r>
-            <a:r>
-              <a:rPr lang="es" sz="1050">
-                <a:solidFill>
-                  <a:srgbClr val="D4D4D4"/>
-                </a:solidFill>
-                <a:highlight>
-                  <a:srgbClr val="1E1E1E"/>
-                </a:highlight>
-                <a:latin typeface="Courier New"/>
-                <a:ea typeface="Courier New"/>
-                <a:cs typeface="Courier New"/>
-                <a:sym typeface="Courier New"/>
-              </a:rPr>
-              <a:t>;</a:t>
-            </a:r>
-            <a:endParaRPr sz="1050">
-              <a:solidFill>
-                <a:srgbClr val="D4D4D4"/>
-              </a:solidFill>
-              <a:highlight>
-                <a:srgbClr val="1E1E1E"/>
-              </a:highlight>
-              <a:latin typeface="Courier New"/>
-              <a:ea typeface="Courier New"/>
-              <a:cs typeface="Courier New"/>
-              <a:sym typeface="Courier New"/>
-            </a:endParaRPr>
-          </a:p>
-          <a:p>
-            <a:pPr indent="0" lvl="0" marL="0" rtl="0" algn="l">
-              <a:lnSpc>
-                <a:spcPct val="135714"/>
-              </a:lnSpc>
-              <a:spcBef>
-                <a:spcPts val="0"/>
-              </a:spcBef>
-              <a:spcAft>
-                <a:spcPts val="0"/>
-              </a:spcAft>
-              <a:buClr>
-                <a:schemeClr val="dk1"/>
-              </a:buClr>
-              <a:buSzPts val="1100"/>
-              <a:buFont typeface="Arial"/>
-              <a:buNone/>
-            </a:pPr>
-            <a:r>
-              <a:t/>
-            </a:r>
-            <a:endParaRPr sz="1050">
-              <a:solidFill>
-                <a:srgbClr val="D4D4D4"/>
-              </a:solidFill>
-              <a:highlight>
-                <a:srgbClr val="1E1E1E"/>
-              </a:highlight>
-              <a:latin typeface="Courier New"/>
-              <a:ea typeface="Courier New"/>
-              <a:cs typeface="Courier New"/>
-              <a:sym typeface="Courier New"/>
-            </a:endParaRPr>
-          </a:p>
-          <a:p>
-            <a:pPr indent="0" lvl="0" marL="0" rtl="0" algn="l">
-              <a:lnSpc>
-                <a:spcPct val="135714"/>
-              </a:lnSpc>
-              <a:spcBef>
-                <a:spcPts val="0"/>
-              </a:spcBef>
-              <a:spcAft>
-                <a:spcPts val="0"/>
-              </a:spcAft>
-              <a:buClr>
-                <a:schemeClr val="dk1"/>
-              </a:buClr>
-              <a:buSzPts val="1100"/>
-              <a:buFont typeface="Arial"/>
-              <a:buNone/>
-            </a:pPr>
-            <a:r>
-              <a:rPr lang="es" sz="1050">
-                <a:solidFill>
-                  <a:srgbClr val="569CD6"/>
-                </a:solidFill>
-                <a:highlight>
-                  <a:srgbClr val="1E1E1E"/>
-                </a:highlight>
-                <a:latin typeface="Courier New"/>
-                <a:ea typeface="Courier New"/>
-                <a:cs typeface="Courier New"/>
-                <a:sym typeface="Courier New"/>
-              </a:rPr>
-              <a:t>void</a:t>
-            </a:r>
-            <a:r>
-              <a:rPr lang="es" sz="1050">
-                <a:solidFill>
-                  <a:srgbClr val="D4D4D4"/>
-                </a:solidFill>
-                <a:highlight>
-                  <a:srgbClr val="1E1E1E"/>
-                </a:highlight>
-                <a:latin typeface="Courier New"/>
-                <a:ea typeface="Courier New"/>
-                <a:cs typeface="Courier New"/>
-                <a:sym typeface="Courier New"/>
-              </a:rPr>
-              <a:t> </a:t>
-            </a:r>
-            <a:r>
-              <a:rPr lang="es" sz="1050">
-                <a:solidFill>
-                  <a:srgbClr val="DCDCAA"/>
-                </a:solidFill>
-                <a:highlight>
-                  <a:srgbClr val="1E1E1E"/>
-                </a:highlight>
-                <a:latin typeface="Courier New"/>
-                <a:ea typeface="Courier New"/>
-                <a:cs typeface="Courier New"/>
-                <a:sym typeface="Courier New"/>
-              </a:rPr>
-              <a:t>main</a:t>
-            </a:r>
-            <a:r>
-              <a:rPr lang="es" sz="1050">
-                <a:solidFill>
-                  <a:srgbClr val="D4D4D4"/>
-                </a:solidFill>
-                <a:highlight>
-                  <a:srgbClr val="1E1E1E"/>
-                </a:highlight>
-                <a:latin typeface="Courier New"/>
-                <a:ea typeface="Courier New"/>
-                <a:cs typeface="Courier New"/>
-                <a:sym typeface="Courier New"/>
-              </a:rPr>
-              <a:t>() {</a:t>
-            </a:r>
-            <a:endParaRPr sz="1050">
-              <a:solidFill>
-                <a:srgbClr val="D4D4D4"/>
-              </a:solidFill>
-              <a:highlight>
-                <a:srgbClr val="1E1E1E"/>
-              </a:highlight>
-              <a:latin typeface="Courier New"/>
-              <a:ea typeface="Courier New"/>
-              <a:cs typeface="Courier New"/>
-              <a:sym typeface="Courier New"/>
-            </a:endParaRPr>
-          </a:p>
-          <a:p>
-            <a:pPr indent="0" lvl="0" marL="0" rtl="0" algn="l">
-              <a:lnSpc>
-                <a:spcPct val="135714"/>
-              </a:lnSpc>
-              <a:spcBef>
-                <a:spcPts val="0"/>
-              </a:spcBef>
-              <a:spcAft>
-                <a:spcPts val="0"/>
-              </a:spcAft>
-              <a:buClr>
-                <a:schemeClr val="dk1"/>
-              </a:buClr>
-              <a:buSzPts val="1100"/>
-              <a:buFont typeface="Arial"/>
-              <a:buNone/>
-            </a:pPr>
-            <a:r>
-              <a:rPr lang="es" sz="1050">
-                <a:solidFill>
-                  <a:srgbClr val="D4D4D4"/>
-                </a:solidFill>
-                <a:highlight>
-                  <a:srgbClr val="1E1E1E"/>
-                </a:highlight>
-                <a:latin typeface="Courier New"/>
-                <a:ea typeface="Courier New"/>
-                <a:cs typeface="Courier New"/>
-                <a:sym typeface="Courier New"/>
-              </a:rPr>
-              <a:t> </a:t>
-            </a:r>
-            <a:r>
-              <a:rPr lang="es" sz="1050">
-                <a:solidFill>
-                  <a:srgbClr val="4EC9B0"/>
-                </a:solidFill>
-                <a:highlight>
-                  <a:srgbClr val="1E1E1E"/>
-                </a:highlight>
-                <a:latin typeface="Courier New"/>
-                <a:ea typeface="Courier New"/>
-                <a:cs typeface="Courier New"/>
-                <a:sym typeface="Courier New"/>
-              </a:rPr>
-              <a:t>Get</a:t>
-            </a:r>
-            <a:r>
-              <a:rPr lang="es" sz="1050">
-                <a:solidFill>
-                  <a:srgbClr val="D4D4D4"/>
-                </a:solidFill>
-                <a:highlight>
-                  <a:srgbClr val="1E1E1E"/>
-                </a:highlight>
-                <a:latin typeface="Courier New"/>
-                <a:ea typeface="Courier New"/>
-                <a:cs typeface="Courier New"/>
-                <a:sym typeface="Courier New"/>
-              </a:rPr>
-              <a:t>.</a:t>
-            </a:r>
-            <a:r>
-              <a:rPr lang="es" sz="1050">
-                <a:solidFill>
-                  <a:srgbClr val="DCDCAA"/>
-                </a:solidFill>
-                <a:highlight>
-                  <a:srgbClr val="1E1E1E"/>
-                </a:highlight>
-                <a:latin typeface="Courier New"/>
-                <a:ea typeface="Courier New"/>
-                <a:cs typeface="Courier New"/>
-                <a:sym typeface="Courier New"/>
-              </a:rPr>
-              <a:t>lazyPut</a:t>
-            </a:r>
-            <a:r>
-              <a:rPr lang="es" sz="1050">
-                <a:solidFill>
-                  <a:srgbClr val="D4D4D4"/>
-                </a:solidFill>
-                <a:highlight>
-                  <a:srgbClr val="1E1E1E"/>
-                </a:highlight>
-                <a:latin typeface="Courier New"/>
-                <a:ea typeface="Courier New"/>
-                <a:cs typeface="Courier New"/>
-                <a:sym typeface="Courier New"/>
-              </a:rPr>
-              <a:t>&lt;</a:t>
-            </a:r>
-            <a:r>
-              <a:rPr lang="es" sz="1050">
-                <a:solidFill>
-                  <a:srgbClr val="4EC9B0"/>
-                </a:solidFill>
-                <a:highlight>
-                  <a:srgbClr val="1E1E1E"/>
-                </a:highlight>
-                <a:latin typeface="Courier New"/>
-                <a:ea typeface="Courier New"/>
-                <a:cs typeface="Courier New"/>
-                <a:sym typeface="Courier New"/>
-              </a:rPr>
-              <a:t>ConverterController</a:t>
-            </a:r>
-            <a:r>
-              <a:rPr lang="es" sz="1050">
-                <a:solidFill>
-                  <a:srgbClr val="D4D4D4"/>
-                </a:solidFill>
-                <a:highlight>
-                  <a:srgbClr val="1E1E1E"/>
-                </a:highlight>
-                <a:latin typeface="Courier New"/>
-                <a:ea typeface="Courier New"/>
-                <a:cs typeface="Courier New"/>
-                <a:sym typeface="Courier New"/>
-              </a:rPr>
-              <a:t>&gt;(() =&gt; </a:t>
-            </a:r>
-            <a:r>
-              <a:rPr lang="es" sz="1050">
-                <a:solidFill>
-                  <a:srgbClr val="4EC9B0"/>
-                </a:solidFill>
-                <a:highlight>
-                  <a:srgbClr val="1E1E1E"/>
-                </a:highlight>
-                <a:latin typeface="Courier New"/>
-                <a:ea typeface="Courier New"/>
-                <a:cs typeface="Courier New"/>
-                <a:sym typeface="Courier New"/>
-              </a:rPr>
-              <a:t>ConverterController</a:t>
-            </a:r>
-            <a:r>
-              <a:rPr lang="es" sz="1050">
-                <a:solidFill>
-                  <a:srgbClr val="D4D4D4"/>
-                </a:solidFill>
-                <a:highlight>
-                  <a:srgbClr val="1E1E1E"/>
-                </a:highlight>
-                <a:latin typeface="Courier New"/>
-                <a:ea typeface="Courier New"/>
-                <a:cs typeface="Courier New"/>
-                <a:sym typeface="Courier New"/>
-              </a:rPr>
-              <a:t>());</a:t>
-            </a:r>
-            <a:endParaRPr sz="1050">
-              <a:solidFill>
-                <a:srgbClr val="D4D4D4"/>
-              </a:solidFill>
-              <a:highlight>
-                <a:srgbClr val="1E1E1E"/>
-              </a:highlight>
-              <a:latin typeface="Courier New"/>
-              <a:ea typeface="Courier New"/>
-              <a:cs typeface="Courier New"/>
-              <a:sym typeface="Courier New"/>
-            </a:endParaRPr>
-          </a:p>
-          <a:p>
-            <a:pPr indent="0" lvl="0" marL="0" rtl="0" algn="l">
-              <a:lnSpc>
-                <a:spcPct val="135714"/>
-              </a:lnSpc>
-              <a:spcBef>
-                <a:spcPts val="0"/>
-              </a:spcBef>
-              <a:spcAft>
-                <a:spcPts val="0"/>
-              </a:spcAft>
-              <a:buClr>
-                <a:schemeClr val="dk1"/>
-              </a:buClr>
-              <a:buSzPts val="1100"/>
-              <a:buFont typeface="Arial"/>
-              <a:buNone/>
-            </a:pPr>
-            <a:r>
-              <a:rPr lang="es" sz="1050">
-                <a:solidFill>
-                  <a:srgbClr val="D4D4D4"/>
-                </a:solidFill>
-                <a:highlight>
-                  <a:srgbClr val="1E1E1E"/>
-                </a:highlight>
-                <a:latin typeface="Courier New"/>
-                <a:ea typeface="Courier New"/>
-                <a:cs typeface="Courier New"/>
-                <a:sym typeface="Courier New"/>
-              </a:rPr>
-              <a:t> </a:t>
-            </a:r>
-            <a:r>
-              <a:rPr lang="es" sz="1050">
-                <a:solidFill>
-                  <a:srgbClr val="DCDCAA"/>
-                </a:solidFill>
-                <a:highlight>
-                  <a:srgbClr val="1E1E1E"/>
-                </a:highlight>
-                <a:latin typeface="Courier New"/>
-                <a:ea typeface="Courier New"/>
-                <a:cs typeface="Courier New"/>
-                <a:sym typeface="Courier New"/>
-              </a:rPr>
-              <a:t>runApp</a:t>
-            </a:r>
-            <a:r>
-              <a:rPr lang="es" sz="1050">
-                <a:solidFill>
-                  <a:srgbClr val="D4D4D4"/>
-                </a:solidFill>
-                <a:highlight>
-                  <a:srgbClr val="1E1E1E"/>
-                </a:highlight>
-                <a:latin typeface="Courier New"/>
-                <a:ea typeface="Courier New"/>
-                <a:cs typeface="Courier New"/>
-                <a:sym typeface="Courier New"/>
-              </a:rPr>
-              <a:t>(</a:t>
-            </a:r>
-            <a:r>
-              <a:rPr lang="es" sz="1050">
-                <a:solidFill>
-                  <a:srgbClr val="4EC9B0"/>
-                </a:solidFill>
-                <a:highlight>
-                  <a:srgbClr val="1E1E1E"/>
-                </a:highlight>
-                <a:latin typeface="Courier New"/>
-                <a:ea typeface="Courier New"/>
-                <a:cs typeface="Courier New"/>
-                <a:sym typeface="Courier New"/>
-              </a:rPr>
-              <a:t>App</a:t>
-            </a:r>
-            <a:r>
-              <a:rPr lang="es" sz="1050">
-                <a:solidFill>
-                  <a:srgbClr val="D4D4D4"/>
-                </a:solidFill>
-                <a:highlight>
-                  <a:srgbClr val="1E1E1E"/>
-                </a:highlight>
-                <a:latin typeface="Courier New"/>
-                <a:ea typeface="Courier New"/>
-                <a:cs typeface="Courier New"/>
-                <a:sym typeface="Courier New"/>
-              </a:rPr>
-              <a:t>());</a:t>
-            </a:r>
-            <a:endParaRPr sz="1050">
-              <a:solidFill>
-                <a:srgbClr val="D4D4D4"/>
-              </a:solidFill>
-              <a:highlight>
-                <a:srgbClr val="1E1E1E"/>
-              </a:highlight>
-              <a:latin typeface="Courier New"/>
-              <a:ea typeface="Courier New"/>
-              <a:cs typeface="Courier New"/>
-              <a:sym typeface="Courier New"/>
-            </a:endParaRPr>
-          </a:p>
-          <a:p>
-            <a:pPr indent="0" lvl="0" marL="0" rtl="0" algn="l">
-              <a:lnSpc>
-                <a:spcPct val="135714"/>
-              </a:lnSpc>
-              <a:spcBef>
-                <a:spcPts val="0"/>
-              </a:spcBef>
-              <a:spcAft>
-                <a:spcPts val="0"/>
-              </a:spcAft>
-              <a:buClr>
-                <a:schemeClr val="dk1"/>
-              </a:buClr>
-              <a:buSzPts val="1100"/>
-              <a:buFont typeface="Arial"/>
-              <a:buNone/>
-            </a:pPr>
-            <a:r>
-              <a:rPr lang="es" sz="1050">
-                <a:solidFill>
-                  <a:srgbClr val="D4D4D4"/>
-                </a:solidFill>
-                <a:highlight>
-                  <a:srgbClr val="1E1E1E"/>
-                </a:highlight>
+                  <a:schemeClr val="dk1"/>
+                </a:solidFill>
                 <a:latin typeface="Courier New"/>
                 <a:ea typeface="Courier New"/>
                 <a:cs typeface="Courier New"/>
@@ -2148,11 +1695,8 @@
             </a:r>
             <a:endParaRPr sz="1050">
               <a:solidFill>
-                <a:srgbClr val="D4D4D4"/>
+                <a:schemeClr val="dk1"/>
               </a:solidFill>
-              <a:highlight>
-                <a:srgbClr val="1E1E1E"/>
-              </a:highlight>
               <a:latin typeface="Courier New"/>
               <a:ea typeface="Courier New"/>
               <a:cs typeface="Courier New"/>
@@ -2176,7 +1720,11 @@
             <a:r>
               <a:t/>
             </a:r>
-            <a:endParaRPr/>
+            <a:endParaRPr>
+              <a:solidFill>
+                <a:schemeClr val="dk1"/>
+              </a:solidFill>
+            </a:endParaRPr>
           </a:p>
           <a:p>
             <a:pPr indent="0" lvl="0" marL="0" rtl="0" algn="l">
@@ -2195,7 +1743,11 @@
             <a:r>
               <a:t/>
             </a:r>
-            <a:endParaRPr/>
+            <a:endParaRPr>
+              <a:solidFill>
+                <a:schemeClr val="dk1"/>
+              </a:solidFill>
+            </a:endParaRPr>
           </a:p>
           <a:p>
             <a:pPr indent="0" lvl="0" marL="0" rtl="0" algn="l">
@@ -2218,130 +1770,19 @@
             <a:r>
               <a:rPr lang="es" sz="1050">
                 <a:solidFill>
-                  <a:srgbClr val="4EC9B0"/>
-                </a:solidFill>
-                <a:highlight>
-                  <a:srgbClr val="1E1E1E"/>
-                </a:highlight>
+                  <a:schemeClr val="dk1"/>
+                </a:solidFill>
                 <a:latin typeface="Courier New"/>
                 <a:ea typeface="Courier New"/>
                 <a:cs typeface="Courier New"/>
                 <a:sym typeface="Courier New"/>
               </a:rPr>
-              <a:t>ConverterController</a:t>
-            </a:r>
-            <a:r>
-              <a:rPr lang="es" sz="1050">
-                <a:solidFill>
-                  <a:srgbClr val="D4D4D4"/>
-                </a:solidFill>
-                <a:highlight>
-                  <a:srgbClr val="1E1E1E"/>
-                </a:highlight>
-                <a:latin typeface="Courier New"/>
-                <a:ea typeface="Courier New"/>
-                <a:cs typeface="Courier New"/>
-                <a:sym typeface="Courier New"/>
-              </a:rPr>
-              <a:t> controller = </a:t>
-            </a:r>
-            <a:r>
-              <a:rPr lang="es" sz="1050">
-                <a:solidFill>
-                  <a:srgbClr val="4EC9B0"/>
-                </a:solidFill>
-                <a:highlight>
-                  <a:srgbClr val="1E1E1E"/>
-                </a:highlight>
-                <a:latin typeface="Courier New"/>
-                <a:ea typeface="Courier New"/>
-                <a:cs typeface="Courier New"/>
-                <a:sym typeface="Courier New"/>
-              </a:rPr>
-              <a:t>Get</a:t>
-            </a:r>
-            <a:r>
-              <a:rPr lang="es" sz="1050">
-                <a:solidFill>
-                  <a:srgbClr val="D4D4D4"/>
-                </a:solidFill>
-                <a:highlight>
-                  <a:srgbClr val="1E1E1E"/>
-                </a:highlight>
-                <a:latin typeface="Courier New"/>
-                <a:ea typeface="Courier New"/>
-                <a:cs typeface="Courier New"/>
-                <a:sym typeface="Courier New"/>
-              </a:rPr>
-              <a:t>.</a:t>
-            </a:r>
-            <a:r>
-              <a:rPr lang="es" sz="1050">
-                <a:solidFill>
-                  <a:srgbClr val="DCDCAA"/>
-                </a:solidFill>
-                <a:highlight>
-                  <a:srgbClr val="1E1E1E"/>
-                </a:highlight>
-                <a:latin typeface="Courier New"/>
-                <a:ea typeface="Courier New"/>
-                <a:cs typeface="Courier New"/>
-                <a:sym typeface="Courier New"/>
-              </a:rPr>
-              <a:t>put</a:t>
-            </a:r>
-            <a:r>
-              <a:rPr lang="es" sz="1050">
-                <a:solidFill>
-                  <a:srgbClr val="D4D4D4"/>
-                </a:solidFill>
-                <a:highlight>
-                  <a:srgbClr val="1E1E1E"/>
-                </a:highlight>
-                <a:latin typeface="Courier New"/>
-                <a:ea typeface="Courier New"/>
-                <a:cs typeface="Courier New"/>
-                <a:sym typeface="Courier New"/>
-              </a:rPr>
-              <a:t>(</a:t>
-            </a:r>
-            <a:r>
-              <a:rPr lang="es" sz="1050">
-                <a:solidFill>
-                  <a:srgbClr val="4EC9B0"/>
-                </a:solidFill>
-                <a:highlight>
-                  <a:srgbClr val="1E1E1E"/>
-                </a:highlight>
-                <a:latin typeface="Courier New"/>
-                <a:ea typeface="Courier New"/>
-                <a:cs typeface="Courier New"/>
-                <a:sym typeface="Courier New"/>
-              </a:rPr>
-              <a:t>ConverterController</a:t>
-            </a:r>
-            <a:r>
-              <a:rPr lang="es" sz="1050">
-                <a:solidFill>
-                  <a:srgbClr val="D4D4D4"/>
-                </a:solidFill>
-                <a:highlight>
-                  <a:srgbClr val="1E1E1E"/>
-                </a:highlight>
-                <a:latin typeface="Courier New"/>
-                <a:ea typeface="Courier New"/>
-                <a:cs typeface="Courier New"/>
-                <a:sym typeface="Courier New"/>
-              </a:rPr>
-              <a:t>());</a:t>
+              <a:t>ConverterController controller = Get.put(ConverterController());</a:t>
             </a:r>
             <a:endParaRPr sz="1050">
               <a:solidFill>
-                <a:srgbClr val="D4D4D4"/>
+                <a:schemeClr val="dk1"/>
               </a:solidFill>
-              <a:highlight>
-                <a:srgbClr val="1E1E1E"/>
-              </a:highlight>
               <a:latin typeface="Courier New"/>
               <a:ea typeface="Courier New"/>
               <a:cs typeface="Courier New"/>
@@ -2486,130 +1927,219 @@
             <a:r>
               <a:rPr lang="es" sz="1050">
                 <a:solidFill>
-                  <a:srgbClr val="569CD6"/>
-                </a:solidFill>
-                <a:highlight>
-                  <a:srgbClr val="1E1E1E"/>
-                </a:highlight>
+                  <a:schemeClr val="dk1"/>
+                </a:solidFill>
                 <a:latin typeface="Courier New"/>
                 <a:ea typeface="Courier New"/>
                 <a:cs typeface="Courier New"/>
                 <a:sym typeface="Courier New"/>
               </a:rPr>
-              <a:t>class</a:t>
-            </a:r>
+              <a:t>class Dec2Bin extends StatelessWidget {</a:t>
+            </a:r>
+            <a:endParaRPr sz="1050">
+              <a:solidFill>
+                <a:schemeClr val="dk1"/>
+              </a:solidFill>
+              <a:latin typeface="Courier New"/>
+              <a:ea typeface="Courier New"/>
+              <a:cs typeface="Courier New"/>
+              <a:sym typeface="Courier New"/>
+            </a:endParaRPr>
+          </a:p>
+          <a:p>
+            <a:pPr indent="0" lvl="0" marL="0" rtl="0" algn="l">
+              <a:lnSpc>
+                <a:spcPct val="135714"/>
+              </a:lnSpc>
+              <a:spcBef>
+                <a:spcPts val="0"/>
+              </a:spcBef>
+              <a:spcAft>
+                <a:spcPts val="0"/>
+              </a:spcAft>
+              <a:buClr>
+                <a:schemeClr val="dk1"/>
+              </a:buClr>
+              <a:buSzPts val="1100"/>
+              <a:buFont typeface="Arial"/>
+              <a:buNone/>
+            </a:pPr>
             <a:r>
               <a:rPr lang="es" sz="1050">
                 <a:solidFill>
-                  <a:srgbClr val="D4D4D4"/>
-                </a:solidFill>
-                <a:highlight>
-                  <a:srgbClr val="1E1E1E"/>
-                </a:highlight>
+                  <a:schemeClr val="dk1"/>
+                </a:solidFill>
                 <a:latin typeface="Courier New"/>
                 <a:ea typeface="Courier New"/>
                 <a:cs typeface="Courier New"/>
                 <a:sym typeface="Courier New"/>
               </a:rPr>
-              <a:t> </a:t>
-            </a:r>
+              <a:t> @override</a:t>
+            </a:r>
+            <a:endParaRPr sz="1050">
+              <a:solidFill>
+                <a:schemeClr val="dk1"/>
+              </a:solidFill>
+              <a:latin typeface="Courier New"/>
+              <a:ea typeface="Courier New"/>
+              <a:cs typeface="Courier New"/>
+              <a:sym typeface="Courier New"/>
+            </a:endParaRPr>
+          </a:p>
+          <a:p>
+            <a:pPr indent="0" lvl="0" marL="0" rtl="0" algn="l">
+              <a:lnSpc>
+                <a:spcPct val="135714"/>
+              </a:lnSpc>
+              <a:spcBef>
+                <a:spcPts val="0"/>
+              </a:spcBef>
+              <a:spcAft>
+                <a:spcPts val="0"/>
+              </a:spcAft>
+              <a:buClr>
+                <a:schemeClr val="dk1"/>
+              </a:buClr>
+              <a:buSzPts val="1100"/>
+              <a:buFont typeface="Arial"/>
+              <a:buNone/>
+            </a:pPr>
             <a:r>
               <a:rPr lang="es" sz="1050">
                 <a:solidFill>
-                  <a:srgbClr val="4EC9B0"/>
-                </a:solidFill>
-                <a:highlight>
-                  <a:srgbClr val="1E1E1E"/>
-                </a:highlight>
+                  <a:schemeClr val="dk1"/>
+                </a:solidFill>
                 <a:latin typeface="Courier New"/>
                 <a:ea typeface="Courier New"/>
                 <a:cs typeface="Courier New"/>
                 <a:sym typeface="Courier New"/>
               </a:rPr>
-              <a:t>Dec2Bin</a:t>
-            </a:r>
+              <a:t> Widget build(BuildContext context) {</a:t>
+            </a:r>
+            <a:endParaRPr sz="1050">
+              <a:solidFill>
+                <a:schemeClr val="dk1"/>
+              </a:solidFill>
+              <a:latin typeface="Courier New"/>
+              <a:ea typeface="Courier New"/>
+              <a:cs typeface="Courier New"/>
+              <a:sym typeface="Courier New"/>
+            </a:endParaRPr>
+          </a:p>
+          <a:p>
+            <a:pPr indent="0" lvl="0" marL="0" rtl="0" algn="l">
+              <a:lnSpc>
+                <a:spcPct val="135714"/>
+              </a:lnSpc>
+              <a:spcBef>
+                <a:spcPts val="0"/>
+              </a:spcBef>
+              <a:spcAft>
+                <a:spcPts val="0"/>
+              </a:spcAft>
+              <a:buClr>
+                <a:schemeClr val="dk1"/>
+              </a:buClr>
+              <a:buSzPts val="1100"/>
+              <a:buFont typeface="Arial"/>
+              <a:buNone/>
+            </a:pPr>
             <a:r>
               <a:rPr lang="es" sz="1050">
                 <a:solidFill>
-                  <a:srgbClr val="D4D4D4"/>
-                </a:solidFill>
-                <a:highlight>
-                  <a:srgbClr val="1E1E1E"/>
-                </a:highlight>
+                  <a:schemeClr val="dk1"/>
+                </a:solidFill>
                 <a:latin typeface="Courier New"/>
                 <a:ea typeface="Courier New"/>
                 <a:cs typeface="Courier New"/>
                 <a:sym typeface="Courier New"/>
               </a:rPr>
-              <a:t> </a:t>
-            </a:r>
+              <a:t>   // here we ask the library to find the instance of the controller</a:t>
+            </a:r>
+            <a:endParaRPr sz="1050">
+              <a:solidFill>
+                <a:schemeClr val="dk1"/>
+              </a:solidFill>
+              <a:latin typeface="Courier New"/>
+              <a:ea typeface="Courier New"/>
+              <a:cs typeface="Courier New"/>
+              <a:sym typeface="Courier New"/>
+            </a:endParaRPr>
+          </a:p>
+          <a:p>
+            <a:pPr indent="0" lvl="0" marL="0" rtl="0" algn="l">
+              <a:lnSpc>
+                <a:spcPct val="135714"/>
+              </a:lnSpc>
+              <a:spcBef>
+                <a:spcPts val="0"/>
+              </a:spcBef>
+              <a:spcAft>
+                <a:spcPts val="0"/>
+              </a:spcAft>
+              <a:buClr>
+                <a:schemeClr val="dk1"/>
+              </a:buClr>
+              <a:buSzPts val="1100"/>
+              <a:buFont typeface="Arial"/>
+              <a:buNone/>
+            </a:pPr>
             <a:r>
               <a:rPr lang="es" sz="1050">
                 <a:solidFill>
-                  <a:srgbClr val="569CD6"/>
-                </a:solidFill>
-                <a:highlight>
-                  <a:srgbClr val="1E1E1E"/>
-                </a:highlight>
+                  <a:schemeClr val="dk1"/>
+                </a:solidFill>
                 <a:latin typeface="Courier New"/>
                 <a:ea typeface="Courier New"/>
                 <a:cs typeface="Courier New"/>
                 <a:sym typeface="Courier New"/>
               </a:rPr>
-              <a:t>extends</a:t>
-            </a:r>
+              <a:t>   ConverterController controller = Get.find();</a:t>
+            </a:r>
+            <a:endParaRPr sz="1050">
+              <a:solidFill>
+                <a:schemeClr val="dk1"/>
+              </a:solidFill>
+              <a:latin typeface="Courier New"/>
+              <a:ea typeface="Courier New"/>
+              <a:cs typeface="Courier New"/>
+              <a:sym typeface="Courier New"/>
+            </a:endParaRPr>
+          </a:p>
+          <a:p>
+            <a:pPr indent="0" lvl="0" marL="0" rtl="0" algn="l">
+              <a:lnSpc>
+                <a:spcPct val="135714"/>
+              </a:lnSpc>
+              <a:spcBef>
+                <a:spcPts val="0"/>
+              </a:spcBef>
+              <a:spcAft>
+                <a:spcPts val="0"/>
+              </a:spcAft>
+              <a:buClr>
+                <a:schemeClr val="dk1"/>
+              </a:buClr>
+              <a:buSzPts val="1100"/>
+              <a:buFont typeface="Arial"/>
+              <a:buNone/>
+            </a:pPr>
             <a:r>
               <a:rPr lang="es" sz="1050">
                 <a:solidFill>
-                  <a:srgbClr val="D4D4D4"/>
-                </a:solidFill>
-                <a:highlight>
-                  <a:srgbClr val="1E1E1E"/>
-                </a:highlight>
+                  <a:schemeClr val="dk1"/>
+                </a:solidFill>
                 <a:latin typeface="Courier New"/>
                 <a:ea typeface="Courier New"/>
                 <a:cs typeface="Courier New"/>
                 <a:sym typeface="Courier New"/>
               </a:rPr>
-              <a:t> </a:t>
-            </a:r>
-            <a:r>
-              <a:rPr lang="es" sz="1050">
-                <a:solidFill>
-                  <a:srgbClr val="4EC9B0"/>
-                </a:solidFill>
-                <a:highlight>
-                  <a:srgbClr val="1E1E1E"/>
-                </a:highlight>
-                <a:latin typeface="Courier New"/>
-                <a:ea typeface="Courier New"/>
-                <a:cs typeface="Courier New"/>
-                <a:sym typeface="Courier New"/>
-              </a:rPr>
-              <a:t>StatelessWidget</a:t>
-            </a:r>
-            <a:r>
-              <a:rPr lang="es" sz="1050">
-                <a:solidFill>
-                  <a:srgbClr val="D4D4D4"/>
-                </a:solidFill>
-                <a:highlight>
-                  <a:srgbClr val="1E1E1E"/>
-                </a:highlight>
-                <a:latin typeface="Courier New"/>
-                <a:ea typeface="Courier New"/>
-                <a:cs typeface="Courier New"/>
-                <a:sym typeface="Courier New"/>
-              </a:rPr>
-              <a:t> {</a:t>
+              <a:t>   return Container(</a:t>
             </a:r>
             <a:endParaRPr sz="1050">
               <a:solidFill>
-                <a:srgbClr val="D4D4D4"/>
+                <a:schemeClr val="dk1"/>
               </a:solidFill>
-              <a:highlight>
-                <a:srgbClr val="1E1E1E"/>
-              </a:highlight>
               <a:latin typeface="Courier New"/>
               <a:ea typeface="Courier New"/>
               <a:cs typeface="Courier New"/>
@@ -2637,511 +2167,8 @@
             <a:r>
               <a:rPr lang="es" sz="1050">
                 <a:solidFill>
-                  <a:srgbClr val="D4D4D4"/>
-                </a:solidFill>
-                <a:highlight>
-                  <a:srgbClr val="1E1E1E"/>
-                </a:highlight>
-                <a:latin typeface="Courier New"/>
-                <a:ea typeface="Courier New"/>
-                <a:cs typeface="Courier New"/>
-                <a:sym typeface="Courier New"/>
-              </a:rPr>
-              <a:t> </a:t>
-            </a:r>
-            <a:r>
-              <a:rPr lang="es" sz="1050">
-                <a:solidFill>
-                  <a:srgbClr val="569CD6"/>
-                </a:solidFill>
-                <a:highlight>
-                  <a:srgbClr val="1E1E1E"/>
-                </a:highlight>
-                <a:latin typeface="Courier New"/>
-                <a:ea typeface="Courier New"/>
-                <a:cs typeface="Courier New"/>
-                <a:sym typeface="Courier New"/>
-              </a:rPr>
-              <a:t>@override</a:t>
-            </a:r>
-            <a:endParaRPr sz="1050">
-              <a:solidFill>
-                <a:srgbClr val="569CD6"/>
-              </a:solidFill>
-              <a:highlight>
-                <a:srgbClr val="1E1E1E"/>
-              </a:highlight>
-              <a:latin typeface="Courier New"/>
-              <a:ea typeface="Courier New"/>
-              <a:cs typeface="Courier New"/>
-              <a:sym typeface="Courier New"/>
-            </a:endParaRPr>
-          </a:p>
-          <a:p>
-            <a:pPr indent="0" lvl="0" marL="0" rtl="0" algn="l">
-              <a:lnSpc>
-                <a:spcPct val="135714"/>
-              </a:lnSpc>
-              <a:spcBef>
-                <a:spcPts val="0"/>
-              </a:spcBef>
-              <a:spcAft>
-                <a:spcPts val="0"/>
-              </a:spcAft>
-              <a:buClr>
-                <a:schemeClr val="dk1"/>
-              </a:buClr>
-              <a:buSzPts val="1100"/>
-              <a:buFont typeface="Arial"/>
-              <a:buNone/>
-            </a:pPr>
-            <a:r>
-              <a:rPr lang="es" sz="1050">
-                <a:solidFill>
-                  <a:srgbClr val="D4D4D4"/>
-                </a:solidFill>
-                <a:highlight>
-                  <a:srgbClr val="1E1E1E"/>
-                </a:highlight>
-                <a:latin typeface="Courier New"/>
-                <a:ea typeface="Courier New"/>
-                <a:cs typeface="Courier New"/>
-                <a:sym typeface="Courier New"/>
-              </a:rPr>
-              <a:t> </a:t>
-            </a:r>
-            <a:r>
-              <a:rPr lang="es" sz="1050">
-                <a:solidFill>
-                  <a:srgbClr val="4EC9B0"/>
-                </a:solidFill>
-                <a:highlight>
-                  <a:srgbClr val="1E1E1E"/>
-                </a:highlight>
-                <a:latin typeface="Courier New"/>
-                <a:ea typeface="Courier New"/>
-                <a:cs typeface="Courier New"/>
-                <a:sym typeface="Courier New"/>
-              </a:rPr>
-              <a:t>Widget</a:t>
-            </a:r>
-            <a:r>
-              <a:rPr lang="es" sz="1050">
-                <a:solidFill>
-                  <a:srgbClr val="D4D4D4"/>
-                </a:solidFill>
-                <a:highlight>
-                  <a:srgbClr val="1E1E1E"/>
-                </a:highlight>
-                <a:latin typeface="Courier New"/>
-                <a:ea typeface="Courier New"/>
-                <a:cs typeface="Courier New"/>
-                <a:sym typeface="Courier New"/>
-              </a:rPr>
-              <a:t> </a:t>
-            </a:r>
-            <a:r>
-              <a:rPr lang="es" sz="1050">
-                <a:solidFill>
-                  <a:srgbClr val="DCDCAA"/>
-                </a:solidFill>
-                <a:highlight>
-                  <a:srgbClr val="1E1E1E"/>
-                </a:highlight>
-                <a:latin typeface="Courier New"/>
-                <a:ea typeface="Courier New"/>
-                <a:cs typeface="Courier New"/>
-                <a:sym typeface="Courier New"/>
-              </a:rPr>
-              <a:t>build</a:t>
-            </a:r>
-            <a:r>
-              <a:rPr lang="es" sz="1050">
-                <a:solidFill>
-                  <a:srgbClr val="D4D4D4"/>
-                </a:solidFill>
-                <a:highlight>
-                  <a:srgbClr val="1E1E1E"/>
-                </a:highlight>
-                <a:latin typeface="Courier New"/>
-                <a:ea typeface="Courier New"/>
-                <a:cs typeface="Courier New"/>
-                <a:sym typeface="Courier New"/>
-              </a:rPr>
-              <a:t>(</a:t>
-            </a:r>
-            <a:r>
-              <a:rPr lang="es" sz="1050">
-                <a:solidFill>
-                  <a:srgbClr val="4EC9B0"/>
-                </a:solidFill>
-                <a:highlight>
-                  <a:srgbClr val="1E1E1E"/>
-                </a:highlight>
-                <a:latin typeface="Courier New"/>
-                <a:ea typeface="Courier New"/>
-                <a:cs typeface="Courier New"/>
-                <a:sym typeface="Courier New"/>
-              </a:rPr>
-              <a:t>BuildContext</a:t>
-            </a:r>
-            <a:r>
-              <a:rPr lang="es" sz="1050">
-                <a:solidFill>
-                  <a:srgbClr val="D4D4D4"/>
-                </a:solidFill>
-                <a:highlight>
-                  <a:srgbClr val="1E1E1E"/>
-                </a:highlight>
-                <a:latin typeface="Courier New"/>
-                <a:ea typeface="Courier New"/>
-                <a:cs typeface="Courier New"/>
-                <a:sym typeface="Courier New"/>
-              </a:rPr>
-              <a:t> context) {</a:t>
-            </a:r>
-            <a:endParaRPr sz="1050">
-              <a:solidFill>
-                <a:srgbClr val="D4D4D4"/>
-              </a:solidFill>
-              <a:highlight>
-                <a:srgbClr val="1E1E1E"/>
-              </a:highlight>
-              <a:latin typeface="Courier New"/>
-              <a:ea typeface="Courier New"/>
-              <a:cs typeface="Courier New"/>
-              <a:sym typeface="Courier New"/>
-            </a:endParaRPr>
-          </a:p>
-          <a:p>
-            <a:pPr indent="0" lvl="0" marL="0" rtl="0" algn="l">
-              <a:lnSpc>
-                <a:spcPct val="135714"/>
-              </a:lnSpc>
-              <a:spcBef>
-                <a:spcPts val="0"/>
-              </a:spcBef>
-              <a:spcAft>
-                <a:spcPts val="0"/>
-              </a:spcAft>
-              <a:buClr>
-                <a:schemeClr val="dk1"/>
-              </a:buClr>
-              <a:buSzPts val="1100"/>
-              <a:buFont typeface="Arial"/>
-              <a:buNone/>
-            </a:pPr>
-            <a:r>
-              <a:rPr lang="es" sz="1050">
-                <a:solidFill>
-                  <a:srgbClr val="D4D4D4"/>
-                </a:solidFill>
-                <a:highlight>
-                  <a:srgbClr val="1E1E1E"/>
-                </a:highlight>
-                <a:latin typeface="Courier New"/>
-                <a:ea typeface="Courier New"/>
-                <a:cs typeface="Courier New"/>
-                <a:sym typeface="Courier New"/>
-              </a:rPr>
-              <a:t>   </a:t>
-            </a:r>
-            <a:r>
-              <a:rPr lang="es" sz="1050">
-                <a:solidFill>
-                  <a:srgbClr val="6A9955"/>
-                </a:solidFill>
-                <a:highlight>
-                  <a:srgbClr val="1E1E1E"/>
-                </a:highlight>
-                <a:latin typeface="Courier New"/>
-                <a:ea typeface="Courier New"/>
-                <a:cs typeface="Courier New"/>
-                <a:sym typeface="Courier New"/>
-              </a:rPr>
-              <a:t>// here we ask the library to find the instance of the controller</a:t>
-            </a:r>
-            <a:endParaRPr sz="1050">
-              <a:solidFill>
-                <a:srgbClr val="6A9955"/>
-              </a:solidFill>
-              <a:highlight>
-                <a:srgbClr val="1E1E1E"/>
-              </a:highlight>
-              <a:latin typeface="Courier New"/>
-              <a:ea typeface="Courier New"/>
-              <a:cs typeface="Courier New"/>
-              <a:sym typeface="Courier New"/>
-            </a:endParaRPr>
-          </a:p>
-          <a:p>
-            <a:pPr indent="0" lvl="0" marL="0" rtl="0" algn="l">
-              <a:lnSpc>
-                <a:spcPct val="135714"/>
-              </a:lnSpc>
-              <a:spcBef>
-                <a:spcPts val="0"/>
-              </a:spcBef>
-              <a:spcAft>
-                <a:spcPts val="0"/>
-              </a:spcAft>
-              <a:buClr>
-                <a:schemeClr val="dk1"/>
-              </a:buClr>
-              <a:buSzPts val="1100"/>
-              <a:buFont typeface="Arial"/>
-              <a:buNone/>
-            </a:pPr>
-            <a:r>
-              <a:rPr lang="es" sz="1050">
-                <a:solidFill>
-                  <a:srgbClr val="D4D4D4"/>
-                </a:solidFill>
-                <a:highlight>
-                  <a:srgbClr val="1E1E1E"/>
-                </a:highlight>
-                <a:latin typeface="Courier New"/>
-                <a:ea typeface="Courier New"/>
-                <a:cs typeface="Courier New"/>
-                <a:sym typeface="Courier New"/>
-              </a:rPr>
-              <a:t>   </a:t>
-            </a:r>
-            <a:r>
-              <a:rPr lang="es" sz="1050">
-                <a:solidFill>
-                  <a:srgbClr val="4EC9B0"/>
-                </a:solidFill>
-                <a:highlight>
-                  <a:srgbClr val="1E1E1E"/>
-                </a:highlight>
-                <a:latin typeface="Courier New"/>
-                <a:ea typeface="Courier New"/>
-                <a:cs typeface="Courier New"/>
-                <a:sym typeface="Courier New"/>
-              </a:rPr>
-              <a:t>ConverterController</a:t>
-            </a:r>
-            <a:r>
-              <a:rPr lang="es" sz="1050">
-                <a:solidFill>
-                  <a:srgbClr val="D4D4D4"/>
-                </a:solidFill>
-                <a:highlight>
-                  <a:srgbClr val="1E1E1E"/>
-                </a:highlight>
-                <a:latin typeface="Courier New"/>
-                <a:ea typeface="Courier New"/>
-                <a:cs typeface="Courier New"/>
-                <a:sym typeface="Courier New"/>
-              </a:rPr>
-              <a:t> controller = </a:t>
-            </a:r>
-            <a:r>
-              <a:rPr lang="es" sz="1050">
-                <a:solidFill>
-                  <a:srgbClr val="4EC9B0"/>
-                </a:solidFill>
-                <a:highlight>
-                  <a:srgbClr val="1E1E1E"/>
-                </a:highlight>
-                <a:latin typeface="Courier New"/>
-                <a:ea typeface="Courier New"/>
-                <a:cs typeface="Courier New"/>
-                <a:sym typeface="Courier New"/>
-              </a:rPr>
-              <a:t>Get</a:t>
-            </a:r>
-            <a:r>
-              <a:rPr lang="es" sz="1050">
-                <a:solidFill>
-                  <a:srgbClr val="D4D4D4"/>
-                </a:solidFill>
-                <a:highlight>
-                  <a:srgbClr val="1E1E1E"/>
-                </a:highlight>
-                <a:latin typeface="Courier New"/>
-                <a:ea typeface="Courier New"/>
-                <a:cs typeface="Courier New"/>
-                <a:sym typeface="Courier New"/>
-              </a:rPr>
-              <a:t>.</a:t>
-            </a:r>
-            <a:r>
-              <a:rPr lang="es" sz="1050">
-                <a:solidFill>
-                  <a:srgbClr val="DCDCAA"/>
-                </a:solidFill>
-                <a:highlight>
-                  <a:srgbClr val="1E1E1E"/>
-                </a:highlight>
-                <a:latin typeface="Courier New"/>
-                <a:ea typeface="Courier New"/>
-                <a:cs typeface="Courier New"/>
-                <a:sym typeface="Courier New"/>
-              </a:rPr>
-              <a:t>find</a:t>
-            </a:r>
-            <a:r>
-              <a:rPr lang="es" sz="1050">
-                <a:solidFill>
-                  <a:srgbClr val="D4D4D4"/>
-                </a:solidFill>
-                <a:highlight>
-                  <a:srgbClr val="1E1E1E"/>
-                </a:highlight>
-                <a:latin typeface="Courier New"/>
-                <a:ea typeface="Courier New"/>
-                <a:cs typeface="Courier New"/>
-                <a:sym typeface="Courier New"/>
-              </a:rPr>
-              <a:t>();</a:t>
-            </a:r>
-            <a:endParaRPr sz="1050">
-              <a:solidFill>
-                <a:srgbClr val="D4D4D4"/>
-              </a:solidFill>
-              <a:highlight>
-                <a:srgbClr val="1E1E1E"/>
-              </a:highlight>
-              <a:latin typeface="Courier New"/>
-              <a:ea typeface="Courier New"/>
-              <a:cs typeface="Courier New"/>
-              <a:sym typeface="Courier New"/>
-            </a:endParaRPr>
-          </a:p>
-          <a:p>
-            <a:pPr indent="0" lvl="0" marL="0" rtl="0" algn="l">
-              <a:lnSpc>
-                <a:spcPct val="135714"/>
-              </a:lnSpc>
-              <a:spcBef>
-                <a:spcPts val="0"/>
-              </a:spcBef>
-              <a:spcAft>
-                <a:spcPts val="0"/>
-              </a:spcAft>
-              <a:buClr>
-                <a:schemeClr val="dk1"/>
-              </a:buClr>
-              <a:buSzPts val="1100"/>
-              <a:buFont typeface="Arial"/>
-              <a:buNone/>
-            </a:pPr>
-            <a:r>
-              <a:rPr lang="es" sz="1050">
-                <a:solidFill>
-                  <a:srgbClr val="D4D4D4"/>
-                </a:solidFill>
-                <a:highlight>
-                  <a:srgbClr val="1E1E1E"/>
-                </a:highlight>
-                <a:latin typeface="Courier New"/>
-                <a:ea typeface="Courier New"/>
-                <a:cs typeface="Courier New"/>
-                <a:sym typeface="Courier New"/>
-              </a:rPr>
-              <a:t>   </a:t>
-            </a:r>
-            <a:r>
-              <a:rPr lang="es" sz="1050">
-                <a:solidFill>
-                  <a:srgbClr val="C586C0"/>
-                </a:solidFill>
-                <a:highlight>
-                  <a:srgbClr val="1E1E1E"/>
-                </a:highlight>
-                <a:latin typeface="Courier New"/>
-                <a:ea typeface="Courier New"/>
-                <a:cs typeface="Courier New"/>
-                <a:sym typeface="Courier New"/>
-              </a:rPr>
-              <a:t>return</a:t>
-            </a:r>
-            <a:r>
-              <a:rPr lang="es" sz="1050">
-                <a:solidFill>
-                  <a:srgbClr val="D4D4D4"/>
-                </a:solidFill>
-                <a:highlight>
-                  <a:srgbClr val="1E1E1E"/>
-                </a:highlight>
-                <a:latin typeface="Courier New"/>
-                <a:ea typeface="Courier New"/>
-                <a:cs typeface="Courier New"/>
-                <a:sym typeface="Courier New"/>
-              </a:rPr>
-              <a:t> </a:t>
-            </a:r>
-            <a:r>
-              <a:rPr lang="es" sz="1050">
-                <a:solidFill>
-                  <a:srgbClr val="4EC9B0"/>
-                </a:solidFill>
-                <a:highlight>
-                  <a:srgbClr val="1E1E1E"/>
-                </a:highlight>
-                <a:latin typeface="Courier New"/>
-                <a:ea typeface="Courier New"/>
-                <a:cs typeface="Courier New"/>
-                <a:sym typeface="Courier New"/>
-              </a:rPr>
-              <a:t>Container</a:t>
-            </a:r>
-            <a:r>
-              <a:rPr lang="es" sz="1050">
-                <a:solidFill>
-                  <a:srgbClr val="D4D4D4"/>
-                </a:solidFill>
-                <a:highlight>
-                  <a:srgbClr val="1E1E1E"/>
-                </a:highlight>
-                <a:latin typeface="Courier New"/>
-                <a:ea typeface="Courier New"/>
-                <a:cs typeface="Courier New"/>
-                <a:sym typeface="Courier New"/>
-              </a:rPr>
-              <a:t>(</a:t>
-            </a:r>
-            <a:endParaRPr sz="1050">
-              <a:solidFill>
-                <a:srgbClr val="D4D4D4"/>
-              </a:solidFill>
-              <a:highlight>
-                <a:srgbClr val="1E1E1E"/>
-              </a:highlight>
-              <a:latin typeface="Courier New"/>
-              <a:ea typeface="Courier New"/>
-              <a:cs typeface="Courier New"/>
-              <a:sym typeface="Courier New"/>
-            </a:endParaRPr>
-          </a:p>
-          <a:p>
-            <a:pPr indent="0" lvl="0" marL="0" rtl="0" algn="l">
-              <a:lnSpc>
-                <a:spcPct val="135714"/>
-              </a:lnSpc>
-              <a:spcBef>
-                <a:spcPts val="0"/>
-              </a:spcBef>
-              <a:spcAft>
-                <a:spcPts val="0"/>
-              </a:spcAft>
-              <a:buClr>
-                <a:schemeClr val="dk1"/>
-              </a:buClr>
-              <a:buSzPts val="1100"/>
-              <a:buFont typeface="Arial"/>
-              <a:buNone/>
-            </a:pPr>
-            <a:r>
-              <a:rPr lang="es" sz="1050">
-                <a:solidFill>
-                  <a:srgbClr val="D4D4D4"/>
-                </a:solidFill>
-                <a:highlight>
-                  <a:srgbClr val="1E1E1E"/>
-                </a:highlight>
+                  <a:schemeClr val="dk1"/>
+                </a:solidFill>
                 <a:latin typeface="Courier New"/>
                 <a:ea typeface="Courier New"/>
                 <a:cs typeface="Courier New"/>
@@ -3151,11 +2178,8 @@
             </a:r>
             <a:endParaRPr sz="1050">
               <a:solidFill>
-                <a:srgbClr val="D4D4D4"/>
+                <a:schemeClr val="dk1"/>
               </a:solidFill>
-              <a:highlight>
-                <a:srgbClr val="1E1E1E"/>
-              </a:highlight>
               <a:latin typeface="Courier New"/>
               <a:ea typeface="Courier New"/>
               <a:cs typeface="Courier New"/>
@@ -3183,11 +2207,8 @@
             <a:r>
               <a:rPr lang="es" sz="1050">
                 <a:solidFill>
-                  <a:srgbClr val="D4D4D4"/>
-                </a:solidFill>
-                <a:highlight>
-                  <a:srgbClr val="1E1E1E"/>
-                </a:highlight>
+                  <a:schemeClr val="dk1"/>
+                </a:solidFill>
                 <a:latin typeface="Courier New"/>
                 <a:ea typeface="Courier New"/>
                 <a:cs typeface="Courier New"/>
@@ -3197,11 +2218,8 @@
             </a:r>
             <a:endParaRPr sz="1050">
               <a:solidFill>
-                <a:srgbClr val="D4D4D4"/>
+                <a:schemeClr val="dk1"/>
               </a:solidFill>
-              <a:highlight>
-                <a:srgbClr val="1E1E1E"/>
-              </a:highlight>
               <a:latin typeface="Courier New"/>
               <a:ea typeface="Courier New"/>
               <a:cs typeface="Courier New"/>
@@ -3229,11 +2247,8 @@
             <a:r>
               <a:rPr lang="es" sz="1050">
                 <a:solidFill>
-                  <a:srgbClr val="D4D4D4"/>
-                </a:solidFill>
-                <a:highlight>
-                  <a:srgbClr val="1E1E1E"/>
-                </a:highlight>
+                  <a:schemeClr val="dk1"/>
+                </a:solidFill>
                 <a:latin typeface="Courier New"/>
                 <a:ea typeface="Courier New"/>
                 <a:cs typeface="Courier New"/>
@@ -3243,11 +2258,8 @@
             </a:r>
             <a:endParaRPr sz="1050">
               <a:solidFill>
-                <a:srgbClr val="D4D4D4"/>
+                <a:schemeClr val="dk1"/>
               </a:solidFill>
-              <a:highlight>
-                <a:srgbClr val="1E1E1E"/>
-              </a:highlight>
               <a:latin typeface="Courier New"/>
               <a:ea typeface="Courier New"/>
               <a:cs typeface="Courier New"/>
@@ -3271,11 +2283,8 @@
             <a:r>
               <a:rPr lang="es" sz="1050">
                 <a:solidFill>
-                  <a:srgbClr val="D4D4D4"/>
-                </a:solidFill>
-                <a:highlight>
-                  <a:srgbClr val="1E1E1E"/>
-                </a:highlight>
+                  <a:schemeClr val="dk1"/>
+                </a:solidFill>
                 <a:latin typeface="Courier New"/>
                 <a:ea typeface="Courier New"/>
                 <a:cs typeface="Courier New"/>
@@ -3285,11 +2294,8 @@
             </a:r>
             <a:endParaRPr sz="1050">
               <a:solidFill>
-                <a:srgbClr val="D4D4D4"/>
+                <a:schemeClr val="dk1"/>
               </a:solidFill>
-              <a:highlight>
-                <a:srgbClr val="1E1E1E"/>
-              </a:highlight>
               <a:latin typeface="Courier New"/>
               <a:ea typeface="Courier New"/>
               <a:cs typeface="Courier New"/>
@@ -3315,11 +2321,8 @@
             </a:r>
             <a:endParaRPr sz="1050">
               <a:solidFill>
-                <a:srgbClr val="D4D4D4"/>
+                <a:schemeClr val="dk1"/>
               </a:solidFill>
-              <a:highlight>
-                <a:srgbClr val="1E1E1E"/>
-              </a:highlight>
               <a:latin typeface="Courier New"/>
               <a:ea typeface="Courier New"/>
               <a:cs typeface="Courier New"/>
@@ -3343,100 +2346,19 @@
             <a:r>
               <a:rPr lang="es" sz="1050">
                 <a:solidFill>
-                  <a:srgbClr val="4EC9B0"/>
-                </a:solidFill>
-                <a:highlight>
-                  <a:srgbClr val="1E1E1E"/>
-                </a:highlight>
+                  <a:schemeClr val="dk1"/>
+                </a:solidFill>
                 <a:latin typeface="Courier New"/>
                 <a:ea typeface="Courier New"/>
                 <a:cs typeface="Courier New"/>
                 <a:sym typeface="Courier New"/>
               </a:rPr>
-              <a:t>ConverterController</a:t>
-            </a:r>
-            <a:r>
-              <a:rPr lang="es" sz="1050">
-                <a:solidFill>
-                  <a:srgbClr val="D4D4D4"/>
-                </a:solidFill>
-                <a:highlight>
-                  <a:srgbClr val="1E1E1E"/>
-                </a:highlight>
-                <a:latin typeface="Courier New"/>
-                <a:ea typeface="Courier New"/>
-                <a:cs typeface="Courier New"/>
-                <a:sym typeface="Courier New"/>
-              </a:rPr>
-              <a:t> controller = </a:t>
-            </a:r>
-            <a:r>
-              <a:rPr lang="es" sz="1050">
-                <a:solidFill>
-                  <a:srgbClr val="4EC9B0"/>
-                </a:solidFill>
-                <a:highlight>
-                  <a:srgbClr val="1E1E1E"/>
-                </a:highlight>
-                <a:latin typeface="Courier New"/>
-                <a:ea typeface="Courier New"/>
-                <a:cs typeface="Courier New"/>
-                <a:sym typeface="Courier New"/>
-              </a:rPr>
-              <a:t>Get</a:t>
-            </a:r>
-            <a:r>
-              <a:rPr lang="es" sz="1050">
-                <a:solidFill>
-                  <a:srgbClr val="D4D4D4"/>
-                </a:solidFill>
-                <a:highlight>
-                  <a:srgbClr val="1E1E1E"/>
-                </a:highlight>
-                <a:latin typeface="Courier New"/>
-                <a:ea typeface="Courier New"/>
-                <a:cs typeface="Courier New"/>
-                <a:sym typeface="Courier New"/>
-              </a:rPr>
-              <a:t>.</a:t>
-            </a:r>
-            <a:r>
-              <a:rPr lang="es" sz="1050">
-                <a:solidFill>
-                  <a:srgbClr val="DCDCAA"/>
-                </a:solidFill>
-                <a:highlight>
-                  <a:srgbClr val="1E1E1E"/>
-                </a:highlight>
-                <a:latin typeface="Courier New"/>
-                <a:ea typeface="Courier New"/>
-                <a:cs typeface="Courier New"/>
-                <a:sym typeface="Courier New"/>
-              </a:rPr>
-              <a:t>find</a:t>
-            </a:r>
-            <a:r>
-              <a:rPr lang="es" sz="1050">
-                <a:solidFill>
-                  <a:srgbClr val="D4D4D4"/>
-                </a:solidFill>
-                <a:highlight>
-                  <a:srgbClr val="1E1E1E"/>
-                </a:highlight>
-                <a:latin typeface="Courier New"/>
-                <a:ea typeface="Courier New"/>
-                <a:cs typeface="Courier New"/>
-                <a:sym typeface="Courier New"/>
-              </a:rPr>
-              <a:t>();</a:t>
+              <a:t>ConverterController controller = Get.find();</a:t>
             </a:r>
             <a:endParaRPr sz="1050">
               <a:solidFill>
-                <a:srgbClr val="D4D4D4"/>
+                <a:schemeClr val="dk1"/>
               </a:solidFill>
-              <a:highlight>
-                <a:srgbClr val="1E1E1E"/>
-              </a:highlight>
               <a:latin typeface="Courier New"/>
               <a:ea typeface="Courier New"/>
               <a:cs typeface="Courier New"/>
@@ -3615,40 +2537,59 @@
             <a:r>
               <a:rPr lang="es" sz="1050">
                 <a:solidFill>
-                  <a:srgbClr val="4EC9B0"/>
-                </a:solidFill>
-                <a:highlight>
-                  <a:srgbClr val="1E1E1E"/>
-                </a:highlight>
+                  <a:schemeClr val="dk1"/>
+                </a:solidFill>
                 <a:latin typeface="Courier New"/>
                 <a:ea typeface="Courier New"/>
                 <a:cs typeface="Courier New"/>
                 <a:sym typeface="Courier New"/>
               </a:rPr>
-              <a:t>Expanded</a:t>
-            </a:r>
+              <a:t>Expanded(</a:t>
+            </a:r>
+            <a:endParaRPr sz="1050">
+              <a:solidFill>
+                <a:schemeClr val="dk1"/>
+              </a:solidFill>
+              <a:latin typeface="Courier New"/>
+              <a:ea typeface="Courier New"/>
+              <a:cs typeface="Courier New"/>
+              <a:sym typeface="Courier New"/>
+            </a:endParaRPr>
+          </a:p>
+          <a:p>
+            <a:pPr indent="0" lvl="0" marL="0" rtl="0" algn="l">
+              <a:lnSpc>
+                <a:spcPct val="135714"/>
+              </a:lnSpc>
+              <a:spcBef>
+                <a:spcPts val="0"/>
+              </a:spcBef>
+              <a:spcAft>
+                <a:spcPts val="0"/>
+              </a:spcAft>
+              <a:buClr>
+                <a:schemeClr val="dk1"/>
+              </a:buClr>
+              <a:buSzPts val="1100"/>
+              <a:buFont typeface="Arial"/>
+              <a:buNone/>
+            </a:pPr>
             <a:r>
               <a:rPr lang="es" sz="1050">
                 <a:solidFill>
-                  <a:srgbClr val="D4D4D4"/>
-                </a:solidFill>
-                <a:highlight>
-                  <a:srgbClr val="1E1E1E"/>
-                </a:highlight>
+                  <a:schemeClr val="dk1"/>
+                </a:solidFill>
                 <a:latin typeface="Courier New"/>
                 <a:ea typeface="Courier New"/>
                 <a:cs typeface="Courier New"/>
                 <a:sym typeface="Courier New"/>
               </a:rPr>
-              <a:t>(</a:t>
+              <a:t> child: Container(</a:t>
             </a:r>
             <a:endParaRPr sz="1050">
               <a:solidFill>
-                <a:srgbClr val="D4D4D4"/>
+                <a:schemeClr val="dk1"/>
               </a:solidFill>
-              <a:highlight>
-                <a:srgbClr val="1E1E1E"/>
-              </a:highlight>
               <a:latin typeface="Courier New"/>
               <a:ea typeface="Courier New"/>
               <a:cs typeface="Courier New"/>
@@ -3676,55 +2617,99 @@
             <a:r>
               <a:rPr lang="es" sz="1050">
                 <a:solidFill>
-                  <a:srgbClr val="D4D4D4"/>
-                </a:solidFill>
-                <a:highlight>
-                  <a:srgbClr val="1E1E1E"/>
-                </a:highlight>
+                  <a:schemeClr val="dk1"/>
+                </a:solidFill>
                 <a:latin typeface="Courier New"/>
                 <a:ea typeface="Courier New"/>
                 <a:cs typeface="Courier New"/>
                 <a:sym typeface="Courier New"/>
               </a:rPr>
-              <a:t> child: </a:t>
-            </a:r>
+              <a:t>   padding: const EdgeInsets.symmetric(horizontal: 4.0),</a:t>
+            </a:r>
+            <a:endParaRPr sz="1050">
+              <a:solidFill>
+                <a:schemeClr val="dk1"/>
+              </a:solidFill>
+              <a:latin typeface="Courier New"/>
+              <a:ea typeface="Courier New"/>
+              <a:cs typeface="Courier New"/>
+              <a:sym typeface="Courier New"/>
+            </a:endParaRPr>
+          </a:p>
+          <a:p>
+            <a:pPr indent="0" lvl="0" marL="0" rtl="0" algn="l">
+              <a:lnSpc>
+                <a:spcPct val="135714"/>
+              </a:lnSpc>
+              <a:spcBef>
+                <a:spcPts val="0"/>
+              </a:spcBef>
+              <a:spcAft>
+                <a:spcPts val="0"/>
+              </a:spcAft>
+              <a:buClr>
+                <a:schemeClr val="dk1"/>
+              </a:buClr>
+              <a:buSzPts val="1100"/>
+              <a:buFont typeface="Arial"/>
+              <a:buNone/>
+            </a:pPr>
             <a:r>
               <a:rPr lang="es" sz="1050">
                 <a:solidFill>
-                  <a:srgbClr val="4EC9B0"/>
-                </a:solidFill>
-                <a:highlight>
-                  <a:srgbClr val="1E1E1E"/>
-                </a:highlight>
+                  <a:schemeClr val="dk1"/>
+                </a:solidFill>
                 <a:latin typeface="Courier New"/>
                 <a:ea typeface="Courier New"/>
                 <a:cs typeface="Courier New"/>
                 <a:sym typeface="Courier New"/>
               </a:rPr>
-              <a:t>Container</a:t>
-            </a:r>
+              <a:t>   child: MaterialButton(</a:t>
+            </a:r>
+            <a:endParaRPr sz="1050">
+              <a:solidFill>
+                <a:schemeClr val="dk1"/>
+              </a:solidFill>
+              <a:latin typeface="Courier New"/>
+              <a:ea typeface="Courier New"/>
+              <a:cs typeface="Courier New"/>
+              <a:sym typeface="Courier New"/>
+            </a:endParaRPr>
+          </a:p>
+          <a:p>
+            <a:pPr indent="0" lvl="0" marL="0" rtl="0" algn="l">
+              <a:lnSpc>
+                <a:spcPct val="135714"/>
+              </a:lnSpc>
+              <a:spcBef>
+                <a:spcPts val="0"/>
+              </a:spcBef>
+              <a:spcAft>
+                <a:spcPts val="0"/>
+              </a:spcAft>
+              <a:buClr>
+                <a:schemeClr val="dk1"/>
+              </a:buClr>
+              <a:buSzPts val="1100"/>
+              <a:buFont typeface="Arial"/>
+              <a:buNone/>
+            </a:pPr>
             <a:r>
               <a:rPr lang="es" sz="1050">
                 <a:solidFill>
-                  <a:srgbClr val="D4D4D4"/>
-                </a:solidFill>
-                <a:highlight>
-                  <a:srgbClr val="1E1E1E"/>
-                </a:highlight>
+                  <a:schemeClr val="dk1"/>
+                </a:solidFill>
                 <a:latin typeface="Courier New"/>
                 <a:ea typeface="Courier New"/>
                 <a:cs typeface="Courier New"/>
                 <a:sym typeface="Courier New"/>
               </a:rPr>
-              <a:t>(</a:t>
+              <a:t>     color: Theme.of(context).primaryColor,</a:t>
             </a:r>
             <a:endParaRPr sz="1050">
               <a:solidFill>
-                <a:srgbClr val="D4D4D4"/>
+                <a:schemeClr val="dk1"/>
               </a:solidFill>
-              <a:highlight>
-                <a:srgbClr val="1E1E1E"/>
-              </a:highlight>
               <a:latin typeface="Courier New"/>
               <a:ea typeface="Courier New"/>
               <a:cs typeface="Courier New"/>
@@ -3752,131 +2737,408 @@
             <a:r>
               <a:rPr lang="es" sz="1050">
                 <a:solidFill>
-                  <a:srgbClr val="D4D4D4"/>
-                </a:solidFill>
-                <a:highlight>
-                  <a:srgbClr val="1E1E1E"/>
-                </a:highlight>
+                  <a:schemeClr val="dk1"/>
+                </a:solidFill>
                 <a:latin typeface="Courier New"/>
                 <a:ea typeface="Courier New"/>
                 <a:cs typeface="Courier New"/>
                 <a:sym typeface="Courier New"/>
               </a:rPr>
-              <a:t>   padding: </a:t>
-            </a:r>
+              <a:t>     child: Text(</a:t>
+            </a:r>
+            <a:endParaRPr sz="1050">
+              <a:solidFill>
+                <a:schemeClr val="dk1"/>
+              </a:solidFill>
+              <a:latin typeface="Courier New"/>
+              <a:ea typeface="Courier New"/>
+              <a:cs typeface="Courier New"/>
+              <a:sym typeface="Courier New"/>
+            </a:endParaRPr>
+          </a:p>
+          <a:p>
+            <a:pPr indent="0" lvl="0" marL="0" rtl="0" algn="l">
+              <a:lnSpc>
+                <a:spcPct val="135714"/>
+              </a:lnSpc>
+              <a:spcBef>
+                <a:spcPts val="0"/>
+              </a:spcBef>
+              <a:spcAft>
+                <a:spcPts val="0"/>
+              </a:spcAft>
+              <a:buClr>
+                <a:schemeClr val="dk1"/>
+              </a:buClr>
+              <a:buSzPts val="1100"/>
+              <a:buFont typeface="Arial"/>
+              <a:buNone/>
+            </a:pPr>
             <a:r>
               <a:rPr lang="es" sz="1050">
                 <a:solidFill>
-                  <a:srgbClr val="569CD6"/>
-                </a:solidFill>
-                <a:highlight>
-                  <a:srgbClr val="1E1E1E"/>
-                </a:highlight>
+                  <a:schemeClr val="dk1"/>
+                </a:solidFill>
                 <a:latin typeface="Courier New"/>
                 <a:ea typeface="Courier New"/>
                 <a:cs typeface="Courier New"/>
                 <a:sym typeface="Courier New"/>
               </a:rPr>
-              <a:t>const</a:t>
-            </a:r>
+              <a:t>       "1",</a:t>
+            </a:r>
+            <a:endParaRPr sz="1050">
+              <a:solidFill>
+                <a:schemeClr val="dk1"/>
+              </a:solidFill>
+              <a:latin typeface="Courier New"/>
+              <a:ea typeface="Courier New"/>
+              <a:cs typeface="Courier New"/>
+              <a:sym typeface="Courier New"/>
+            </a:endParaRPr>
+          </a:p>
+          <a:p>
+            <a:pPr indent="0" lvl="0" marL="0" rtl="0" algn="l">
+              <a:lnSpc>
+                <a:spcPct val="135714"/>
+              </a:lnSpc>
+              <a:spcBef>
+                <a:spcPts val="0"/>
+              </a:spcBef>
+              <a:spcAft>
+                <a:spcPts val="0"/>
+              </a:spcAft>
+              <a:buClr>
+                <a:schemeClr val="dk1"/>
+              </a:buClr>
+              <a:buSzPts val="1100"/>
+              <a:buFont typeface="Arial"/>
+              <a:buNone/>
+            </a:pPr>
             <a:r>
               <a:rPr lang="es" sz="1050">
                 <a:solidFill>
-                  <a:srgbClr val="D4D4D4"/>
-                </a:solidFill>
-                <a:highlight>
-                  <a:srgbClr val="1E1E1E"/>
-                </a:highlight>
+                  <a:schemeClr val="dk1"/>
+                </a:solidFill>
                 <a:latin typeface="Courier New"/>
                 <a:ea typeface="Courier New"/>
                 <a:cs typeface="Courier New"/>
                 <a:sym typeface="Courier New"/>
               </a:rPr>
-              <a:t> </a:t>
-            </a:r>
+              <a:t>       style: TextStyle(</a:t>
+            </a:r>
+            <a:endParaRPr sz="1050">
+              <a:solidFill>
+                <a:schemeClr val="dk1"/>
+              </a:solidFill>
+              <a:latin typeface="Courier New"/>
+              <a:ea typeface="Courier New"/>
+              <a:cs typeface="Courier New"/>
+              <a:sym typeface="Courier New"/>
+            </a:endParaRPr>
+          </a:p>
+          <a:p>
+            <a:pPr indent="0" lvl="0" marL="0" rtl="0" algn="l">
+              <a:lnSpc>
+                <a:spcPct val="135714"/>
+              </a:lnSpc>
+              <a:spcBef>
+                <a:spcPts val="0"/>
+              </a:spcBef>
+              <a:spcAft>
+                <a:spcPts val="0"/>
+              </a:spcAft>
+              <a:buClr>
+                <a:schemeClr val="dk1"/>
+              </a:buClr>
+              <a:buSzPts val="1100"/>
+              <a:buFont typeface="Arial"/>
+              <a:buNone/>
+            </a:pPr>
             <a:r>
               <a:rPr lang="es" sz="1050">
                 <a:solidFill>
-                  <a:srgbClr val="4EC9B0"/>
-                </a:solidFill>
-                <a:highlight>
-                  <a:srgbClr val="1E1E1E"/>
-                </a:highlight>
+                  <a:schemeClr val="dk1"/>
+                </a:solidFill>
                 <a:latin typeface="Courier New"/>
                 <a:ea typeface="Courier New"/>
                 <a:cs typeface="Courier New"/>
                 <a:sym typeface="Courier New"/>
               </a:rPr>
-              <a:t>EdgeInsets</a:t>
-            </a:r>
+              <a:t>         color: Colors.white,</a:t>
+            </a:r>
+            <a:endParaRPr sz="1050">
+              <a:solidFill>
+                <a:schemeClr val="dk1"/>
+              </a:solidFill>
+              <a:latin typeface="Courier New"/>
+              <a:ea typeface="Courier New"/>
+              <a:cs typeface="Courier New"/>
+              <a:sym typeface="Courier New"/>
+            </a:endParaRPr>
+          </a:p>
+          <a:p>
+            <a:pPr indent="0" lvl="0" marL="0" rtl="0" algn="l">
+              <a:lnSpc>
+                <a:spcPct val="135714"/>
+              </a:lnSpc>
+              <a:spcBef>
+                <a:spcPts val="0"/>
+              </a:spcBef>
+              <a:spcAft>
+                <a:spcPts val="0"/>
+              </a:spcAft>
+              <a:buClr>
+                <a:schemeClr val="dk1"/>
+              </a:buClr>
+              <a:buSzPts val="1100"/>
+              <a:buFont typeface="Arial"/>
+              <a:buNone/>
+            </a:pPr>
             <a:r>
               <a:rPr lang="es" sz="1050">
                 <a:solidFill>
-                  <a:srgbClr val="D4D4D4"/>
-                </a:solidFill>
-                <a:highlight>
-                  <a:srgbClr val="1E1E1E"/>
-                </a:highlight>
+                  <a:schemeClr val="dk1"/>
+                </a:solidFill>
                 <a:latin typeface="Courier New"/>
                 <a:ea typeface="Courier New"/>
                 <a:cs typeface="Courier New"/>
                 <a:sym typeface="Courier New"/>
               </a:rPr>
-              <a:t>.</a:t>
-            </a:r>
+              <a:t>       ),</a:t>
+            </a:r>
+            <a:endParaRPr sz="1050">
+              <a:solidFill>
+                <a:schemeClr val="dk1"/>
+              </a:solidFill>
+              <a:latin typeface="Courier New"/>
+              <a:ea typeface="Courier New"/>
+              <a:cs typeface="Courier New"/>
+              <a:sym typeface="Courier New"/>
+            </a:endParaRPr>
+          </a:p>
+          <a:p>
+            <a:pPr indent="0" lvl="0" marL="0" rtl="0" algn="l">
+              <a:lnSpc>
+                <a:spcPct val="135714"/>
+              </a:lnSpc>
+              <a:spcBef>
+                <a:spcPts val="0"/>
+              </a:spcBef>
+              <a:spcAft>
+                <a:spcPts val="0"/>
+              </a:spcAft>
+              <a:buClr>
+                <a:schemeClr val="dk1"/>
+              </a:buClr>
+              <a:buSzPts val="1100"/>
+              <a:buFont typeface="Arial"/>
+              <a:buNone/>
+            </a:pPr>
             <a:r>
               <a:rPr lang="es" sz="1050">
                 <a:solidFill>
-                  <a:srgbClr val="DCDCAA"/>
-                </a:solidFill>
-                <a:highlight>
-                  <a:srgbClr val="1E1E1E"/>
-                </a:highlight>
+                  <a:schemeClr val="dk1"/>
+                </a:solidFill>
                 <a:latin typeface="Courier New"/>
                 <a:ea typeface="Courier New"/>
                 <a:cs typeface="Courier New"/>
                 <a:sym typeface="Courier New"/>
               </a:rPr>
-              <a:t>symmetric</a:t>
-            </a:r>
+              <a:t>     ),</a:t>
+            </a:r>
+            <a:endParaRPr sz="1050">
+              <a:solidFill>
+                <a:schemeClr val="dk1"/>
+              </a:solidFill>
+              <a:latin typeface="Courier New"/>
+              <a:ea typeface="Courier New"/>
+              <a:cs typeface="Courier New"/>
+              <a:sym typeface="Courier New"/>
+            </a:endParaRPr>
+          </a:p>
+          <a:p>
+            <a:pPr indent="0" lvl="0" marL="0" rtl="0" algn="l">
+              <a:lnSpc>
+                <a:spcPct val="135714"/>
+              </a:lnSpc>
+              <a:spcBef>
+                <a:spcPts val="0"/>
+              </a:spcBef>
+              <a:spcAft>
+                <a:spcPts val="0"/>
+              </a:spcAft>
+              <a:buClr>
+                <a:schemeClr val="dk1"/>
+              </a:buClr>
+              <a:buSzPts val="1100"/>
+              <a:buFont typeface="Arial"/>
+              <a:buNone/>
+            </a:pPr>
             <a:r>
               <a:rPr lang="es" sz="1050">
                 <a:solidFill>
-                  <a:srgbClr val="D4D4D4"/>
-                </a:solidFill>
-                <a:highlight>
-                  <a:srgbClr val="1E1E1E"/>
-                </a:highlight>
+                  <a:schemeClr val="dk1"/>
+                </a:solidFill>
                 <a:latin typeface="Courier New"/>
                 <a:ea typeface="Courier New"/>
                 <a:cs typeface="Courier New"/>
                 <a:sym typeface="Courier New"/>
               </a:rPr>
-              <a:t>(horizontal: </a:t>
-            </a:r>
+              <a:t>     // we raise a new event</a:t>
+            </a:r>
+            <a:endParaRPr sz="1050">
+              <a:solidFill>
+                <a:schemeClr val="dk1"/>
+              </a:solidFill>
+              <a:latin typeface="Courier New"/>
+              <a:ea typeface="Courier New"/>
+              <a:cs typeface="Courier New"/>
+              <a:sym typeface="Courier New"/>
+            </a:endParaRPr>
+          </a:p>
+          <a:p>
+            <a:pPr indent="0" lvl="0" marL="0" rtl="0" algn="l">
+              <a:lnSpc>
+                <a:spcPct val="135714"/>
+              </a:lnSpc>
+              <a:spcBef>
+                <a:spcPts val="0"/>
+              </a:spcBef>
+              <a:spcAft>
+                <a:spcPts val="0"/>
+              </a:spcAft>
+              <a:buClr>
+                <a:schemeClr val="dk1"/>
+              </a:buClr>
+              <a:buSzPts val="1100"/>
+              <a:buFont typeface="Arial"/>
+              <a:buNone/>
+            </a:pPr>
             <a:r>
               <a:rPr lang="es" sz="1050">
                 <a:solidFill>
-                  <a:srgbClr val="B5CEA8"/>
-                </a:solidFill>
-                <a:highlight>
-                  <a:srgbClr val="1E1E1E"/>
-                </a:highlight>
+                  <a:schemeClr val="dk1"/>
+                </a:solidFill>
                 <a:latin typeface="Courier New"/>
                 <a:ea typeface="Courier New"/>
                 <a:cs typeface="Courier New"/>
                 <a:sym typeface="Courier New"/>
               </a:rPr>
-              <a:t>4.0</a:t>
-            </a:r>
+              <a:t>     onPressed: () =&gt; controller.updateDecimal(1),</a:t>
+            </a:r>
+            <a:endParaRPr sz="1050">
+              <a:solidFill>
+                <a:schemeClr val="dk1"/>
+              </a:solidFill>
+              <a:latin typeface="Courier New"/>
+              <a:ea typeface="Courier New"/>
+              <a:cs typeface="Courier New"/>
+              <a:sym typeface="Courier New"/>
+            </a:endParaRPr>
+          </a:p>
+          <a:p>
+            <a:pPr indent="0" lvl="0" marL="0" rtl="0" algn="l">
+              <a:lnSpc>
+                <a:spcPct val="135714"/>
+              </a:lnSpc>
+              <a:spcBef>
+                <a:spcPts val="0"/>
+              </a:spcBef>
+              <a:spcAft>
+                <a:spcPts val="0"/>
+              </a:spcAft>
+              <a:buClr>
+                <a:schemeClr val="dk1"/>
+              </a:buClr>
+              <a:buSzPts val="1100"/>
+              <a:buFont typeface="Arial"/>
+              <a:buNone/>
+            </a:pPr>
             <a:r>
               <a:rPr lang="es" sz="1050">
                 <a:solidFill>
-                  <a:srgbClr val="D4D4D4"/>
-                </a:solidFill>
-                <a:highlight>
-                  <a:srgbClr val="1E1E1E"/>
-                </a:highlight>
+                  <a:schemeClr val="dk1"/>
+                </a:solidFill>
+                <a:latin typeface="Courier New"/>
+                <a:ea typeface="Courier New"/>
+                <a:cs typeface="Courier New"/>
+                <a:sym typeface="Courier New"/>
+              </a:rPr>
+              <a:t>   ),</a:t>
+            </a:r>
+            <a:endParaRPr sz="1050">
+              <a:solidFill>
+                <a:schemeClr val="dk1"/>
+              </a:solidFill>
+              <a:latin typeface="Courier New"/>
+              <a:ea typeface="Courier New"/>
+              <a:cs typeface="Courier New"/>
+              <a:sym typeface="Courier New"/>
+            </a:endParaRPr>
+          </a:p>
+          <a:p>
+            <a:pPr indent="0" lvl="0" marL="0" rtl="0" algn="l">
+              <a:lnSpc>
+                <a:spcPct val="135714"/>
+              </a:lnSpc>
+              <a:spcBef>
+                <a:spcPts val="0"/>
+              </a:spcBef>
+              <a:spcAft>
+                <a:spcPts val="0"/>
+              </a:spcAft>
+              <a:buClr>
+                <a:schemeClr val="dk1"/>
+              </a:buClr>
+              <a:buSzPts val="1100"/>
+              <a:buFont typeface="Arial"/>
+              <a:buNone/>
+            </a:pPr>
+            <a:r>
+              <a:rPr lang="es" sz="1050">
+                <a:solidFill>
+                  <a:schemeClr val="dk1"/>
+                </a:solidFill>
+                <a:latin typeface="Courier New"/>
+                <a:ea typeface="Courier New"/>
+                <a:cs typeface="Courier New"/>
+                <a:sym typeface="Courier New"/>
+              </a:rPr>
+              <a:t> ),</a:t>
+            </a:r>
+            <a:endParaRPr sz="1050">
+              <a:solidFill>
+                <a:schemeClr val="dk1"/>
+              </a:solidFill>
+              <a:latin typeface="Courier New"/>
+              <a:ea typeface="Courier New"/>
+              <a:cs typeface="Courier New"/>
+              <a:sym typeface="Courier New"/>
+            </a:endParaRPr>
+          </a:p>
+          <a:p>
+            <a:pPr indent="0" lvl="0" marL="0" rtl="0" algn="l">
+              <a:lnSpc>
+                <a:spcPct val="135714"/>
+              </a:lnSpc>
+              <a:spcBef>
+                <a:spcPts val="0"/>
+              </a:spcBef>
+              <a:spcAft>
+                <a:spcPts val="0"/>
+              </a:spcAft>
+              <a:buClr>
+                <a:schemeClr val="dk1"/>
+              </a:buClr>
+              <a:buSzPts val="1100"/>
+              <a:buFont typeface="Arial"/>
+              <a:buNone/>
+            </a:pPr>
+            <a:r>
+              <a:rPr lang="es" sz="1050">
+                <a:solidFill>
+                  <a:schemeClr val="dk1"/>
+                </a:solidFill>
                 <a:latin typeface="Courier New"/>
                 <a:ea typeface="Courier New"/>
                 <a:cs typeface="Courier New"/>
@@ -3886,11 +3148,8 @@
             </a:r>
             <a:endParaRPr sz="1050">
               <a:solidFill>
-                <a:srgbClr val="D4D4D4"/>
+                <a:schemeClr val="dk1"/>
               </a:solidFill>
-              <a:highlight>
-                <a:srgbClr val="1E1E1E"/>
-              </a:highlight>
               <a:latin typeface="Courier New"/>
               <a:ea typeface="Courier New"/>
               <a:cs typeface="Courier New"/>
@@ -3900,6 +3159,52 @@
           <a:p>
             <a:pPr indent="0" lvl="0" marL="0" rtl="0" algn="l">
               <a:lnSpc>
+                <a:spcPct val="100000"/>
+              </a:lnSpc>
+              <a:spcBef>
+                <a:spcPts val="0"/>
+              </a:spcBef>
+              <a:spcAft>
+                <a:spcPts val="0"/>
+              </a:spcAft>
+              <a:buSzPts val="1100"/>
+              <a:buNone/>
+            </a:pPr>
+            <a:r>
+              <a:t/>
+            </a:r>
+            <a:endParaRPr>
+              <a:solidFill>
+                <a:schemeClr val="dk1"/>
+              </a:solidFill>
+            </a:endParaRPr>
+          </a:p>
+          <a:p>
+            <a:pPr indent="0" lvl="0" marL="0" rtl="0" algn="l">
+              <a:lnSpc>
+                <a:spcPct val="100000"/>
+              </a:lnSpc>
+              <a:spcBef>
+                <a:spcPts val="0"/>
+              </a:spcBef>
+              <a:spcAft>
+                <a:spcPts val="0"/>
+              </a:spcAft>
+              <a:buSzPts val="1100"/>
+              <a:buNone/>
+            </a:pPr>
+            <a:r>
+              <a:t/>
+            </a:r>
+            <a:endParaRPr>
+              <a:solidFill>
+                <a:schemeClr val="dk1"/>
+              </a:solidFill>
+            </a:endParaRPr>
+          </a:p>
+          <a:p>
+            <a:pPr indent="0" lvl="0" marL="0" rtl="0" algn="l">
+              <a:lnSpc>
                 <a:spcPct val="135714"/>
               </a:lnSpc>
               <a:spcBef>
@@ -3918,1006 +3223,19 @@
             <a:r>
               <a:rPr lang="es" sz="1050">
                 <a:solidFill>
-                  <a:srgbClr val="D4D4D4"/>
-                </a:solidFill>
-                <a:highlight>
-                  <a:srgbClr val="1E1E1E"/>
-                </a:highlight>
+                  <a:schemeClr val="dk1"/>
+                </a:solidFill>
                 <a:latin typeface="Courier New"/>
                 <a:ea typeface="Courier New"/>
                 <a:cs typeface="Courier New"/>
                 <a:sym typeface="Courier New"/>
               </a:rPr>
-              <a:t>   child: </a:t>
-            </a:r>
-            <a:r>
-              <a:rPr lang="es" sz="1050">
-                <a:solidFill>
-                  <a:srgbClr val="4EC9B0"/>
-                </a:solidFill>
-                <a:highlight>
-                  <a:srgbClr val="1E1E1E"/>
-                </a:highlight>
-                <a:latin typeface="Courier New"/>
-                <a:ea typeface="Courier New"/>
-                <a:cs typeface="Courier New"/>
-                <a:sym typeface="Courier New"/>
-              </a:rPr>
-              <a:t>MaterialButton</a:t>
-            </a:r>
-            <a:r>
-              <a:rPr lang="es" sz="1050">
-                <a:solidFill>
-                  <a:srgbClr val="D4D4D4"/>
-                </a:solidFill>
-                <a:highlight>
-                  <a:srgbClr val="1E1E1E"/>
-                </a:highlight>
-                <a:latin typeface="Courier New"/>
-                <a:ea typeface="Courier New"/>
-                <a:cs typeface="Courier New"/>
-                <a:sym typeface="Courier New"/>
-              </a:rPr>
-              <a:t>(</a:t>
+              <a:t>onPressed: () =&gt; controller.updateDecimal(1),</a:t>
             </a:r>
             <a:endParaRPr sz="1050">
               <a:solidFill>
-                <a:srgbClr val="D4D4D4"/>
+                <a:schemeClr val="dk1"/>
               </a:solidFill>
-              <a:highlight>
-                <a:srgbClr val="1E1E1E"/>
-              </a:highlight>
-              <a:latin typeface="Courier New"/>
-              <a:ea typeface="Courier New"/>
-              <a:cs typeface="Courier New"/>
-              <a:sym typeface="Courier New"/>
-            </a:endParaRPr>
-          </a:p>
-          <a:p>
-            <a:pPr indent="0" lvl="0" marL="0" rtl="0" algn="l">
-              <a:lnSpc>
-                <a:spcPct val="135714"/>
-              </a:lnSpc>
-              <a:spcBef>
-                <a:spcPts val="0"/>
-              </a:spcBef>
-              <a:spcAft>
-                <a:spcPts val="0"/>
-              </a:spcAft>
-              <a:buClr>
-                <a:schemeClr val="dk1"/>
-              </a:buClr>
-              <a:buSzPts val="1100"/>
-              <a:buFont typeface="Arial"/>
-              <a:buNone/>
-            </a:pPr>
-            <a:r>
-              <a:rPr lang="es" sz="1050">
-                <a:solidFill>
-                  <a:srgbClr val="D4D4D4"/>
-                </a:solidFill>
-                <a:highlight>
-                  <a:srgbClr val="1E1E1E"/>
-                </a:highlight>
-                <a:latin typeface="Courier New"/>
-                <a:ea typeface="Courier New"/>
-                <a:cs typeface="Courier New"/>
-                <a:sym typeface="Courier New"/>
-              </a:rPr>
-              <a:t>     color: </a:t>
-            </a:r>
-            <a:r>
-              <a:rPr lang="es" sz="1050">
-                <a:solidFill>
-                  <a:srgbClr val="4EC9B0"/>
-                </a:solidFill>
-                <a:highlight>
-                  <a:srgbClr val="1E1E1E"/>
-                </a:highlight>
-                <a:latin typeface="Courier New"/>
-                <a:ea typeface="Courier New"/>
-                <a:cs typeface="Courier New"/>
-                <a:sym typeface="Courier New"/>
-              </a:rPr>
-              <a:t>Theme</a:t>
-            </a:r>
-            <a:r>
-              <a:rPr lang="es" sz="1050">
-                <a:solidFill>
-                  <a:srgbClr val="D4D4D4"/>
-                </a:solidFill>
-                <a:highlight>
-                  <a:srgbClr val="1E1E1E"/>
-                </a:highlight>
-                <a:latin typeface="Courier New"/>
-                <a:ea typeface="Courier New"/>
-                <a:cs typeface="Courier New"/>
-                <a:sym typeface="Courier New"/>
-              </a:rPr>
-              <a:t>.</a:t>
-            </a:r>
-            <a:r>
-              <a:rPr lang="es" sz="1050">
-                <a:solidFill>
-                  <a:srgbClr val="DCDCAA"/>
-                </a:solidFill>
-                <a:highlight>
-                  <a:srgbClr val="1E1E1E"/>
-                </a:highlight>
-                <a:latin typeface="Courier New"/>
-                <a:ea typeface="Courier New"/>
-                <a:cs typeface="Courier New"/>
-                <a:sym typeface="Courier New"/>
-              </a:rPr>
-              <a:t>of</a:t>
-            </a:r>
-            <a:r>
-              <a:rPr lang="es" sz="1050">
-                <a:solidFill>
-                  <a:srgbClr val="D4D4D4"/>
-                </a:solidFill>
-                <a:highlight>
-                  <a:srgbClr val="1E1E1E"/>
-                </a:highlight>
-                <a:latin typeface="Courier New"/>
-                <a:ea typeface="Courier New"/>
-                <a:cs typeface="Courier New"/>
-                <a:sym typeface="Courier New"/>
-              </a:rPr>
-              <a:t>(context).primaryColor,</a:t>
-            </a:r>
-            <a:endParaRPr sz="1050">
-              <a:solidFill>
-                <a:srgbClr val="D4D4D4"/>
-              </a:solidFill>
-              <a:highlight>
-                <a:srgbClr val="1E1E1E"/>
-              </a:highlight>
-              <a:latin typeface="Courier New"/>
-              <a:ea typeface="Courier New"/>
-              <a:cs typeface="Courier New"/>
-              <a:sym typeface="Courier New"/>
-            </a:endParaRPr>
-          </a:p>
-          <a:p>
-            <a:pPr indent="0" lvl="0" marL="0" rtl="0" algn="l">
-              <a:lnSpc>
-                <a:spcPct val="135714"/>
-              </a:lnSpc>
-              <a:spcBef>
-                <a:spcPts val="0"/>
-              </a:spcBef>
-              <a:spcAft>
-                <a:spcPts val="0"/>
-              </a:spcAft>
-              <a:buClr>
-                <a:schemeClr val="dk1"/>
-              </a:buClr>
-              <a:buSzPts val="1100"/>
-              <a:buFont typeface="Arial"/>
-              <a:buNone/>
-            </a:pPr>
-            <a:r>
-              <a:rPr lang="es" sz="1050">
-                <a:solidFill>
-                  <a:srgbClr val="D4D4D4"/>
-                </a:solidFill>
-                <a:highlight>
-                  <a:srgbClr val="1E1E1E"/>
-                </a:highlight>
-                <a:latin typeface="Courier New"/>
-                <a:ea typeface="Courier New"/>
-                <a:cs typeface="Courier New"/>
-                <a:sym typeface="Courier New"/>
-              </a:rPr>
-              <a:t>     child: </a:t>
-            </a:r>
-            <a:r>
-              <a:rPr lang="es" sz="1050">
-                <a:solidFill>
-                  <a:srgbClr val="4EC9B0"/>
-                </a:solidFill>
-                <a:highlight>
-                  <a:srgbClr val="1E1E1E"/>
-                </a:highlight>
-                <a:latin typeface="Courier New"/>
-                <a:ea typeface="Courier New"/>
-                <a:cs typeface="Courier New"/>
-                <a:sym typeface="Courier New"/>
-              </a:rPr>
-              <a:t>Text</a:t>
-            </a:r>
-            <a:r>
-              <a:rPr lang="es" sz="1050">
-                <a:solidFill>
-                  <a:srgbClr val="D4D4D4"/>
-                </a:solidFill>
-                <a:highlight>
-                  <a:srgbClr val="1E1E1E"/>
-                </a:highlight>
-                <a:latin typeface="Courier New"/>
-                <a:ea typeface="Courier New"/>
-                <a:cs typeface="Courier New"/>
-                <a:sym typeface="Courier New"/>
-              </a:rPr>
-              <a:t>(</a:t>
-            </a:r>
-            <a:endParaRPr sz="1050">
-              <a:solidFill>
-                <a:srgbClr val="D4D4D4"/>
-              </a:solidFill>
-              <a:highlight>
-                <a:srgbClr val="1E1E1E"/>
-              </a:highlight>
-              <a:latin typeface="Courier New"/>
-              <a:ea typeface="Courier New"/>
-              <a:cs typeface="Courier New"/>
-              <a:sym typeface="Courier New"/>
-            </a:endParaRPr>
-          </a:p>
-          <a:p>
-            <a:pPr indent="0" lvl="0" marL="0" rtl="0" algn="l">
-              <a:lnSpc>
-                <a:spcPct val="135714"/>
-              </a:lnSpc>
-              <a:spcBef>
-                <a:spcPts val="0"/>
-              </a:spcBef>
-              <a:spcAft>
-                <a:spcPts val="0"/>
-              </a:spcAft>
-              <a:buClr>
-                <a:schemeClr val="dk1"/>
-              </a:buClr>
-              <a:buSzPts val="1100"/>
-              <a:buFont typeface="Arial"/>
-              <a:buNone/>
-            </a:pPr>
-            <a:r>
-              <a:rPr lang="es" sz="1050">
-                <a:solidFill>
-                  <a:srgbClr val="D4D4D4"/>
-                </a:solidFill>
-                <a:highlight>
-                  <a:srgbClr val="1E1E1E"/>
-                </a:highlight>
-                <a:latin typeface="Courier New"/>
-                <a:ea typeface="Courier New"/>
-                <a:cs typeface="Courier New"/>
-                <a:sym typeface="Courier New"/>
-              </a:rPr>
-              <a:t>       </a:t>
-            </a:r>
-            <a:r>
-              <a:rPr lang="es" sz="1050">
-                <a:solidFill>
-                  <a:srgbClr val="CE9178"/>
-                </a:solidFill>
-                <a:highlight>
-                  <a:srgbClr val="1E1E1E"/>
-                </a:highlight>
-                <a:latin typeface="Courier New"/>
-                <a:ea typeface="Courier New"/>
-                <a:cs typeface="Courier New"/>
-                <a:sym typeface="Courier New"/>
-              </a:rPr>
-              <a:t>"1"</a:t>
-            </a:r>
-            <a:r>
-              <a:rPr lang="es" sz="1050">
-                <a:solidFill>
-                  <a:srgbClr val="D4D4D4"/>
-                </a:solidFill>
-                <a:highlight>
-                  <a:srgbClr val="1E1E1E"/>
-                </a:highlight>
-                <a:latin typeface="Courier New"/>
-                <a:ea typeface="Courier New"/>
-                <a:cs typeface="Courier New"/>
-                <a:sym typeface="Courier New"/>
-              </a:rPr>
-              <a:t>,</a:t>
-            </a:r>
-            <a:endParaRPr sz="1050">
-              <a:solidFill>
-                <a:srgbClr val="D4D4D4"/>
-              </a:solidFill>
-              <a:highlight>
-                <a:srgbClr val="1E1E1E"/>
-              </a:highlight>
-              <a:latin typeface="Courier New"/>
-              <a:ea typeface="Courier New"/>
-              <a:cs typeface="Courier New"/>
-              <a:sym typeface="Courier New"/>
-            </a:endParaRPr>
-          </a:p>
-          <a:p>
-            <a:pPr indent="0" lvl="0" marL="0" rtl="0" algn="l">
-              <a:lnSpc>
-                <a:spcPct val="135714"/>
-              </a:lnSpc>
-              <a:spcBef>
-                <a:spcPts val="0"/>
-              </a:spcBef>
-              <a:spcAft>
-                <a:spcPts val="0"/>
-              </a:spcAft>
-              <a:buClr>
-                <a:schemeClr val="dk1"/>
-              </a:buClr>
-              <a:buSzPts val="1100"/>
-              <a:buFont typeface="Arial"/>
-              <a:buNone/>
-            </a:pPr>
-            <a:r>
-              <a:rPr lang="es" sz="1050">
-                <a:solidFill>
-                  <a:srgbClr val="D4D4D4"/>
-                </a:solidFill>
-                <a:highlight>
-                  <a:srgbClr val="1E1E1E"/>
-                </a:highlight>
-                <a:latin typeface="Courier New"/>
-                <a:ea typeface="Courier New"/>
-                <a:cs typeface="Courier New"/>
-                <a:sym typeface="Courier New"/>
-              </a:rPr>
-              <a:t>       style: </a:t>
-            </a:r>
-            <a:r>
-              <a:rPr lang="es" sz="1050">
-                <a:solidFill>
-                  <a:srgbClr val="4EC9B0"/>
-                </a:solidFill>
-                <a:highlight>
-                  <a:srgbClr val="1E1E1E"/>
-                </a:highlight>
-                <a:latin typeface="Courier New"/>
-                <a:ea typeface="Courier New"/>
-                <a:cs typeface="Courier New"/>
-                <a:sym typeface="Courier New"/>
-              </a:rPr>
-              <a:t>TextStyle</a:t>
-            </a:r>
-            <a:r>
-              <a:rPr lang="es" sz="1050">
-                <a:solidFill>
-                  <a:srgbClr val="D4D4D4"/>
-                </a:solidFill>
-                <a:highlight>
-                  <a:srgbClr val="1E1E1E"/>
-                </a:highlight>
-                <a:latin typeface="Courier New"/>
-                <a:ea typeface="Courier New"/>
-                <a:cs typeface="Courier New"/>
-                <a:sym typeface="Courier New"/>
-              </a:rPr>
-              <a:t>(</a:t>
-            </a:r>
-            <a:endParaRPr sz="1050">
-              <a:solidFill>
-                <a:srgbClr val="D4D4D4"/>
-              </a:solidFill>
-              <a:highlight>
-                <a:srgbClr val="1E1E1E"/>
-              </a:highlight>
-              <a:latin typeface="Courier New"/>
-              <a:ea typeface="Courier New"/>
-              <a:cs typeface="Courier New"/>
-              <a:sym typeface="Courier New"/>
-            </a:endParaRPr>
-          </a:p>
-          <a:p>
-            <a:pPr indent="0" lvl="0" marL="0" rtl="0" algn="l">
-              <a:lnSpc>
-                <a:spcPct val="135714"/>
-              </a:lnSpc>
-              <a:spcBef>
-                <a:spcPts val="0"/>
-              </a:spcBef>
-              <a:spcAft>
-                <a:spcPts val="0"/>
-              </a:spcAft>
-              <a:buClr>
-                <a:schemeClr val="dk1"/>
-              </a:buClr>
-              <a:buSzPts val="1100"/>
-              <a:buFont typeface="Arial"/>
-              <a:buNone/>
-            </a:pPr>
-            <a:r>
-              <a:rPr lang="es" sz="1050">
-                <a:solidFill>
-                  <a:srgbClr val="D4D4D4"/>
-                </a:solidFill>
-                <a:highlight>
-                  <a:srgbClr val="1E1E1E"/>
-                </a:highlight>
-                <a:latin typeface="Courier New"/>
-                <a:ea typeface="Courier New"/>
-                <a:cs typeface="Courier New"/>
-                <a:sym typeface="Courier New"/>
-              </a:rPr>
-              <a:t>         color: </a:t>
-            </a:r>
-            <a:r>
-              <a:rPr lang="es" sz="1050">
-                <a:solidFill>
-                  <a:srgbClr val="4EC9B0"/>
-                </a:solidFill>
-                <a:highlight>
-                  <a:srgbClr val="1E1E1E"/>
-                </a:highlight>
-                <a:latin typeface="Courier New"/>
-                <a:ea typeface="Courier New"/>
-                <a:cs typeface="Courier New"/>
-                <a:sym typeface="Courier New"/>
-              </a:rPr>
-              <a:t>Colors</a:t>
-            </a:r>
-            <a:r>
-              <a:rPr lang="es" sz="1050">
-                <a:solidFill>
-                  <a:srgbClr val="D4D4D4"/>
-                </a:solidFill>
-                <a:highlight>
-                  <a:srgbClr val="1E1E1E"/>
-                </a:highlight>
-                <a:latin typeface="Courier New"/>
-                <a:ea typeface="Courier New"/>
-                <a:cs typeface="Courier New"/>
-                <a:sym typeface="Courier New"/>
-              </a:rPr>
-              <a:t>.white,</a:t>
-            </a:r>
-            <a:endParaRPr sz="1050">
-              <a:solidFill>
-                <a:srgbClr val="D4D4D4"/>
-              </a:solidFill>
-              <a:highlight>
-                <a:srgbClr val="1E1E1E"/>
-              </a:highlight>
-              <a:latin typeface="Courier New"/>
-              <a:ea typeface="Courier New"/>
-              <a:cs typeface="Courier New"/>
-              <a:sym typeface="Courier New"/>
-            </a:endParaRPr>
-          </a:p>
-          <a:p>
-            <a:pPr indent="0" lvl="0" marL="0" rtl="0" algn="l">
-              <a:lnSpc>
-                <a:spcPct val="135714"/>
-              </a:lnSpc>
-              <a:spcBef>
-                <a:spcPts val="0"/>
-              </a:spcBef>
-              <a:spcAft>
-                <a:spcPts val="0"/>
-              </a:spcAft>
-              <a:buClr>
-                <a:schemeClr val="dk1"/>
-              </a:buClr>
-              <a:buSzPts val="1100"/>
-              <a:buFont typeface="Arial"/>
-              <a:buNone/>
-            </a:pPr>
-            <a:r>
-              <a:rPr lang="es" sz="1050">
-                <a:solidFill>
-                  <a:srgbClr val="D4D4D4"/>
-                </a:solidFill>
-                <a:highlight>
-                  <a:srgbClr val="1E1E1E"/>
-                </a:highlight>
-                <a:latin typeface="Courier New"/>
-                <a:ea typeface="Courier New"/>
-                <a:cs typeface="Courier New"/>
-                <a:sym typeface="Courier New"/>
-              </a:rPr>
-              <a:t>       ),</a:t>
-            </a:r>
-            <a:endParaRPr sz="1050">
-              <a:solidFill>
-                <a:srgbClr val="D4D4D4"/>
-              </a:solidFill>
-              <a:highlight>
-                <a:srgbClr val="1E1E1E"/>
-              </a:highlight>
-              <a:latin typeface="Courier New"/>
-              <a:ea typeface="Courier New"/>
-              <a:cs typeface="Courier New"/>
-              <a:sym typeface="Courier New"/>
-            </a:endParaRPr>
-          </a:p>
-          <a:p>
-            <a:pPr indent="0" lvl="0" marL="0" rtl="0" algn="l">
-              <a:lnSpc>
-                <a:spcPct val="135714"/>
-              </a:lnSpc>
-              <a:spcBef>
-                <a:spcPts val="0"/>
-              </a:spcBef>
-              <a:spcAft>
-                <a:spcPts val="0"/>
-              </a:spcAft>
-              <a:buClr>
-                <a:schemeClr val="dk1"/>
-              </a:buClr>
-              <a:buSzPts val="1100"/>
-              <a:buFont typeface="Arial"/>
-              <a:buNone/>
-            </a:pPr>
-            <a:r>
-              <a:rPr lang="es" sz="1050">
-                <a:solidFill>
-                  <a:srgbClr val="D4D4D4"/>
-                </a:solidFill>
-                <a:highlight>
-                  <a:srgbClr val="1E1E1E"/>
-                </a:highlight>
-                <a:latin typeface="Courier New"/>
-                <a:ea typeface="Courier New"/>
-                <a:cs typeface="Courier New"/>
-                <a:sym typeface="Courier New"/>
-              </a:rPr>
-              <a:t>     ),</a:t>
-            </a:r>
-            <a:endParaRPr sz="1050">
-              <a:solidFill>
-                <a:srgbClr val="D4D4D4"/>
-              </a:solidFill>
-              <a:highlight>
-                <a:srgbClr val="1E1E1E"/>
-              </a:highlight>
-              <a:latin typeface="Courier New"/>
-              <a:ea typeface="Courier New"/>
-              <a:cs typeface="Courier New"/>
-              <a:sym typeface="Courier New"/>
-            </a:endParaRPr>
-          </a:p>
-          <a:p>
-            <a:pPr indent="0" lvl="0" marL="0" rtl="0" algn="l">
-              <a:lnSpc>
-                <a:spcPct val="135714"/>
-              </a:lnSpc>
-              <a:spcBef>
-                <a:spcPts val="0"/>
-              </a:spcBef>
-              <a:spcAft>
-                <a:spcPts val="0"/>
-              </a:spcAft>
-              <a:buClr>
-                <a:schemeClr val="dk1"/>
-              </a:buClr>
-              <a:buSzPts val="1100"/>
-              <a:buFont typeface="Arial"/>
-              <a:buNone/>
-            </a:pPr>
-            <a:r>
-              <a:rPr lang="es" sz="1050">
-                <a:solidFill>
-                  <a:srgbClr val="D4D4D4"/>
-                </a:solidFill>
-                <a:highlight>
-                  <a:srgbClr val="1E1E1E"/>
-                </a:highlight>
-                <a:latin typeface="Courier New"/>
-                <a:ea typeface="Courier New"/>
-                <a:cs typeface="Courier New"/>
-                <a:sym typeface="Courier New"/>
-              </a:rPr>
-              <a:t>     </a:t>
-            </a:r>
-            <a:r>
-              <a:rPr lang="es" sz="1050">
-                <a:solidFill>
-                  <a:srgbClr val="6A9955"/>
-                </a:solidFill>
-                <a:highlight>
-                  <a:srgbClr val="1E1E1E"/>
-                </a:highlight>
-                <a:latin typeface="Courier New"/>
-                <a:ea typeface="Courier New"/>
-                <a:cs typeface="Courier New"/>
-                <a:sym typeface="Courier New"/>
-              </a:rPr>
-              <a:t>// we raise a new event</a:t>
-            </a:r>
-            <a:endParaRPr sz="1050">
-              <a:solidFill>
-                <a:srgbClr val="6A9955"/>
-              </a:solidFill>
-              <a:highlight>
-                <a:srgbClr val="1E1E1E"/>
-              </a:highlight>
-              <a:latin typeface="Courier New"/>
-              <a:ea typeface="Courier New"/>
-              <a:cs typeface="Courier New"/>
-              <a:sym typeface="Courier New"/>
-            </a:endParaRPr>
-          </a:p>
-          <a:p>
-            <a:pPr indent="0" lvl="0" marL="0" rtl="0" algn="l">
-              <a:lnSpc>
-                <a:spcPct val="135714"/>
-              </a:lnSpc>
-              <a:spcBef>
-                <a:spcPts val="0"/>
-              </a:spcBef>
-              <a:spcAft>
-                <a:spcPts val="0"/>
-              </a:spcAft>
-              <a:buClr>
-                <a:schemeClr val="dk1"/>
-              </a:buClr>
-              <a:buSzPts val="1100"/>
-              <a:buFont typeface="Arial"/>
-              <a:buNone/>
-            </a:pPr>
-            <a:r>
-              <a:rPr lang="es" sz="1050">
-                <a:solidFill>
-                  <a:srgbClr val="D4D4D4"/>
-                </a:solidFill>
-                <a:highlight>
-                  <a:srgbClr val="1E1E1E"/>
-                </a:highlight>
-                <a:latin typeface="Courier New"/>
-                <a:ea typeface="Courier New"/>
-                <a:cs typeface="Courier New"/>
-                <a:sym typeface="Courier New"/>
-              </a:rPr>
-              <a:t>     onPressed: () =&gt; controller.</a:t>
-            </a:r>
-            <a:r>
-              <a:rPr lang="es" sz="1050">
-                <a:solidFill>
-                  <a:srgbClr val="DCDCAA"/>
-                </a:solidFill>
-                <a:highlight>
-                  <a:srgbClr val="1E1E1E"/>
-                </a:highlight>
-                <a:latin typeface="Courier New"/>
-                <a:ea typeface="Courier New"/>
-                <a:cs typeface="Courier New"/>
-                <a:sym typeface="Courier New"/>
-              </a:rPr>
-              <a:t>updateDecimal</a:t>
-            </a:r>
-            <a:r>
-              <a:rPr lang="es" sz="1050">
-                <a:solidFill>
-                  <a:srgbClr val="D4D4D4"/>
-                </a:solidFill>
-                <a:highlight>
-                  <a:srgbClr val="1E1E1E"/>
-                </a:highlight>
-                <a:latin typeface="Courier New"/>
-                <a:ea typeface="Courier New"/>
-                <a:cs typeface="Courier New"/>
-                <a:sym typeface="Courier New"/>
-              </a:rPr>
-              <a:t>(</a:t>
-            </a:r>
-            <a:r>
-              <a:rPr lang="es" sz="1050">
-                <a:solidFill>
-                  <a:srgbClr val="B5CEA8"/>
-                </a:solidFill>
-                <a:highlight>
-                  <a:srgbClr val="1E1E1E"/>
-                </a:highlight>
-                <a:latin typeface="Courier New"/>
-                <a:ea typeface="Courier New"/>
-                <a:cs typeface="Courier New"/>
-                <a:sym typeface="Courier New"/>
-              </a:rPr>
-              <a:t>1</a:t>
-            </a:r>
-            <a:r>
-              <a:rPr lang="es" sz="1050">
-                <a:solidFill>
-                  <a:srgbClr val="D4D4D4"/>
-                </a:solidFill>
-                <a:highlight>
-                  <a:srgbClr val="1E1E1E"/>
-                </a:highlight>
-                <a:latin typeface="Courier New"/>
-                <a:ea typeface="Courier New"/>
-                <a:cs typeface="Courier New"/>
-                <a:sym typeface="Courier New"/>
-              </a:rPr>
-              <a:t>),</a:t>
-            </a:r>
-            <a:endParaRPr sz="1050">
-              <a:solidFill>
-                <a:srgbClr val="D4D4D4"/>
-              </a:solidFill>
-              <a:highlight>
-                <a:srgbClr val="1E1E1E"/>
-              </a:highlight>
-              <a:latin typeface="Courier New"/>
-              <a:ea typeface="Courier New"/>
-              <a:cs typeface="Courier New"/>
-              <a:sym typeface="Courier New"/>
-            </a:endParaRPr>
-          </a:p>
-          <a:p>
-            <a:pPr indent="0" lvl="0" marL="0" rtl="0" algn="l">
-              <a:lnSpc>
-                <a:spcPct val="135714"/>
-              </a:lnSpc>
-              <a:spcBef>
-                <a:spcPts val="0"/>
-              </a:spcBef>
-              <a:spcAft>
-                <a:spcPts val="0"/>
-              </a:spcAft>
-              <a:buClr>
-                <a:schemeClr val="dk1"/>
-              </a:buClr>
-              <a:buSzPts val="1100"/>
-              <a:buFont typeface="Arial"/>
-              <a:buNone/>
-            </a:pPr>
-            <a:r>
-              <a:rPr lang="es" sz="1050">
-                <a:solidFill>
-                  <a:srgbClr val="D4D4D4"/>
-                </a:solidFill>
-                <a:highlight>
-                  <a:srgbClr val="1E1E1E"/>
-                </a:highlight>
-                <a:latin typeface="Courier New"/>
-                <a:ea typeface="Courier New"/>
-                <a:cs typeface="Courier New"/>
-                <a:sym typeface="Courier New"/>
-              </a:rPr>
-              <a:t>   ),</a:t>
-            </a:r>
-            <a:endParaRPr sz="1050">
-              <a:solidFill>
-                <a:srgbClr val="D4D4D4"/>
-              </a:solidFill>
-              <a:highlight>
-                <a:srgbClr val="1E1E1E"/>
-              </a:highlight>
-              <a:latin typeface="Courier New"/>
-              <a:ea typeface="Courier New"/>
-              <a:cs typeface="Courier New"/>
-              <a:sym typeface="Courier New"/>
-            </a:endParaRPr>
-          </a:p>
-          <a:p>
-            <a:pPr indent="0" lvl="0" marL="0" rtl="0" algn="l">
-              <a:lnSpc>
-                <a:spcPct val="135714"/>
-              </a:lnSpc>
-              <a:spcBef>
-                <a:spcPts val="0"/>
-              </a:spcBef>
-              <a:spcAft>
-                <a:spcPts val="0"/>
-              </a:spcAft>
-              <a:buClr>
-                <a:schemeClr val="dk1"/>
-              </a:buClr>
-              <a:buSzPts val="1100"/>
-              <a:buFont typeface="Arial"/>
-              <a:buNone/>
-            </a:pPr>
-            <a:r>
-              <a:rPr lang="es" sz="1050">
-                <a:solidFill>
-                  <a:srgbClr val="D4D4D4"/>
-                </a:solidFill>
-                <a:highlight>
-                  <a:srgbClr val="1E1E1E"/>
-                </a:highlight>
-                <a:latin typeface="Courier New"/>
-                <a:ea typeface="Courier New"/>
-                <a:cs typeface="Courier New"/>
-                <a:sym typeface="Courier New"/>
-              </a:rPr>
-              <a:t> ),</a:t>
-            </a:r>
-            <a:endParaRPr sz="1050">
-              <a:solidFill>
-                <a:srgbClr val="D4D4D4"/>
-              </a:solidFill>
-              <a:highlight>
-                <a:srgbClr val="1E1E1E"/>
-              </a:highlight>
-              <a:latin typeface="Courier New"/>
-              <a:ea typeface="Courier New"/>
-              <a:cs typeface="Courier New"/>
-              <a:sym typeface="Courier New"/>
-            </a:endParaRPr>
-          </a:p>
-          <a:p>
-            <a:pPr indent="0" lvl="0" marL="0" rtl="0" algn="l">
-              <a:lnSpc>
-                <a:spcPct val="135714"/>
-              </a:lnSpc>
-              <a:spcBef>
-                <a:spcPts val="0"/>
-              </a:spcBef>
-              <a:spcAft>
-                <a:spcPts val="0"/>
-              </a:spcAft>
-              <a:buClr>
-                <a:schemeClr val="dk1"/>
-              </a:buClr>
-              <a:buSzPts val="1100"/>
-              <a:buFont typeface="Arial"/>
-              <a:buNone/>
-            </a:pPr>
-            <a:r>
-              <a:rPr lang="es" sz="1050">
-                <a:solidFill>
-                  <a:srgbClr val="D4D4D4"/>
-                </a:solidFill>
-                <a:highlight>
-                  <a:srgbClr val="1E1E1E"/>
-                </a:highlight>
-                <a:latin typeface="Courier New"/>
-                <a:ea typeface="Courier New"/>
-                <a:cs typeface="Courier New"/>
-                <a:sym typeface="Courier New"/>
-              </a:rPr>
-              <a:t>),</a:t>
-            </a:r>
-            <a:endParaRPr sz="1050">
-              <a:solidFill>
-                <a:srgbClr val="D4D4D4"/>
-              </a:solidFill>
-              <a:highlight>
-                <a:srgbClr val="1E1E1E"/>
-              </a:highlight>
-              <a:latin typeface="Courier New"/>
-              <a:ea typeface="Courier New"/>
-              <a:cs typeface="Courier New"/>
-              <a:sym typeface="Courier New"/>
-            </a:endParaRPr>
-          </a:p>
-          <a:p>
-            <a:pPr indent="0" lvl="0" marL="0" rtl="0" algn="l">
-              <a:lnSpc>
-                <a:spcPct val="100000"/>
-              </a:lnSpc>
-              <a:spcBef>
-                <a:spcPts val="0"/>
-              </a:spcBef>
-              <a:spcAft>
-                <a:spcPts val="0"/>
-              </a:spcAft>
-              <a:buSzPts val="1100"/>
-              <a:buNone/>
-            </a:pPr>
-            <a:r>
-              <a:t/>
-            </a:r>
-            <a:endParaRPr/>
-          </a:p>
-          <a:p>
-            <a:pPr indent="0" lvl="0" marL="0" rtl="0" algn="l">
-              <a:lnSpc>
-                <a:spcPct val="100000"/>
-              </a:lnSpc>
-              <a:spcBef>
-                <a:spcPts val="0"/>
-              </a:spcBef>
-              <a:spcAft>
-                <a:spcPts val="0"/>
-              </a:spcAft>
-              <a:buSzPts val="1100"/>
-              <a:buNone/>
-            </a:pPr>
-            <a:r>
-              <a:t/>
-            </a:r>
-            <a:endParaRPr/>
-          </a:p>
-          <a:p>
-            <a:pPr indent="0" lvl="0" marL="0" rtl="0" algn="l">
-              <a:lnSpc>
-                <a:spcPct val="135714"/>
-              </a:lnSpc>
-              <a:spcBef>
-                <a:spcPts val="0"/>
-              </a:spcBef>
-              <a:spcAft>
-                <a:spcPts val="0"/>
-              </a:spcAft>
-              <a:buClr>
-                <a:schemeClr val="dk1"/>
-              </a:buClr>
-              <a:buSzPts val="1100"/>
-              <a:buFont typeface="Arial"/>
-              <a:buNone/>
-            </a:pPr>
-            <a:r>
-              <a:rPr lang="es" sz="1050">
-                <a:solidFill>
-                  <a:srgbClr val="D4D4D4"/>
-                </a:solidFill>
-                <a:highlight>
-                  <a:srgbClr val="1E1E1E"/>
-                </a:highlight>
-                <a:latin typeface="Courier New"/>
-                <a:ea typeface="Courier New"/>
-                <a:cs typeface="Courier New"/>
-                <a:sym typeface="Courier New"/>
-              </a:rPr>
-              <a:t>onPressed: () =&gt; controller.</a:t>
-            </a:r>
-            <a:r>
-              <a:rPr lang="es" sz="1050">
-                <a:solidFill>
-                  <a:srgbClr val="DCDCAA"/>
-                </a:solidFill>
-                <a:highlight>
-                  <a:srgbClr val="1E1E1E"/>
-                </a:highlight>
-                <a:latin typeface="Courier New"/>
-                <a:ea typeface="Courier New"/>
-                <a:cs typeface="Courier New"/>
-                <a:sym typeface="Courier New"/>
-              </a:rPr>
-              <a:t>updateDecimal</a:t>
-            </a:r>
-            <a:r>
-              <a:rPr lang="es" sz="1050">
-                <a:solidFill>
-                  <a:srgbClr val="D4D4D4"/>
-                </a:solidFill>
-                <a:highlight>
-                  <a:srgbClr val="1E1E1E"/>
-                </a:highlight>
-                <a:latin typeface="Courier New"/>
-                <a:ea typeface="Courier New"/>
-                <a:cs typeface="Courier New"/>
-                <a:sym typeface="Courier New"/>
-              </a:rPr>
-              <a:t>(</a:t>
-            </a:r>
-            <a:r>
-              <a:rPr lang="es" sz="1050">
-                <a:solidFill>
-                  <a:srgbClr val="B5CEA8"/>
-                </a:solidFill>
-                <a:highlight>
-                  <a:srgbClr val="1E1E1E"/>
-                </a:highlight>
-                <a:latin typeface="Courier New"/>
-                <a:ea typeface="Courier New"/>
-                <a:cs typeface="Courier New"/>
-                <a:sym typeface="Courier New"/>
-              </a:rPr>
-              <a:t>1</a:t>
-            </a:r>
-            <a:r>
-              <a:rPr lang="es" sz="1050">
-                <a:solidFill>
-                  <a:srgbClr val="D4D4D4"/>
-                </a:solidFill>
-                <a:highlight>
-                  <a:srgbClr val="1E1E1E"/>
-                </a:highlight>
-                <a:latin typeface="Courier New"/>
-                <a:ea typeface="Courier New"/>
-                <a:cs typeface="Courier New"/>
-                <a:sym typeface="Courier New"/>
-              </a:rPr>
-              <a:t>),</a:t>
-            </a:r>
-            <a:endParaRPr sz="1050">
-              <a:solidFill>
-                <a:srgbClr val="D4D4D4"/>
-              </a:solidFill>
-              <a:highlight>
-                <a:srgbClr val="1E1E1E"/>
-              </a:highlight>
               <a:latin typeface="Courier New"/>
               <a:ea typeface="Courier New"/>
               <a:cs typeface="Courier New"/>
@@ -5062,70 +3380,99 @@
             <a:r>
               <a:rPr lang="es" sz="1050">
                 <a:solidFill>
-                  <a:srgbClr val="4EC9B0"/>
-                </a:solidFill>
-                <a:highlight>
-                  <a:srgbClr val="1E1E1E"/>
-                </a:highlight>
+                  <a:schemeClr val="dk1"/>
+                </a:solidFill>
                 <a:latin typeface="Courier New"/>
                 <a:ea typeface="Courier New"/>
                 <a:cs typeface="Courier New"/>
                 <a:sym typeface="Courier New"/>
               </a:rPr>
-              <a:t>Obx</a:t>
-            </a:r>
+              <a:t>Obx(() =&gt; Text(</a:t>
+            </a:r>
+            <a:endParaRPr sz="1050">
+              <a:solidFill>
+                <a:schemeClr val="dk1"/>
+              </a:solidFill>
+              <a:latin typeface="Courier New"/>
+              <a:ea typeface="Courier New"/>
+              <a:cs typeface="Courier New"/>
+              <a:sym typeface="Courier New"/>
+            </a:endParaRPr>
+          </a:p>
+          <a:p>
+            <a:pPr indent="0" lvl="0" marL="0" rtl="0" algn="l">
+              <a:lnSpc>
+                <a:spcPct val="135714"/>
+              </a:lnSpc>
+              <a:spcBef>
+                <a:spcPts val="0"/>
+              </a:spcBef>
+              <a:spcAft>
+                <a:spcPts val="0"/>
+              </a:spcAft>
+              <a:buClr>
+                <a:schemeClr val="dk1"/>
+              </a:buClr>
+              <a:buSzPts val="1100"/>
+              <a:buFont typeface="Arial"/>
+              <a:buNone/>
+            </a:pPr>
             <a:r>
               <a:rPr lang="es" sz="1050">
                 <a:solidFill>
-                  <a:srgbClr val="D4D4D4"/>
-                </a:solidFill>
-                <a:highlight>
-                  <a:srgbClr val="1E1E1E"/>
-                </a:highlight>
+                  <a:schemeClr val="dk1"/>
+                </a:solidFill>
                 <a:latin typeface="Courier New"/>
                 <a:ea typeface="Courier New"/>
                 <a:cs typeface="Courier New"/>
                 <a:sym typeface="Courier New"/>
               </a:rPr>
-              <a:t>(() =&gt; </a:t>
-            </a:r>
+              <a:t> // here we get the binary value from the state</a:t>
+            </a:r>
+            <a:endParaRPr sz="1050">
+              <a:solidFill>
+                <a:schemeClr val="dk1"/>
+              </a:solidFill>
+              <a:latin typeface="Courier New"/>
+              <a:ea typeface="Courier New"/>
+              <a:cs typeface="Courier New"/>
+              <a:sym typeface="Courier New"/>
+            </a:endParaRPr>
+          </a:p>
+          <a:p>
+            <a:pPr indent="0" lvl="0" marL="0" rtl="0" algn="l">
+              <a:lnSpc>
+                <a:spcPct val="135714"/>
+              </a:lnSpc>
+              <a:spcBef>
+                <a:spcPts val="0"/>
+              </a:spcBef>
+              <a:spcAft>
+                <a:spcPts val="0"/>
+              </a:spcAft>
+              <a:buClr>
+                <a:schemeClr val="dk1"/>
+              </a:buClr>
+              <a:buSzPts val="1100"/>
+              <a:buFont typeface="Arial"/>
+              <a:buNone/>
+            </a:pPr>
             <a:r>
               <a:rPr lang="es" sz="1050">
                 <a:solidFill>
-                  <a:srgbClr val="4EC9B0"/>
-                </a:solidFill>
-                <a:highlight>
-                  <a:srgbClr val="1E1E1E"/>
-                </a:highlight>
+                  <a:schemeClr val="dk1"/>
+                </a:solidFill>
                 <a:latin typeface="Courier New"/>
                 <a:ea typeface="Courier New"/>
                 <a:cs typeface="Courier New"/>
                 <a:sym typeface="Courier New"/>
               </a:rPr>
-              <a:t>Text</a:t>
-            </a:r>
-            <a:r>
-              <a:rPr lang="es" sz="1050">
-                <a:solidFill>
-                  <a:srgbClr val="D4D4D4"/>
-                </a:solidFill>
-                <a:highlight>
-                  <a:srgbClr val="1E1E1E"/>
-                </a:highlight>
-                <a:latin typeface="Courier New"/>
-                <a:ea typeface="Courier New"/>
-                <a:cs typeface="Courier New"/>
-                <a:sym typeface="Courier New"/>
-              </a:rPr>
-              <a:t>(</a:t>
+              <a:t> '${controller.binary}',</a:t>
             </a:r>
             <a:endParaRPr sz="1050">
               <a:solidFill>
-                <a:srgbClr val="D4D4D4"/>
+                <a:schemeClr val="dk1"/>
               </a:solidFill>
-              <a:highlight>
-                <a:srgbClr val="1E1E1E"/>
-              </a:highlight>
               <a:latin typeface="Courier New"/>
               <a:ea typeface="Courier New"/>
               <a:cs typeface="Courier New"/>
@@ -5153,178 +3500,8 @@
             <a:r>
               <a:rPr lang="es" sz="1050">
                 <a:solidFill>
-                  <a:srgbClr val="D4D4D4"/>
-                </a:solidFill>
-                <a:highlight>
-                  <a:srgbClr val="1E1E1E"/>
-                </a:highlight>
-                <a:latin typeface="Courier New"/>
-                <a:ea typeface="Courier New"/>
-                <a:cs typeface="Courier New"/>
-                <a:sym typeface="Courier New"/>
-              </a:rPr>
-              <a:t> </a:t>
-            </a:r>
-            <a:r>
-              <a:rPr lang="es" sz="1050">
-                <a:solidFill>
-                  <a:srgbClr val="6A9955"/>
-                </a:solidFill>
-                <a:highlight>
-                  <a:srgbClr val="1E1E1E"/>
-                </a:highlight>
-                <a:latin typeface="Courier New"/>
-                <a:ea typeface="Courier New"/>
-                <a:cs typeface="Courier New"/>
-                <a:sym typeface="Courier New"/>
-              </a:rPr>
-              <a:t>// here we get the binary value from the state</a:t>
-            </a:r>
-            <a:endParaRPr sz="1050">
-              <a:solidFill>
-                <a:srgbClr val="6A9955"/>
-              </a:solidFill>
-              <a:highlight>
-                <a:srgbClr val="1E1E1E"/>
-              </a:highlight>
-              <a:latin typeface="Courier New"/>
-              <a:ea typeface="Courier New"/>
-              <a:cs typeface="Courier New"/>
-              <a:sym typeface="Courier New"/>
-            </a:endParaRPr>
-          </a:p>
-          <a:p>
-            <a:pPr indent="0" lvl="0" marL="0" rtl="0" algn="l">
-              <a:lnSpc>
-                <a:spcPct val="135714"/>
-              </a:lnSpc>
-              <a:spcBef>
-                <a:spcPts val="0"/>
-              </a:spcBef>
-              <a:spcAft>
-                <a:spcPts val="0"/>
-              </a:spcAft>
-              <a:buClr>
-                <a:schemeClr val="dk1"/>
-              </a:buClr>
-              <a:buSzPts val="1100"/>
-              <a:buFont typeface="Arial"/>
-              <a:buNone/>
-            </a:pPr>
-            <a:r>
-              <a:rPr lang="es" sz="1050">
-                <a:solidFill>
-                  <a:srgbClr val="D4D4D4"/>
-                </a:solidFill>
-                <a:highlight>
-                  <a:srgbClr val="1E1E1E"/>
-                </a:highlight>
-                <a:latin typeface="Courier New"/>
-                <a:ea typeface="Courier New"/>
-                <a:cs typeface="Courier New"/>
-                <a:sym typeface="Courier New"/>
-              </a:rPr>
-              <a:t> </a:t>
-            </a:r>
-            <a:r>
-              <a:rPr lang="es" sz="1050">
-                <a:solidFill>
-                  <a:srgbClr val="CE9178"/>
-                </a:solidFill>
-                <a:highlight>
-                  <a:srgbClr val="1E1E1E"/>
-                </a:highlight>
-                <a:latin typeface="Courier New"/>
-                <a:ea typeface="Courier New"/>
-                <a:cs typeface="Courier New"/>
-                <a:sym typeface="Courier New"/>
-              </a:rPr>
-              <a:t>'${</a:t>
-            </a:r>
-            <a:r>
-              <a:rPr lang="es" sz="1050">
-                <a:solidFill>
-                  <a:srgbClr val="9CDCFE"/>
-                </a:solidFill>
-                <a:highlight>
-                  <a:srgbClr val="1E1E1E"/>
-                </a:highlight>
-                <a:latin typeface="Courier New"/>
-                <a:ea typeface="Courier New"/>
-                <a:cs typeface="Courier New"/>
-                <a:sym typeface="Courier New"/>
-              </a:rPr>
-              <a:t>controller.binary</a:t>
-            </a:r>
-            <a:r>
-              <a:rPr lang="es" sz="1050">
-                <a:solidFill>
-                  <a:srgbClr val="CE9178"/>
-                </a:solidFill>
-                <a:highlight>
-                  <a:srgbClr val="1E1E1E"/>
-                </a:highlight>
-                <a:latin typeface="Courier New"/>
-                <a:ea typeface="Courier New"/>
-                <a:cs typeface="Courier New"/>
-                <a:sym typeface="Courier New"/>
-              </a:rPr>
-              <a:t>}'</a:t>
-            </a:r>
-            <a:r>
-              <a:rPr lang="es" sz="1050">
-                <a:solidFill>
-                  <a:srgbClr val="D4D4D4"/>
-                </a:solidFill>
-                <a:highlight>
-                  <a:srgbClr val="1E1E1E"/>
-                </a:highlight>
-                <a:latin typeface="Courier New"/>
-                <a:ea typeface="Courier New"/>
-                <a:cs typeface="Courier New"/>
-                <a:sym typeface="Courier New"/>
-              </a:rPr>
-              <a:t>,</a:t>
-            </a:r>
-            <a:endParaRPr sz="1050">
-              <a:solidFill>
-                <a:srgbClr val="D4D4D4"/>
-              </a:solidFill>
-              <a:highlight>
-                <a:srgbClr val="1E1E1E"/>
-              </a:highlight>
-              <a:latin typeface="Courier New"/>
-              <a:ea typeface="Courier New"/>
-              <a:cs typeface="Courier New"/>
-              <a:sym typeface="Courier New"/>
-            </a:endParaRPr>
-          </a:p>
-          <a:p>
-            <a:pPr indent="0" lvl="0" marL="0" rtl="0" algn="l">
-              <a:lnSpc>
-                <a:spcPct val="135714"/>
-              </a:lnSpc>
-              <a:spcBef>
-                <a:spcPts val="0"/>
-              </a:spcBef>
-              <a:spcAft>
-                <a:spcPts val="0"/>
-              </a:spcAft>
-              <a:buClr>
-                <a:schemeClr val="dk1"/>
-              </a:buClr>
-              <a:buSzPts val="1100"/>
-              <a:buFont typeface="Arial"/>
-              <a:buNone/>
-            </a:pPr>
-            <a:r>
-              <a:rPr lang="es" sz="1050">
-                <a:solidFill>
-                  <a:srgbClr val="D4D4D4"/>
-                </a:solidFill>
-                <a:highlight>
-                  <a:srgbClr val="1E1E1E"/>
-                </a:highlight>
+                  <a:schemeClr val="dk1"/>
+                </a:solidFill>
                 <a:latin typeface="Courier New"/>
                 <a:ea typeface="Courier New"/>
                 <a:cs typeface="Courier New"/>
@@ -5334,11 +3511,8 @@
             </a:r>
             <a:endParaRPr sz="1050">
               <a:solidFill>
-                <a:srgbClr val="D4D4D4"/>
+                <a:schemeClr val="dk1"/>
               </a:solidFill>
-              <a:highlight>
-                <a:srgbClr val="1E1E1E"/>
-              </a:highlight>
               <a:latin typeface="Courier New"/>
               <a:ea typeface="Courier New"/>
               <a:cs typeface="Courier New"/>
@@ -5366,11 +3540,8 @@
             <a:r>
               <a:rPr lang="es" sz="1050">
                 <a:solidFill>
-                  <a:srgbClr val="D4D4D4"/>
-                </a:solidFill>
-                <a:highlight>
-                  <a:srgbClr val="1E1E1E"/>
-                </a:highlight>
+                  <a:schemeClr val="dk1"/>
+                </a:solidFill>
                 <a:latin typeface="Courier New"/>
                 <a:ea typeface="Courier New"/>
                 <a:cs typeface="Courier New"/>
@@ -5380,11 +3551,8 @@
             </a:r>
             <a:endParaRPr sz="1050">
               <a:solidFill>
-                <a:srgbClr val="D4D4D4"/>
+                <a:schemeClr val="dk1"/>
               </a:solidFill>
-              <a:highlight>
-                <a:srgbClr val="1E1E1E"/>
-              </a:highlight>
               <a:latin typeface="Courier New"/>
               <a:ea typeface="Courier New"/>
               <a:cs typeface="Courier New"/>
@@ -6114,130 +4282,139 @@
             <a:r>
               <a:rPr lang="es" sz="1050">
                 <a:solidFill>
-                  <a:srgbClr val="569CD6"/>
-                </a:solidFill>
-                <a:highlight>
-                  <a:srgbClr val="1E1E1E"/>
-                </a:highlight>
+                  <a:schemeClr val="dk1"/>
+                </a:solidFill>
                 <a:latin typeface="Courier New"/>
                 <a:ea typeface="Courier New"/>
                 <a:cs typeface="Courier New"/>
                 <a:sym typeface="Courier New"/>
               </a:rPr>
-              <a:t>class</a:t>
-            </a:r>
+              <a:t>class MyApp extends StatelessWidget {</a:t>
+            </a:r>
+            <a:endParaRPr sz="1050">
+              <a:solidFill>
+                <a:schemeClr val="dk1"/>
+              </a:solidFill>
+              <a:latin typeface="Courier New"/>
+              <a:ea typeface="Courier New"/>
+              <a:cs typeface="Courier New"/>
+              <a:sym typeface="Courier New"/>
+            </a:endParaRPr>
+          </a:p>
+          <a:p>
+            <a:pPr indent="0" lvl="0" marL="0" rtl="0" algn="l">
+              <a:lnSpc>
+                <a:spcPct val="135714"/>
+              </a:lnSpc>
+              <a:spcBef>
+                <a:spcPts val="0"/>
+              </a:spcBef>
+              <a:spcAft>
+                <a:spcPts val="0"/>
+              </a:spcAft>
+              <a:buClr>
+                <a:schemeClr val="dk1"/>
+              </a:buClr>
+              <a:buSzPts val="1100"/>
+              <a:buFont typeface="Arial"/>
+              <a:buNone/>
+            </a:pPr>
             <a:r>
               <a:rPr lang="es" sz="1050">
                 <a:solidFill>
-                  <a:srgbClr val="D4D4D4"/>
-                </a:solidFill>
-                <a:highlight>
-                  <a:srgbClr val="1E1E1E"/>
-                </a:highlight>
+                  <a:schemeClr val="dk1"/>
+                </a:solidFill>
                 <a:latin typeface="Courier New"/>
                 <a:ea typeface="Courier New"/>
                 <a:cs typeface="Courier New"/>
                 <a:sym typeface="Courier New"/>
               </a:rPr>
-              <a:t> </a:t>
-            </a:r>
+              <a:t> @override</a:t>
+            </a:r>
+            <a:endParaRPr sz="1050">
+              <a:solidFill>
+                <a:schemeClr val="dk1"/>
+              </a:solidFill>
+              <a:latin typeface="Courier New"/>
+              <a:ea typeface="Courier New"/>
+              <a:cs typeface="Courier New"/>
+              <a:sym typeface="Courier New"/>
+            </a:endParaRPr>
+          </a:p>
+          <a:p>
+            <a:pPr indent="0" lvl="0" marL="0" rtl="0" algn="l">
+              <a:lnSpc>
+                <a:spcPct val="135714"/>
+              </a:lnSpc>
+              <a:spcBef>
+                <a:spcPts val="0"/>
+              </a:spcBef>
+              <a:spcAft>
+                <a:spcPts val="0"/>
+              </a:spcAft>
+              <a:buClr>
+                <a:schemeClr val="dk1"/>
+              </a:buClr>
+              <a:buSzPts val="1100"/>
+              <a:buFont typeface="Arial"/>
+              <a:buNone/>
+            </a:pPr>
             <a:r>
               <a:rPr lang="es" sz="1050">
                 <a:solidFill>
-                  <a:srgbClr val="4EC9B0"/>
-                </a:solidFill>
-                <a:highlight>
-                  <a:srgbClr val="1E1E1E"/>
-                </a:highlight>
+                  <a:schemeClr val="dk1"/>
+                </a:solidFill>
                 <a:latin typeface="Courier New"/>
                 <a:ea typeface="Courier New"/>
                 <a:cs typeface="Courier New"/>
                 <a:sym typeface="Courier New"/>
               </a:rPr>
-              <a:t>MyApp</a:t>
-            </a:r>
+              <a:t> Widget build(BuildContext context) {</a:t>
+            </a:r>
+            <a:endParaRPr sz="1050">
+              <a:solidFill>
+                <a:schemeClr val="dk1"/>
+              </a:solidFill>
+              <a:latin typeface="Courier New"/>
+              <a:ea typeface="Courier New"/>
+              <a:cs typeface="Courier New"/>
+              <a:sym typeface="Courier New"/>
+            </a:endParaRPr>
+          </a:p>
+          <a:p>
+            <a:pPr indent="0" lvl="0" marL="0" rtl="0" algn="l">
+              <a:lnSpc>
+                <a:spcPct val="135714"/>
+              </a:lnSpc>
+              <a:spcBef>
+                <a:spcPts val="0"/>
+              </a:spcBef>
+              <a:spcAft>
+                <a:spcPts val="0"/>
+              </a:spcAft>
+              <a:buClr>
+                <a:schemeClr val="dk1"/>
+              </a:buClr>
+              <a:buSzPts val="1100"/>
+              <a:buFont typeface="Arial"/>
+              <a:buNone/>
+            </a:pPr>
             <a:r>
               <a:rPr lang="es" sz="1050">
                 <a:solidFill>
-                  <a:srgbClr val="D4D4D4"/>
-                </a:solidFill>
-                <a:highlight>
-                  <a:srgbClr val="1E1E1E"/>
-                </a:highlight>
+                  <a:schemeClr val="dk1"/>
+                </a:solidFill>
                 <a:latin typeface="Courier New"/>
                 <a:ea typeface="Courier New"/>
                 <a:cs typeface="Courier New"/>
                 <a:sym typeface="Courier New"/>
               </a:rPr>
-              <a:t> </a:t>
-            </a:r>
-            <a:r>
-              <a:rPr lang="es" sz="1050">
-                <a:solidFill>
-                  <a:srgbClr val="569CD6"/>
-                </a:solidFill>
-                <a:highlight>
-                  <a:srgbClr val="1E1E1E"/>
-                </a:highlight>
-                <a:latin typeface="Courier New"/>
-                <a:ea typeface="Courier New"/>
-                <a:cs typeface="Courier New"/>
-                <a:sym typeface="Courier New"/>
-              </a:rPr>
-              <a:t>extends</a:t>
-            </a:r>
-            <a:r>
-              <a:rPr lang="es" sz="1050">
-                <a:solidFill>
-                  <a:srgbClr val="D4D4D4"/>
-                </a:solidFill>
-                <a:highlight>
-                  <a:srgbClr val="1E1E1E"/>
-                </a:highlight>
-                <a:latin typeface="Courier New"/>
-                <a:ea typeface="Courier New"/>
-                <a:cs typeface="Courier New"/>
-                <a:sym typeface="Courier New"/>
-              </a:rPr>
-              <a:t> </a:t>
-            </a:r>
-            <a:r>
-              <a:rPr lang="es" sz="1050">
-                <a:solidFill>
-                  <a:srgbClr val="4EC9B0"/>
-                </a:solidFill>
-                <a:highlight>
-                  <a:srgbClr val="1E1E1E"/>
-                </a:highlight>
-                <a:latin typeface="Courier New"/>
-                <a:ea typeface="Courier New"/>
-                <a:cs typeface="Courier New"/>
-                <a:sym typeface="Courier New"/>
-              </a:rPr>
-              <a:t>StatelessWidget</a:t>
-            </a:r>
-            <a:r>
-              <a:rPr lang="es" sz="1050">
-                <a:solidFill>
-                  <a:srgbClr val="D4D4D4"/>
-                </a:solidFill>
-                <a:highlight>
-                  <a:srgbClr val="1E1E1E"/>
-                </a:highlight>
-                <a:latin typeface="Courier New"/>
-                <a:ea typeface="Courier New"/>
-                <a:cs typeface="Courier New"/>
-                <a:sym typeface="Courier New"/>
-              </a:rPr>
-              <a:t> {</a:t>
+              <a:t>   return GetMaterialApp(); // en lugar de MaterialApp</a:t>
             </a:r>
             <a:endParaRPr sz="1050">
               <a:solidFill>
-                <a:srgbClr val="D4D4D4"/>
+                <a:schemeClr val="dk1"/>
               </a:solidFill>
-              <a:highlight>
-                <a:srgbClr val="1E1E1E"/>
-              </a:highlight>
               <a:latin typeface="Courier New"/>
               <a:ea typeface="Courier New"/>
               <a:cs typeface="Courier New"/>
@@ -6265,329 +4442,8 @@
             <a:r>
               <a:rPr lang="es" sz="1050">
                 <a:solidFill>
-                  <a:srgbClr val="D4D4D4"/>
-                </a:solidFill>
-                <a:highlight>
-                  <a:srgbClr val="1E1E1E"/>
-                </a:highlight>
-                <a:latin typeface="Courier New"/>
-                <a:ea typeface="Courier New"/>
-                <a:cs typeface="Courier New"/>
-                <a:sym typeface="Courier New"/>
-              </a:rPr>
-              <a:t> </a:t>
-            </a:r>
-            <a:r>
-              <a:rPr lang="es" sz="1050">
-                <a:solidFill>
-                  <a:srgbClr val="569CD6"/>
-                </a:solidFill>
-                <a:highlight>
-                  <a:srgbClr val="1E1E1E"/>
-                </a:highlight>
-                <a:latin typeface="Courier New"/>
-                <a:ea typeface="Courier New"/>
-                <a:cs typeface="Courier New"/>
-                <a:sym typeface="Courier New"/>
-              </a:rPr>
-              <a:t>@override</a:t>
-            </a:r>
-            <a:endParaRPr sz="1050">
-              <a:solidFill>
-                <a:srgbClr val="569CD6"/>
-              </a:solidFill>
-              <a:highlight>
-                <a:srgbClr val="1E1E1E"/>
-              </a:highlight>
-              <a:latin typeface="Courier New"/>
-              <a:ea typeface="Courier New"/>
-              <a:cs typeface="Courier New"/>
-              <a:sym typeface="Courier New"/>
-            </a:endParaRPr>
-          </a:p>
-          <a:p>
-            <a:pPr indent="0" lvl="0" marL="0" rtl="0" algn="l">
-              <a:lnSpc>
-                <a:spcPct val="135714"/>
-              </a:lnSpc>
-              <a:spcBef>
-                <a:spcPts val="0"/>
-              </a:spcBef>
-              <a:spcAft>
-                <a:spcPts val="0"/>
-              </a:spcAft>
-              <a:buClr>
-                <a:schemeClr val="dk1"/>
-              </a:buClr>
-              <a:buSzPts val="1100"/>
-              <a:buFont typeface="Arial"/>
-              <a:buNone/>
-            </a:pPr>
-            <a:r>
-              <a:rPr lang="es" sz="1050">
-                <a:solidFill>
-                  <a:srgbClr val="D4D4D4"/>
-                </a:solidFill>
-                <a:highlight>
-                  <a:srgbClr val="1E1E1E"/>
-                </a:highlight>
-                <a:latin typeface="Courier New"/>
-                <a:ea typeface="Courier New"/>
-                <a:cs typeface="Courier New"/>
-                <a:sym typeface="Courier New"/>
-              </a:rPr>
-              <a:t> </a:t>
-            </a:r>
-            <a:r>
-              <a:rPr lang="es" sz="1050">
-                <a:solidFill>
-                  <a:srgbClr val="4EC9B0"/>
-                </a:solidFill>
-                <a:highlight>
-                  <a:srgbClr val="1E1E1E"/>
-                </a:highlight>
-                <a:latin typeface="Courier New"/>
-                <a:ea typeface="Courier New"/>
-                <a:cs typeface="Courier New"/>
-                <a:sym typeface="Courier New"/>
-              </a:rPr>
-              <a:t>Widget</a:t>
-            </a:r>
-            <a:r>
-              <a:rPr lang="es" sz="1050">
-                <a:solidFill>
-                  <a:srgbClr val="D4D4D4"/>
-                </a:solidFill>
-                <a:highlight>
-                  <a:srgbClr val="1E1E1E"/>
-                </a:highlight>
-                <a:latin typeface="Courier New"/>
-                <a:ea typeface="Courier New"/>
-                <a:cs typeface="Courier New"/>
-                <a:sym typeface="Courier New"/>
-              </a:rPr>
-              <a:t> </a:t>
-            </a:r>
-            <a:r>
-              <a:rPr lang="es" sz="1050">
-                <a:solidFill>
-                  <a:srgbClr val="DCDCAA"/>
-                </a:solidFill>
-                <a:highlight>
-                  <a:srgbClr val="1E1E1E"/>
-                </a:highlight>
-                <a:latin typeface="Courier New"/>
-                <a:ea typeface="Courier New"/>
-                <a:cs typeface="Courier New"/>
-                <a:sym typeface="Courier New"/>
-              </a:rPr>
-              <a:t>build</a:t>
-            </a:r>
-            <a:r>
-              <a:rPr lang="es" sz="1050">
-                <a:solidFill>
-                  <a:srgbClr val="D4D4D4"/>
-                </a:solidFill>
-                <a:highlight>
-                  <a:srgbClr val="1E1E1E"/>
-                </a:highlight>
-                <a:latin typeface="Courier New"/>
-                <a:ea typeface="Courier New"/>
-                <a:cs typeface="Courier New"/>
-                <a:sym typeface="Courier New"/>
-              </a:rPr>
-              <a:t>(</a:t>
-            </a:r>
-            <a:r>
-              <a:rPr lang="es" sz="1050">
-                <a:solidFill>
-                  <a:srgbClr val="4EC9B0"/>
-                </a:solidFill>
-                <a:highlight>
-                  <a:srgbClr val="1E1E1E"/>
-                </a:highlight>
-                <a:latin typeface="Courier New"/>
-                <a:ea typeface="Courier New"/>
-                <a:cs typeface="Courier New"/>
-                <a:sym typeface="Courier New"/>
-              </a:rPr>
-              <a:t>BuildContext</a:t>
-            </a:r>
-            <a:r>
-              <a:rPr lang="es" sz="1050">
-                <a:solidFill>
-                  <a:srgbClr val="D4D4D4"/>
-                </a:solidFill>
-                <a:highlight>
-                  <a:srgbClr val="1E1E1E"/>
-                </a:highlight>
-                <a:latin typeface="Courier New"/>
-                <a:ea typeface="Courier New"/>
-                <a:cs typeface="Courier New"/>
-                <a:sym typeface="Courier New"/>
-              </a:rPr>
-              <a:t> context) {</a:t>
-            </a:r>
-            <a:endParaRPr sz="1050">
-              <a:solidFill>
-                <a:srgbClr val="D4D4D4"/>
-              </a:solidFill>
-              <a:highlight>
-                <a:srgbClr val="1E1E1E"/>
-              </a:highlight>
-              <a:latin typeface="Courier New"/>
-              <a:ea typeface="Courier New"/>
-              <a:cs typeface="Courier New"/>
-              <a:sym typeface="Courier New"/>
-            </a:endParaRPr>
-          </a:p>
-          <a:p>
-            <a:pPr indent="0" lvl="0" marL="0" rtl="0" algn="l">
-              <a:lnSpc>
-                <a:spcPct val="135714"/>
-              </a:lnSpc>
-              <a:spcBef>
-                <a:spcPts val="0"/>
-              </a:spcBef>
-              <a:spcAft>
-                <a:spcPts val="0"/>
-              </a:spcAft>
-              <a:buClr>
-                <a:schemeClr val="dk1"/>
-              </a:buClr>
-              <a:buSzPts val="1100"/>
-              <a:buFont typeface="Arial"/>
-              <a:buNone/>
-            </a:pPr>
-            <a:r>
-              <a:rPr lang="es" sz="1050">
-                <a:solidFill>
-                  <a:srgbClr val="D4D4D4"/>
-                </a:solidFill>
-                <a:highlight>
-                  <a:srgbClr val="1E1E1E"/>
-                </a:highlight>
-                <a:latin typeface="Courier New"/>
-                <a:ea typeface="Courier New"/>
-                <a:cs typeface="Courier New"/>
-                <a:sym typeface="Courier New"/>
-              </a:rPr>
-              <a:t>   </a:t>
-            </a:r>
-            <a:r>
-              <a:rPr lang="es" sz="1050">
-                <a:solidFill>
-                  <a:srgbClr val="C586C0"/>
-                </a:solidFill>
-                <a:highlight>
-                  <a:srgbClr val="1E1E1E"/>
-                </a:highlight>
-                <a:latin typeface="Courier New"/>
-                <a:ea typeface="Courier New"/>
-                <a:cs typeface="Courier New"/>
-                <a:sym typeface="Courier New"/>
-              </a:rPr>
-              <a:t>return</a:t>
-            </a:r>
-            <a:r>
-              <a:rPr lang="es" sz="1050">
-                <a:solidFill>
-                  <a:srgbClr val="D4D4D4"/>
-                </a:solidFill>
-                <a:highlight>
-                  <a:srgbClr val="1E1E1E"/>
-                </a:highlight>
-                <a:latin typeface="Courier New"/>
-                <a:ea typeface="Courier New"/>
-                <a:cs typeface="Courier New"/>
-                <a:sym typeface="Courier New"/>
-              </a:rPr>
-              <a:t> </a:t>
-            </a:r>
-            <a:r>
-              <a:rPr lang="es" sz="1050">
-                <a:solidFill>
-                  <a:srgbClr val="4EC9B0"/>
-                </a:solidFill>
-                <a:highlight>
-                  <a:srgbClr val="1E1E1E"/>
-                </a:highlight>
-                <a:latin typeface="Courier New"/>
-                <a:ea typeface="Courier New"/>
-                <a:cs typeface="Courier New"/>
-                <a:sym typeface="Courier New"/>
-              </a:rPr>
-              <a:t>GetMaterialApp</a:t>
-            </a:r>
-            <a:r>
-              <a:rPr lang="es" sz="1050">
-                <a:solidFill>
-                  <a:srgbClr val="D4D4D4"/>
-                </a:solidFill>
-                <a:highlight>
-                  <a:srgbClr val="1E1E1E"/>
-                </a:highlight>
-                <a:latin typeface="Courier New"/>
-                <a:ea typeface="Courier New"/>
-                <a:cs typeface="Courier New"/>
-                <a:sym typeface="Courier New"/>
-              </a:rPr>
-              <a:t>(); </a:t>
-            </a:r>
-            <a:r>
-              <a:rPr lang="es" sz="1050">
-                <a:solidFill>
-                  <a:srgbClr val="6A9955"/>
-                </a:solidFill>
-                <a:highlight>
-                  <a:srgbClr val="1E1E1E"/>
-                </a:highlight>
-                <a:latin typeface="Courier New"/>
-                <a:ea typeface="Courier New"/>
-                <a:cs typeface="Courier New"/>
-                <a:sym typeface="Courier New"/>
-              </a:rPr>
-              <a:t>// en lugar de MaterialApp</a:t>
-            </a:r>
-            <a:endParaRPr sz="1050">
-              <a:solidFill>
-                <a:srgbClr val="6A9955"/>
-              </a:solidFill>
-              <a:highlight>
-                <a:srgbClr val="1E1E1E"/>
-              </a:highlight>
-              <a:latin typeface="Courier New"/>
-              <a:ea typeface="Courier New"/>
-              <a:cs typeface="Courier New"/>
-              <a:sym typeface="Courier New"/>
-            </a:endParaRPr>
-          </a:p>
-          <a:p>
-            <a:pPr indent="0" lvl="0" marL="0" rtl="0" algn="l">
-              <a:lnSpc>
-                <a:spcPct val="135714"/>
-              </a:lnSpc>
-              <a:spcBef>
-                <a:spcPts val="0"/>
-              </a:spcBef>
-              <a:spcAft>
-                <a:spcPts val="0"/>
-              </a:spcAft>
-              <a:buClr>
-                <a:schemeClr val="dk1"/>
-              </a:buClr>
-              <a:buSzPts val="1100"/>
-              <a:buFont typeface="Arial"/>
-              <a:buNone/>
-            </a:pPr>
-            <a:r>
-              <a:rPr lang="es" sz="1050">
-                <a:solidFill>
-                  <a:srgbClr val="D4D4D4"/>
-                </a:solidFill>
-                <a:highlight>
-                  <a:srgbClr val="1E1E1E"/>
-                </a:highlight>
+                  <a:schemeClr val="dk1"/>
+                </a:solidFill>
                 <a:latin typeface="Courier New"/>
                 <a:ea typeface="Courier New"/>
                 <a:cs typeface="Courier New"/>
@@ -6597,11 +4453,8 @@
             </a:r>
             <a:endParaRPr sz="1050">
               <a:solidFill>
-                <a:srgbClr val="D4D4D4"/>
+                <a:schemeClr val="dk1"/>
               </a:solidFill>
-              <a:highlight>
-                <a:srgbClr val="1E1E1E"/>
-              </a:highlight>
               <a:latin typeface="Courier New"/>
               <a:ea typeface="Courier New"/>
               <a:cs typeface="Courier New"/>
@@ -6629,11 +4482,8 @@
             <a:r>
               <a:rPr lang="es" sz="1050">
                 <a:solidFill>
-                  <a:srgbClr val="D4D4D4"/>
-                </a:solidFill>
-                <a:highlight>
-                  <a:srgbClr val="1E1E1E"/>
-                </a:highlight>
+                  <a:schemeClr val="dk1"/>
+                </a:solidFill>
                 <a:latin typeface="Courier New"/>
                 <a:ea typeface="Courier New"/>
                 <a:cs typeface="Courier New"/>
@@ -6643,11 +4493,8 @@
             </a:r>
             <a:endParaRPr sz="1050">
               <a:solidFill>
-                <a:srgbClr val="D4D4D4"/>
+                <a:schemeClr val="dk1"/>
               </a:solidFill>
-              <a:highlight>
-                <a:srgbClr val="1E1E1E"/>
-              </a:highlight>
               <a:latin typeface="Courier New"/>
               <a:ea typeface="Courier New"/>
               <a:cs typeface="Courier New"/>
@@ -6792,240 +4639,82 @@
             <a:r>
               <a:rPr lang="es" sz="1050">
                 <a:solidFill>
-                  <a:srgbClr val="569CD6"/>
-                </a:solidFill>
-                <a:highlight>
-                  <a:srgbClr val="1E1E1E"/>
-                </a:highlight>
+                  <a:schemeClr val="dk1"/>
+                </a:solidFill>
                 <a:latin typeface="Courier New"/>
                 <a:ea typeface="Courier New"/>
                 <a:cs typeface="Courier New"/>
                 <a:sym typeface="Courier New"/>
               </a:rPr>
-              <a:t>final</a:t>
-            </a:r>
+              <a:t>final name = "Camila".obs;</a:t>
+            </a:r>
+            <a:endParaRPr sz="1050">
+              <a:solidFill>
+                <a:schemeClr val="dk1"/>
+              </a:solidFill>
+              <a:latin typeface="Courier New"/>
+              <a:ea typeface="Courier New"/>
+              <a:cs typeface="Courier New"/>
+              <a:sym typeface="Courier New"/>
+            </a:endParaRPr>
+          </a:p>
+          <a:p>
+            <a:pPr indent="0" lvl="0" marL="0" rtl="0" algn="l">
+              <a:lnSpc>
+                <a:spcPct val="100000"/>
+              </a:lnSpc>
+              <a:spcBef>
+                <a:spcPts val="0"/>
+              </a:spcBef>
+              <a:spcAft>
+                <a:spcPts val="0"/>
+              </a:spcAft>
+              <a:buSzPts val="1100"/>
+              <a:buNone/>
+            </a:pPr>
+            <a:r>
+              <a:t/>
+            </a:r>
+            <a:endParaRPr>
+              <a:solidFill>
+                <a:schemeClr val="dk1"/>
+              </a:solidFill>
+            </a:endParaRPr>
+          </a:p>
+          <a:p>
+            <a:pPr indent="0" lvl="0" marL="0" rtl="0" algn="l">
+              <a:lnSpc>
+                <a:spcPct val="135714"/>
+              </a:lnSpc>
+              <a:spcBef>
+                <a:spcPts val="0"/>
+              </a:spcBef>
+              <a:spcAft>
+                <a:spcPts val="0"/>
+              </a:spcAft>
+              <a:buClr>
+                <a:schemeClr val="dk1"/>
+              </a:buClr>
+              <a:buSzPts val="1100"/>
+              <a:buFont typeface="Arial"/>
+              <a:buNone/>
+            </a:pPr>
             <a:r>
               <a:rPr lang="es" sz="1050">
                 <a:solidFill>
-                  <a:srgbClr val="D4D4D4"/>
-                </a:solidFill>
-                <a:highlight>
-                  <a:srgbClr val="1E1E1E"/>
-                </a:highlight>
+                  <a:schemeClr val="dk1"/>
+                </a:solidFill>
                 <a:latin typeface="Courier New"/>
                 <a:ea typeface="Courier New"/>
                 <a:cs typeface="Courier New"/>
                 <a:sym typeface="Courier New"/>
               </a:rPr>
-              <a:t> name = </a:t>
-            </a:r>
-            <a:r>
-              <a:rPr lang="es" sz="1050">
-                <a:solidFill>
-                  <a:srgbClr val="CE9178"/>
-                </a:solidFill>
-                <a:highlight>
-                  <a:srgbClr val="1E1E1E"/>
-                </a:highlight>
-                <a:latin typeface="Courier New"/>
-                <a:ea typeface="Courier New"/>
-                <a:cs typeface="Courier New"/>
-                <a:sym typeface="Courier New"/>
-              </a:rPr>
-              <a:t>"Camila"</a:t>
-            </a:r>
-            <a:r>
-              <a:rPr lang="es" sz="1050">
-                <a:solidFill>
-                  <a:srgbClr val="D4D4D4"/>
-                </a:solidFill>
-                <a:highlight>
-                  <a:srgbClr val="1E1E1E"/>
-                </a:highlight>
-                <a:latin typeface="Courier New"/>
-                <a:ea typeface="Courier New"/>
-                <a:cs typeface="Courier New"/>
-                <a:sym typeface="Courier New"/>
-              </a:rPr>
-              <a:t>.obs;</a:t>
+              <a:t>final name = Rx&lt;String&gt;('Camila');</a:t>
             </a:r>
             <a:endParaRPr sz="1050">
               <a:solidFill>
-                <a:srgbClr val="D4D4D4"/>
+                <a:schemeClr val="dk1"/>
               </a:solidFill>
-              <a:highlight>
-                <a:srgbClr val="1E1E1E"/>
-              </a:highlight>
-              <a:latin typeface="Courier New"/>
-              <a:ea typeface="Courier New"/>
-              <a:cs typeface="Courier New"/>
-              <a:sym typeface="Courier New"/>
-            </a:endParaRPr>
-          </a:p>
-          <a:p>
-            <a:pPr indent="0" lvl="0" marL="0" rtl="0" algn="l">
-              <a:lnSpc>
-                <a:spcPct val="100000"/>
-              </a:lnSpc>
-              <a:spcBef>
-                <a:spcPts val="0"/>
-              </a:spcBef>
-              <a:spcAft>
-                <a:spcPts val="0"/>
-              </a:spcAft>
-              <a:buSzPts val="1100"/>
-              <a:buNone/>
-            </a:pPr>
-            <a:r>
-              <a:t/>
-            </a:r>
-            <a:endParaRPr/>
-          </a:p>
-          <a:p>
-            <a:pPr indent="0" lvl="0" marL="0" rtl="0" algn="l">
-              <a:lnSpc>
-                <a:spcPct val="135714"/>
-              </a:lnSpc>
-              <a:spcBef>
-                <a:spcPts val="0"/>
-              </a:spcBef>
-              <a:spcAft>
-                <a:spcPts val="0"/>
-              </a:spcAft>
-              <a:buClr>
-                <a:schemeClr val="dk1"/>
-              </a:buClr>
-              <a:buSzPts val="1100"/>
-              <a:buFont typeface="Arial"/>
-              <a:buNone/>
-            </a:pPr>
-            <a:r>
-              <a:rPr lang="es" sz="1050">
-                <a:solidFill>
-                  <a:srgbClr val="569CD6"/>
-                </a:solidFill>
-                <a:highlight>
-                  <a:srgbClr val="1E1E1E"/>
-                </a:highlight>
-                <a:latin typeface="Courier New"/>
-                <a:ea typeface="Courier New"/>
-                <a:cs typeface="Courier New"/>
-                <a:sym typeface="Courier New"/>
-              </a:rPr>
-              <a:t>final</a:t>
-            </a:r>
-            <a:r>
-              <a:rPr lang="es" sz="1050">
-                <a:solidFill>
-                  <a:srgbClr val="D4D4D4"/>
-                </a:solidFill>
-                <a:highlight>
-                  <a:srgbClr val="1E1E1E"/>
-                </a:highlight>
-                <a:latin typeface="Courier New"/>
-                <a:ea typeface="Courier New"/>
-                <a:cs typeface="Courier New"/>
-                <a:sym typeface="Courier New"/>
-              </a:rPr>
-              <a:t> name = </a:t>
-            </a:r>
-            <a:r>
-              <a:rPr lang="es" sz="1050">
-                <a:solidFill>
-                  <a:srgbClr val="4EC9B0"/>
-                </a:solidFill>
-                <a:highlight>
-                  <a:srgbClr val="1E1E1E"/>
-                </a:highlight>
-                <a:latin typeface="Courier New"/>
-                <a:ea typeface="Courier New"/>
-                <a:cs typeface="Courier New"/>
-                <a:sym typeface="Courier New"/>
-              </a:rPr>
-              <a:t>Rx</a:t>
-            </a:r>
-            <a:r>
-              <a:rPr lang="es" sz="1050">
-                <a:solidFill>
-                  <a:srgbClr val="D4D4D4"/>
-                </a:solidFill>
-                <a:highlight>
-                  <a:srgbClr val="1E1E1E"/>
-                </a:highlight>
-                <a:latin typeface="Courier New"/>
-                <a:ea typeface="Courier New"/>
-                <a:cs typeface="Courier New"/>
-                <a:sym typeface="Courier New"/>
-              </a:rPr>
-              <a:t>&lt;</a:t>
-            </a:r>
-            <a:r>
-              <a:rPr lang="es" sz="1050">
-                <a:solidFill>
-                  <a:srgbClr val="4EC9B0"/>
-                </a:solidFill>
-                <a:highlight>
-                  <a:srgbClr val="1E1E1E"/>
-                </a:highlight>
-                <a:latin typeface="Courier New"/>
-                <a:ea typeface="Courier New"/>
-                <a:cs typeface="Courier New"/>
-                <a:sym typeface="Courier New"/>
-              </a:rPr>
-              <a:t>String</a:t>
-            </a:r>
-            <a:r>
-              <a:rPr lang="es" sz="1050">
-                <a:solidFill>
-                  <a:srgbClr val="D4D4D4"/>
-                </a:solidFill>
-                <a:highlight>
-                  <a:srgbClr val="1E1E1E"/>
-                </a:highlight>
-                <a:latin typeface="Courier New"/>
-                <a:ea typeface="Courier New"/>
-                <a:cs typeface="Courier New"/>
-                <a:sym typeface="Courier New"/>
-              </a:rPr>
-              <a:t>&gt;(</a:t>
-            </a:r>
-            <a:r>
-              <a:rPr lang="es" sz="1050">
-                <a:solidFill>
-                  <a:srgbClr val="CE9178"/>
-                </a:solidFill>
-                <a:highlight>
-                  <a:srgbClr val="1E1E1E"/>
-                </a:highlight>
-                <a:latin typeface="Courier New"/>
-                <a:ea typeface="Courier New"/>
-                <a:cs typeface="Courier New"/>
-                <a:sym typeface="Courier New"/>
-              </a:rPr>
-              <a:t>'Camila'</a:t>
-            </a:r>
-            <a:r>
-              <a:rPr lang="es" sz="1050">
-                <a:solidFill>
-                  <a:srgbClr val="D4D4D4"/>
-                </a:solidFill>
-                <a:highlight>
-                  <a:srgbClr val="1E1E1E"/>
-                </a:highlight>
-                <a:latin typeface="Courier New"/>
-                <a:ea typeface="Courier New"/>
-                <a:cs typeface="Courier New"/>
-                <a:sym typeface="Courier New"/>
-              </a:rPr>
-              <a:t>);</a:t>
-            </a:r>
-            <a:endParaRPr sz="1050">
-              <a:solidFill>
-                <a:srgbClr val="D4D4D4"/>
-              </a:solidFill>
-              <a:highlight>
-                <a:srgbClr val="1E1E1E"/>
-              </a:highlight>
               <a:latin typeface="Courier New"/>
               <a:ea typeface="Courier New"/>
               <a:cs typeface="Courier New"/>
@@ -7170,130 +4859,250 @@
             <a:r>
               <a:rPr lang="es" sz="1050">
                 <a:solidFill>
-                  <a:srgbClr val="569CD6"/>
-                </a:solidFill>
-                <a:highlight>
-                  <a:srgbClr val="1E1E1E"/>
-                </a:highlight>
+                  <a:schemeClr val="dk1"/>
+                </a:solidFill>
                 <a:latin typeface="Courier New"/>
                 <a:ea typeface="Courier New"/>
                 <a:cs typeface="Courier New"/>
                 <a:sym typeface="Courier New"/>
               </a:rPr>
-              <a:t>class</a:t>
-            </a:r>
+              <a:t>class ConverterController extends GetxController {</a:t>
+            </a:r>
+            <a:endParaRPr sz="1050">
+              <a:solidFill>
+                <a:schemeClr val="dk1"/>
+              </a:solidFill>
+              <a:latin typeface="Courier New"/>
+              <a:ea typeface="Courier New"/>
+              <a:cs typeface="Courier New"/>
+              <a:sym typeface="Courier New"/>
+            </a:endParaRPr>
+          </a:p>
+          <a:p>
+            <a:pPr indent="0" lvl="0" marL="0" rtl="0" algn="l">
+              <a:lnSpc>
+                <a:spcPct val="135714"/>
+              </a:lnSpc>
+              <a:spcBef>
+                <a:spcPts val="0"/>
+              </a:spcBef>
+              <a:spcAft>
+                <a:spcPts val="0"/>
+              </a:spcAft>
+              <a:buClr>
+                <a:schemeClr val="dk1"/>
+              </a:buClr>
+              <a:buSzPts val="1100"/>
+              <a:buFont typeface="Arial"/>
+              <a:buNone/>
+            </a:pPr>
             <a:r>
               <a:rPr lang="es" sz="1050">
                 <a:solidFill>
-                  <a:srgbClr val="D4D4D4"/>
-                </a:solidFill>
-                <a:highlight>
-                  <a:srgbClr val="1E1E1E"/>
-                </a:highlight>
+                  <a:schemeClr val="dk1"/>
+                </a:solidFill>
                 <a:latin typeface="Courier New"/>
                 <a:ea typeface="Courier New"/>
                 <a:cs typeface="Courier New"/>
                 <a:sym typeface="Courier New"/>
               </a:rPr>
-              <a:t> </a:t>
-            </a:r>
+              <a:t> var decimal = "0".obs;</a:t>
+            </a:r>
+            <a:endParaRPr sz="1050">
+              <a:solidFill>
+                <a:schemeClr val="dk1"/>
+              </a:solidFill>
+              <a:latin typeface="Courier New"/>
+              <a:ea typeface="Courier New"/>
+              <a:cs typeface="Courier New"/>
+              <a:sym typeface="Courier New"/>
+            </a:endParaRPr>
+          </a:p>
+          <a:p>
+            <a:pPr indent="0" lvl="0" marL="0" rtl="0" algn="l">
+              <a:lnSpc>
+                <a:spcPct val="135714"/>
+              </a:lnSpc>
+              <a:spcBef>
+                <a:spcPts val="0"/>
+              </a:spcBef>
+              <a:spcAft>
+                <a:spcPts val="0"/>
+              </a:spcAft>
+              <a:buClr>
+                <a:schemeClr val="dk1"/>
+              </a:buClr>
+              <a:buSzPts val="1100"/>
+              <a:buFont typeface="Arial"/>
+              <a:buNone/>
+            </a:pPr>
             <a:r>
               <a:rPr lang="es" sz="1050">
                 <a:solidFill>
-                  <a:srgbClr val="4EC9B0"/>
-                </a:solidFill>
-                <a:highlight>
-                  <a:srgbClr val="1E1E1E"/>
-                </a:highlight>
+                  <a:schemeClr val="dk1"/>
+                </a:solidFill>
                 <a:latin typeface="Courier New"/>
                 <a:ea typeface="Courier New"/>
                 <a:cs typeface="Courier New"/>
                 <a:sym typeface="Courier New"/>
               </a:rPr>
-              <a:t>ConverterController</a:t>
-            </a:r>
+              <a:t> var binary = "0".obs;</a:t>
+            </a:r>
+            <a:endParaRPr sz="1050">
+              <a:solidFill>
+                <a:schemeClr val="dk1"/>
+              </a:solidFill>
+              <a:latin typeface="Courier New"/>
+              <a:ea typeface="Courier New"/>
+              <a:cs typeface="Courier New"/>
+              <a:sym typeface="Courier New"/>
+            </a:endParaRPr>
+          </a:p>
+          <a:p>
+            <a:pPr indent="0" lvl="0" marL="0" rtl="0" algn="l">
+              <a:lnSpc>
+                <a:spcPct val="135714"/>
+              </a:lnSpc>
+              <a:spcBef>
+                <a:spcPts val="0"/>
+              </a:spcBef>
+              <a:spcAft>
+                <a:spcPts val="0"/>
+              </a:spcAft>
+              <a:buClr>
+                <a:schemeClr val="dk1"/>
+              </a:buClr>
+              <a:buSzPts val="1100"/>
+              <a:buFont typeface="Arial"/>
+              <a:buNone/>
+            </a:pPr>
+            <a:r>
+              <a:t/>
+            </a:r>
+            <a:endParaRPr sz="1050">
+              <a:solidFill>
+                <a:schemeClr val="dk1"/>
+              </a:solidFill>
+              <a:latin typeface="Courier New"/>
+              <a:ea typeface="Courier New"/>
+              <a:cs typeface="Courier New"/>
+              <a:sym typeface="Courier New"/>
+            </a:endParaRPr>
+          </a:p>
+          <a:p>
+            <a:pPr indent="0" lvl="0" marL="0" rtl="0" algn="l">
+              <a:lnSpc>
+                <a:spcPct val="135714"/>
+              </a:lnSpc>
+              <a:spcBef>
+                <a:spcPts val="0"/>
+              </a:spcBef>
+              <a:spcAft>
+                <a:spcPts val="0"/>
+              </a:spcAft>
+              <a:buClr>
+                <a:schemeClr val="dk1"/>
+              </a:buClr>
+              <a:buSzPts val="1100"/>
+              <a:buFont typeface="Arial"/>
+              <a:buNone/>
+            </a:pPr>
             <a:r>
               <a:rPr lang="es" sz="1050">
                 <a:solidFill>
-                  <a:srgbClr val="D4D4D4"/>
-                </a:solidFill>
-                <a:highlight>
-                  <a:srgbClr val="1E1E1E"/>
-                </a:highlight>
+                  <a:schemeClr val="dk1"/>
+                </a:solidFill>
                 <a:latin typeface="Courier New"/>
                 <a:ea typeface="Courier New"/>
                 <a:cs typeface="Courier New"/>
                 <a:sym typeface="Courier New"/>
               </a:rPr>
-              <a:t> </a:t>
-            </a:r>
+              <a:t> void updateDecimal(int digit) {</a:t>
+            </a:r>
+            <a:endParaRPr sz="1050">
+              <a:solidFill>
+                <a:schemeClr val="dk1"/>
+              </a:solidFill>
+              <a:latin typeface="Courier New"/>
+              <a:ea typeface="Courier New"/>
+              <a:cs typeface="Courier New"/>
+              <a:sym typeface="Courier New"/>
+            </a:endParaRPr>
+          </a:p>
+          <a:p>
+            <a:pPr indent="0" lvl="0" marL="0" rtl="0" algn="l">
+              <a:lnSpc>
+                <a:spcPct val="135714"/>
+              </a:lnSpc>
+              <a:spcBef>
+                <a:spcPts val="0"/>
+              </a:spcBef>
+              <a:spcAft>
+                <a:spcPts val="0"/>
+              </a:spcAft>
+              <a:buClr>
+                <a:schemeClr val="dk1"/>
+              </a:buClr>
+              <a:buSzPts val="1100"/>
+              <a:buFont typeface="Arial"/>
+              <a:buNone/>
+            </a:pPr>
             <a:r>
               <a:rPr lang="es" sz="1050">
                 <a:solidFill>
-                  <a:srgbClr val="569CD6"/>
-                </a:solidFill>
-                <a:highlight>
-                  <a:srgbClr val="1E1E1E"/>
-                </a:highlight>
+                  <a:schemeClr val="dk1"/>
+                </a:solidFill>
                 <a:latin typeface="Courier New"/>
                 <a:ea typeface="Courier New"/>
                 <a:cs typeface="Courier New"/>
                 <a:sym typeface="Courier New"/>
               </a:rPr>
-              <a:t>extends</a:t>
-            </a:r>
+              <a:t>   decimal.value = Converter.adjustValue(decimal.value, digit);</a:t>
+            </a:r>
+            <a:endParaRPr sz="1050">
+              <a:solidFill>
+                <a:schemeClr val="dk1"/>
+              </a:solidFill>
+              <a:latin typeface="Courier New"/>
+              <a:ea typeface="Courier New"/>
+              <a:cs typeface="Courier New"/>
+              <a:sym typeface="Courier New"/>
+            </a:endParaRPr>
+          </a:p>
+          <a:p>
+            <a:pPr indent="0" lvl="0" marL="0" rtl="0" algn="l">
+              <a:lnSpc>
+                <a:spcPct val="135714"/>
+              </a:lnSpc>
+              <a:spcBef>
+                <a:spcPts val="0"/>
+              </a:spcBef>
+              <a:spcAft>
+                <a:spcPts val="0"/>
+              </a:spcAft>
+              <a:buClr>
+                <a:schemeClr val="dk1"/>
+              </a:buClr>
+              <a:buSzPts val="1100"/>
+              <a:buFont typeface="Arial"/>
+              <a:buNone/>
+            </a:pPr>
             <a:r>
               <a:rPr lang="es" sz="1050">
                 <a:solidFill>
-                  <a:srgbClr val="D4D4D4"/>
-                </a:solidFill>
-                <a:highlight>
-                  <a:srgbClr val="1E1E1E"/>
-                </a:highlight>
+                  <a:schemeClr val="dk1"/>
+                </a:solidFill>
                 <a:latin typeface="Courier New"/>
                 <a:ea typeface="Courier New"/>
                 <a:cs typeface="Courier New"/>
                 <a:sym typeface="Courier New"/>
               </a:rPr>
-              <a:t> </a:t>
-            </a:r>
-            <a:r>
-              <a:rPr lang="es" sz="1050">
-                <a:solidFill>
-                  <a:srgbClr val="4EC9B0"/>
-                </a:solidFill>
-                <a:highlight>
-                  <a:srgbClr val="1E1E1E"/>
-                </a:highlight>
-                <a:latin typeface="Courier New"/>
-                <a:ea typeface="Courier New"/>
-                <a:cs typeface="Courier New"/>
-                <a:sym typeface="Courier New"/>
-              </a:rPr>
-              <a:t>GetxController</a:t>
-            </a:r>
-            <a:r>
-              <a:rPr lang="es" sz="1050">
-                <a:solidFill>
-                  <a:srgbClr val="D4D4D4"/>
-                </a:solidFill>
-                <a:highlight>
-                  <a:srgbClr val="1E1E1E"/>
-                </a:highlight>
-                <a:latin typeface="Courier New"/>
-                <a:ea typeface="Courier New"/>
-                <a:cs typeface="Courier New"/>
-                <a:sym typeface="Courier New"/>
-              </a:rPr>
-              <a:t> {</a:t>
+              <a:t>   binary.value = Converter.dec2bin(decimal.value);</a:t>
             </a:r>
             <a:endParaRPr sz="1050">
               <a:solidFill>
-                <a:srgbClr val="D4D4D4"/>
+                <a:schemeClr val="dk1"/>
               </a:solidFill>
-              <a:highlight>
-                <a:srgbClr val="1E1E1E"/>
-              </a:highlight>
               <a:latin typeface="Courier New"/>
               <a:ea typeface="Courier New"/>
               <a:cs typeface="Courier New"/>
@@ -7321,605 +5130,8 @@
             <a:r>
               <a:rPr lang="es" sz="1050">
                 <a:solidFill>
-                  <a:srgbClr val="D4D4D4"/>
-                </a:solidFill>
-                <a:highlight>
-                  <a:srgbClr val="1E1E1E"/>
-                </a:highlight>
-                <a:latin typeface="Courier New"/>
-                <a:ea typeface="Courier New"/>
-                <a:cs typeface="Courier New"/>
-                <a:sym typeface="Courier New"/>
-              </a:rPr>
-              <a:t> </a:t>
-            </a:r>
-            <a:r>
-              <a:rPr lang="es" sz="1050">
-                <a:solidFill>
-                  <a:srgbClr val="569CD6"/>
-                </a:solidFill>
-                <a:highlight>
-                  <a:srgbClr val="1E1E1E"/>
-                </a:highlight>
-                <a:latin typeface="Courier New"/>
-                <a:ea typeface="Courier New"/>
-                <a:cs typeface="Courier New"/>
-                <a:sym typeface="Courier New"/>
-              </a:rPr>
-              <a:t>var</a:t>
-            </a:r>
-            <a:r>
-              <a:rPr lang="es" sz="1050">
-                <a:solidFill>
-                  <a:srgbClr val="D4D4D4"/>
-                </a:solidFill>
-                <a:highlight>
-                  <a:srgbClr val="1E1E1E"/>
-                </a:highlight>
-                <a:latin typeface="Courier New"/>
-                <a:ea typeface="Courier New"/>
-                <a:cs typeface="Courier New"/>
-                <a:sym typeface="Courier New"/>
-              </a:rPr>
-              <a:t> decimal = </a:t>
-            </a:r>
-            <a:r>
-              <a:rPr lang="es" sz="1050">
-                <a:solidFill>
-                  <a:srgbClr val="CE9178"/>
-                </a:solidFill>
-                <a:highlight>
-                  <a:srgbClr val="1E1E1E"/>
-                </a:highlight>
-                <a:latin typeface="Courier New"/>
-                <a:ea typeface="Courier New"/>
-                <a:cs typeface="Courier New"/>
-                <a:sym typeface="Courier New"/>
-              </a:rPr>
-              <a:t>"0"</a:t>
-            </a:r>
-            <a:r>
-              <a:rPr lang="es" sz="1050">
-                <a:solidFill>
-                  <a:srgbClr val="D4D4D4"/>
-                </a:solidFill>
-                <a:highlight>
-                  <a:srgbClr val="1E1E1E"/>
-                </a:highlight>
-                <a:latin typeface="Courier New"/>
-                <a:ea typeface="Courier New"/>
-                <a:cs typeface="Courier New"/>
-                <a:sym typeface="Courier New"/>
-              </a:rPr>
-              <a:t>.obs;</a:t>
-            </a:r>
-            <a:endParaRPr sz="1050">
-              <a:solidFill>
-                <a:srgbClr val="D4D4D4"/>
-              </a:solidFill>
-              <a:highlight>
-                <a:srgbClr val="1E1E1E"/>
-              </a:highlight>
-              <a:latin typeface="Courier New"/>
-              <a:ea typeface="Courier New"/>
-              <a:cs typeface="Courier New"/>
-              <a:sym typeface="Courier New"/>
-            </a:endParaRPr>
-          </a:p>
-          <a:p>
-            <a:pPr indent="0" lvl="0" marL="0" rtl="0" algn="l">
-              <a:lnSpc>
-                <a:spcPct val="135714"/>
-              </a:lnSpc>
-              <a:spcBef>
-                <a:spcPts val="0"/>
-              </a:spcBef>
-              <a:spcAft>
-                <a:spcPts val="0"/>
-              </a:spcAft>
-              <a:buClr>
-                <a:schemeClr val="dk1"/>
-              </a:buClr>
-              <a:buSzPts val="1100"/>
-              <a:buFont typeface="Arial"/>
-              <a:buNone/>
-            </a:pPr>
-            <a:r>
-              <a:rPr lang="es" sz="1050">
-                <a:solidFill>
-                  <a:srgbClr val="D4D4D4"/>
-                </a:solidFill>
-                <a:highlight>
-                  <a:srgbClr val="1E1E1E"/>
-                </a:highlight>
-                <a:latin typeface="Courier New"/>
-                <a:ea typeface="Courier New"/>
-                <a:cs typeface="Courier New"/>
-                <a:sym typeface="Courier New"/>
-              </a:rPr>
-              <a:t> </a:t>
-            </a:r>
-            <a:r>
-              <a:rPr lang="es" sz="1050">
-                <a:solidFill>
-                  <a:srgbClr val="569CD6"/>
-                </a:solidFill>
-                <a:highlight>
-                  <a:srgbClr val="1E1E1E"/>
-                </a:highlight>
-                <a:latin typeface="Courier New"/>
-                <a:ea typeface="Courier New"/>
-                <a:cs typeface="Courier New"/>
-                <a:sym typeface="Courier New"/>
-              </a:rPr>
-              <a:t>var</a:t>
-            </a:r>
-            <a:r>
-              <a:rPr lang="es" sz="1050">
-                <a:solidFill>
-                  <a:srgbClr val="D4D4D4"/>
-                </a:solidFill>
-                <a:highlight>
-                  <a:srgbClr val="1E1E1E"/>
-                </a:highlight>
-                <a:latin typeface="Courier New"/>
-                <a:ea typeface="Courier New"/>
-                <a:cs typeface="Courier New"/>
-                <a:sym typeface="Courier New"/>
-              </a:rPr>
-              <a:t> binary = </a:t>
-            </a:r>
-            <a:r>
-              <a:rPr lang="es" sz="1050">
-                <a:solidFill>
-                  <a:srgbClr val="CE9178"/>
-                </a:solidFill>
-                <a:highlight>
-                  <a:srgbClr val="1E1E1E"/>
-                </a:highlight>
-                <a:latin typeface="Courier New"/>
-                <a:ea typeface="Courier New"/>
-                <a:cs typeface="Courier New"/>
-                <a:sym typeface="Courier New"/>
-              </a:rPr>
-              <a:t>"0"</a:t>
-            </a:r>
-            <a:r>
-              <a:rPr lang="es" sz="1050">
-                <a:solidFill>
-                  <a:srgbClr val="D4D4D4"/>
-                </a:solidFill>
-                <a:highlight>
-                  <a:srgbClr val="1E1E1E"/>
-                </a:highlight>
-                <a:latin typeface="Courier New"/>
-                <a:ea typeface="Courier New"/>
-                <a:cs typeface="Courier New"/>
-                <a:sym typeface="Courier New"/>
-              </a:rPr>
-              <a:t>.obs;</a:t>
-            </a:r>
-            <a:endParaRPr sz="1050">
-              <a:solidFill>
-                <a:srgbClr val="D4D4D4"/>
-              </a:solidFill>
-              <a:highlight>
-                <a:srgbClr val="1E1E1E"/>
-              </a:highlight>
-              <a:latin typeface="Courier New"/>
-              <a:ea typeface="Courier New"/>
-              <a:cs typeface="Courier New"/>
-              <a:sym typeface="Courier New"/>
-            </a:endParaRPr>
-          </a:p>
-          <a:p>
-            <a:pPr indent="0" lvl="0" marL="0" rtl="0" algn="l">
-              <a:lnSpc>
-                <a:spcPct val="135714"/>
-              </a:lnSpc>
-              <a:spcBef>
-                <a:spcPts val="0"/>
-              </a:spcBef>
-              <a:spcAft>
-                <a:spcPts val="0"/>
-              </a:spcAft>
-              <a:buClr>
-                <a:schemeClr val="dk1"/>
-              </a:buClr>
-              <a:buSzPts val="1100"/>
-              <a:buFont typeface="Arial"/>
-              <a:buNone/>
-            </a:pPr>
-            <a:r>
-              <a:t/>
-            </a:r>
-            <a:endParaRPr sz="1050">
-              <a:solidFill>
-                <a:srgbClr val="D4D4D4"/>
-              </a:solidFill>
-              <a:highlight>
-                <a:srgbClr val="1E1E1E"/>
-              </a:highlight>
-              <a:latin typeface="Courier New"/>
-              <a:ea typeface="Courier New"/>
-              <a:cs typeface="Courier New"/>
-              <a:sym typeface="Courier New"/>
-            </a:endParaRPr>
-          </a:p>
-          <a:p>
-            <a:pPr indent="0" lvl="0" marL="0" rtl="0" algn="l">
-              <a:lnSpc>
-                <a:spcPct val="135714"/>
-              </a:lnSpc>
-              <a:spcBef>
-                <a:spcPts val="0"/>
-              </a:spcBef>
-              <a:spcAft>
-                <a:spcPts val="0"/>
-              </a:spcAft>
-              <a:buClr>
-                <a:schemeClr val="dk1"/>
-              </a:buClr>
-              <a:buSzPts val="1100"/>
-              <a:buFont typeface="Arial"/>
-              <a:buNone/>
-            </a:pPr>
-            <a:r>
-              <a:rPr lang="es" sz="1050">
-                <a:solidFill>
-                  <a:srgbClr val="D4D4D4"/>
-                </a:solidFill>
-                <a:highlight>
-                  <a:srgbClr val="1E1E1E"/>
-                </a:highlight>
-                <a:latin typeface="Courier New"/>
-                <a:ea typeface="Courier New"/>
-                <a:cs typeface="Courier New"/>
-                <a:sym typeface="Courier New"/>
-              </a:rPr>
-              <a:t> </a:t>
-            </a:r>
-            <a:r>
-              <a:rPr lang="es" sz="1050">
-                <a:solidFill>
-                  <a:srgbClr val="569CD6"/>
-                </a:solidFill>
-                <a:highlight>
-                  <a:srgbClr val="1E1E1E"/>
-                </a:highlight>
-                <a:latin typeface="Courier New"/>
-                <a:ea typeface="Courier New"/>
-                <a:cs typeface="Courier New"/>
-                <a:sym typeface="Courier New"/>
-              </a:rPr>
-              <a:t>void</a:t>
-            </a:r>
-            <a:r>
-              <a:rPr lang="es" sz="1050">
-                <a:solidFill>
-                  <a:srgbClr val="D4D4D4"/>
-                </a:solidFill>
-                <a:highlight>
-                  <a:srgbClr val="1E1E1E"/>
-                </a:highlight>
-                <a:latin typeface="Courier New"/>
-                <a:ea typeface="Courier New"/>
-                <a:cs typeface="Courier New"/>
-                <a:sym typeface="Courier New"/>
-              </a:rPr>
-              <a:t> </a:t>
-            </a:r>
-            <a:r>
-              <a:rPr lang="es" sz="1050">
-                <a:solidFill>
-                  <a:srgbClr val="DCDCAA"/>
-                </a:solidFill>
-                <a:highlight>
-                  <a:srgbClr val="1E1E1E"/>
-                </a:highlight>
-                <a:latin typeface="Courier New"/>
-                <a:ea typeface="Courier New"/>
-                <a:cs typeface="Courier New"/>
-                <a:sym typeface="Courier New"/>
-              </a:rPr>
-              <a:t>updateDecimal</a:t>
-            </a:r>
-            <a:r>
-              <a:rPr lang="es" sz="1050">
-                <a:solidFill>
-                  <a:srgbClr val="D4D4D4"/>
-                </a:solidFill>
-                <a:highlight>
-                  <a:srgbClr val="1E1E1E"/>
-                </a:highlight>
-                <a:latin typeface="Courier New"/>
-                <a:ea typeface="Courier New"/>
-                <a:cs typeface="Courier New"/>
-                <a:sym typeface="Courier New"/>
-              </a:rPr>
-              <a:t>(</a:t>
-            </a:r>
-            <a:r>
-              <a:rPr lang="es" sz="1050">
-                <a:solidFill>
-                  <a:srgbClr val="4EC9B0"/>
-                </a:solidFill>
-                <a:highlight>
-                  <a:srgbClr val="1E1E1E"/>
-                </a:highlight>
-                <a:latin typeface="Courier New"/>
-                <a:ea typeface="Courier New"/>
-                <a:cs typeface="Courier New"/>
-                <a:sym typeface="Courier New"/>
-              </a:rPr>
-              <a:t>int</a:t>
-            </a:r>
-            <a:r>
-              <a:rPr lang="es" sz="1050">
-                <a:solidFill>
-                  <a:srgbClr val="D4D4D4"/>
-                </a:solidFill>
-                <a:highlight>
-                  <a:srgbClr val="1E1E1E"/>
-                </a:highlight>
-                <a:latin typeface="Courier New"/>
-                <a:ea typeface="Courier New"/>
-                <a:cs typeface="Courier New"/>
-                <a:sym typeface="Courier New"/>
-              </a:rPr>
-              <a:t> digit) {</a:t>
-            </a:r>
-            <a:endParaRPr sz="1050">
-              <a:solidFill>
-                <a:srgbClr val="D4D4D4"/>
-              </a:solidFill>
-              <a:highlight>
-                <a:srgbClr val="1E1E1E"/>
-              </a:highlight>
-              <a:latin typeface="Courier New"/>
-              <a:ea typeface="Courier New"/>
-              <a:cs typeface="Courier New"/>
-              <a:sym typeface="Courier New"/>
-            </a:endParaRPr>
-          </a:p>
-          <a:p>
-            <a:pPr indent="0" lvl="0" marL="0" rtl="0" algn="l">
-              <a:lnSpc>
-                <a:spcPct val="135714"/>
-              </a:lnSpc>
-              <a:spcBef>
-                <a:spcPts val="0"/>
-              </a:spcBef>
-              <a:spcAft>
-                <a:spcPts val="0"/>
-              </a:spcAft>
-              <a:buClr>
-                <a:schemeClr val="dk1"/>
-              </a:buClr>
-              <a:buSzPts val="1100"/>
-              <a:buFont typeface="Arial"/>
-              <a:buNone/>
-            </a:pPr>
-            <a:r>
-              <a:rPr lang="es" sz="1050">
-                <a:solidFill>
-                  <a:srgbClr val="D4D4D4"/>
-                </a:solidFill>
-                <a:highlight>
-                  <a:srgbClr val="1E1E1E"/>
-                </a:highlight>
-                <a:latin typeface="Courier New"/>
-                <a:ea typeface="Courier New"/>
-                <a:cs typeface="Courier New"/>
-                <a:sym typeface="Courier New"/>
-              </a:rPr>
-              <a:t>   decimal.value = </a:t>
-            </a:r>
-            <a:r>
-              <a:rPr lang="es" sz="1050">
-                <a:solidFill>
-                  <a:srgbClr val="4EC9B0"/>
-                </a:solidFill>
-                <a:highlight>
-                  <a:srgbClr val="1E1E1E"/>
-                </a:highlight>
-                <a:latin typeface="Courier New"/>
-                <a:ea typeface="Courier New"/>
-                <a:cs typeface="Courier New"/>
-                <a:sym typeface="Courier New"/>
-              </a:rPr>
-              <a:t>Converter</a:t>
-            </a:r>
-            <a:r>
-              <a:rPr lang="es" sz="1050">
-                <a:solidFill>
-                  <a:srgbClr val="D4D4D4"/>
-                </a:solidFill>
-                <a:highlight>
-                  <a:srgbClr val="1E1E1E"/>
-                </a:highlight>
-                <a:latin typeface="Courier New"/>
-                <a:ea typeface="Courier New"/>
-                <a:cs typeface="Courier New"/>
-                <a:sym typeface="Courier New"/>
-              </a:rPr>
-              <a:t>.</a:t>
-            </a:r>
-            <a:r>
-              <a:rPr lang="es" sz="1050">
-                <a:solidFill>
-                  <a:srgbClr val="DCDCAA"/>
-                </a:solidFill>
-                <a:highlight>
-                  <a:srgbClr val="1E1E1E"/>
-                </a:highlight>
-                <a:latin typeface="Courier New"/>
-                <a:ea typeface="Courier New"/>
-                <a:cs typeface="Courier New"/>
-                <a:sym typeface="Courier New"/>
-              </a:rPr>
-              <a:t>adjustValue</a:t>
-            </a:r>
-            <a:r>
-              <a:rPr lang="es" sz="1050">
-                <a:solidFill>
-                  <a:srgbClr val="D4D4D4"/>
-                </a:solidFill>
-                <a:highlight>
-                  <a:srgbClr val="1E1E1E"/>
-                </a:highlight>
-                <a:latin typeface="Courier New"/>
-                <a:ea typeface="Courier New"/>
-                <a:cs typeface="Courier New"/>
-                <a:sym typeface="Courier New"/>
-              </a:rPr>
-              <a:t>(decimal.value, digit);</a:t>
-            </a:r>
-            <a:endParaRPr sz="1050">
-              <a:solidFill>
-                <a:srgbClr val="D4D4D4"/>
-              </a:solidFill>
-              <a:highlight>
-                <a:srgbClr val="1E1E1E"/>
-              </a:highlight>
-              <a:latin typeface="Courier New"/>
-              <a:ea typeface="Courier New"/>
-              <a:cs typeface="Courier New"/>
-              <a:sym typeface="Courier New"/>
-            </a:endParaRPr>
-          </a:p>
-          <a:p>
-            <a:pPr indent="0" lvl="0" marL="0" rtl="0" algn="l">
-              <a:lnSpc>
-                <a:spcPct val="135714"/>
-              </a:lnSpc>
-              <a:spcBef>
-                <a:spcPts val="0"/>
-              </a:spcBef>
-              <a:spcAft>
-                <a:spcPts val="0"/>
-              </a:spcAft>
-              <a:buClr>
-                <a:schemeClr val="dk1"/>
-              </a:buClr>
-              <a:buSzPts val="1100"/>
-              <a:buFont typeface="Arial"/>
-              <a:buNone/>
-            </a:pPr>
-            <a:r>
-              <a:rPr lang="es" sz="1050">
-                <a:solidFill>
-                  <a:srgbClr val="D4D4D4"/>
-                </a:solidFill>
-                <a:highlight>
-                  <a:srgbClr val="1E1E1E"/>
-                </a:highlight>
-                <a:latin typeface="Courier New"/>
-                <a:ea typeface="Courier New"/>
-                <a:cs typeface="Courier New"/>
-                <a:sym typeface="Courier New"/>
-              </a:rPr>
-              <a:t>   binary.value = </a:t>
-            </a:r>
-            <a:r>
-              <a:rPr lang="es" sz="1050">
-                <a:solidFill>
-                  <a:srgbClr val="4EC9B0"/>
-                </a:solidFill>
-                <a:highlight>
-                  <a:srgbClr val="1E1E1E"/>
-                </a:highlight>
-                <a:latin typeface="Courier New"/>
-                <a:ea typeface="Courier New"/>
-                <a:cs typeface="Courier New"/>
-                <a:sym typeface="Courier New"/>
-              </a:rPr>
-              <a:t>Converter</a:t>
-            </a:r>
-            <a:r>
-              <a:rPr lang="es" sz="1050">
-                <a:solidFill>
-                  <a:srgbClr val="D4D4D4"/>
-                </a:solidFill>
-                <a:highlight>
-                  <a:srgbClr val="1E1E1E"/>
-                </a:highlight>
-                <a:latin typeface="Courier New"/>
-                <a:ea typeface="Courier New"/>
-                <a:cs typeface="Courier New"/>
-                <a:sym typeface="Courier New"/>
-              </a:rPr>
-              <a:t>.</a:t>
-            </a:r>
-            <a:r>
-              <a:rPr lang="es" sz="1050">
-                <a:solidFill>
-                  <a:srgbClr val="DCDCAA"/>
-                </a:solidFill>
-                <a:highlight>
-                  <a:srgbClr val="1E1E1E"/>
-                </a:highlight>
-                <a:latin typeface="Courier New"/>
-                <a:ea typeface="Courier New"/>
-                <a:cs typeface="Courier New"/>
-                <a:sym typeface="Courier New"/>
-              </a:rPr>
-              <a:t>dec2bin</a:t>
-            </a:r>
-            <a:r>
-              <a:rPr lang="es" sz="1050">
-                <a:solidFill>
-                  <a:srgbClr val="D4D4D4"/>
-                </a:solidFill>
-                <a:highlight>
-                  <a:srgbClr val="1E1E1E"/>
-                </a:highlight>
-                <a:latin typeface="Courier New"/>
-                <a:ea typeface="Courier New"/>
-                <a:cs typeface="Courier New"/>
-                <a:sym typeface="Courier New"/>
-              </a:rPr>
-              <a:t>(decimal.value);</a:t>
-            </a:r>
-            <a:endParaRPr sz="1050">
-              <a:solidFill>
-                <a:srgbClr val="D4D4D4"/>
-              </a:solidFill>
-              <a:highlight>
-                <a:srgbClr val="1E1E1E"/>
-              </a:highlight>
-              <a:latin typeface="Courier New"/>
-              <a:ea typeface="Courier New"/>
-              <a:cs typeface="Courier New"/>
-              <a:sym typeface="Courier New"/>
-            </a:endParaRPr>
-          </a:p>
-          <a:p>
-            <a:pPr indent="0" lvl="0" marL="0" rtl="0" algn="l">
-              <a:lnSpc>
-                <a:spcPct val="135714"/>
-              </a:lnSpc>
-              <a:spcBef>
-                <a:spcPts val="0"/>
-              </a:spcBef>
-              <a:spcAft>
-                <a:spcPts val="0"/>
-              </a:spcAft>
-              <a:buClr>
-                <a:schemeClr val="dk1"/>
-              </a:buClr>
-              <a:buSzPts val="1100"/>
-              <a:buFont typeface="Arial"/>
-              <a:buNone/>
-            </a:pPr>
-            <a:r>
-              <a:rPr lang="es" sz="1050">
-                <a:solidFill>
-                  <a:srgbClr val="D4D4D4"/>
-                </a:solidFill>
-                <a:highlight>
-                  <a:srgbClr val="1E1E1E"/>
-                </a:highlight>
+                  <a:schemeClr val="dk1"/>
+                </a:solidFill>
                 <a:latin typeface="Courier New"/>
                 <a:ea typeface="Courier New"/>
                 <a:cs typeface="Courier New"/>
@@ -7929,11 +5141,8 @@
             </a:r>
             <a:endParaRPr sz="1050">
               <a:solidFill>
-                <a:srgbClr val="D4D4D4"/>
+                <a:schemeClr val="dk1"/>
               </a:solidFill>
-              <a:highlight>
-                <a:srgbClr val="1E1E1E"/>
-              </a:highlight>
               <a:latin typeface="Courier New"/>
               <a:ea typeface="Courier New"/>
               <a:cs typeface="Courier New"/>
@@ -7963,11 +5172,8 @@
             </a:r>
             <a:endParaRPr sz="1050">
               <a:solidFill>
-                <a:srgbClr val="D4D4D4"/>
+                <a:schemeClr val="dk1"/>
               </a:solidFill>
-              <a:highlight>
-                <a:srgbClr val="1E1E1E"/>
-              </a:highlight>
               <a:latin typeface="Courier New"/>
               <a:ea typeface="Courier New"/>
               <a:cs typeface="Courier New"/>
@@ -7995,115 +5201,99 @@
             <a:r>
               <a:rPr lang="es" sz="1050">
                 <a:solidFill>
-                  <a:srgbClr val="D4D4D4"/>
-                </a:solidFill>
-                <a:highlight>
-                  <a:srgbClr val="1E1E1E"/>
-                </a:highlight>
+                  <a:schemeClr val="dk1"/>
+                </a:solidFill>
                 <a:latin typeface="Courier New"/>
                 <a:ea typeface="Courier New"/>
                 <a:cs typeface="Courier New"/>
                 <a:sym typeface="Courier New"/>
               </a:rPr>
-              <a:t> </a:t>
-            </a:r>
+              <a:t> void updateBinary(int digit) {</a:t>
+            </a:r>
+            <a:endParaRPr sz="1050">
+              <a:solidFill>
+                <a:schemeClr val="dk1"/>
+              </a:solidFill>
+              <a:latin typeface="Courier New"/>
+              <a:ea typeface="Courier New"/>
+              <a:cs typeface="Courier New"/>
+              <a:sym typeface="Courier New"/>
+            </a:endParaRPr>
+          </a:p>
+          <a:p>
+            <a:pPr indent="0" lvl="0" marL="0" rtl="0" algn="l">
+              <a:lnSpc>
+                <a:spcPct val="135714"/>
+              </a:lnSpc>
+              <a:spcBef>
+                <a:spcPts val="0"/>
+              </a:spcBef>
+              <a:spcAft>
+                <a:spcPts val="0"/>
+              </a:spcAft>
+              <a:buClr>
+                <a:schemeClr val="dk1"/>
+              </a:buClr>
+              <a:buSzPts val="1100"/>
+              <a:buFont typeface="Arial"/>
+              <a:buNone/>
+            </a:pPr>
             <a:r>
               <a:rPr lang="es" sz="1050">
                 <a:solidFill>
-                  <a:srgbClr val="569CD6"/>
-                </a:solidFill>
-                <a:highlight>
-                  <a:srgbClr val="1E1E1E"/>
-                </a:highlight>
+                  <a:schemeClr val="dk1"/>
+                </a:solidFill>
                 <a:latin typeface="Courier New"/>
                 <a:ea typeface="Courier New"/>
                 <a:cs typeface="Courier New"/>
                 <a:sym typeface="Courier New"/>
               </a:rPr>
-              <a:t>void</a:t>
-            </a:r>
+              <a:t>   binary.value = Converter.adjustValue(binary.value, digit);</a:t>
+            </a:r>
+            <a:endParaRPr sz="1050">
+              <a:solidFill>
+                <a:schemeClr val="dk1"/>
+              </a:solidFill>
+              <a:latin typeface="Courier New"/>
+              <a:ea typeface="Courier New"/>
+              <a:cs typeface="Courier New"/>
+              <a:sym typeface="Courier New"/>
+            </a:endParaRPr>
+          </a:p>
+          <a:p>
+            <a:pPr indent="0" lvl="0" marL="0" rtl="0" algn="l">
+              <a:lnSpc>
+                <a:spcPct val="135714"/>
+              </a:lnSpc>
+              <a:spcBef>
+                <a:spcPts val="0"/>
+              </a:spcBef>
+              <a:spcAft>
+                <a:spcPts val="0"/>
+              </a:spcAft>
+              <a:buClr>
+                <a:schemeClr val="dk1"/>
+              </a:buClr>
+              <a:buSzPts val="1100"/>
+              <a:buFont typeface="Arial"/>
+              <a:buNone/>
+            </a:pPr>
             <a:r>
               <a:rPr lang="es" sz="1050">
                 <a:solidFill>
-                  <a:srgbClr val="D4D4D4"/>
-                </a:solidFill>
-                <a:highlight>
-                  <a:srgbClr val="1E1E1E"/>
-                </a:highlight>
+                  <a:schemeClr val="dk1"/>
+                </a:solidFill>
                 <a:latin typeface="Courier New"/>
                 <a:ea typeface="Courier New"/>
                 <a:cs typeface="Courier New"/>
                 <a:sym typeface="Courier New"/>
               </a:rPr>
-              <a:t> </a:t>
-            </a:r>
-            <a:r>
-              <a:rPr lang="es" sz="1050">
-                <a:solidFill>
-                  <a:srgbClr val="DCDCAA"/>
-                </a:solidFill>
-                <a:highlight>
-                  <a:srgbClr val="1E1E1E"/>
-                </a:highlight>
-                <a:latin typeface="Courier New"/>
-                <a:ea typeface="Courier New"/>
-                <a:cs typeface="Courier New"/>
-                <a:sym typeface="Courier New"/>
-              </a:rPr>
-              <a:t>updateBinary</a:t>
-            </a:r>
-            <a:r>
-              <a:rPr lang="es" sz="1050">
-                <a:solidFill>
-                  <a:srgbClr val="D4D4D4"/>
-                </a:solidFill>
-                <a:highlight>
-                  <a:srgbClr val="1E1E1E"/>
-                </a:highlight>
-                <a:latin typeface="Courier New"/>
-                <a:ea typeface="Courier New"/>
-                <a:cs typeface="Courier New"/>
-                <a:sym typeface="Courier New"/>
-              </a:rPr>
-              <a:t>(</a:t>
-            </a:r>
-            <a:r>
-              <a:rPr lang="es" sz="1050">
-                <a:solidFill>
-                  <a:srgbClr val="4EC9B0"/>
-                </a:solidFill>
-                <a:highlight>
-                  <a:srgbClr val="1E1E1E"/>
-                </a:highlight>
-                <a:latin typeface="Courier New"/>
-                <a:ea typeface="Courier New"/>
-                <a:cs typeface="Courier New"/>
-                <a:sym typeface="Courier New"/>
-              </a:rPr>
-              <a:t>int</a:t>
-            </a:r>
-            <a:r>
-              <a:rPr lang="es" sz="1050">
-                <a:solidFill>
-                  <a:srgbClr val="D4D4D4"/>
-                </a:solidFill>
-                <a:highlight>
-                  <a:srgbClr val="1E1E1E"/>
-                </a:highlight>
-                <a:latin typeface="Courier New"/>
-                <a:ea typeface="Courier New"/>
-                <a:cs typeface="Courier New"/>
-                <a:sym typeface="Courier New"/>
-              </a:rPr>
-              <a:t> digit) {</a:t>
+              <a:t>   decimal.value = Converter.bin2dec(binary.value);</a:t>
             </a:r>
             <a:endParaRPr sz="1050">
               <a:solidFill>
-                <a:srgbClr val="D4D4D4"/>
+                <a:schemeClr val="dk1"/>
               </a:solidFill>
-              <a:highlight>
-                <a:srgbClr val="1E1E1E"/>
-              </a:highlight>
               <a:latin typeface="Courier New"/>
               <a:ea typeface="Courier New"/>
               <a:cs typeface="Courier New"/>
@@ -8131,223 +5321,8 @@
             <a:r>
               <a:rPr lang="es" sz="1050">
                 <a:solidFill>
-                  <a:srgbClr val="D4D4D4"/>
-                </a:solidFill>
-                <a:highlight>
-                  <a:srgbClr val="1E1E1E"/>
-                </a:highlight>
-                <a:latin typeface="Courier New"/>
-                <a:ea typeface="Courier New"/>
-                <a:cs typeface="Courier New"/>
-                <a:sym typeface="Courier New"/>
-              </a:rPr>
-              <a:t>   binary.value = </a:t>
-            </a:r>
-            <a:r>
-              <a:rPr lang="es" sz="1050">
-                <a:solidFill>
-                  <a:srgbClr val="4EC9B0"/>
-                </a:solidFill>
-                <a:highlight>
-                  <a:srgbClr val="1E1E1E"/>
-                </a:highlight>
-                <a:latin typeface="Courier New"/>
-                <a:ea typeface="Courier New"/>
-                <a:cs typeface="Courier New"/>
-                <a:sym typeface="Courier New"/>
-              </a:rPr>
-              <a:t>Converter</a:t>
-            </a:r>
-            <a:r>
-              <a:rPr lang="es" sz="1050">
-                <a:solidFill>
-                  <a:srgbClr val="D4D4D4"/>
-                </a:solidFill>
-                <a:highlight>
-                  <a:srgbClr val="1E1E1E"/>
-                </a:highlight>
-                <a:latin typeface="Courier New"/>
-                <a:ea typeface="Courier New"/>
-                <a:cs typeface="Courier New"/>
-                <a:sym typeface="Courier New"/>
-              </a:rPr>
-              <a:t>.</a:t>
-            </a:r>
-            <a:r>
-              <a:rPr lang="es" sz="1050">
-                <a:solidFill>
-                  <a:srgbClr val="DCDCAA"/>
-                </a:solidFill>
-                <a:highlight>
-                  <a:srgbClr val="1E1E1E"/>
-                </a:highlight>
-                <a:latin typeface="Courier New"/>
-                <a:ea typeface="Courier New"/>
-                <a:cs typeface="Courier New"/>
-                <a:sym typeface="Courier New"/>
-              </a:rPr>
-              <a:t>adjustValue</a:t>
-            </a:r>
-            <a:r>
-              <a:rPr lang="es" sz="1050">
-                <a:solidFill>
-                  <a:srgbClr val="D4D4D4"/>
-                </a:solidFill>
-                <a:highlight>
-                  <a:srgbClr val="1E1E1E"/>
-                </a:highlight>
-                <a:latin typeface="Courier New"/>
-                <a:ea typeface="Courier New"/>
-                <a:cs typeface="Courier New"/>
-                <a:sym typeface="Courier New"/>
-              </a:rPr>
-              <a:t>(binary.value, digit);</a:t>
-            </a:r>
-            <a:endParaRPr sz="1050">
-              <a:solidFill>
-                <a:srgbClr val="D4D4D4"/>
-              </a:solidFill>
-              <a:highlight>
-                <a:srgbClr val="1E1E1E"/>
-              </a:highlight>
-              <a:latin typeface="Courier New"/>
-              <a:ea typeface="Courier New"/>
-              <a:cs typeface="Courier New"/>
-              <a:sym typeface="Courier New"/>
-            </a:endParaRPr>
-          </a:p>
-          <a:p>
-            <a:pPr indent="0" lvl="0" marL="0" rtl="0" algn="l">
-              <a:lnSpc>
-                <a:spcPct val="135714"/>
-              </a:lnSpc>
-              <a:spcBef>
-                <a:spcPts val="0"/>
-              </a:spcBef>
-              <a:spcAft>
-                <a:spcPts val="0"/>
-              </a:spcAft>
-              <a:buClr>
-                <a:schemeClr val="dk1"/>
-              </a:buClr>
-              <a:buSzPts val="1100"/>
-              <a:buFont typeface="Arial"/>
-              <a:buNone/>
-            </a:pPr>
-            <a:r>
-              <a:rPr lang="es" sz="1050">
-                <a:solidFill>
-                  <a:srgbClr val="D4D4D4"/>
-                </a:solidFill>
-                <a:highlight>
-                  <a:srgbClr val="1E1E1E"/>
-                </a:highlight>
-                <a:latin typeface="Courier New"/>
-                <a:ea typeface="Courier New"/>
-                <a:cs typeface="Courier New"/>
-                <a:sym typeface="Courier New"/>
-              </a:rPr>
-              <a:t>   decimal.value = </a:t>
-            </a:r>
-            <a:r>
-              <a:rPr lang="es" sz="1050">
-                <a:solidFill>
-                  <a:srgbClr val="4EC9B0"/>
-                </a:solidFill>
-                <a:highlight>
-                  <a:srgbClr val="1E1E1E"/>
-                </a:highlight>
-                <a:latin typeface="Courier New"/>
-                <a:ea typeface="Courier New"/>
-                <a:cs typeface="Courier New"/>
-                <a:sym typeface="Courier New"/>
-              </a:rPr>
-              <a:t>Converter</a:t>
-            </a:r>
-            <a:r>
-              <a:rPr lang="es" sz="1050">
-                <a:solidFill>
-                  <a:srgbClr val="D4D4D4"/>
-                </a:solidFill>
-                <a:highlight>
-                  <a:srgbClr val="1E1E1E"/>
-                </a:highlight>
-                <a:latin typeface="Courier New"/>
-                <a:ea typeface="Courier New"/>
-                <a:cs typeface="Courier New"/>
-                <a:sym typeface="Courier New"/>
-              </a:rPr>
-              <a:t>.</a:t>
-            </a:r>
-            <a:r>
-              <a:rPr lang="es" sz="1050">
-                <a:solidFill>
-                  <a:srgbClr val="DCDCAA"/>
-                </a:solidFill>
-                <a:highlight>
-                  <a:srgbClr val="1E1E1E"/>
-                </a:highlight>
-                <a:latin typeface="Courier New"/>
-                <a:ea typeface="Courier New"/>
-                <a:cs typeface="Courier New"/>
-                <a:sym typeface="Courier New"/>
-              </a:rPr>
-              <a:t>bin2dec</a:t>
-            </a:r>
-            <a:r>
-              <a:rPr lang="es" sz="1050">
-                <a:solidFill>
-                  <a:srgbClr val="D4D4D4"/>
-                </a:solidFill>
-                <a:highlight>
-                  <a:srgbClr val="1E1E1E"/>
-                </a:highlight>
-                <a:latin typeface="Courier New"/>
-                <a:ea typeface="Courier New"/>
-                <a:cs typeface="Courier New"/>
-                <a:sym typeface="Courier New"/>
-              </a:rPr>
-              <a:t>(binary.value);</a:t>
-            </a:r>
-            <a:endParaRPr sz="1050">
-              <a:solidFill>
-                <a:srgbClr val="D4D4D4"/>
-              </a:solidFill>
-              <a:highlight>
-                <a:srgbClr val="1E1E1E"/>
-              </a:highlight>
-              <a:latin typeface="Courier New"/>
-              <a:ea typeface="Courier New"/>
-              <a:cs typeface="Courier New"/>
-              <a:sym typeface="Courier New"/>
-            </a:endParaRPr>
-          </a:p>
-          <a:p>
-            <a:pPr indent="0" lvl="0" marL="0" rtl="0" algn="l">
-              <a:lnSpc>
-                <a:spcPct val="135714"/>
-              </a:lnSpc>
-              <a:spcBef>
-                <a:spcPts val="0"/>
-              </a:spcBef>
-              <a:spcAft>
-                <a:spcPts val="0"/>
-              </a:spcAft>
-              <a:buClr>
-                <a:schemeClr val="dk1"/>
-              </a:buClr>
-              <a:buSzPts val="1100"/>
-              <a:buFont typeface="Arial"/>
-              <a:buNone/>
-            </a:pPr>
-            <a:r>
-              <a:rPr lang="es" sz="1050">
-                <a:solidFill>
-                  <a:srgbClr val="D4D4D4"/>
-                </a:solidFill>
-                <a:highlight>
-                  <a:srgbClr val="1E1E1E"/>
-                </a:highlight>
+                  <a:schemeClr val="dk1"/>
+                </a:solidFill>
                 <a:latin typeface="Courier New"/>
                 <a:ea typeface="Courier New"/>
                 <a:cs typeface="Courier New"/>
@@ -8357,11 +5332,8 @@
             </a:r>
             <a:endParaRPr sz="1050">
               <a:solidFill>
-                <a:srgbClr val="D4D4D4"/>
+                <a:schemeClr val="dk1"/>
               </a:solidFill>
-              <a:highlight>
-                <a:srgbClr val="1E1E1E"/>
-              </a:highlight>
               <a:latin typeface="Courier New"/>
               <a:ea typeface="Courier New"/>
               <a:cs typeface="Courier New"/>
@@ -8391,11 +5363,8 @@
             </a:r>
             <a:endParaRPr sz="1050">
               <a:solidFill>
-                <a:srgbClr val="D4D4D4"/>
+                <a:schemeClr val="dk1"/>
               </a:solidFill>
-              <a:highlight>
-                <a:srgbClr val="1E1E1E"/>
-              </a:highlight>
               <a:latin typeface="Courier New"/>
               <a:ea typeface="Courier New"/>
               <a:cs typeface="Courier New"/>
@@ -8423,85 +5392,99 @@
             <a:r>
               <a:rPr lang="es" sz="1050">
                 <a:solidFill>
-                  <a:srgbClr val="D4D4D4"/>
-                </a:solidFill>
-                <a:highlight>
-                  <a:srgbClr val="1E1E1E"/>
-                </a:highlight>
+                  <a:schemeClr val="dk1"/>
+                </a:solidFill>
                 <a:latin typeface="Courier New"/>
                 <a:ea typeface="Courier New"/>
                 <a:cs typeface="Courier New"/>
                 <a:sym typeface="Courier New"/>
               </a:rPr>
-              <a:t> </a:t>
-            </a:r>
+              <a:t> void reset() {</a:t>
+            </a:r>
+            <a:endParaRPr sz="1050">
+              <a:solidFill>
+                <a:schemeClr val="dk1"/>
+              </a:solidFill>
+              <a:latin typeface="Courier New"/>
+              <a:ea typeface="Courier New"/>
+              <a:cs typeface="Courier New"/>
+              <a:sym typeface="Courier New"/>
+            </a:endParaRPr>
+          </a:p>
+          <a:p>
+            <a:pPr indent="0" lvl="0" marL="0" rtl="0" algn="l">
+              <a:lnSpc>
+                <a:spcPct val="135714"/>
+              </a:lnSpc>
+              <a:spcBef>
+                <a:spcPts val="0"/>
+              </a:spcBef>
+              <a:spcAft>
+                <a:spcPts val="0"/>
+              </a:spcAft>
+              <a:buClr>
+                <a:schemeClr val="dk1"/>
+              </a:buClr>
+              <a:buSzPts val="1100"/>
+              <a:buFont typeface="Arial"/>
+              <a:buNone/>
+            </a:pPr>
             <a:r>
               <a:rPr lang="es" sz="1050">
                 <a:solidFill>
-                  <a:srgbClr val="569CD6"/>
-                </a:solidFill>
-                <a:highlight>
-                  <a:srgbClr val="1E1E1E"/>
-                </a:highlight>
+                  <a:schemeClr val="dk1"/>
+                </a:solidFill>
                 <a:latin typeface="Courier New"/>
                 <a:ea typeface="Courier New"/>
                 <a:cs typeface="Courier New"/>
                 <a:sym typeface="Courier New"/>
               </a:rPr>
-              <a:t>void</a:t>
-            </a:r>
+              <a:t>   binary.value = "0";</a:t>
+            </a:r>
+            <a:endParaRPr sz="1050">
+              <a:solidFill>
+                <a:schemeClr val="dk1"/>
+              </a:solidFill>
+              <a:latin typeface="Courier New"/>
+              <a:ea typeface="Courier New"/>
+              <a:cs typeface="Courier New"/>
+              <a:sym typeface="Courier New"/>
+            </a:endParaRPr>
+          </a:p>
+          <a:p>
+            <a:pPr indent="0" lvl="0" marL="0" rtl="0" algn="l">
+              <a:lnSpc>
+                <a:spcPct val="135714"/>
+              </a:lnSpc>
+              <a:spcBef>
+                <a:spcPts val="0"/>
+              </a:spcBef>
+              <a:spcAft>
+                <a:spcPts val="0"/>
+              </a:spcAft>
+              <a:buClr>
+                <a:schemeClr val="dk1"/>
+              </a:buClr>
+              <a:buSzPts val="1100"/>
+              <a:buFont typeface="Arial"/>
+              <a:buNone/>
+            </a:pPr>
             <a:r>
               <a:rPr lang="es" sz="1050">
                 <a:solidFill>
-                  <a:srgbClr val="D4D4D4"/>
-                </a:solidFill>
-                <a:highlight>
-                  <a:srgbClr val="1E1E1E"/>
-                </a:highlight>
+                  <a:schemeClr val="dk1"/>
+                </a:solidFill>
                 <a:latin typeface="Courier New"/>
                 <a:ea typeface="Courier New"/>
                 <a:cs typeface="Courier New"/>
                 <a:sym typeface="Courier New"/>
               </a:rPr>
-              <a:t> </a:t>
-            </a:r>
-            <a:r>
-              <a:rPr lang="es" sz="1050">
-                <a:solidFill>
-                  <a:srgbClr val="DCDCAA"/>
-                </a:solidFill>
-                <a:highlight>
-                  <a:srgbClr val="1E1E1E"/>
-                </a:highlight>
-                <a:latin typeface="Courier New"/>
-                <a:ea typeface="Courier New"/>
-                <a:cs typeface="Courier New"/>
-                <a:sym typeface="Courier New"/>
-              </a:rPr>
-              <a:t>reset</a:t>
-            </a:r>
-            <a:r>
-              <a:rPr lang="es" sz="1050">
-                <a:solidFill>
-                  <a:srgbClr val="D4D4D4"/>
-                </a:solidFill>
-                <a:highlight>
-                  <a:srgbClr val="1E1E1E"/>
-                </a:highlight>
-                <a:latin typeface="Courier New"/>
-                <a:ea typeface="Courier New"/>
-                <a:cs typeface="Courier New"/>
-                <a:sym typeface="Courier New"/>
-              </a:rPr>
-              <a:t>() {</a:t>
+              <a:t>   decimal.value = "0";</a:t>
             </a:r>
             <a:endParaRPr sz="1050">
               <a:solidFill>
-                <a:srgbClr val="D4D4D4"/>
+                <a:schemeClr val="dk1"/>
               </a:solidFill>
-              <a:highlight>
-                <a:srgbClr val="1E1E1E"/>
-              </a:highlight>
               <a:latin typeface="Courier New"/>
               <a:ea typeface="Courier New"/>
               <a:cs typeface="Courier New"/>
@@ -8529,163 +5512,8 @@
             <a:r>
               <a:rPr lang="es" sz="1050">
                 <a:solidFill>
-                  <a:srgbClr val="D4D4D4"/>
-                </a:solidFill>
-                <a:highlight>
-                  <a:srgbClr val="1E1E1E"/>
-                </a:highlight>
-                <a:latin typeface="Courier New"/>
-                <a:ea typeface="Courier New"/>
-                <a:cs typeface="Courier New"/>
-                <a:sym typeface="Courier New"/>
-              </a:rPr>
-              <a:t>   binary.value = </a:t>
-            </a:r>
-            <a:r>
-              <a:rPr lang="es" sz="1050">
-                <a:solidFill>
-                  <a:srgbClr val="CE9178"/>
-                </a:solidFill>
-                <a:highlight>
-                  <a:srgbClr val="1E1E1E"/>
-                </a:highlight>
-                <a:latin typeface="Courier New"/>
-                <a:ea typeface="Courier New"/>
-                <a:cs typeface="Courier New"/>
-                <a:sym typeface="Courier New"/>
-              </a:rPr>
-              <a:t>"0"</a:t>
-            </a:r>
-            <a:r>
-              <a:rPr lang="es" sz="1050">
-                <a:solidFill>
-                  <a:srgbClr val="D4D4D4"/>
-                </a:solidFill>
-                <a:highlight>
-                  <a:srgbClr val="1E1E1E"/>
-                </a:highlight>
-                <a:latin typeface="Courier New"/>
-                <a:ea typeface="Courier New"/>
-                <a:cs typeface="Courier New"/>
-                <a:sym typeface="Courier New"/>
-              </a:rPr>
-              <a:t>;</a:t>
-            </a:r>
-            <a:endParaRPr sz="1050">
-              <a:solidFill>
-                <a:srgbClr val="D4D4D4"/>
-              </a:solidFill>
-              <a:highlight>
-                <a:srgbClr val="1E1E1E"/>
-              </a:highlight>
-              <a:latin typeface="Courier New"/>
-              <a:ea typeface="Courier New"/>
-              <a:cs typeface="Courier New"/>
-              <a:sym typeface="Courier New"/>
-            </a:endParaRPr>
-          </a:p>
-          <a:p>
-            <a:pPr indent="0" lvl="0" marL="0" rtl="0" algn="l">
-              <a:lnSpc>
-                <a:spcPct val="135714"/>
-              </a:lnSpc>
-              <a:spcBef>
-                <a:spcPts val="0"/>
-              </a:spcBef>
-              <a:spcAft>
-                <a:spcPts val="0"/>
-              </a:spcAft>
-              <a:buClr>
-                <a:schemeClr val="dk1"/>
-              </a:buClr>
-              <a:buSzPts val="1100"/>
-              <a:buFont typeface="Arial"/>
-              <a:buNone/>
-            </a:pPr>
-            <a:r>
-              <a:rPr lang="es" sz="1050">
-                <a:solidFill>
-                  <a:srgbClr val="D4D4D4"/>
-                </a:solidFill>
-                <a:highlight>
-                  <a:srgbClr val="1E1E1E"/>
-                </a:highlight>
-                <a:latin typeface="Courier New"/>
-                <a:ea typeface="Courier New"/>
-                <a:cs typeface="Courier New"/>
-                <a:sym typeface="Courier New"/>
-              </a:rPr>
-              <a:t>   decimal.value = </a:t>
-            </a:r>
-            <a:r>
-              <a:rPr lang="es" sz="1050">
-                <a:solidFill>
-                  <a:srgbClr val="CE9178"/>
-                </a:solidFill>
-                <a:highlight>
-                  <a:srgbClr val="1E1E1E"/>
-                </a:highlight>
-                <a:latin typeface="Courier New"/>
-                <a:ea typeface="Courier New"/>
-                <a:cs typeface="Courier New"/>
-                <a:sym typeface="Courier New"/>
-              </a:rPr>
-              <a:t>"0"</a:t>
-            </a:r>
-            <a:r>
-              <a:rPr lang="es" sz="1050">
-                <a:solidFill>
-                  <a:srgbClr val="D4D4D4"/>
-                </a:solidFill>
-                <a:highlight>
-                  <a:srgbClr val="1E1E1E"/>
-                </a:highlight>
-                <a:latin typeface="Courier New"/>
-                <a:ea typeface="Courier New"/>
-                <a:cs typeface="Courier New"/>
-                <a:sym typeface="Courier New"/>
-              </a:rPr>
-              <a:t>;</a:t>
-            </a:r>
-            <a:endParaRPr sz="1050">
-              <a:solidFill>
-                <a:srgbClr val="D4D4D4"/>
-              </a:solidFill>
-              <a:highlight>
-                <a:srgbClr val="1E1E1E"/>
-              </a:highlight>
-              <a:latin typeface="Courier New"/>
-              <a:ea typeface="Courier New"/>
-              <a:cs typeface="Courier New"/>
-              <a:sym typeface="Courier New"/>
-            </a:endParaRPr>
-          </a:p>
-          <a:p>
-            <a:pPr indent="0" lvl="0" marL="0" rtl="0" algn="l">
-              <a:lnSpc>
-                <a:spcPct val="135714"/>
-              </a:lnSpc>
-              <a:spcBef>
-                <a:spcPts val="0"/>
-              </a:spcBef>
-              <a:spcAft>
-                <a:spcPts val="0"/>
-              </a:spcAft>
-              <a:buClr>
-                <a:schemeClr val="dk1"/>
-              </a:buClr>
-              <a:buSzPts val="1100"/>
-              <a:buFont typeface="Arial"/>
-              <a:buNone/>
-            </a:pPr>
-            <a:r>
-              <a:rPr lang="es" sz="1050">
-                <a:solidFill>
-                  <a:srgbClr val="D4D4D4"/>
-                </a:solidFill>
-                <a:highlight>
-                  <a:srgbClr val="1E1E1E"/>
-                </a:highlight>
+                  <a:schemeClr val="dk1"/>
+                </a:solidFill>
                 <a:latin typeface="Courier New"/>
                 <a:ea typeface="Courier New"/>
                 <a:cs typeface="Courier New"/>
@@ -8695,11 +5523,8 @@
             </a:r>
             <a:endParaRPr sz="1050">
               <a:solidFill>
-                <a:srgbClr val="D4D4D4"/>
+                <a:schemeClr val="dk1"/>
               </a:solidFill>
-              <a:highlight>
-                <a:srgbClr val="1E1E1E"/>
-              </a:highlight>
               <a:latin typeface="Courier New"/>
               <a:ea typeface="Courier New"/>
               <a:cs typeface="Courier New"/>
@@ -8727,11 +5552,8 @@
             <a:r>
               <a:rPr lang="es" sz="1050">
                 <a:solidFill>
-                  <a:srgbClr val="D4D4D4"/>
-                </a:solidFill>
-                <a:highlight>
-                  <a:srgbClr val="1E1E1E"/>
-                </a:highlight>
+                  <a:schemeClr val="dk1"/>
+                </a:solidFill>
                 <a:latin typeface="Courier New"/>
                 <a:ea typeface="Courier New"/>
                 <a:cs typeface="Courier New"/>
@@ -8741,11 +5563,8 @@
             </a:r>
             <a:endParaRPr sz="1050">
               <a:solidFill>
-                <a:srgbClr val="D4D4D4"/>
+                <a:schemeClr val="dk1"/>
               </a:solidFill>
-              <a:highlight>
-                <a:srgbClr val="1E1E1E"/>
-              </a:highlight>
               <a:latin typeface="Courier New"/>
               <a:ea typeface="Courier New"/>
               <a:cs typeface="Courier New"/>
@@ -30926,6 +27745,285 @@
 </file>
 
 <file path=ppt/theme/theme1.xml><?xml version="1.0" encoding="utf-8"?>
+<a:theme xmlns:a="http://schemas.openxmlformats.org/drawingml/2006/main" xmlns:r="http://schemas.openxmlformats.org/officeDocument/2006/relationships">
+  <a:themeElements>
+    <a:clrScheme name="Default">
+      <a:dk1>
+        <a:srgbClr val="000000"/>
+      </a:dk1>
+      <a:lt1>
+        <a:srgbClr val="FFFFFF"/>
+      </a:lt1>
+      <a:dk2>
+        <a:srgbClr val="158158"/>
+      </a:dk2>
+      <a:lt2>
+        <a:srgbClr val="F3F3F3"/>
+      </a:lt2>
+      <a:accent1>
+        <a:srgbClr val="058DC7"/>
+      </a:accent1>
+      <a:accent2>
+        <a:srgbClr val="50B432"/>
+      </a:accent2>
+      <a:accent3>
+        <a:srgbClr val="ED561B"/>
+      </a:accent3>
+      <a:accent4>
+        <a:srgbClr val="EDEF00"/>
+      </a:accent4>
+      <a:accent5>
+        <a:srgbClr val="24CBE5"/>
+      </a:accent5>
+      <a:accent6>
+        <a:srgbClr val="64E572"/>
+      </a:accent6>
+      <a:hlink>
+        <a:srgbClr val="2200CC"/>
+      </a:hlink>
+      <a:folHlink>
+        <a:srgbClr val="551A8B"/>
+      </a:folHlink>
+    </a:clrScheme>
+    <a:fontScheme name="Office">
+      <a:majorFont>
+        <a:latin typeface="Arial"/>
+        <a:ea typeface=""/>
+        <a:cs typeface=""/>
+        <a:font script="Jpan" typeface="ＭＳ Ｐゴシック"/>
+        <a:font script="Hang" typeface="맑은 고딕"/>
+        <a:font script="Hans" typeface="宋体"/>
+        <a:font script="Hant" typeface="新細明體"/>
+        <a:font script="Arab" typeface="Times New Roman"/>
+        <a:font script="Hebr" typeface="Times New Roman"/>
+        <a:font script="Thai" typeface="Angsana New"/>
+        <a:font script="Ethi" typeface="Nyala"/>
+        <a:font script="Beng" typeface="Vrinda"/>
+        <a:font script="Gujr" typeface="Shruti"/>
+        <a:font script="Khmr" typeface="MoolBoran"/>
+        <a:font script="Knda" typeface="Tunga"/>
+        <a:font script="Guru" typeface="Raavi"/>
+        <a:font script="Cans" typeface="Euphemia"/>
+        <a:font script="Cher" typeface="Plantagenet Cherokee"/>
+        <a:font script="Yiii" typeface="Microsoft Yi Baiti"/>
+        <a:font script="Tibt" typeface="Microsoft Himalaya"/>
+        <a:font script="Thaa" typeface="MV Boli"/>
+        <a:font script="Deva" typeface="Mangal"/>
+        <a:font script="Telu" typeface="Gautami"/>
+        <a:font script="Taml" typeface="Latha"/>
+        <a:font script="Syrc" typeface="Estrangelo Edessa"/>
+        <a:font script="Orya" typeface="Kalinga"/>
+        <a:font script="Mlym" typeface="Kartika"/>
+        <a:font script="Laoo" typeface="DokChampa"/>
+        <a:font script="Sinh" typeface="Iskoola Pota"/>
+        <a:font script="Mong" typeface="Mongolian Baiti"/>
+        <a:font script="Viet" typeface="Times New Roman"/>
+        <a:font script="Uigh" typeface="Microsoft Uighur"/>
+        <a:font script="Geor" typeface="Sylfaen"/>
+      </a:majorFont>
+      <a:minorFont>
+        <a:latin typeface="Arial"/>
+        <a:ea typeface=""/>
+        <a:cs typeface=""/>
+        <a:font script="Jpan" typeface="ＭＳ Ｐゴシック"/>
+        <a:font script="Hang" typeface="맑은 고딕"/>
+        <a:font script="Hans" typeface="宋体"/>
+        <a:font script="Hant" typeface="新細明體"/>
+        <a:font script="Arab" typeface="Arial"/>
+        <a:font script="Hebr" typeface="Arial"/>
+        <a:font script="Thai" typeface="Cordia New"/>
+        <a:font script="Ethi" typeface="Nyala"/>
+        <a:font script="Beng" typeface="Vrinda"/>
+        <a:font script="Gujr" typeface="Shruti"/>
+        <a:font script="Khmr" typeface="DaunPenh"/>
+        <a:font script="Knda" typeface="Tunga"/>
+        <a:font script="Guru" typeface="Raavi"/>
+        <a:font script="Cans" typeface="Euphemia"/>
+        <a:font script="Cher" typeface="Plantagenet Cherokee"/>
+        <a:font script="Yiii" typeface="Microsoft Yi Baiti"/>
+        <a:font script="Tibt" typeface="Microsoft Himalaya"/>
+        <a:font script="Thaa" typeface="MV Boli"/>
+        <a:font script="Deva" typeface="Mangal"/>
+        <a:font script="Telu" typeface="Gautami"/>
+        <a:font script="Taml" typeface="Latha"/>
+        <a:font script="Syrc" typeface="Estrangelo Edessa"/>
+        <a:font script="Orya" typeface="Kalinga"/>
+        <a:font script="Mlym" typeface="Kartika"/>
+        <a:font script="Laoo" typeface="DokChampa"/>
+        <a:font script="Sinh" typeface="Iskoola Pota"/>
+        <a:font script="Mong" typeface="Mongolian Baiti"/>
+        <a:font script="Viet" typeface="Arial"/>
+        <a:font script="Uigh" typeface="Microsoft Uighur"/>
+        <a:font script="Geor" typeface="Sylfaen"/>
+      </a:minorFont>
+    </a:fontScheme>
+    <a:fmtScheme name="Office">
+      <a:fillStyleLst>
+        <a:solidFill>
+          <a:schemeClr val="phClr"/>
+        </a:solidFill>
+        <a:gradFill rotWithShape="1">
+          <a:gsLst>
+            <a:gs pos="0">
+              <a:schemeClr val="phClr">
+                <a:tint val="50000"/>
+                <a:satMod val="300000"/>
+              </a:schemeClr>
+            </a:gs>
+            <a:gs pos="35000">
+              <a:schemeClr val="phClr">
+                <a:tint val="37000"/>
+                <a:satMod val="300000"/>
+              </a:schemeClr>
+            </a:gs>
+            <a:gs pos="100000">
+              <a:schemeClr val="phClr">
+                <a:tint val="15000"/>
+                <a:satMod val="350000"/>
+              </a:schemeClr>
+            </a:gs>
+          </a:gsLst>
+          <a:lin ang="16200000" scaled="1"/>
+        </a:gradFill>
+        <a:gradFill rotWithShape="1">
+          <a:gsLst>
+            <a:gs pos="0">
+              <a:schemeClr val="phClr">
+                <a:tint val="100000"/>
+                <a:shade val="100000"/>
+                <a:satMod val="130000"/>
+              </a:schemeClr>
+            </a:gs>
+            <a:gs pos="100000">
+              <a:schemeClr val="phClr">
+                <a:tint val="50000"/>
+                <a:shade val="100000"/>
+                <a:satMod val="350000"/>
+              </a:schemeClr>
+            </a:gs>
+          </a:gsLst>
+          <a:lin ang="16200000" scaled="0"/>
+        </a:gradFill>
+      </a:fillStyleLst>
+      <a:lnStyleLst>
+        <a:ln w="9525" cap="flat" cmpd="sng" algn="ctr">
+          <a:solidFill>
+            <a:schemeClr val="phClr">
+              <a:shade val="95000"/>
+              <a:satMod val="105000"/>
+            </a:schemeClr>
+          </a:solidFill>
+          <a:prstDash val="solid"/>
+        </a:ln>
+        <a:ln w="25400" cap="flat" cmpd="sng" algn="ctr">
+          <a:solidFill>
+            <a:schemeClr val="phClr"/>
+          </a:solidFill>
+          <a:prstDash val="solid"/>
+        </a:ln>
+        <a:ln w="38100" cap="flat" cmpd="sng" algn="ctr">
+          <a:solidFill>
+            <a:schemeClr val="phClr"/>
+          </a:solidFill>
+          <a:prstDash val="solid"/>
+        </a:ln>
+      </a:lnStyleLst>
+      <a:effectStyleLst>
+        <a:effectStyle>
+          <a:effectLst>
+            <a:outerShdw blurRad="40000" dist="20000" dir="5400000" rotWithShape="0">
+              <a:srgbClr val="000000">
+                <a:alpha val="38000"/>
+              </a:srgbClr>
+            </a:outerShdw>
+          </a:effectLst>
+        </a:effectStyle>
+        <a:effectStyle>
+          <a:effectLst>
+            <a:outerShdw blurRad="40000" dist="23000" dir="5400000" rotWithShape="0">
+              <a:srgbClr val="000000">
+                <a:alpha val="35000"/>
+              </a:srgbClr>
+            </a:outerShdw>
+          </a:effectLst>
+        </a:effectStyle>
+        <a:effectStyle>
+          <a:effectLst>
+            <a:outerShdw blurRad="40000" dist="23000" dir="5400000" rotWithShape="0">
+              <a:srgbClr val="000000">
+                <a:alpha val="35000"/>
+              </a:srgbClr>
+            </a:outerShdw>
+          </a:effectLst>
+          <a:scene3d>
+            <a:camera prst="orthographicFront">
+              <a:rot lat="0" lon="0" rev="0"/>
+            </a:camera>
+            <a:lightRig rig="threePt" dir="t">
+              <a:rot lat="0" lon="0" rev="1200000"/>
+            </a:lightRig>
+          </a:scene3d>
+          <a:sp3d>
+            <a:bevelT w="63500" h="25400"/>
+          </a:sp3d>
+        </a:effectStyle>
+      </a:effectStyleLst>
+      <a:bgFillStyleLst>
+        <a:solidFill>
+          <a:schemeClr val="phClr"/>
+        </a:solidFill>
+        <a:gradFill rotWithShape="1">
+          <a:gsLst>
+            <a:gs pos="0">
+              <a:schemeClr val="phClr">
+                <a:tint val="40000"/>
+                <a:satMod val="350000"/>
+              </a:schemeClr>
+            </a:gs>
+            <a:gs pos="40000">
+              <a:schemeClr val="phClr">
+                <a:tint val="45000"/>
+                <a:shade val="99000"/>
+                <a:satMod val="350000"/>
+              </a:schemeClr>
+            </a:gs>
+            <a:gs pos="100000">
+              <a:schemeClr val="phClr">
+                <a:shade val="20000"/>
+                <a:satMod val="255000"/>
+              </a:schemeClr>
+            </a:gs>
+          </a:gsLst>
+          <a:path path="circle">
+            <a:fillToRect l="50000" t="-80000" r="50000" b="180000"/>
+          </a:path>
+        </a:gradFill>
+        <a:gradFill rotWithShape="1">
+          <a:gsLst>
+            <a:gs pos="0">
+              <a:schemeClr val="phClr">
+                <a:tint val="80000"/>
+                <a:satMod val="300000"/>
+              </a:schemeClr>
+            </a:gs>
+            <a:gs pos="100000">
+              <a:schemeClr val="phClr">
+                <a:shade val="30000"/>
+                <a:satMod val="200000"/>
+              </a:schemeClr>
+            </a:gs>
+          </a:gsLst>
+          <a:path path="circle">
+            <a:fillToRect l="50000" t="50000" r="50000" b="50000"/>
+          </a:path>
+        </a:gradFill>
+      </a:bgFillStyleLst>
+    </a:fmtScheme>
+  </a:themeElements>
+</a:theme>
+</file>
+
+<file path=ppt/theme/theme2.xml><?xml version="1.0" encoding="utf-8"?>
 <a:theme xmlns:a="http://schemas.openxmlformats.org/drawingml/2006/main" xmlns:r="http://schemas.openxmlformats.org/officeDocument/2006/relationships" name="Shift">
   <a:themeElements>
     <a:clrScheme name="Shift">
@@ -31202,283 +28300,4 @@
     </a:fmtScheme>
   </a:themeElements>
 </a:theme>
-</file>
-
-<file path=ppt/theme/theme2.xml><?xml version="1.0" encoding="utf-8"?>
-<a:theme xmlns:a="http://schemas.openxmlformats.org/drawingml/2006/main" xmlns:r="http://schemas.openxmlformats.org/officeDocument/2006/relationships">
-  <a:themeElements>
-    <a:clrScheme name="Default">
-      <a:dk1>
-        <a:srgbClr val="000000"/>
-      </a:dk1>
-      <a:lt1>
-        <a:srgbClr val="FFFFFF"/>
-      </a:lt1>
-      <a:dk2>
-        <a:srgbClr val="158158"/>
-      </a:dk2>
-      <a:lt2>
-        <a:srgbClr val="F3F3F3"/>
-      </a:lt2>
-      <a:accent1>
-        <a:srgbClr val="058DC7"/>
-      </a:accent1>
-      <a:accent2>
-        <a:srgbClr val="50B432"/>
-      </a:accent2>
-      <a:accent3>
-        <a:srgbClr val="ED561B"/>
-      </a:accent3>
-      <a:accent4>
-        <a:srgbClr val="EDEF00"/>
-      </a:accent4>
-      <a:accent5>
-        <a:srgbClr val="24CBE5"/>
-      </a:accent5>
-      <a:accent6>
-        <a:srgbClr val="64E572"/>
-      </a:accent6>
-      <a:hlink>
-        <a:srgbClr val="2200CC"/>
-      </a:hlink>
-      <a:folHlink>
-        <a:srgbClr val="551A8B"/>
-      </a:folHlink>
-    </a:clrScheme>
-    <a:fontScheme name="Office">
-      <a:majorFont>
-        <a:latin typeface="Arial"/>
-        <a:ea typeface=""/>
-        <a:cs typeface=""/>
-        <a:font script="Jpan" typeface="ＭＳ Ｐゴシック"/>
-        <a:font script="Hang" typeface="맑은 고딕"/>
-        <a:font script="Hans" typeface="宋体"/>
-        <a:font script="Hant" typeface="新細明體"/>
-        <a:font script="Arab" typeface="Times New Roman"/>
-        <a:font script="Hebr" typeface="Times New Roman"/>
-        <a:font script="Thai" typeface="Angsana New"/>
-        <a:font script="Ethi" typeface="Nyala"/>
-        <a:font script="Beng" typeface="Vrinda"/>
-        <a:font script="Gujr" typeface="Shruti"/>
-        <a:font script="Khmr" typeface="MoolBoran"/>
-        <a:font script="Knda" typeface="Tunga"/>
-        <a:font script="Guru" typeface="Raavi"/>
-        <a:font script="Cans" typeface="Euphemia"/>
-        <a:font script="Cher" typeface="Plantagenet Cherokee"/>
-        <a:font script="Yiii" typeface="Microsoft Yi Baiti"/>
-        <a:font script="Tibt" typeface="Microsoft Himalaya"/>
-        <a:font script="Thaa" typeface="MV Boli"/>
-        <a:font script="Deva" typeface="Mangal"/>
-        <a:font script="Telu" typeface="Gautami"/>
-        <a:font script="Taml" typeface="Latha"/>
-        <a:font script="Syrc" typeface="Estrangelo Edessa"/>
-        <a:font script="Orya" typeface="Kalinga"/>
-        <a:font script="Mlym" typeface="Kartika"/>
-        <a:font script="Laoo" typeface="DokChampa"/>
-        <a:font script="Sinh" typeface="Iskoola Pota"/>
-        <a:font script="Mong" typeface="Mongolian Baiti"/>
-        <a:font script="Viet" typeface="Times New Roman"/>
-        <a:font script="Uigh" typeface="Microsoft Uighur"/>
-        <a:font script="Geor" typeface="Sylfaen"/>
-      </a:majorFont>
-      <a:minorFont>
-        <a:latin typeface="Arial"/>
-        <a:ea typeface=""/>
-        <a:cs typeface=""/>
-        <a:font script="Jpan" typeface="ＭＳ Ｐゴシック"/>
-        <a:font script="Hang" typeface="맑은 고딕"/>
-        <a:font script="Hans" typeface="宋体"/>
-        <a:font script="Hant" typeface="新細明體"/>
-        <a:font script="Arab" typeface="Arial"/>
-        <a:font script="Hebr" typeface="Arial"/>
-        <a:font script="Thai" typeface="Cordia New"/>
-        <a:font script="Ethi" typeface="Nyala"/>
-        <a:font script="Beng" typeface="Vrinda"/>
-        <a:font script="Gujr" typeface="Shruti"/>
-        <a:font script="Khmr" typeface="DaunPenh"/>
-        <a:font script="Knda" typeface="Tunga"/>
-        <a:font script="Guru" typeface="Raavi"/>
-        <a:font script="Cans" typeface="Euphemia"/>
-        <a:font script="Cher" typeface="Plantagenet Cherokee"/>
-        <a:font script="Yiii" typeface="Microsoft Yi Baiti"/>
-        <a:font script="Tibt" typeface="Microsoft Himalaya"/>
-        <a:font script="Thaa" typeface="MV Boli"/>
-        <a:font script="Deva" typeface="Mangal"/>
-        <a:font script="Telu" typeface="Gautami"/>
-        <a:font script="Taml" typeface="Latha"/>
-        <a:font script="Syrc" typeface="Estrangelo Edessa"/>
-        <a:font script="Orya" typeface="Kalinga"/>
-        <a:font script="Mlym" typeface="Kartika"/>
-        <a:font script="Laoo" typeface="DokChampa"/>
-        <a:font script="Sinh" typeface="Iskoola Pota"/>
-        <a:font script="Mong" typeface="Mongolian Baiti"/>
-        <a:font script="Viet" typeface="Arial"/>
-        <a:font script="Uigh" typeface="Microsoft Uighur"/>
-        <a:font script="Geor" typeface="Sylfaen"/>
-      </a:minorFont>
-    </a:fontScheme>
-    <a:fmtScheme name="Office">
-      <a:fillStyleLst>
-        <a:solidFill>
-          <a:schemeClr val="phClr"/>
-        </a:solidFill>
-        <a:gradFill rotWithShape="1">
-          <a:gsLst>
-            <a:gs pos="0">
-              <a:schemeClr val="phClr">
-                <a:tint val="50000"/>
-                <a:satMod val="300000"/>
-              </a:schemeClr>
-            </a:gs>
-            <a:gs pos="35000">
-              <a:schemeClr val="phClr">
-                <a:tint val="37000"/>
-                <a:satMod val="300000"/>
-              </a:schemeClr>
-            </a:gs>
-            <a:gs pos="100000">
-              <a:schemeClr val="phClr">
-                <a:tint val="15000"/>
-                <a:satMod val="350000"/>
-              </a:schemeClr>
-            </a:gs>
-          </a:gsLst>
-          <a:lin ang="16200000" scaled="1"/>
-        </a:gradFill>
-        <a:gradFill rotWithShape="1">
-          <a:gsLst>
-            <a:gs pos="0">
-              <a:schemeClr val="phClr">
-                <a:tint val="100000"/>
-                <a:shade val="100000"/>
-                <a:satMod val="130000"/>
-              </a:schemeClr>
-            </a:gs>
-            <a:gs pos="100000">
-              <a:schemeClr val="phClr">
-                <a:tint val="50000"/>
-                <a:shade val="100000"/>
-                <a:satMod val="350000"/>
-              </a:schemeClr>
-            </a:gs>
-          </a:gsLst>
-          <a:lin ang="16200000" scaled="0"/>
-        </a:gradFill>
-      </a:fillStyleLst>
-      <a:lnStyleLst>
-        <a:ln w="9525" cap="flat" cmpd="sng" algn="ctr">
-          <a:solidFill>
-            <a:schemeClr val="phClr">
-              <a:shade val="95000"/>
-              <a:satMod val="105000"/>
-            </a:schemeClr>
-          </a:solidFill>
-          <a:prstDash val="solid"/>
-        </a:ln>
-        <a:ln w="25400" cap="flat" cmpd="sng" algn="ctr">
-          <a:solidFill>
-            <a:schemeClr val="phClr"/>
-          </a:solidFill>
-          <a:prstDash val="solid"/>
-        </a:ln>
-        <a:ln w="38100" cap="flat" cmpd="sng" algn="ctr">
-          <a:solidFill>
-            <a:schemeClr val="phClr"/>
-          </a:solidFill>
-          <a:prstDash val="solid"/>
-        </a:ln>
-      </a:lnStyleLst>
-      <a:effectStyleLst>
-        <a:effectStyle>
-          <a:effectLst>
-            <a:outerShdw blurRad="40000" dist="20000" dir="5400000" rotWithShape="0">
-              <a:srgbClr val="000000">
-                <a:alpha val="38000"/>
-              </a:srgbClr>
-            </a:outerShdw>
-          </a:effectLst>
-        </a:effectStyle>
-        <a:effectStyle>
-          <a:effectLst>
-            <a:outerShdw blurRad="40000" dist="23000" dir="5400000" rotWithShape="0">
-              <a:srgbClr val="000000">
-                <a:alpha val="35000"/>
-              </a:srgbClr>
-            </a:outerShdw>
-          </a:effectLst>
-        </a:effectStyle>
-        <a:effectStyle>
-          <a:effectLst>
-            <a:outerShdw blurRad="40000" dist="23000" dir="5400000" rotWithShape="0">
-              <a:srgbClr val="000000">
-                <a:alpha val="35000"/>
-              </a:srgbClr>
-            </a:outerShdw>
-          </a:effectLst>
-          <a:scene3d>
-            <a:camera prst="orthographicFront">
-              <a:rot lat="0" lon="0" rev="0"/>
-            </a:camera>
-            <a:lightRig rig="threePt" dir="t">
-              <a:rot lat="0" lon="0" rev="1200000"/>
-            </a:lightRig>
-          </a:scene3d>
-          <a:sp3d>
-            <a:bevelT w="63500" h="25400"/>
-          </a:sp3d>
-        </a:effectStyle>
-      </a:effectStyleLst>
-      <a:bgFillStyleLst>
-        <a:solidFill>
-          <a:schemeClr val="phClr"/>
-        </a:solidFill>
-        <a:gradFill rotWithShape="1">
-          <a:gsLst>
-            <a:gs pos="0">
-              <a:schemeClr val="phClr">
-                <a:tint val="40000"/>
-                <a:satMod val="350000"/>
-              </a:schemeClr>
-            </a:gs>
-            <a:gs pos="40000">
-              <a:schemeClr val="phClr">
-                <a:tint val="45000"/>
-                <a:shade val="99000"/>
-                <a:satMod val="350000"/>
-              </a:schemeClr>
-            </a:gs>
-            <a:gs pos="100000">
-              <a:schemeClr val="phClr">
-                <a:shade val="20000"/>
-                <a:satMod val="255000"/>
-              </a:schemeClr>
-            </a:gs>
-          </a:gsLst>
-          <a:path path="circle">
-            <a:fillToRect l="50000" t="-80000" r="50000" b="180000"/>
-          </a:path>
-        </a:gradFill>
-        <a:gradFill rotWithShape="1">
-          <a:gsLst>
-            <a:gs pos="0">
-              <a:schemeClr val="phClr">
-                <a:tint val="80000"/>
-                <a:satMod val="300000"/>
-              </a:schemeClr>
-            </a:gs>
-            <a:gs pos="100000">
-              <a:schemeClr val="phClr">
-                <a:shade val="30000"/>
-                <a:satMod val="200000"/>
-              </a:schemeClr>
-            </a:gs>
-          </a:gsLst>
-          <a:path path="circle">
-            <a:fillToRect l="50000" t="50000" r="50000" b="50000"/>
-          </a:path>
-        </a:gradFill>
-      </a:bgFillStyleLst>
-    </a:fmtScheme>
-  </a:themeElements>
-</a:theme>
 </file>